--- a/docker/03_Images.pptx
+++ b/docker/03_Images.pptx
@@ -9810,8 +9810,12 @@
           <a:lstStyle/>
           <a:p>
             <a:r>
+              <a:rPr lang="en-US"/>
+              <a:t>Exercise #3 </a:t>
+            </a:r>
+            <a:r>
               <a:rPr lang="en-US" dirty="0"/>
-              <a:t>Exercise #4 – Images</a:t>
+              <a:t>– Images</a:t>
             </a:r>
           </a:p>
         </p:txBody>

--- a/docker/03_Images.pptx
+++ b/docker/03_Images.pptx
@@ -5,24 +5,26 @@
     <p:sldMasterId id="2147483733" r:id="rId1"/>
   </p:sldMasterIdLst>
   <p:notesMasterIdLst>
-    <p:notesMasterId r:id="rId14"/>
+    <p:notesMasterId r:id="rId16"/>
   </p:notesMasterIdLst>
   <p:handoutMasterIdLst>
-    <p:handoutMasterId r:id="rId15"/>
+    <p:handoutMasterId r:id="rId17"/>
   </p:handoutMasterIdLst>
   <p:sldIdLst>
     <p:sldId id="434" r:id="rId2"/>
     <p:sldId id="439" r:id="rId3"/>
     <p:sldId id="440" r:id="rId4"/>
     <p:sldId id="441" r:id="rId5"/>
-    <p:sldId id="446" r:id="rId6"/>
-    <p:sldId id="467" r:id="rId7"/>
-    <p:sldId id="442" r:id="rId8"/>
-    <p:sldId id="447" r:id="rId9"/>
-    <p:sldId id="468" r:id="rId10"/>
-    <p:sldId id="466" r:id="rId11"/>
-    <p:sldId id="464" r:id="rId12"/>
-    <p:sldId id="265" r:id="rId13"/>
+    <p:sldId id="470" r:id="rId6"/>
+    <p:sldId id="469" r:id="rId7"/>
+    <p:sldId id="467" r:id="rId8"/>
+    <p:sldId id="442" r:id="rId9"/>
+    <p:sldId id="447" r:id="rId10"/>
+    <p:sldId id="446" r:id="rId11"/>
+    <p:sldId id="468" r:id="rId12"/>
+    <p:sldId id="466" r:id="rId13"/>
+    <p:sldId id="464" r:id="rId14"/>
+    <p:sldId id="265" r:id="rId15"/>
   </p:sldIdLst>
   <p:sldSz cx="12195175" cy="6858000"/>
   <p:notesSz cx="6858000" cy="9144000"/>
@@ -689,9 +691,153 @@
         </p:nvSpPr>
         <p:spPr/>
         <p:txBody>
-          <a:bodyPr/>
+          <a:bodyPr>
+            <a:normAutofit fontScale="85000" lnSpcReduction="10000"/>
+          </a:bodyPr>
           <a:lstStyle/>
           <a:p>
+            <a:r>
+              <a:rPr lang="en-US" dirty="0"/>
+              <a:t>Let’s talk about image names and tags. Docker has a system of creating URIs for any image, where the URI includes the registry as well as the image name &amp; tag.</a:t>
+            </a:r>
+          </a:p>
+          <a:p>
+            <a:endParaRPr lang="en-US" dirty="0"/>
+          </a:p>
+          <a:p>
+            <a:pPr marL="285750" indent="-285750">
+              <a:buFontTx/>
+              <a:buChar char="-"/>
+            </a:pPr>
+            <a:r>
+              <a:rPr lang="en-US" dirty="0"/>
+              <a:t>Registry URL: the registry this image has been downloaded from or where it should be uploaded to. Docker is also configured with a default registry (run “docker info” to get the info). For most installations this will be hub.docker.com (translates to https://index.docker.io/v1/). So or any image related to the docker hub, the registry URL string is omitted. </a:t>
+            </a:r>
+          </a:p>
+          <a:p>
+            <a:pPr marL="285750" indent="-285750">
+              <a:buFontTx/>
+              <a:buChar char="-"/>
+            </a:pPr>
+            <a:r>
+              <a:rPr lang="en-US" dirty="0"/>
+              <a:t>Repository: you could also call it the image’s name. Can contain subfolders. When you download images from docker hub you will only see the repo name here, no registry URL.</a:t>
+            </a:r>
+          </a:p>
+          <a:p>
+            <a:pPr marL="285750" indent="-285750">
+              <a:buFontTx/>
+              <a:buChar char="-"/>
+            </a:pPr>
+            <a:r>
+              <a:rPr lang="en-US" dirty="0"/>
+              <a:t>Tag: alpha-numeric string, free text. Anybody with write permissions on the repo can re-upload a different image with the same tag. Last write wins ;) however usually version tags are quite stable. There is one special tag, called “latest”.  It is just a placeholder for “no tag”. So “my-registry.com/</a:t>
+            </a:r>
+            <a:r>
+              <a:rPr lang="en-US" dirty="0" err="1"/>
+              <a:t>busybox</a:t>
+            </a:r>
+            <a:r>
+              <a:rPr lang="en-US" dirty="0"/>
+              <a:t>” and “my-registry.com/</a:t>
+            </a:r>
+            <a:r>
+              <a:rPr lang="en-US" dirty="0" err="1"/>
+              <a:t>busybox:latest</a:t>
+            </a:r>
+            <a:r>
+              <a:rPr lang="en-US" dirty="0"/>
+              <a:t>” are the same thing.</a:t>
+            </a:r>
+          </a:p>
+          <a:p>
+            <a:pPr marL="285750" indent="-285750">
+              <a:buFontTx/>
+              <a:buChar char="-"/>
+            </a:pPr>
+            <a:r>
+              <a:rPr lang="en-US" dirty="0"/>
+              <a:t>It is best practice to always use an explicit tag and not to override existing tags.</a:t>
+            </a:r>
+          </a:p>
+          <a:p>
+            <a:pPr marL="285750" indent="-285750">
+              <a:buFontTx/>
+              <a:buChar char="-"/>
+            </a:pPr>
+            <a:endParaRPr lang="en-US" dirty="0"/>
+          </a:p>
+          <a:p>
+            <a:pPr marL="0" indent="0">
+              <a:buFontTx/>
+              <a:buNone/>
+            </a:pPr>
+            <a:r>
+              <a:rPr lang="en-US" dirty="0"/>
+              <a:t>How to use tagging? Docker knows a “tag” command, so let’s have look:</a:t>
+            </a:r>
+          </a:p>
+          <a:p>
+            <a:pPr marL="285750" indent="-285750">
+              <a:buFontTx/>
+              <a:buChar char="-"/>
+            </a:pPr>
+            <a:r>
+              <a:rPr lang="en-US" dirty="0"/>
+              <a:t>Tagging works like creating a </a:t>
+            </a:r>
+            <a:r>
+              <a:rPr lang="en-US" dirty="0" err="1"/>
+              <a:t>sym</a:t>
+            </a:r>
+            <a:r>
+              <a:rPr lang="en-US" dirty="0"/>
+              <a:t>-link on Linux. You can have as many different references to an images as you want.</a:t>
+            </a:r>
+          </a:p>
+          <a:p>
+            <a:pPr marL="285750" indent="-285750">
+              <a:buFontTx/>
+              <a:buChar char="-"/>
+            </a:pPr>
+            <a:r>
+              <a:rPr lang="en-US" dirty="0"/>
+              <a:t>To tag an image, you can reference it either by its ID or its </a:t>
+            </a:r>
+            <a:r>
+              <a:rPr lang="en-US" dirty="0" err="1"/>
+              <a:t>repository:tag</a:t>
+            </a:r>
+            <a:r>
+              <a:rPr lang="en-US" dirty="0"/>
+              <a:t> link.</a:t>
+            </a:r>
+          </a:p>
+          <a:p>
+            <a:pPr marL="285750" indent="-285750">
+              <a:buFontTx/>
+              <a:buChar char="-"/>
+            </a:pPr>
+            <a:r>
+              <a:rPr lang="en-US" dirty="0"/>
+              <a:t>Docker tag: assign the full string of registry URL + repo + version tag to an image</a:t>
+            </a:r>
+          </a:p>
+          <a:p>
+            <a:pPr marL="285750" indent="-285750">
+              <a:buFontTx/>
+              <a:buChar char="-"/>
+            </a:pPr>
+            <a:r>
+              <a:rPr lang="en-US" dirty="0"/>
+              <a:t>Docker push: send the image to the remote location, that is encoded in the image name</a:t>
+            </a:r>
+          </a:p>
+          <a:p>
+            <a:pPr marL="0" indent="0">
+              <a:buFontTx/>
+              <a:buNone/>
+            </a:pPr>
             <a:endParaRPr lang="en-US" dirty="0"/>
           </a:p>
         </p:txBody>
@@ -723,6 +869,339 @@
     </p:spTree>
     <p:extLst>
       <p:ext uri="{BB962C8B-B14F-4D97-AF65-F5344CB8AC3E}">
+        <p14:creationId xmlns:p14="http://schemas.microsoft.com/office/powerpoint/2010/main" val="1328423813"/>
+      </p:ext>
+    </p:extLst>
+  </p:cSld>
+  <p:clrMapOvr>
+    <a:masterClrMapping/>
+  </p:clrMapOvr>
+</p:notes>
+</file>
+
+<file path=ppt/notesSlides/notesSlide11.xml><?xml version="1.0" encoding="utf-8"?>
+<p:notes xmlns:a="http://schemas.openxmlformats.org/drawingml/2006/main" xmlns:r="http://schemas.openxmlformats.org/officeDocument/2006/relationships" xmlns:p="http://schemas.openxmlformats.org/presentationml/2006/main">
+  <p:cSld>
+    <p:spTree>
+      <p:nvGrpSpPr>
+        <p:cNvPr id="1" name=""/>
+        <p:cNvGrpSpPr/>
+        <p:nvPr/>
+      </p:nvGrpSpPr>
+      <p:grpSpPr>
+        <a:xfrm>
+          <a:off x="0" y="0"/>
+          <a:ext cx="0" cy="0"/>
+          <a:chOff x="0" y="0"/>
+          <a:chExt cx="0" cy="0"/>
+        </a:xfrm>
+      </p:grpSpPr>
+      <p:sp>
+        <p:nvSpPr>
+          <p:cNvPr id="2" name="Slide Image Placeholder 1"/>
+          <p:cNvSpPr>
+            <a:spLocks noGrp="1" noRot="1" noChangeAspect="1"/>
+          </p:cNvSpPr>
+          <p:nvPr>
+            <p:ph type="sldImg"/>
+          </p:nvPr>
+        </p:nvSpPr>
+        <p:spPr/>
+      </p:sp>
+      <p:sp>
+        <p:nvSpPr>
+          <p:cNvPr id="3" name="Notes Placeholder 2"/>
+          <p:cNvSpPr>
+            <a:spLocks noGrp="1"/>
+          </p:cNvSpPr>
+          <p:nvPr>
+            <p:ph type="body" idx="1"/>
+          </p:nvPr>
+        </p:nvSpPr>
+        <p:spPr/>
+        <p:txBody>
+          <a:bodyPr>
+            <a:normAutofit lnSpcReduction="10000"/>
+          </a:bodyPr>
+          <a:lstStyle/>
+          <a:p>
+            <a:pPr marL="0" indent="0">
+              <a:buFontTx/>
+              <a:buNone/>
+            </a:pPr>
+            <a:r>
+              <a:rPr lang="en-US" b="0" dirty="0"/>
+              <a:t>Prerequisites: you have trusted the certificate of the registry for this training (the one deployed into the cluster)</a:t>
+            </a:r>
+          </a:p>
+          <a:p>
+            <a:pPr marL="0" indent="0">
+              <a:buFontTx/>
+              <a:buNone/>
+            </a:pPr>
+            <a:endParaRPr lang="en-US" b="0" dirty="0"/>
+          </a:p>
+          <a:p>
+            <a:pPr marL="0" indent="0">
+              <a:buFontTx/>
+              <a:buNone/>
+            </a:pPr>
+            <a:r>
+              <a:rPr lang="en-US" b="0" dirty="0"/>
+              <a:t>Explain how to work with (remote) registries:</a:t>
+            </a:r>
+          </a:p>
+          <a:p>
+            <a:pPr marL="0" indent="0">
+              <a:buFontTx/>
+              <a:buNone/>
+            </a:pPr>
+            <a:endParaRPr lang="en-US" b="0" dirty="0"/>
+          </a:p>
+          <a:p>
+            <a:pPr marL="285750" indent="-285750">
+              <a:buFontTx/>
+              <a:buChar char="-"/>
+            </a:pPr>
+            <a:r>
+              <a:rPr lang="en-US" b="0" dirty="0"/>
+              <a:t>Docker image list</a:t>
+            </a:r>
+          </a:p>
+          <a:p>
+            <a:pPr marL="285750" indent="-285750">
+              <a:buFontTx/>
+              <a:buChar char="-"/>
+            </a:pPr>
+            <a:r>
+              <a:rPr lang="en-US" b="0" dirty="0"/>
+              <a:t>Next, tag one of the existing images with a different repo/tag combination like “docker tag </a:t>
+            </a:r>
+            <a:r>
+              <a:rPr lang="en-US" b="0" dirty="0" err="1"/>
+              <a:t>nginx:mainline</a:t>
+            </a:r>
+            <a:r>
+              <a:rPr lang="en-US" b="0" dirty="0"/>
+              <a:t> my-nginx:v0.1”</a:t>
+            </a:r>
+          </a:p>
+          <a:p>
+            <a:pPr marL="285750" indent="-285750">
+              <a:buFontTx/>
+              <a:buChar char="-"/>
+            </a:pPr>
+            <a:r>
+              <a:rPr lang="en-US" b="0" dirty="0"/>
+              <a:t>List the images again and outline that both </a:t>
+            </a:r>
+            <a:r>
+              <a:rPr lang="en-US" b="0" dirty="0" err="1"/>
+              <a:t>nginx:mainline</a:t>
+            </a:r>
+            <a:r>
+              <a:rPr lang="en-US" b="0" dirty="0"/>
+              <a:t> as well as my-nginx:v0.1 have the same image ID. The image is not stored twice but simply referenced by different names</a:t>
+            </a:r>
+          </a:p>
+          <a:p>
+            <a:pPr marL="285750" indent="-285750">
+              <a:buFontTx/>
+              <a:buChar char="-"/>
+            </a:pPr>
+            <a:r>
+              <a:rPr lang="en-US" b="0" dirty="0"/>
+              <a:t>Now you can tag the </a:t>
+            </a:r>
+            <a:r>
+              <a:rPr lang="en-US" b="0" dirty="0" err="1"/>
+              <a:t>niginx</a:t>
+            </a:r>
+            <a:r>
+              <a:rPr lang="en-US" b="0" dirty="0"/>
+              <a:t> with the URL of your remote registry as well </a:t>
+            </a:r>
+            <a:r>
+              <a:rPr lang="en-US" b="0" dirty="0" err="1"/>
+              <a:t>registry.ingress</a:t>
+            </a:r>
+            <a:r>
+              <a:rPr lang="en-US" b="0" dirty="0"/>
+              <a:t>.&lt;</a:t>
+            </a:r>
+            <a:r>
+              <a:rPr lang="en-US" b="0" dirty="0" err="1"/>
+              <a:t>clustername</a:t>
+            </a:r>
+            <a:r>
+              <a:rPr lang="en-US" b="0" dirty="0"/>
+              <a:t>&gt;.k8s-train.shoot.canary.k8s-hana.ondemand.com/nginx:v0.1</a:t>
+            </a:r>
+          </a:p>
+          <a:p>
+            <a:pPr marL="285750" indent="-285750">
+              <a:buFontTx/>
+              <a:buChar char="-"/>
+            </a:pPr>
+            <a:r>
+              <a:rPr lang="en-US" b="0" dirty="0"/>
+              <a:t>Push the image to the remote location (use the full string again): docker push </a:t>
+            </a:r>
+            <a:r>
+              <a:rPr lang="en-US" b="0" dirty="0" err="1"/>
+              <a:t>registry.ingress</a:t>
+            </a:r>
+            <a:r>
+              <a:rPr lang="en-US" b="0" dirty="0"/>
+              <a:t>.&lt;</a:t>
+            </a:r>
+            <a:r>
+              <a:rPr lang="en-US" b="0" dirty="0" err="1"/>
+              <a:t>clustername</a:t>
+            </a:r>
+            <a:r>
+              <a:rPr lang="en-US" b="0" dirty="0"/>
+              <a:t>&gt;.k8s-train.shoot.canary.k8s-hana.ondemand.com/nginx:v0.1</a:t>
+            </a:r>
+          </a:p>
+          <a:p>
+            <a:pPr marL="285750" indent="-285750">
+              <a:buFontTx/>
+              <a:buChar char="-"/>
+            </a:pPr>
+            <a:endParaRPr lang="en-US" b="0" dirty="0"/>
+          </a:p>
+          <a:p>
+            <a:pPr marL="285750" indent="-285750">
+              <a:buFontTx/>
+              <a:buChar char="-"/>
+            </a:pPr>
+            <a:endParaRPr lang="en-US" b="0" dirty="0"/>
+          </a:p>
+          <a:p>
+            <a:pPr marL="285750" indent="-285750">
+              <a:buFontTx/>
+              <a:buChar char="-"/>
+            </a:pPr>
+            <a:r>
+              <a:rPr lang="en-US" b="0" dirty="0"/>
+              <a:t>If you get a certificate error, you haven’t trusted the CA that signed the registries certificates. If anyone of the participants face this issue, they should re-run the get_kube_config.sh script and restart their docker daemon.</a:t>
+            </a:r>
+          </a:p>
+        </p:txBody>
+      </p:sp>
+      <p:sp>
+        <p:nvSpPr>
+          <p:cNvPr id="4" name="Slide Number Placeholder 3"/>
+          <p:cNvSpPr>
+            <a:spLocks noGrp="1"/>
+          </p:cNvSpPr>
+          <p:nvPr>
+            <p:ph type="sldNum" sz="quarter" idx="10"/>
+          </p:nvPr>
+        </p:nvSpPr>
+        <p:spPr/>
+        <p:txBody>
+          <a:bodyPr/>
+          <a:lstStyle/>
+          <a:p>
+            <a:fld id="{7D8C2C35-2B8A-446E-BEC0-FD36716C29AC}" type="slidenum">
+              <a:rPr lang="de-DE" smtClean="0"/>
+              <a:pPr/>
+              <a:t>12</a:t>
+            </a:fld>
+            <a:endParaRPr lang="de-DE" dirty="0"/>
+          </a:p>
+        </p:txBody>
+      </p:sp>
+    </p:spTree>
+    <p:extLst>
+      <p:ext uri="{BB962C8B-B14F-4D97-AF65-F5344CB8AC3E}">
+        <p14:creationId xmlns:p14="http://schemas.microsoft.com/office/powerpoint/2010/main" val="15345096"/>
+      </p:ext>
+    </p:extLst>
+  </p:cSld>
+  <p:clrMapOvr>
+    <a:masterClrMapping/>
+  </p:clrMapOvr>
+</p:notes>
+</file>
+
+<file path=ppt/notesSlides/notesSlide12.xml><?xml version="1.0" encoding="utf-8"?>
+<p:notes xmlns:a="http://schemas.openxmlformats.org/drawingml/2006/main" xmlns:r="http://schemas.openxmlformats.org/officeDocument/2006/relationships" xmlns:p="http://schemas.openxmlformats.org/presentationml/2006/main">
+  <p:cSld>
+    <p:spTree>
+      <p:nvGrpSpPr>
+        <p:cNvPr id="1" name=""/>
+        <p:cNvGrpSpPr/>
+        <p:nvPr/>
+      </p:nvGrpSpPr>
+      <p:grpSpPr>
+        <a:xfrm>
+          <a:off x="0" y="0"/>
+          <a:ext cx="0" cy="0"/>
+          <a:chOff x="0" y="0"/>
+          <a:chExt cx="0" cy="0"/>
+        </a:xfrm>
+      </p:grpSpPr>
+      <p:sp>
+        <p:nvSpPr>
+          <p:cNvPr id="2" name="Slide Image Placeholder 1"/>
+          <p:cNvSpPr>
+            <a:spLocks noGrp="1" noRot="1" noChangeAspect="1"/>
+          </p:cNvSpPr>
+          <p:nvPr>
+            <p:ph type="sldImg"/>
+          </p:nvPr>
+        </p:nvSpPr>
+        <p:spPr/>
+      </p:sp>
+      <p:sp>
+        <p:nvSpPr>
+          <p:cNvPr id="3" name="Notes Placeholder 2"/>
+          <p:cNvSpPr>
+            <a:spLocks noGrp="1"/>
+          </p:cNvSpPr>
+          <p:nvPr>
+            <p:ph type="body" idx="1"/>
+          </p:nvPr>
+        </p:nvSpPr>
+        <p:spPr/>
+        <p:txBody>
+          <a:bodyPr/>
+          <a:lstStyle/>
+          <a:p>
+            <a:endParaRPr lang="en-US" dirty="0"/>
+          </a:p>
+        </p:txBody>
+      </p:sp>
+      <p:sp>
+        <p:nvSpPr>
+          <p:cNvPr id="4" name="Slide Number Placeholder 3"/>
+          <p:cNvSpPr>
+            <a:spLocks noGrp="1"/>
+          </p:cNvSpPr>
+          <p:nvPr>
+            <p:ph type="sldNum" sz="quarter" idx="10"/>
+          </p:nvPr>
+        </p:nvSpPr>
+        <p:spPr/>
+        <p:txBody>
+          <a:bodyPr/>
+          <a:lstStyle/>
+          <a:p>
+            <a:fld id="{7D8C2C35-2B8A-446E-BEC0-FD36716C29AC}" type="slidenum">
+              <a:rPr lang="de-DE" smtClean="0"/>
+              <a:pPr/>
+              <a:t>13</a:t>
+            </a:fld>
+            <a:endParaRPr lang="de-DE" dirty="0"/>
+          </a:p>
+        </p:txBody>
+      </p:sp>
+    </p:spTree>
+    <p:extLst>
+      <p:ext uri="{BB962C8B-B14F-4D97-AF65-F5344CB8AC3E}">
         <p14:creationId xmlns:p14="http://schemas.microsoft.com/office/powerpoint/2010/main" val="80764537"/>
       </p:ext>
     </p:extLst>
@@ -733,7 +1212,7 @@
 </p:notes>
 </file>
 
-<file path=ppt/notesSlides/notesSlide11.xml><?xml version="1.0" encoding="utf-8"?>
+<file path=ppt/notesSlides/notesSlide13.xml><?xml version="1.0" encoding="utf-8"?>
 <p:notes xmlns:a="http://schemas.openxmlformats.org/drawingml/2006/main" xmlns:r="http://schemas.openxmlformats.org/officeDocument/2006/relationships" xmlns:p="http://schemas.openxmlformats.org/presentationml/2006/main">
   <p:cSld>
     <p:spTree>
@@ -768,7 +1247,7 @@
             <a:fld id="{7D8C2C35-2B8A-446E-BEC0-FD36716C29AC}" type="slidenum">
               <a:rPr lang="de-DE" smtClean="0"/>
               <a:pPr/>
-              <a:t>12</a:t>
+              <a:t>14</a:t>
             </a:fld>
             <a:endParaRPr lang="de-DE" dirty="0"/>
           </a:p>
@@ -1130,7 +1609,7 @@
     </p:spTree>
     <p:extLst>
       <p:ext uri="{BB962C8B-B14F-4D97-AF65-F5344CB8AC3E}">
-        <p14:creationId xmlns:p14="http://schemas.microsoft.com/office/powerpoint/2010/main" val="1555985175"/>
+        <p14:creationId xmlns:p14="http://schemas.microsoft.com/office/powerpoint/2010/main" val="252161047"/>
       </p:ext>
     </p:extLst>
   </p:cSld>
@@ -1181,236 +1660,10 @@
         </p:nvSpPr>
         <p:spPr/>
         <p:txBody>
-          <a:bodyPr>
-            <a:normAutofit/>
-          </a:bodyPr>
+          <a:bodyPr/>
           <a:lstStyle/>
           <a:p>
-            <a:pPr marL="0" indent="0">
-              <a:buFontTx/>
-              <a:buNone/>
-            </a:pPr>
-            <a:r>
-              <a:rPr lang="en-US" b="0" dirty="0"/>
-              <a:t>Let’s take a closer look at the images.</a:t>
-            </a:r>
-          </a:p>
-          <a:p>
-            <a:pPr marL="0" indent="0">
-              <a:buFontTx/>
-              <a:buNone/>
-            </a:pPr>
-            <a:endParaRPr lang="en-US" b="0" dirty="0"/>
-          </a:p>
-          <a:p>
-            <a:pPr marL="0" indent="0">
-              <a:buFontTx/>
-              <a:buNone/>
-            </a:pPr>
-            <a:r>
-              <a:rPr lang="en-US" b="0" dirty="0"/>
-              <a:t>From the docker cli, you have several ways of accessing them:</a:t>
-            </a:r>
-          </a:p>
-          <a:p>
-            <a:pPr marL="285750" indent="-285750">
-              <a:buFontTx/>
-              <a:buChar char="-"/>
-            </a:pPr>
-            <a:r>
-              <a:rPr lang="en-US" b="0" dirty="0"/>
-              <a:t>docker image list </a:t>
-            </a:r>
-            <a:r>
-              <a:rPr lang="en-US" b="0" dirty="0">
-                <a:sym typeface="Wingdings" panose="05000000000000000000" pitchFamily="2" charset="2"/>
-              </a:rPr>
-              <a:t> gives you all downloaded images</a:t>
-            </a:r>
-          </a:p>
-          <a:p>
-            <a:pPr marL="285750" indent="-285750">
-              <a:buFontTx/>
-              <a:buChar char="-"/>
-            </a:pPr>
-            <a:r>
-              <a:rPr lang="en-US" b="0" dirty="0">
-                <a:sym typeface="Wingdings" panose="05000000000000000000" pitchFamily="2" charset="2"/>
-              </a:rPr>
-              <a:t>docker inspect &lt;image&gt;:&lt;tag&gt;  gives you meta info on the image incl. CMD/</a:t>
-            </a:r>
-            <a:r>
-              <a:rPr lang="en-US" b="0" dirty="0" err="1">
-                <a:sym typeface="Wingdings" panose="05000000000000000000" pitchFamily="2" charset="2"/>
-              </a:rPr>
-              <a:t>Entrypoint</a:t>
-            </a:r>
-            <a:r>
-              <a:rPr lang="en-US" b="0" dirty="0">
-                <a:sym typeface="Wingdings" panose="05000000000000000000" pitchFamily="2" charset="2"/>
-              </a:rPr>
-              <a:t>, ports </a:t>
-            </a:r>
-            <a:r>
-              <a:rPr lang="en-US" b="0" dirty="0" err="1">
-                <a:sym typeface="Wingdings" panose="05000000000000000000" pitchFamily="2" charset="2"/>
-              </a:rPr>
-              <a:t>etc</a:t>
-            </a:r>
-            <a:endParaRPr lang="en-US" b="0" dirty="0">
-              <a:sym typeface="Wingdings" panose="05000000000000000000" pitchFamily="2" charset="2"/>
-            </a:endParaRPr>
-          </a:p>
-          <a:p>
-            <a:pPr marL="285750" indent="-285750">
-              <a:buFontTx/>
-              <a:buChar char="-"/>
-            </a:pPr>
-            <a:r>
-              <a:rPr lang="en-US" b="0" dirty="0">
-                <a:sym typeface="Wingdings" panose="05000000000000000000" pitchFamily="2" charset="2"/>
-              </a:rPr>
-              <a:t>docker history &lt;image&gt;:&lt;tag&gt;  gives you the image’s history</a:t>
-            </a:r>
-          </a:p>
-          <a:p>
-            <a:pPr marL="285750" indent="-285750">
-              <a:buFontTx/>
-              <a:buChar char="-"/>
-            </a:pPr>
-            <a:endParaRPr lang="en-US" b="0" dirty="0">
-              <a:sym typeface="Wingdings" panose="05000000000000000000" pitchFamily="2" charset="2"/>
-            </a:endParaRPr>
-          </a:p>
-          <a:p>
-            <a:pPr marL="0" indent="0">
-              <a:buFontTx/>
-              <a:buNone/>
-            </a:pPr>
-            <a:r>
-              <a:rPr lang="en-US" b="0" dirty="0">
-                <a:sym typeface="Wingdings" panose="05000000000000000000" pitchFamily="2" charset="2"/>
-              </a:rPr>
-              <a:t>Show these commands for any available image like </a:t>
-            </a:r>
-            <a:r>
-              <a:rPr lang="en-US" b="0" dirty="0" err="1">
-                <a:sym typeface="Wingdings" panose="05000000000000000000" pitchFamily="2" charset="2"/>
-              </a:rPr>
-              <a:t>nginx</a:t>
-            </a:r>
-            <a:endParaRPr lang="en-US" b="0" dirty="0">
-              <a:sym typeface="Wingdings" panose="05000000000000000000" pitchFamily="2" charset="2"/>
-            </a:endParaRPr>
-          </a:p>
-          <a:p>
-            <a:pPr marL="0" indent="0">
-              <a:buFontTx/>
-              <a:buNone/>
-            </a:pPr>
-            <a:endParaRPr lang="en-US" b="0" dirty="0">
-              <a:sym typeface="Wingdings" panose="05000000000000000000" pitchFamily="2" charset="2"/>
-            </a:endParaRPr>
-          </a:p>
-          <a:p>
-            <a:pPr marL="0" indent="0">
-              <a:buFontTx/>
-              <a:buNone/>
-            </a:pPr>
-            <a:r>
-              <a:rPr lang="en-US" b="0" dirty="0">
-                <a:sym typeface="Wingdings" panose="05000000000000000000" pitchFamily="2" charset="2"/>
-              </a:rPr>
-              <a:t>Next, demo the commit command:</a:t>
-            </a:r>
-          </a:p>
-          <a:p>
-            <a:pPr marL="285750" indent="-285750">
-              <a:buFontTx/>
-              <a:buChar char="-"/>
-            </a:pPr>
-            <a:r>
-              <a:rPr lang="en-US" b="0" dirty="0">
-                <a:sym typeface="Wingdings" panose="05000000000000000000" pitchFamily="2" charset="2"/>
-              </a:rPr>
-              <a:t>docker run -it </a:t>
-            </a:r>
-            <a:r>
-              <a:rPr lang="en-US" b="0" dirty="0" err="1">
-                <a:sym typeface="Wingdings" panose="05000000000000000000" pitchFamily="2" charset="2"/>
-              </a:rPr>
-              <a:t>nginx:mainline</a:t>
-            </a:r>
-            <a:r>
-              <a:rPr lang="en-US" b="0" dirty="0">
-                <a:sym typeface="Wingdings" panose="05000000000000000000" pitchFamily="2" charset="2"/>
-              </a:rPr>
-              <a:t> /bin/bash</a:t>
-            </a:r>
-          </a:p>
-          <a:p>
-            <a:pPr marL="285750" indent="-285750">
-              <a:buFontTx/>
-              <a:buChar char="-"/>
-            </a:pPr>
-            <a:r>
-              <a:rPr lang="en-US" b="0" dirty="0">
-                <a:sym typeface="Wingdings" panose="05000000000000000000" pitchFamily="2" charset="2"/>
-              </a:rPr>
-              <a:t>Create a file &amp; exit</a:t>
-            </a:r>
-          </a:p>
-          <a:p>
-            <a:pPr marL="285750" indent="-285750">
-              <a:buFontTx/>
-              <a:buChar char="-"/>
-            </a:pPr>
-            <a:r>
-              <a:rPr lang="en-US" b="0" dirty="0">
-                <a:sym typeface="Wingdings" panose="05000000000000000000" pitchFamily="2" charset="2"/>
-              </a:rPr>
-              <a:t>run “docker commit &lt;container&gt; &lt;repo-name&gt;:&lt;tag&gt;</a:t>
-            </a:r>
-          </a:p>
-          <a:p>
-            <a:pPr marL="285750" indent="-285750">
-              <a:buFontTx/>
-              <a:buChar char="-"/>
-            </a:pPr>
-            <a:endParaRPr lang="en-US" b="0" dirty="0">
-              <a:sym typeface="Wingdings" panose="05000000000000000000" pitchFamily="2" charset="2"/>
-            </a:endParaRPr>
-          </a:p>
-          <a:p>
-            <a:pPr marL="0" indent="0">
-              <a:buFontTx/>
-              <a:buNone/>
-            </a:pPr>
-            <a:r>
-              <a:rPr lang="en-US" b="0" dirty="0">
-                <a:sym typeface="Wingdings" panose="05000000000000000000" pitchFamily="2" charset="2"/>
-              </a:rPr>
-              <a:t>Now re-run the history </a:t>
-            </a:r>
-            <a:r>
-              <a:rPr lang="en-US" b="0" dirty="0" err="1">
-                <a:sym typeface="Wingdings" panose="05000000000000000000" pitchFamily="2" charset="2"/>
-              </a:rPr>
-              <a:t>cmd</a:t>
-            </a:r>
-            <a:r>
-              <a:rPr lang="en-US" b="0" dirty="0">
-                <a:sym typeface="Wingdings" panose="05000000000000000000" pitchFamily="2" charset="2"/>
-              </a:rPr>
-              <a:t> on your newly created image. Discuss the added layer and the visible information vs. what you did.</a:t>
-            </a:r>
-          </a:p>
-          <a:p>
-            <a:pPr marL="285750" indent="-285750">
-              <a:buFontTx/>
-              <a:buChar char="-"/>
-            </a:pPr>
-            <a:endParaRPr lang="en-US" b="0" dirty="0"/>
+            <a:endParaRPr lang="de-DE" dirty="0"/>
           </a:p>
         </p:txBody>
       </p:sp>
@@ -1441,7 +1694,7 @@
     </p:spTree>
     <p:extLst>
       <p:ext uri="{BB962C8B-B14F-4D97-AF65-F5344CB8AC3E}">
-        <p14:creationId xmlns:p14="http://schemas.microsoft.com/office/powerpoint/2010/main" val="2468237856"/>
+        <p14:creationId xmlns:p14="http://schemas.microsoft.com/office/powerpoint/2010/main" val="4112053852"/>
       </p:ext>
     </p:extLst>
   </p:cSld>
@@ -1492,39 +1745,236 @@
         </p:nvSpPr>
         <p:spPr/>
         <p:txBody>
-          <a:bodyPr/>
+          <a:bodyPr>
+            <a:normAutofit/>
+          </a:bodyPr>
           <a:lstStyle/>
           <a:p>
-            <a:r>
-              <a:rPr lang="en-US" dirty="0"/>
-              <a:t>Images are kept in 'docker registries'. The docker runtime will look in the configured registry when it needs to load an image (e.g. for a 'docker run'). When it doesn't have the image already in its local cache, it will load it from the registry. </a:t>
-            </a:r>
-          </a:p>
-          <a:p>
-            <a:endParaRPr lang="en-US" dirty="0"/>
-          </a:p>
-          <a:p>
-            <a:r>
-              <a:rPr lang="en-US" dirty="0"/>
-              <a:t>The default registry is the docker hub: hub.docker.com. You can also have local registries, e.g. to have tight control of what goes in. </a:t>
-            </a:r>
-          </a:p>
-          <a:p>
-            <a:endParaRPr lang="en-US" dirty="0"/>
-          </a:p>
-          <a:p>
-            <a:r>
-              <a:rPr lang="en-US" dirty="0"/>
-              <a:t>Registries can have a private section which requires a login. With “docker login” you can store your credentials locally (~/.docker/</a:t>
-            </a:r>
-            <a:r>
-              <a:rPr lang="en-US" dirty="0" err="1"/>
-              <a:t>config.json</a:t>
-            </a:r>
-            <a:r>
-              <a:rPr lang="en-US" dirty="0"/>
-              <a:t>) and authorize your requests.</a:t>
-            </a:r>
+            <a:pPr marL="0" indent="0">
+              <a:buFontTx/>
+              <a:buNone/>
+            </a:pPr>
+            <a:r>
+              <a:rPr lang="en-US" b="0" dirty="0"/>
+              <a:t>Let’s take a closer look at the images.</a:t>
+            </a:r>
+          </a:p>
+          <a:p>
+            <a:pPr marL="0" indent="0">
+              <a:buFontTx/>
+              <a:buNone/>
+            </a:pPr>
+            <a:endParaRPr lang="en-US" b="0" dirty="0"/>
+          </a:p>
+          <a:p>
+            <a:pPr marL="0" indent="0">
+              <a:buFontTx/>
+              <a:buNone/>
+            </a:pPr>
+            <a:r>
+              <a:rPr lang="en-US" b="0" dirty="0"/>
+              <a:t>From the docker cli, you have several ways of accessing them:</a:t>
+            </a:r>
+          </a:p>
+          <a:p>
+            <a:pPr marL="285750" indent="-285750">
+              <a:buFontTx/>
+              <a:buChar char="-"/>
+            </a:pPr>
+            <a:r>
+              <a:rPr lang="en-US" b="0" dirty="0"/>
+              <a:t>docker image list </a:t>
+            </a:r>
+            <a:r>
+              <a:rPr lang="en-US" b="0" dirty="0">
+                <a:sym typeface="Wingdings" panose="05000000000000000000" pitchFamily="2" charset="2"/>
+              </a:rPr>
+              <a:t> gives you all downloaded images</a:t>
+            </a:r>
+          </a:p>
+          <a:p>
+            <a:pPr marL="285750" indent="-285750">
+              <a:buFontTx/>
+              <a:buChar char="-"/>
+            </a:pPr>
+            <a:r>
+              <a:rPr lang="en-US" b="0" dirty="0">
+                <a:sym typeface="Wingdings" panose="05000000000000000000" pitchFamily="2" charset="2"/>
+              </a:rPr>
+              <a:t>docker inspect &lt;image&gt;:&lt;tag&gt;  gives you meta info on the image incl. CMD/</a:t>
+            </a:r>
+            <a:r>
+              <a:rPr lang="en-US" b="0" dirty="0" err="1">
+                <a:sym typeface="Wingdings" panose="05000000000000000000" pitchFamily="2" charset="2"/>
+              </a:rPr>
+              <a:t>Entrypoint</a:t>
+            </a:r>
+            <a:r>
+              <a:rPr lang="en-US" b="0" dirty="0">
+                <a:sym typeface="Wingdings" panose="05000000000000000000" pitchFamily="2" charset="2"/>
+              </a:rPr>
+              <a:t>, ports </a:t>
+            </a:r>
+            <a:r>
+              <a:rPr lang="en-US" b="0" dirty="0" err="1">
+                <a:sym typeface="Wingdings" panose="05000000000000000000" pitchFamily="2" charset="2"/>
+              </a:rPr>
+              <a:t>etc</a:t>
+            </a:r>
+            <a:endParaRPr lang="en-US" b="0" dirty="0">
+              <a:sym typeface="Wingdings" panose="05000000000000000000" pitchFamily="2" charset="2"/>
+            </a:endParaRPr>
+          </a:p>
+          <a:p>
+            <a:pPr marL="285750" indent="-285750">
+              <a:buFontTx/>
+              <a:buChar char="-"/>
+            </a:pPr>
+            <a:r>
+              <a:rPr lang="en-US" b="0" dirty="0">
+                <a:sym typeface="Wingdings" panose="05000000000000000000" pitchFamily="2" charset="2"/>
+              </a:rPr>
+              <a:t>docker history &lt;image&gt;:&lt;tag&gt;  gives you the image’s history</a:t>
+            </a:r>
+          </a:p>
+          <a:p>
+            <a:pPr marL="285750" indent="-285750">
+              <a:buFontTx/>
+              <a:buChar char="-"/>
+            </a:pPr>
+            <a:endParaRPr lang="en-US" b="0" dirty="0">
+              <a:sym typeface="Wingdings" panose="05000000000000000000" pitchFamily="2" charset="2"/>
+            </a:endParaRPr>
+          </a:p>
+          <a:p>
+            <a:pPr marL="0" indent="0">
+              <a:buFontTx/>
+              <a:buNone/>
+            </a:pPr>
+            <a:r>
+              <a:rPr lang="en-US" b="0" dirty="0">
+                <a:sym typeface="Wingdings" panose="05000000000000000000" pitchFamily="2" charset="2"/>
+              </a:rPr>
+              <a:t>Show these commands for any available image like </a:t>
+            </a:r>
+            <a:r>
+              <a:rPr lang="en-US" b="0" dirty="0" err="1">
+                <a:sym typeface="Wingdings" panose="05000000000000000000" pitchFamily="2" charset="2"/>
+              </a:rPr>
+              <a:t>nginx</a:t>
+            </a:r>
+            <a:endParaRPr lang="en-US" b="0" dirty="0">
+              <a:sym typeface="Wingdings" panose="05000000000000000000" pitchFamily="2" charset="2"/>
+            </a:endParaRPr>
+          </a:p>
+          <a:p>
+            <a:pPr marL="0" indent="0">
+              <a:buFontTx/>
+              <a:buNone/>
+            </a:pPr>
+            <a:endParaRPr lang="en-US" b="0" dirty="0">
+              <a:sym typeface="Wingdings" panose="05000000000000000000" pitchFamily="2" charset="2"/>
+            </a:endParaRPr>
+          </a:p>
+          <a:p>
+            <a:pPr marL="0" indent="0">
+              <a:buFontTx/>
+              <a:buNone/>
+            </a:pPr>
+            <a:r>
+              <a:rPr lang="en-US" b="0" dirty="0">
+                <a:sym typeface="Wingdings" panose="05000000000000000000" pitchFamily="2" charset="2"/>
+              </a:rPr>
+              <a:t>Next, demo the commit command:</a:t>
+            </a:r>
+          </a:p>
+          <a:p>
+            <a:pPr marL="285750" indent="-285750">
+              <a:buFontTx/>
+              <a:buChar char="-"/>
+            </a:pPr>
+            <a:r>
+              <a:rPr lang="en-US" b="0" dirty="0">
+                <a:sym typeface="Wingdings" panose="05000000000000000000" pitchFamily="2" charset="2"/>
+              </a:rPr>
+              <a:t>docker run -it </a:t>
+            </a:r>
+            <a:r>
+              <a:rPr lang="en-US" b="0" dirty="0" err="1">
+                <a:sym typeface="Wingdings" panose="05000000000000000000" pitchFamily="2" charset="2"/>
+              </a:rPr>
+              <a:t>nginx:mainline</a:t>
+            </a:r>
+            <a:r>
+              <a:rPr lang="en-US" b="0" dirty="0">
+                <a:sym typeface="Wingdings" panose="05000000000000000000" pitchFamily="2" charset="2"/>
+              </a:rPr>
+              <a:t> /bin/bash</a:t>
+            </a:r>
+          </a:p>
+          <a:p>
+            <a:pPr marL="285750" indent="-285750">
+              <a:buFontTx/>
+              <a:buChar char="-"/>
+            </a:pPr>
+            <a:r>
+              <a:rPr lang="en-US" b="0" dirty="0">
+                <a:sym typeface="Wingdings" panose="05000000000000000000" pitchFamily="2" charset="2"/>
+              </a:rPr>
+              <a:t>Create a file &amp; exit</a:t>
+            </a:r>
+          </a:p>
+          <a:p>
+            <a:pPr marL="285750" indent="-285750">
+              <a:buFontTx/>
+              <a:buChar char="-"/>
+            </a:pPr>
+            <a:r>
+              <a:rPr lang="en-US" b="0" dirty="0">
+                <a:sym typeface="Wingdings" panose="05000000000000000000" pitchFamily="2" charset="2"/>
+              </a:rPr>
+              <a:t>run “docker commit &lt;container&gt; &lt;repo-name&gt;:&lt;tag&gt;</a:t>
+            </a:r>
+          </a:p>
+          <a:p>
+            <a:pPr marL="285750" indent="-285750">
+              <a:buFontTx/>
+              <a:buChar char="-"/>
+            </a:pPr>
+            <a:endParaRPr lang="en-US" b="0" dirty="0">
+              <a:sym typeface="Wingdings" panose="05000000000000000000" pitchFamily="2" charset="2"/>
+            </a:endParaRPr>
+          </a:p>
+          <a:p>
+            <a:pPr marL="0" indent="0">
+              <a:buFontTx/>
+              <a:buNone/>
+            </a:pPr>
+            <a:r>
+              <a:rPr lang="en-US" b="0" dirty="0">
+                <a:sym typeface="Wingdings" panose="05000000000000000000" pitchFamily="2" charset="2"/>
+              </a:rPr>
+              <a:t>Now re-run the history </a:t>
+            </a:r>
+            <a:r>
+              <a:rPr lang="en-US" b="0" dirty="0" err="1">
+                <a:sym typeface="Wingdings" panose="05000000000000000000" pitchFamily="2" charset="2"/>
+              </a:rPr>
+              <a:t>cmd</a:t>
+            </a:r>
+            <a:r>
+              <a:rPr lang="en-US" b="0" dirty="0">
+                <a:sym typeface="Wingdings" panose="05000000000000000000" pitchFamily="2" charset="2"/>
+              </a:rPr>
+              <a:t> on your newly created image. Discuss the added layer and the visible information vs. what you did.</a:t>
+            </a:r>
+          </a:p>
+          <a:p>
+            <a:pPr marL="285750" indent="-285750">
+              <a:buFontTx/>
+              <a:buChar char="-"/>
+            </a:pPr>
+            <a:endParaRPr lang="en-US" b="0" dirty="0"/>
           </a:p>
         </p:txBody>
       </p:sp>
@@ -1555,7 +2005,7 @@
     </p:spTree>
     <p:extLst>
       <p:ext uri="{BB962C8B-B14F-4D97-AF65-F5344CB8AC3E}">
-        <p14:creationId xmlns:p14="http://schemas.microsoft.com/office/powerpoint/2010/main" val="3472124184"/>
+        <p14:creationId xmlns:p14="http://schemas.microsoft.com/office/powerpoint/2010/main" val="2468237856"/>
       </p:ext>
     </p:extLst>
   </p:cSld>
@@ -1611,28 +2061,33 @@
           <a:p>
             <a:r>
               <a:rPr lang="en-US" dirty="0"/>
-              <a:t>The docker hub offers (provides storage and the push/pull protocol for) docker images. </a:t>
-            </a:r>
+              <a:t>Images are kept in 'docker registries'. The docker runtime will look in the configured registry when it needs to load an image (e.g. for a 'docker run'). When it doesn't have the image already in its local cache, it will load it from the registry. </a:t>
+            </a:r>
+          </a:p>
+          <a:p>
+            <a:endParaRPr lang="en-US" dirty="0"/>
           </a:p>
           <a:p>
             <a:r>
               <a:rPr lang="en-US" dirty="0"/>
-              <a:t>Each docker image has a clearly specified version. There can be multiple version tags. </a:t>
-            </a:r>
+              <a:t>The default registry is the docker hub: hub.docker.com. You can also have local registries, e.g. to have tight control of what goes in. </a:t>
+            </a:r>
+          </a:p>
+          <a:p>
+            <a:endParaRPr lang="en-US" dirty="0"/>
           </a:p>
           <a:p>
             <a:r>
               <a:rPr lang="en-US" dirty="0"/>
-              <a:t>The 'Dockerfile' defines the automated build instructions and show what is in the image. (see Dockerfile chapter). Dockerfiles are also included in images and document the contents.</a:t>
-            </a:r>
-          </a:p>
-          <a:p>
-            <a:endParaRPr lang="en-US" dirty="0"/>
-          </a:p>
-          <a:p>
+              <a:t>Registries can have a private section which requires a login. With “docker login” you can store your credentials locally (~/.docker/</a:t>
+            </a:r>
+            <a:r>
+              <a:rPr lang="en-US" dirty="0" err="1"/>
+              <a:t>config.json</a:t>
+            </a:r>
             <a:r>
               <a:rPr lang="en-US" dirty="0"/>
-              <a:t>At SAP, Artifactory is the preferred solution to host and distribute your Docker images.</a:t>
+              <a:t>) and authorize your requests.</a:t>
             </a:r>
           </a:p>
         </p:txBody>
@@ -1664,7 +2119,7 @@
     </p:spTree>
     <p:extLst>
       <p:ext uri="{BB962C8B-B14F-4D97-AF65-F5344CB8AC3E}">
-        <p14:creationId xmlns:p14="http://schemas.microsoft.com/office/powerpoint/2010/main" val="2563895036"/>
+        <p14:creationId xmlns:p14="http://schemas.microsoft.com/office/powerpoint/2010/main" val="3472124184"/>
       </p:ext>
     </p:extLst>
   </p:cSld>
@@ -1715,154 +2170,34 @@
         </p:nvSpPr>
         <p:spPr/>
         <p:txBody>
-          <a:bodyPr>
-            <a:normAutofit fontScale="85000" lnSpcReduction="10000"/>
-          </a:bodyPr>
+          <a:bodyPr/>
           <a:lstStyle/>
           <a:p>
             <a:r>
               <a:rPr lang="en-US" dirty="0"/>
-              <a:t>Let’s talk about image names and tags. Docker has a system of creating URIs for any image, where the URI includes the registry as well as the image name &amp; tag.</a:t>
+              <a:t>The docker hub offers (provides storage and the push/pull protocol for) docker images. </a:t>
+            </a:r>
+          </a:p>
+          <a:p>
+            <a:r>
+              <a:rPr lang="en-US" dirty="0"/>
+              <a:t>Each docker image has a clearly specified version. There can be multiple version tags. </a:t>
+            </a:r>
+          </a:p>
+          <a:p>
+            <a:r>
+              <a:rPr lang="en-US" dirty="0"/>
+              <a:t>The 'Dockerfile' defines the automated build instructions and show what is in the image. (see Dockerfile chapter). Dockerfiles are also included in images and document the contents.</a:t>
             </a:r>
           </a:p>
           <a:p>
             <a:endParaRPr lang="en-US" dirty="0"/>
           </a:p>
           <a:p>
-            <a:pPr marL="285750" indent="-285750">
-              <a:buFontTx/>
-              <a:buChar char="-"/>
-            </a:pPr>
             <a:r>
               <a:rPr lang="en-US" dirty="0"/>
-              <a:t>Registry URL: the registry this image has been downloaded from or where it should be uploaded to. Docker is also configured with a default registry (run “docker info” to get the info). For most installations this will be hub.docker.com (translates to https://index.docker.io/v1/). So or any image related to the docker hub, the registry URL string is omitted. </a:t>
-            </a:r>
-          </a:p>
-          <a:p>
-            <a:pPr marL="285750" indent="-285750">
-              <a:buFontTx/>
-              <a:buChar char="-"/>
-            </a:pPr>
-            <a:r>
-              <a:rPr lang="en-US" dirty="0"/>
-              <a:t>Repository: you could also call it the image’s name. Can contain subfolders. When you download images from docker hub you will only see the repo name here, no registry URL.</a:t>
-            </a:r>
-          </a:p>
-          <a:p>
-            <a:pPr marL="285750" indent="-285750">
-              <a:buFontTx/>
-              <a:buChar char="-"/>
-            </a:pPr>
-            <a:r>
-              <a:rPr lang="en-US" dirty="0"/>
-              <a:t>Tag: alpha-numeric string, free text. Anybody with write permissions on the repo can re-upload a different image with the same tag. Last write wins ;) however usually version tags are quite stable. There is one special tag, called “latest”.  It is just a placeholder for “no tag”. So “my-registry.com/</a:t>
-            </a:r>
-            <a:r>
-              <a:rPr lang="en-US" dirty="0" err="1"/>
-              <a:t>busybox</a:t>
-            </a:r>
-            <a:r>
-              <a:rPr lang="en-US" dirty="0"/>
-              <a:t>” and “my-registry.com/</a:t>
-            </a:r>
-            <a:r>
-              <a:rPr lang="en-US" dirty="0" err="1"/>
-              <a:t>busybox:latest</a:t>
-            </a:r>
-            <a:r>
-              <a:rPr lang="en-US" dirty="0"/>
-              <a:t>” are the same thing.</a:t>
-            </a:r>
-          </a:p>
-          <a:p>
-            <a:pPr marL="285750" indent="-285750">
-              <a:buFontTx/>
-              <a:buChar char="-"/>
-            </a:pPr>
-            <a:r>
-              <a:rPr lang="en-US" dirty="0"/>
-              <a:t>It is best practice to always use an explicit tag and not to override existing tags.</a:t>
-            </a:r>
-          </a:p>
-          <a:p>
-            <a:pPr marL="285750" indent="-285750">
-              <a:buFontTx/>
-              <a:buChar char="-"/>
-            </a:pPr>
-            <a:endParaRPr lang="en-US" dirty="0"/>
-          </a:p>
-          <a:p>
-            <a:pPr marL="0" indent="0">
-              <a:buFontTx/>
-              <a:buNone/>
-            </a:pPr>
-            <a:r>
-              <a:rPr lang="en-US" dirty="0"/>
-              <a:t>How to use tagging? Docker knows a “tag” command, so let’s have look:</a:t>
-            </a:r>
-          </a:p>
-          <a:p>
-            <a:pPr marL="285750" indent="-285750">
-              <a:buFontTx/>
-              <a:buChar char="-"/>
-            </a:pPr>
-            <a:r>
-              <a:rPr lang="en-US" dirty="0"/>
-              <a:t>Tagging works like creating a </a:t>
-            </a:r>
-            <a:r>
-              <a:rPr lang="en-US" dirty="0" err="1"/>
-              <a:t>sym</a:t>
-            </a:r>
-            <a:r>
-              <a:rPr lang="en-US" dirty="0"/>
-              <a:t>-link on Linux. You can have as many different references to an images as you want.</a:t>
-            </a:r>
-          </a:p>
-          <a:p>
-            <a:pPr marL="285750" indent="-285750">
-              <a:buFontTx/>
-              <a:buChar char="-"/>
-            </a:pPr>
-            <a:r>
-              <a:rPr lang="en-US" dirty="0"/>
-              <a:t>To tag an image, you can reference it either by its ID or its </a:t>
-            </a:r>
-            <a:r>
-              <a:rPr lang="en-US" dirty="0" err="1"/>
-              <a:t>repository:tag</a:t>
-            </a:r>
-            <a:r>
-              <a:rPr lang="en-US" dirty="0"/>
-              <a:t> link.</a:t>
-            </a:r>
-          </a:p>
-          <a:p>
-            <a:pPr marL="285750" indent="-285750">
-              <a:buFontTx/>
-              <a:buChar char="-"/>
-            </a:pPr>
-            <a:r>
-              <a:rPr lang="en-US" dirty="0"/>
-              <a:t>Docker tag: assign the full string of registry URL + repo + version tag to an image</a:t>
-            </a:r>
-          </a:p>
-          <a:p>
-            <a:pPr marL="285750" indent="-285750">
-              <a:buFontTx/>
-              <a:buChar char="-"/>
-            </a:pPr>
-            <a:r>
-              <a:rPr lang="en-US" dirty="0"/>
-              <a:t>Docker push: send the image to the remote location, that is encoded in the image name</a:t>
-            </a:r>
-          </a:p>
-          <a:p>
-            <a:pPr marL="0" indent="0">
-              <a:buFontTx/>
-              <a:buNone/>
-            </a:pPr>
-            <a:endParaRPr lang="en-US" dirty="0"/>
+              <a:t>At SAP, Artifactory is the preferred solution to host and distribute your Docker images.</a:t>
+            </a:r>
           </a:p>
         </p:txBody>
       </p:sp>
@@ -1893,7 +2228,7 @@
     </p:spTree>
     <p:extLst>
       <p:ext uri="{BB962C8B-B14F-4D97-AF65-F5344CB8AC3E}">
-        <p14:creationId xmlns:p14="http://schemas.microsoft.com/office/powerpoint/2010/main" val="1328423813"/>
+        <p14:creationId xmlns:p14="http://schemas.microsoft.com/office/powerpoint/2010/main" val="2563895036"/>
       </p:ext>
     </p:extLst>
   </p:cSld>
@@ -1944,164 +2279,10 @@
         </p:nvSpPr>
         <p:spPr/>
         <p:txBody>
-          <a:bodyPr>
-            <a:normAutofit/>
-          </a:bodyPr>
+          <a:bodyPr/>
           <a:lstStyle/>
           <a:p>
-            <a:pPr marL="0" indent="0">
-              <a:buFontTx/>
-              <a:buNone/>
-            </a:pPr>
-            <a:r>
-              <a:rPr lang="en-US" b="0" dirty="0"/>
-              <a:t>Prerequisites: you have trusted the certificate of the registry for this training (the one deployed into the cluster)</a:t>
-            </a:r>
-          </a:p>
-          <a:p>
-            <a:pPr marL="0" indent="0">
-              <a:buFontTx/>
-              <a:buNone/>
-            </a:pPr>
-            <a:endParaRPr lang="en-US" b="0" dirty="0"/>
-          </a:p>
-          <a:p>
-            <a:pPr marL="0" indent="0">
-              <a:buFontTx/>
-              <a:buNone/>
-            </a:pPr>
-            <a:r>
-              <a:rPr lang="en-US" b="0" dirty="0"/>
-              <a:t>Explain how to work with (remote) registries:</a:t>
-            </a:r>
-          </a:p>
-          <a:p>
-            <a:pPr marL="0" indent="0">
-              <a:buFontTx/>
-              <a:buNone/>
-            </a:pPr>
-            <a:endParaRPr lang="en-US" b="0" dirty="0"/>
-          </a:p>
-          <a:p>
-            <a:pPr marL="285750" indent="-285750">
-              <a:buFontTx/>
-              <a:buChar char="-"/>
-            </a:pPr>
-            <a:r>
-              <a:rPr lang="en-US" b="0" dirty="0"/>
-              <a:t>Docker image list</a:t>
-            </a:r>
-          </a:p>
-          <a:p>
-            <a:pPr marL="285750" indent="-285750">
-              <a:buFontTx/>
-              <a:buChar char="-"/>
-            </a:pPr>
-            <a:r>
-              <a:rPr lang="en-US" b="0" dirty="0"/>
-              <a:t>Next, tag one of the existing images with a different repo/tag combination like “docker tag </a:t>
-            </a:r>
-            <a:r>
-              <a:rPr lang="en-US" b="0" dirty="0" err="1"/>
-              <a:t>nginx:mainline</a:t>
-            </a:r>
-            <a:r>
-              <a:rPr lang="en-US" b="0" dirty="0"/>
-              <a:t> my-nginx:v0.1”</a:t>
-            </a:r>
-          </a:p>
-          <a:p>
-            <a:pPr marL="285750" indent="-285750">
-              <a:buFontTx/>
-              <a:buChar char="-"/>
-            </a:pPr>
-            <a:r>
-              <a:rPr lang="en-US" b="0" dirty="0"/>
-              <a:t>List the images again and outline that both </a:t>
-            </a:r>
-            <a:r>
-              <a:rPr lang="en-US" b="0" dirty="0" err="1"/>
-              <a:t>nginx:mainline</a:t>
-            </a:r>
-            <a:r>
-              <a:rPr lang="en-US" b="0" dirty="0"/>
-              <a:t> as well as my-nginx:v0.1 have the same image ID. The image is not stored twice but simply referenced by different names</a:t>
-            </a:r>
-          </a:p>
-          <a:p>
-            <a:pPr marL="285750" indent="-285750">
-              <a:buFontTx/>
-              <a:buChar char="-"/>
-            </a:pPr>
-            <a:r>
-              <a:rPr lang="en-US" b="0" dirty="0"/>
-              <a:t>Now you can tag the </a:t>
-            </a:r>
-            <a:r>
-              <a:rPr lang="en-US" b="0" dirty="0" err="1"/>
-              <a:t>niginx</a:t>
-            </a:r>
-            <a:r>
-              <a:rPr lang="en-US" b="0" dirty="0"/>
-              <a:t> with the URL of your remote registry as well </a:t>
-            </a:r>
-            <a:r>
-              <a:rPr lang="en-US" b="0" dirty="0" err="1"/>
-              <a:t>registry.ingress</a:t>
-            </a:r>
-            <a:r>
-              <a:rPr lang="en-US" b="0" dirty="0"/>
-              <a:t>.&lt;</a:t>
-            </a:r>
-            <a:r>
-              <a:rPr lang="en-US" b="0" dirty="0" err="1"/>
-              <a:t>clustername</a:t>
-            </a:r>
-            <a:r>
-              <a:rPr lang="en-US" b="0" dirty="0"/>
-              <a:t>&gt;.k8s-train.shoot.canary.k8s-hana.ondemand.com/nginx:v0.1</a:t>
-            </a:r>
-          </a:p>
-          <a:p>
-            <a:pPr marL="285750" indent="-285750">
-              <a:buFontTx/>
-              <a:buChar char="-"/>
-            </a:pPr>
-            <a:r>
-              <a:rPr lang="en-US" b="0" dirty="0"/>
-              <a:t>Push the image to the remote location (use the full string again): docker push </a:t>
-            </a:r>
-            <a:r>
-              <a:rPr lang="en-US" b="0" dirty="0" err="1"/>
-              <a:t>registry.ingress</a:t>
-            </a:r>
-            <a:r>
-              <a:rPr lang="en-US" b="0" dirty="0"/>
-              <a:t>.&lt;</a:t>
-            </a:r>
-            <a:r>
-              <a:rPr lang="en-US" b="0" dirty="0" err="1"/>
-              <a:t>clustername</a:t>
-            </a:r>
-            <a:r>
-              <a:rPr lang="en-US" b="0" dirty="0"/>
-              <a:t>&gt;.k8s-train.shoot.canary.k8s-hana.ondemand.com/nginx:v0.1</a:t>
-            </a:r>
-          </a:p>
-          <a:p>
-            <a:pPr marL="285750" indent="-285750">
-              <a:buFontTx/>
-              <a:buChar char="-"/>
-            </a:pPr>
-            <a:r>
-              <a:rPr lang="en-US" b="0" dirty="0"/>
-              <a:t>If you get a certificate error, you haven’t trusted the CA that signed the registries certificates. If anyone of the participants face this issue, they should re-run the get_kube_config.sh script and restart their docker </a:t>
-            </a:r>
-            <a:r>
-              <a:rPr lang="en-US" b="0"/>
-              <a:t>daemon.</a:t>
-            </a:r>
-            <a:endParaRPr lang="en-US" b="0" dirty="0"/>
+            <a:endParaRPr lang="de-DE" dirty="0"/>
           </a:p>
         </p:txBody>
       </p:sp>
@@ -2132,7 +2313,7 @@
     </p:spTree>
     <p:extLst>
       <p:ext uri="{BB962C8B-B14F-4D97-AF65-F5344CB8AC3E}">
-        <p14:creationId xmlns:p14="http://schemas.microsoft.com/office/powerpoint/2010/main" val="15345096"/>
+        <p14:creationId xmlns:p14="http://schemas.microsoft.com/office/powerpoint/2010/main" val="1555985175"/>
       </p:ext>
     </p:extLst>
   </p:cSld>
@@ -9702,6 +9883,2079 @@
       </p:grpSpPr>
       <p:sp>
         <p:nvSpPr>
+          <p:cNvPr id="3" name="Title 2"/>
+          <p:cNvSpPr>
+            <a:spLocks noGrp="1"/>
+          </p:cNvSpPr>
+          <p:nvPr>
+            <p:ph type="title"/>
+          </p:nvPr>
+        </p:nvSpPr>
+        <p:spPr/>
+        <p:txBody>
+          <a:bodyPr/>
+          <a:lstStyle/>
+          <a:p>
+            <a:r>
+              <a:rPr lang="en-US" dirty="0"/>
+              <a:t>search for images</a:t>
+            </a:r>
+          </a:p>
+        </p:txBody>
+      </p:sp>
+      <p:sp>
+        <p:nvSpPr>
+          <p:cNvPr id="6" name="Text Placeholder 10"/>
+          <p:cNvSpPr>
+            <a:spLocks noGrp="1"/>
+          </p:cNvSpPr>
+          <p:nvPr>
+            <p:ph type="body" sz="quarter" idx="10"/>
+          </p:nvPr>
+        </p:nvSpPr>
+        <p:spPr>
+          <a:xfrm>
+            <a:off x="503999" y="1620000"/>
+            <a:ext cx="11186477" cy="4230000"/>
+          </a:xfrm>
+        </p:spPr>
+        <p:txBody>
+          <a:bodyPr/>
+          <a:lstStyle/>
+          <a:p>
+            <a:pPr lvl="0"/>
+            <a:r>
+              <a:rPr lang="en-US" sz="1800" dirty="0"/>
+              <a:t>Search images</a:t>
+            </a:r>
+          </a:p>
+          <a:p>
+            <a:pPr lvl="1"/>
+            <a:r>
+              <a:rPr lang="en-US" sz="1600" dirty="0"/>
+              <a:t>the command </a:t>
+            </a:r>
+            <a:r>
+              <a:rPr lang="en-US" sz="1600" b="1" dirty="0">
+                <a:latin typeface="Courier New" panose="02070309020205020404" pitchFamily="49" charset="0"/>
+                <a:cs typeface="Courier New" panose="02070309020205020404" pitchFamily="49" charset="0"/>
+              </a:rPr>
+              <a:t>docker search &lt;</a:t>
+            </a:r>
+            <a:r>
+              <a:rPr lang="en-US" sz="1600" b="1" dirty="0" err="1">
+                <a:latin typeface="Courier New" panose="02070309020205020404" pitchFamily="49" charset="0"/>
+                <a:cs typeface="Courier New" panose="02070309020205020404" pitchFamily="49" charset="0"/>
+              </a:rPr>
+              <a:t>imagename</a:t>
+            </a:r>
+            <a:r>
+              <a:rPr lang="en-US" sz="1600" b="1" dirty="0">
+                <a:latin typeface="Courier New" panose="02070309020205020404" pitchFamily="49" charset="0"/>
+                <a:cs typeface="Courier New" panose="02070309020205020404" pitchFamily="49" charset="0"/>
+              </a:rPr>
+              <a:t>&gt;</a:t>
+            </a:r>
+            <a:r>
+              <a:rPr lang="en-US" sz="1600" dirty="0"/>
+              <a:t> gives a list of all available images on a host</a:t>
+            </a:r>
+          </a:p>
+        </p:txBody>
+      </p:sp>
+      <p:cxnSp>
+        <p:nvCxnSpPr>
+          <p:cNvPr id="5" name="Straight Arrow Connector 4"/>
+          <p:cNvCxnSpPr>
+            <a:endCxn id="10" idx="0"/>
+          </p:cNvCxnSpPr>
+          <p:nvPr/>
+        </p:nvCxnSpPr>
+        <p:spPr>
+          <a:xfrm flipH="1">
+            <a:off x="1299337" y="3466006"/>
+            <a:ext cx="15658" cy="1512575"/>
+          </a:xfrm>
+          <a:prstGeom prst="straightConnector1">
+            <a:avLst/>
+          </a:prstGeom>
+          <a:ln w="19050">
+            <a:solidFill>
+              <a:srgbClr val="FF0000"/>
+            </a:solidFill>
+            <a:headEnd type="none" w="med" len="med"/>
+            <a:tailEnd type="triangle" w="lg" len="lg"/>
+          </a:ln>
+        </p:spPr>
+        <p:style>
+          <a:lnRef idx="1">
+            <a:schemeClr val="accent1"/>
+          </a:lnRef>
+          <a:fillRef idx="0">
+            <a:schemeClr val="accent1"/>
+          </a:fillRef>
+          <a:effectRef idx="0">
+            <a:schemeClr val="accent1"/>
+          </a:effectRef>
+          <a:fontRef idx="minor">
+            <a:schemeClr val="tx1"/>
+          </a:fontRef>
+        </p:style>
+      </p:cxnSp>
+      <p:sp>
+        <p:nvSpPr>
+          <p:cNvPr id="10" name="Rectangle 9"/>
+          <p:cNvSpPr/>
+          <p:nvPr/>
+        </p:nvSpPr>
+        <p:spPr bwMode="gray">
+          <a:xfrm>
+            <a:off x="503999" y="4978581"/>
+            <a:ext cx="1590675" cy="457200"/>
+          </a:xfrm>
+          <a:prstGeom prst="rect">
+            <a:avLst/>
+          </a:prstGeom>
+          <a:solidFill>
+            <a:schemeClr val="accent1"/>
+          </a:solidFill>
+          <a:ln w="6350" algn="ctr">
+            <a:solidFill>
+              <a:schemeClr val="tx1"/>
+            </a:solidFill>
+            <a:miter lim="800000"/>
+            <a:headEnd/>
+            <a:tailEnd/>
+          </a:ln>
+        </p:spPr>
+        <p:txBody>
+          <a:bodyPr lIns="90000" tIns="72000" rIns="90000" bIns="72000" rtlCol="0" anchor="ctr"/>
+          <a:lstStyle/>
+          <a:p>
+            <a:pPr marR="0" algn="ctr" defTabSz="914400" eaLnBrk="1" fontAlgn="base" latinLnBrk="0" hangingPunct="1">
+              <a:lnSpc>
+                <a:spcPct val="100000"/>
+              </a:lnSpc>
+              <a:spcBef>
+                <a:spcPct val="50000"/>
+              </a:spcBef>
+              <a:spcAft>
+                <a:spcPct val="0"/>
+              </a:spcAft>
+              <a:buClr>
+                <a:srgbClr val="F0AB00"/>
+              </a:buClr>
+              <a:buSzPct val="80000"/>
+              <a:tabLst/>
+            </a:pPr>
+            <a:r>
+              <a:rPr lang="en-US" sz="1400" kern="0" dirty="0">
+                <a:ea typeface="Arial Unicode MS" pitchFamily="34" charset="-128"/>
+                <a:cs typeface="Arial Unicode MS" pitchFamily="34" charset="-128"/>
+              </a:rPr>
+              <a:t>image name</a:t>
+            </a:r>
+            <a:endParaRPr kumimoji="0" lang="en-US" sz="1400" b="0" i="0" u="none" strike="noStrike" kern="0" cap="none" spc="0" normalizeH="0" baseline="0" dirty="0">
+              <a:ln>
+                <a:noFill/>
+              </a:ln>
+              <a:effectLst/>
+              <a:uLnTx/>
+              <a:uFillTx/>
+              <a:ea typeface="Arial Unicode MS" pitchFamily="34" charset="-128"/>
+              <a:cs typeface="Arial Unicode MS" pitchFamily="34" charset="-128"/>
+            </a:endParaRPr>
+          </a:p>
+        </p:txBody>
+      </p:sp>
+      <p:sp>
+        <p:nvSpPr>
+          <p:cNvPr id="18" name="Rectangle 17"/>
+          <p:cNvSpPr/>
+          <p:nvPr/>
+        </p:nvSpPr>
+        <p:spPr bwMode="gray">
+          <a:xfrm>
+            <a:off x="2743200" y="4816657"/>
+            <a:ext cx="1590675" cy="410396"/>
+          </a:xfrm>
+          <a:prstGeom prst="rect">
+            <a:avLst/>
+          </a:prstGeom>
+          <a:solidFill>
+            <a:schemeClr val="accent1"/>
+          </a:solidFill>
+          <a:ln w="6350" algn="ctr">
+            <a:solidFill>
+              <a:schemeClr val="tx1"/>
+            </a:solidFill>
+            <a:miter lim="800000"/>
+            <a:headEnd/>
+            <a:tailEnd/>
+          </a:ln>
+        </p:spPr>
+        <p:txBody>
+          <a:bodyPr lIns="90000" tIns="72000" rIns="90000" bIns="72000" rtlCol="0" anchor="ctr"/>
+          <a:lstStyle/>
+          <a:p>
+            <a:pPr marR="0" algn="ctr" defTabSz="914400" eaLnBrk="1" fontAlgn="base" latinLnBrk="0" hangingPunct="1">
+              <a:lnSpc>
+                <a:spcPct val="100000"/>
+              </a:lnSpc>
+              <a:spcBef>
+                <a:spcPct val="50000"/>
+              </a:spcBef>
+              <a:spcAft>
+                <a:spcPct val="0"/>
+              </a:spcAft>
+              <a:buClr>
+                <a:srgbClr val="F0AB00"/>
+              </a:buClr>
+              <a:buSzPct val="80000"/>
+              <a:tabLst/>
+            </a:pPr>
+            <a:r>
+              <a:rPr lang="en-US" sz="1400" kern="0" dirty="0">
+                <a:ea typeface="Arial Unicode MS" pitchFamily="34" charset="-128"/>
+                <a:cs typeface="Arial Unicode MS" pitchFamily="34" charset="-128"/>
+              </a:rPr>
+              <a:t>useful description</a:t>
+            </a:r>
+            <a:endParaRPr kumimoji="0" lang="en-US" sz="1400" b="0" i="0" u="none" strike="noStrike" kern="0" cap="none" spc="0" normalizeH="0" baseline="0" dirty="0">
+              <a:ln>
+                <a:noFill/>
+              </a:ln>
+              <a:effectLst/>
+              <a:uLnTx/>
+              <a:uFillTx/>
+              <a:ea typeface="Arial Unicode MS" pitchFamily="34" charset="-128"/>
+              <a:cs typeface="Arial Unicode MS" pitchFamily="34" charset="-128"/>
+            </a:endParaRPr>
+          </a:p>
+        </p:txBody>
+      </p:sp>
+      <p:cxnSp>
+        <p:nvCxnSpPr>
+          <p:cNvPr id="19" name="Straight Arrow Connector 18"/>
+          <p:cNvCxnSpPr>
+            <a:endCxn id="18" idx="0"/>
+          </p:cNvCxnSpPr>
+          <p:nvPr/>
+        </p:nvCxnSpPr>
+        <p:spPr>
+          <a:xfrm flipH="1">
+            <a:off x="3538538" y="3605886"/>
+            <a:ext cx="10350" cy="1210771"/>
+          </a:xfrm>
+          <a:prstGeom prst="straightConnector1">
+            <a:avLst/>
+          </a:prstGeom>
+          <a:ln w="19050">
+            <a:solidFill>
+              <a:srgbClr val="FF0000"/>
+            </a:solidFill>
+            <a:headEnd type="none" w="med" len="med"/>
+            <a:tailEnd type="triangle" w="lg" len="lg"/>
+          </a:ln>
+        </p:spPr>
+        <p:style>
+          <a:lnRef idx="1">
+            <a:schemeClr val="accent1"/>
+          </a:lnRef>
+          <a:fillRef idx="0">
+            <a:schemeClr val="accent1"/>
+          </a:fillRef>
+          <a:effectRef idx="0">
+            <a:schemeClr val="accent1"/>
+          </a:effectRef>
+          <a:fontRef idx="minor">
+            <a:schemeClr val="tx1"/>
+          </a:fontRef>
+        </p:style>
+      </p:cxnSp>
+      <p:cxnSp>
+        <p:nvCxnSpPr>
+          <p:cNvPr id="25" name="Straight Arrow Connector 24"/>
+          <p:cNvCxnSpPr>
+            <a:endCxn id="26" idx="0"/>
+          </p:cNvCxnSpPr>
+          <p:nvPr/>
+        </p:nvCxnSpPr>
+        <p:spPr>
+          <a:xfrm flipH="1">
+            <a:off x="5423602" y="3814898"/>
+            <a:ext cx="402104" cy="1399453"/>
+          </a:xfrm>
+          <a:prstGeom prst="straightConnector1">
+            <a:avLst/>
+          </a:prstGeom>
+          <a:ln w="19050">
+            <a:solidFill>
+              <a:srgbClr val="FF0000"/>
+            </a:solidFill>
+            <a:headEnd type="none" w="med" len="med"/>
+            <a:tailEnd type="triangle" w="lg" len="lg"/>
+          </a:ln>
+        </p:spPr>
+        <p:style>
+          <a:lnRef idx="1">
+            <a:schemeClr val="accent1"/>
+          </a:lnRef>
+          <a:fillRef idx="0">
+            <a:schemeClr val="accent1"/>
+          </a:fillRef>
+          <a:effectRef idx="0">
+            <a:schemeClr val="accent1"/>
+          </a:effectRef>
+          <a:fontRef idx="minor">
+            <a:schemeClr val="tx1"/>
+          </a:fontRef>
+        </p:style>
+      </p:cxnSp>
+      <p:sp>
+        <p:nvSpPr>
+          <p:cNvPr id="26" name="Rectangle 25"/>
+          <p:cNvSpPr/>
+          <p:nvPr/>
+        </p:nvSpPr>
+        <p:spPr bwMode="gray">
+          <a:xfrm>
+            <a:off x="4628264" y="5214351"/>
+            <a:ext cx="1590675" cy="442859"/>
+          </a:xfrm>
+          <a:prstGeom prst="rect">
+            <a:avLst/>
+          </a:prstGeom>
+          <a:solidFill>
+            <a:schemeClr val="accent1"/>
+          </a:solidFill>
+          <a:ln w="6350" algn="ctr">
+            <a:solidFill>
+              <a:schemeClr val="tx1"/>
+            </a:solidFill>
+            <a:miter lim="800000"/>
+            <a:headEnd/>
+            <a:tailEnd/>
+          </a:ln>
+        </p:spPr>
+        <p:txBody>
+          <a:bodyPr lIns="90000" tIns="72000" rIns="90000" bIns="72000" rtlCol="0" anchor="ctr"/>
+          <a:lstStyle/>
+          <a:p>
+            <a:pPr marR="0" algn="ctr" defTabSz="914400" eaLnBrk="1" fontAlgn="base" latinLnBrk="0" hangingPunct="1">
+              <a:lnSpc>
+                <a:spcPct val="100000"/>
+              </a:lnSpc>
+              <a:spcBef>
+                <a:spcPct val="50000"/>
+              </a:spcBef>
+              <a:spcAft>
+                <a:spcPct val="0"/>
+              </a:spcAft>
+              <a:buClr>
+                <a:srgbClr val="F0AB00"/>
+              </a:buClr>
+              <a:buSzPct val="80000"/>
+              <a:tabLst/>
+            </a:pPr>
+            <a:r>
+              <a:rPr lang="en-US" sz="1400" kern="0" dirty="0">
+                <a:ea typeface="Arial Unicode MS" pitchFamily="34" charset="-128"/>
+                <a:cs typeface="Arial Unicode MS" pitchFamily="34" charset="-128"/>
+              </a:rPr>
+              <a:t>LIKES!</a:t>
+            </a:r>
+            <a:endParaRPr kumimoji="0" lang="en-US" sz="1400" b="0" i="0" u="none" strike="noStrike" kern="0" cap="none" spc="0" normalizeH="0" baseline="0" dirty="0">
+              <a:ln>
+                <a:noFill/>
+              </a:ln>
+              <a:effectLst/>
+              <a:uLnTx/>
+              <a:uFillTx/>
+              <a:ea typeface="Arial Unicode MS" pitchFamily="34" charset="-128"/>
+              <a:cs typeface="Arial Unicode MS" pitchFamily="34" charset="-128"/>
+            </a:endParaRPr>
+          </a:p>
+        </p:txBody>
+      </p:sp>
+      <p:sp>
+        <p:nvSpPr>
+          <p:cNvPr id="28" name="Rectangle 27"/>
+          <p:cNvSpPr/>
+          <p:nvPr/>
+        </p:nvSpPr>
+        <p:spPr bwMode="gray">
+          <a:xfrm>
+            <a:off x="6513185" y="4476144"/>
+            <a:ext cx="1495014" cy="518290"/>
+          </a:xfrm>
+          <a:prstGeom prst="rect">
+            <a:avLst/>
+          </a:prstGeom>
+          <a:solidFill>
+            <a:schemeClr val="accent1"/>
+          </a:solidFill>
+          <a:ln w="6350" algn="ctr">
+            <a:solidFill>
+              <a:schemeClr val="tx1"/>
+            </a:solidFill>
+            <a:miter lim="800000"/>
+            <a:headEnd/>
+            <a:tailEnd/>
+          </a:ln>
+        </p:spPr>
+        <p:txBody>
+          <a:bodyPr lIns="90000" tIns="72000" rIns="90000" bIns="72000" rtlCol="0" anchor="ctr"/>
+          <a:lstStyle/>
+          <a:p>
+            <a:pPr marR="0" algn="ctr" defTabSz="914400" eaLnBrk="1" fontAlgn="base" latinLnBrk="0" hangingPunct="1">
+              <a:lnSpc>
+                <a:spcPct val="100000"/>
+              </a:lnSpc>
+              <a:spcBef>
+                <a:spcPct val="50000"/>
+              </a:spcBef>
+              <a:spcAft>
+                <a:spcPct val="0"/>
+              </a:spcAft>
+              <a:buClr>
+                <a:srgbClr val="F0AB00"/>
+              </a:buClr>
+              <a:buSzPct val="80000"/>
+              <a:tabLst/>
+            </a:pPr>
+            <a:r>
+              <a:rPr lang="en-US" sz="1400" kern="0" dirty="0">
+                <a:ea typeface="Arial Unicode MS" pitchFamily="34" charset="-128"/>
+                <a:cs typeface="Arial Unicode MS" pitchFamily="34" charset="-128"/>
+              </a:rPr>
+              <a:t>official project maintainer</a:t>
+            </a:r>
+            <a:endParaRPr kumimoji="0" lang="en-US" sz="1400" b="0" i="0" u="none" strike="noStrike" kern="0" cap="none" spc="0" normalizeH="0" baseline="0" dirty="0">
+              <a:ln>
+                <a:noFill/>
+              </a:ln>
+              <a:effectLst/>
+              <a:uLnTx/>
+              <a:uFillTx/>
+              <a:ea typeface="Arial Unicode MS" pitchFamily="34" charset="-128"/>
+              <a:cs typeface="Arial Unicode MS" pitchFamily="34" charset="-128"/>
+            </a:endParaRPr>
+          </a:p>
+        </p:txBody>
+      </p:sp>
+      <p:cxnSp>
+        <p:nvCxnSpPr>
+          <p:cNvPr id="30" name="Straight Arrow Connector 29"/>
+          <p:cNvCxnSpPr>
+            <a:endCxn id="28" idx="0"/>
+          </p:cNvCxnSpPr>
+          <p:nvPr/>
+        </p:nvCxnSpPr>
+        <p:spPr>
+          <a:xfrm>
+            <a:off x="6792686" y="3814898"/>
+            <a:ext cx="468006" cy="661246"/>
+          </a:xfrm>
+          <a:prstGeom prst="straightConnector1">
+            <a:avLst/>
+          </a:prstGeom>
+          <a:ln w="19050">
+            <a:solidFill>
+              <a:srgbClr val="FF0000"/>
+            </a:solidFill>
+            <a:headEnd type="none" w="med" len="med"/>
+            <a:tailEnd type="triangle" w="lg" len="lg"/>
+          </a:ln>
+        </p:spPr>
+        <p:style>
+          <a:lnRef idx="1">
+            <a:schemeClr val="accent1"/>
+          </a:lnRef>
+          <a:fillRef idx="0">
+            <a:schemeClr val="accent1"/>
+          </a:fillRef>
+          <a:effectRef idx="0">
+            <a:schemeClr val="accent1"/>
+          </a:effectRef>
+          <a:fontRef idx="minor">
+            <a:schemeClr val="tx1"/>
+          </a:fontRef>
+        </p:style>
+      </p:cxnSp>
+      <p:sp>
+        <p:nvSpPr>
+          <p:cNvPr id="33" name="Rectangle 32"/>
+          <p:cNvSpPr/>
+          <p:nvPr/>
+        </p:nvSpPr>
+        <p:spPr bwMode="gray">
+          <a:xfrm>
+            <a:off x="8866216" y="5092928"/>
+            <a:ext cx="1891166" cy="600095"/>
+          </a:xfrm>
+          <a:prstGeom prst="rect">
+            <a:avLst/>
+          </a:prstGeom>
+          <a:solidFill>
+            <a:schemeClr val="accent1"/>
+          </a:solidFill>
+          <a:ln w="6350" algn="ctr">
+            <a:solidFill>
+              <a:schemeClr val="tx1"/>
+            </a:solidFill>
+            <a:miter lim="800000"/>
+            <a:headEnd/>
+            <a:tailEnd/>
+          </a:ln>
+        </p:spPr>
+        <p:txBody>
+          <a:bodyPr lIns="90000" tIns="72000" rIns="90000" bIns="72000" rtlCol="0" anchor="ctr"/>
+          <a:lstStyle/>
+          <a:p>
+            <a:pPr marR="0" algn="ctr" defTabSz="914400" eaLnBrk="1" fontAlgn="base" latinLnBrk="0" hangingPunct="1">
+              <a:lnSpc>
+                <a:spcPct val="100000"/>
+              </a:lnSpc>
+              <a:spcBef>
+                <a:spcPct val="50000"/>
+              </a:spcBef>
+              <a:spcAft>
+                <a:spcPct val="0"/>
+              </a:spcAft>
+              <a:buClr>
+                <a:srgbClr val="F0AB00"/>
+              </a:buClr>
+              <a:buSzPct val="80000"/>
+              <a:tabLst/>
+            </a:pPr>
+            <a:r>
+              <a:rPr lang="en-US" sz="1400" kern="0" dirty="0">
+                <a:ea typeface="Arial Unicode MS" pitchFamily="34" charset="-128"/>
+                <a:cs typeface="Arial Unicode MS" pitchFamily="34" charset="-128"/>
+              </a:rPr>
+              <a:t>automatically built on Docker Hub</a:t>
+            </a:r>
+            <a:endParaRPr kumimoji="0" lang="en-US" sz="1400" b="0" i="0" u="none" strike="noStrike" kern="0" cap="none" spc="0" normalizeH="0" baseline="0" dirty="0">
+              <a:ln>
+                <a:noFill/>
+              </a:ln>
+              <a:effectLst/>
+              <a:uLnTx/>
+              <a:uFillTx/>
+              <a:ea typeface="Arial Unicode MS" pitchFamily="34" charset="-128"/>
+              <a:cs typeface="Arial Unicode MS" pitchFamily="34" charset="-128"/>
+            </a:endParaRPr>
+          </a:p>
+        </p:txBody>
+      </p:sp>
+      <p:cxnSp>
+        <p:nvCxnSpPr>
+          <p:cNvPr id="34" name="Straight Arrow Connector 33"/>
+          <p:cNvCxnSpPr>
+            <a:endCxn id="33" idx="0"/>
+          </p:cNvCxnSpPr>
+          <p:nvPr/>
+        </p:nvCxnSpPr>
+        <p:spPr>
+          <a:xfrm>
+            <a:off x="7576457" y="3814898"/>
+            <a:ext cx="2235342" cy="1278030"/>
+          </a:xfrm>
+          <a:prstGeom prst="straightConnector1">
+            <a:avLst/>
+          </a:prstGeom>
+          <a:ln w="19050">
+            <a:solidFill>
+              <a:srgbClr val="FF0000"/>
+            </a:solidFill>
+            <a:headEnd type="none" w="med" len="med"/>
+            <a:tailEnd type="triangle" w="lg" len="lg"/>
+          </a:ln>
+        </p:spPr>
+        <p:style>
+          <a:lnRef idx="1">
+            <a:schemeClr val="accent1"/>
+          </a:lnRef>
+          <a:fillRef idx="0">
+            <a:schemeClr val="accent1"/>
+          </a:fillRef>
+          <a:effectRef idx="0">
+            <a:schemeClr val="accent1"/>
+          </a:effectRef>
+          <a:fontRef idx="minor">
+            <a:schemeClr val="tx1"/>
+          </a:fontRef>
+        </p:style>
+      </p:cxnSp>
+      <p:sp>
+        <p:nvSpPr>
+          <p:cNvPr id="9" name="Rectangle: Rounded Corners 8"/>
+          <p:cNvSpPr/>
+          <p:nvPr/>
+        </p:nvSpPr>
+        <p:spPr bwMode="gray">
+          <a:xfrm>
+            <a:off x="503999" y="2495550"/>
+            <a:ext cx="11186477" cy="1319348"/>
+          </a:xfrm>
+          <a:prstGeom prst="roundRect">
+            <a:avLst>
+              <a:gd name="adj" fmla="val 8296"/>
+            </a:avLst>
+          </a:prstGeom>
+          <a:pattFill prst="narHorz">
+            <a:fgClr>
+              <a:schemeClr val="tx1"/>
+            </a:fgClr>
+            <a:bgClr>
+              <a:srgbClr val="112806"/>
+            </a:bgClr>
+          </a:pattFill>
+          <a:ln w="6350" algn="ctr">
+            <a:noFill/>
+            <a:miter lim="800000"/>
+            <a:headEnd/>
+            <a:tailEnd/>
+          </a:ln>
+        </p:spPr>
+        <p:txBody>
+          <a:bodyPr lIns="90000" tIns="72000" rIns="90000" bIns="72000" rtlCol="0" anchor="t"/>
+          <a:lstStyle/>
+          <a:p>
+            <a:pPr defTabSz="914400" fontAlgn="base">
+              <a:spcAft>
+                <a:spcPct val="0"/>
+              </a:spcAft>
+              <a:buClr>
+                <a:srgbClr val="F0AB00"/>
+              </a:buClr>
+              <a:buSzPct val="80000"/>
+            </a:pPr>
+            <a:r>
+              <a:rPr lang="en-US" sz="900" b="1" kern="0" dirty="0">
+                <a:solidFill>
+                  <a:schemeClr val="bg1"/>
+                </a:solidFill>
+                <a:latin typeface="Courier New" panose="02070309020205020404" pitchFamily="49" charset="0"/>
+                <a:ea typeface="Arial Unicode MS" pitchFamily="34" charset="-128"/>
+                <a:cs typeface="Courier New" panose="02070309020205020404" pitchFamily="49" charset="0"/>
+              </a:rPr>
+              <a:t>$ </a:t>
+            </a:r>
+            <a:r>
+              <a:rPr lang="en-US" sz="900" b="1" kern="0" dirty="0" err="1">
+                <a:solidFill>
+                  <a:schemeClr val="bg1"/>
+                </a:solidFill>
+                <a:latin typeface="Courier New" panose="02070309020205020404" pitchFamily="49" charset="0"/>
+                <a:ea typeface="Arial Unicode MS" pitchFamily="34" charset="-128"/>
+                <a:cs typeface="Courier New" panose="02070309020205020404" pitchFamily="49" charset="0"/>
+              </a:rPr>
+              <a:t>docker</a:t>
+            </a:r>
+            <a:r>
+              <a:rPr lang="en-US" sz="900" b="1" kern="0" dirty="0">
+                <a:solidFill>
+                  <a:schemeClr val="bg1"/>
+                </a:solidFill>
+                <a:latin typeface="Courier New" panose="02070309020205020404" pitchFamily="49" charset="0"/>
+                <a:ea typeface="Arial Unicode MS" pitchFamily="34" charset="-128"/>
+                <a:cs typeface="Courier New" panose="02070309020205020404" pitchFamily="49" charset="0"/>
+              </a:rPr>
+              <a:t> search </a:t>
+            </a:r>
+            <a:r>
+              <a:rPr lang="en-US" sz="900" b="1" kern="0" dirty="0" err="1">
+                <a:solidFill>
+                  <a:schemeClr val="bg1"/>
+                </a:solidFill>
+                <a:latin typeface="Courier New" panose="02070309020205020404" pitchFamily="49" charset="0"/>
+                <a:ea typeface="Arial Unicode MS" pitchFamily="34" charset="-128"/>
+                <a:cs typeface="Courier New" panose="02070309020205020404" pitchFamily="49" charset="0"/>
+              </a:rPr>
+              <a:t>busybox</a:t>
+            </a:r>
+            <a:endParaRPr lang="en-US" sz="900" b="1" kern="0" dirty="0">
+              <a:solidFill>
+                <a:schemeClr val="bg1"/>
+              </a:solidFill>
+              <a:latin typeface="Courier New" panose="02070309020205020404" pitchFamily="49" charset="0"/>
+              <a:ea typeface="Arial Unicode MS" pitchFamily="34" charset="-128"/>
+              <a:cs typeface="Courier New" panose="02070309020205020404" pitchFamily="49" charset="0"/>
+            </a:endParaRPr>
+          </a:p>
+          <a:p>
+            <a:pPr defTabSz="914400" fontAlgn="base">
+              <a:spcAft>
+                <a:spcPct val="0"/>
+              </a:spcAft>
+              <a:buClr>
+                <a:srgbClr val="F0AB00"/>
+              </a:buClr>
+              <a:buSzPct val="80000"/>
+            </a:pPr>
+            <a:r>
+              <a:rPr lang="en-US" sz="900" kern="0" dirty="0">
+                <a:solidFill>
+                  <a:schemeClr val="bg1"/>
+                </a:solidFill>
+                <a:latin typeface="Arial monospaced for SAP" panose="020B0609020202030204" pitchFamily="49" charset="0"/>
+                <a:ea typeface="Arial Unicode MS" pitchFamily="34" charset="-128"/>
+                <a:cs typeface="Courier New" panose="02070309020205020404" pitchFamily="49" charset="0"/>
+              </a:rPr>
+              <a:t>NAME                        DESCRIPTION                                     STARS     OFFICIAL   AUTOMATED</a:t>
+            </a:r>
+          </a:p>
+          <a:p>
+            <a:pPr defTabSz="914400" fontAlgn="base">
+              <a:spcAft>
+                <a:spcPct val="0"/>
+              </a:spcAft>
+              <a:buClr>
+                <a:srgbClr val="F0AB00"/>
+              </a:buClr>
+              <a:buSzPct val="80000"/>
+            </a:pPr>
+            <a:r>
+              <a:rPr lang="en-US" sz="900" kern="0" dirty="0" err="1">
+                <a:solidFill>
+                  <a:schemeClr val="bg1"/>
+                </a:solidFill>
+                <a:latin typeface="Arial monospaced for SAP" panose="020B0609020202030204" pitchFamily="49" charset="0"/>
+                <a:ea typeface="Arial Unicode MS" pitchFamily="34" charset="-128"/>
+                <a:cs typeface="Courier New" panose="02070309020205020404" pitchFamily="49" charset="0"/>
+              </a:rPr>
+              <a:t>busybox</a:t>
+            </a:r>
+            <a:r>
+              <a:rPr lang="en-US" sz="900" kern="0" dirty="0">
+                <a:solidFill>
+                  <a:schemeClr val="bg1"/>
+                </a:solidFill>
+                <a:latin typeface="Arial monospaced for SAP" panose="020B0609020202030204" pitchFamily="49" charset="0"/>
+                <a:ea typeface="Arial Unicode MS" pitchFamily="34" charset="-128"/>
+                <a:cs typeface="Courier New" panose="02070309020205020404" pitchFamily="49" charset="0"/>
+              </a:rPr>
+              <a:t>                     </a:t>
+            </a:r>
+            <a:r>
+              <a:rPr lang="en-US" sz="900" kern="0" dirty="0" err="1">
+                <a:solidFill>
+                  <a:schemeClr val="bg1"/>
+                </a:solidFill>
+                <a:latin typeface="Arial monospaced for SAP" panose="020B0609020202030204" pitchFamily="49" charset="0"/>
+                <a:ea typeface="Arial Unicode MS" pitchFamily="34" charset="-128"/>
+                <a:cs typeface="Courier New" panose="02070309020205020404" pitchFamily="49" charset="0"/>
+              </a:rPr>
+              <a:t>Busybox</a:t>
+            </a:r>
+            <a:r>
+              <a:rPr lang="en-US" sz="900" kern="0" dirty="0">
+                <a:solidFill>
+                  <a:schemeClr val="bg1"/>
+                </a:solidFill>
+                <a:latin typeface="Arial monospaced for SAP" panose="020B0609020202030204" pitchFamily="49" charset="0"/>
+                <a:ea typeface="Arial Unicode MS" pitchFamily="34" charset="-128"/>
+                <a:cs typeface="Courier New" panose="02070309020205020404" pitchFamily="49" charset="0"/>
+              </a:rPr>
+              <a:t> base image.                             1160      [OK]       </a:t>
+            </a:r>
+          </a:p>
+          <a:p>
+            <a:pPr defTabSz="914400" fontAlgn="base">
+              <a:spcAft>
+                <a:spcPct val="0"/>
+              </a:spcAft>
+              <a:buClr>
+                <a:srgbClr val="F0AB00"/>
+              </a:buClr>
+              <a:buSzPct val="80000"/>
+            </a:pPr>
+            <a:r>
+              <a:rPr lang="en-US" sz="900" kern="0" dirty="0" err="1">
+                <a:solidFill>
+                  <a:schemeClr val="bg1"/>
+                </a:solidFill>
+                <a:latin typeface="Arial monospaced for SAP" panose="020B0609020202030204" pitchFamily="49" charset="0"/>
+                <a:ea typeface="Arial Unicode MS" pitchFamily="34" charset="-128"/>
+                <a:cs typeface="Courier New" panose="02070309020205020404" pitchFamily="49" charset="0"/>
+              </a:rPr>
+              <a:t>progrium</a:t>
+            </a:r>
+            <a:r>
+              <a:rPr lang="en-US" sz="900" kern="0" dirty="0">
+                <a:solidFill>
+                  <a:schemeClr val="bg1"/>
+                </a:solidFill>
+                <a:latin typeface="Arial monospaced for SAP" panose="020B0609020202030204" pitchFamily="49" charset="0"/>
+                <a:ea typeface="Arial Unicode MS" pitchFamily="34" charset="-128"/>
+                <a:cs typeface="Courier New" panose="02070309020205020404" pitchFamily="49" charset="0"/>
+              </a:rPr>
+              <a:t>/</a:t>
+            </a:r>
+            <a:r>
+              <a:rPr lang="en-US" sz="900" kern="0" dirty="0" err="1">
+                <a:solidFill>
+                  <a:schemeClr val="bg1"/>
+                </a:solidFill>
+                <a:latin typeface="Arial monospaced for SAP" panose="020B0609020202030204" pitchFamily="49" charset="0"/>
+                <a:ea typeface="Arial Unicode MS" pitchFamily="34" charset="-128"/>
+                <a:cs typeface="Courier New" panose="02070309020205020404" pitchFamily="49" charset="0"/>
+              </a:rPr>
+              <a:t>busybox</a:t>
+            </a:r>
+            <a:r>
+              <a:rPr lang="en-US" sz="900" kern="0" dirty="0">
+                <a:solidFill>
+                  <a:schemeClr val="bg1"/>
+                </a:solidFill>
+                <a:latin typeface="Arial monospaced for SAP" panose="020B0609020202030204" pitchFamily="49" charset="0"/>
+                <a:ea typeface="Arial Unicode MS" pitchFamily="34" charset="-128"/>
+                <a:cs typeface="Courier New" panose="02070309020205020404" pitchFamily="49" charset="0"/>
+              </a:rPr>
+              <a:t>                                                            66                   [OK]</a:t>
+            </a:r>
+          </a:p>
+          <a:p>
+            <a:pPr defTabSz="914400" fontAlgn="base">
+              <a:spcAft>
+                <a:spcPct val="0"/>
+              </a:spcAft>
+              <a:buClr>
+                <a:srgbClr val="F0AB00"/>
+              </a:buClr>
+              <a:buSzPct val="80000"/>
+            </a:pPr>
+            <a:r>
+              <a:rPr lang="en-US" sz="900" kern="0" dirty="0" err="1">
+                <a:solidFill>
+                  <a:schemeClr val="bg1"/>
+                </a:solidFill>
+                <a:latin typeface="Arial monospaced for SAP" panose="020B0609020202030204" pitchFamily="49" charset="0"/>
+                <a:ea typeface="Arial Unicode MS" pitchFamily="34" charset="-128"/>
+                <a:cs typeface="Courier New" panose="02070309020205020404" pitchFamily="49" charset="0"/>
+              </a:rPr>
+              <a:t>hypriot</a:t>
+            </a:r>
+            <a:r>
+              <a:rPr lang="en-US" sz="900" kern="0" dirty="0">
+                <a:solidFill>
+                  <a:schemeClr val="bg1"/>
+                </a:solidFill>
+                <a:latin typeface="Arial monospaced for SAP" panose="020B0609020202030204" pitchFamily="49" charset="0"/>
+                <a:ea typeface="Arial Unicode MS" pitchFamily="34" charset="-128"/>
+                <a:cs typeface="Courier New" panose="02070309020205020404" pitchFamily="49" charset="0"/>
+              </a:rPr>
+              <a:t>/</a:t>
+            </a:r>
+            <a:r>
+              <a:rPr lang="en-US" sz="900" kern="0" dirty="0" err="1">
+                <a:solidFill>
+                  <a:schemeClr val="bg1"/>
+                </a:solidFill>
+                <a:latin typeface="Arial monospaced for SAP" panose="020B0609020202030204" pitchFamily="49" charset="0"/>
+                <a:ea typeface="Arial Unicode MS" pitchFamily="34" charset="-128"/>
+                <a:cs typeface="Courier New" panose="02070309020205020404" pitchFamily="49" charset="0"/>
+              </a:rPr>
+              <a:t>rpi-busybox-httpd</a:t>
+            </a:r>
+            <a:r>
+              <a:rPr lang="en-US" sz="900" kern="0" dirty="0">
+                <a:solidFill>
+                  <a:schemeClr val="bg1"/>
+                </a:solidFill>
+                <a:latin typeface="Arial monospaced for SAP" panose="020B0609020202030204" pitchFamily="49" charset="0"/>
+                <a:ea typeface="Arial Unicode MS" pitchFamily="34" charset="-128"/>
+                <a:cs typeface="Courier New" panose="02070309020205020404" pitchFamily="49" charset="0"/>
+              </a:rPr>
+              <a:t>   Raspberry Pi compatible Docker Image with ...   39                   </a:t>
+            </a:r>
+          </a:p>
+          <a:p>
+            <a:pPr defTabSz="914400" fontAlgn="base">
+              <a:spcAft>
+                <a:spcPct val="0"/>
+              </a:spcAft>
+              <a:buClr>
+                <a:srgbClr val="F0AB00"/>
+              </a:buClr>
+              <a:buSzPct val="80000"/>
+            </a:pPr>
+            <a:r>
+              <a:rPr lang="en-US" sz="900" kern="0" dirty="0">
+                <a:solidFill>
+                  <a:schemeClr val="bg1"/>
+                </a:solidFill>
+                <a:latin typeface="Arial monospaced for SAP" panose="020B0609020202030204" pitchFamily="49" charset="0"/>
+                <a:ea typeface="Arial Unicode MS" pitchFamily="34" charset="-128"/>
+                <a:cs typeface="Courier New" panose="02070309020205020404" pitchFamily="49" charset="0"/>
+              </a:rPr>
+              <a:t>radial/</a:t>
+            </a:r>
+            <a:r>
+              <a:rPr lang="en-US" sz="900" kern="0" dirty="0" err="1">
+                <a:solidFill>
+                  <a:schemeClr val="bg1"/>
+                </a:solidFill>
+                <a:latin typeface="Arial monospaced for SAP" panose="020B0609020202030204" pitchFamily="49" charset="0"/>
+                <a:ea typeface="Arial Unicode MS" pitchFamily="34" charset="-128"/>
+                <a:cs typeface="Courier New" panose="02070309020205020404" pitchFamily="49" charset="0"/>
+              </a:rPr>
+              <a:t>busyboxplus</a:t>
+            </a:r>
+            <a:r>
+              <a:rPr lang="en-US" sz="900" kern="0" dirty="0">
+                <a:solidFill>
+                  <a:schemeClr val="bg1"/>
+                </a:solidFill>
+                <a:latin typeface="Arial monospaced for SAP" panose="020B0609020202030204" pitchFamily="49" charset="0"/>
+                <a:ea typeface="Arial Unicode MS" pitchFamily="34" charset="-128"/>
+                <a:cs typeface="Courier New" panose="02070309020205020404" pitchFamily="49" charset="0"/>
+              </a:rPr>
+              <a:t>          Full-chain, Internet enabled, </a:t>
+            </a:r>
+            <a:r>
+              <a:rPr lang="en-US" sz="900" kern="0" dirty="0" err="1">
+                <a:solidFill>
+                  <a:schemeClr val="bg1"/>
+                </a:solidFill>
+                <a:latin typeface="Arial monospaced for SAP" panose="020B0609020202030204" pitchFamily="49" charset="0"/>
+                <a:ea typeface="Arial Unicode MS" pitchFamily="34" charset="-128"/>
+                <a:cs typeface="Courier New" panose="02070309020205020404" pitchFamily="49" charset="0"/>
+              </a:rPr>
+              <a:t>busybox</a:t>
+            </a:r>
+            <a:r>
+              <a:rPr lang="en-US" sz="900" kern="0" dirty="0">
+                <a:solidFill>
+                  <a:schemeClr val="bg1"/>
+                </a:solidFill>
+                <a:latin typeface="Arial monospaced for SAP" panose="020B0609020202030204" pitchFamily="49" charset="0"/>
+                <a:ea typeface="Arial Unicode MS" pitchFamily="34" charset="-128"/>
+                <a:cs typeface="Courier New" panose="02070309020205020404" pitchFamily="49" charset="0"/>
+              </a:rPr>
+              <a:t> made...   17                   [OK]</a:t>
+            </a:r>
+          </a:p>
+          <a:p>
+            <a:pPr defTabSz="914400" fontAlgn="base">
+              <a:spcAft>
+                <a:spcPct val="0"/>
+              </a:spcAft>
+              <a:buClr>
+                <a:srgbClr val="F0AB00"/>
+              </a:buClr>
+              <a:buSzPct val="80000"/>
+            </a:pPr>
+            <a:r>
+              <a:rPr lang="en-US" sz="900" kern="0" dirty="0" err="1">
+                <a:solidFill>
+                  <a:schemeClr val="bg1"/>
+                </a:solidFill>
+                <a:latin typeface="Arial monospaced for SAP" panose="020B0609020202030204" pitchFamily="49" charset="0"/>
+                <a:ea typeface="Arial Unicode MS" pitchFamily="34" charset="-128"/>
+                <a:cs typeface="Courier New" panose="02070309020205020404" pitchFamily="49" charset="0"/>
+              </a:rPr>
+              <a:t>hypriot</a:t>
+            </a:r>
+            <a:r>
+              <a:rPr lang="en-US" sz="900" kern="0" dirty="0">
+                <a:solidFill>
+                  <a:schemeClr val="bg1"/>
+                </a:solidFill>
+                <a:latin typeface="Arial monospaced for SAP" panose="020B0609020202030204" pitchFamily="49" charset="0"/>
+                <a:ea typeface="Arial Unicode MS" pitchFamily="34" charset="-128"/>
+                <a:cs typeface="Courier New" panose="02070309020205020404" pitchFamily="49" charset="0"/>
+              </a:rPr>
+              <a:t>/</a:t>
+            </a:r>
+            <a:r>
+              <a:rPr lang="en-US" sz="900" kern="0" dirty="0" err="1">
+                <a:solidFill>
+                  <a:schemeClr val="bg1"/>
+                </a:solidFill>
+                <a:latin typeface="Arial monospaced for SAP" panose="020B0609020202030204" pitchFamily="49" charset="0"/>
+                <a:ea typeface="Arial Unicode MS" pitchFamily="34" charset="-128"/>
+                <a:cs typeface="Courier New" panose="02070309020205020404" pitchFamily="49" charset="0"/>
+              </a:rPr>
+              <a:t>armhf-busybox</a:t>
+            </a:r>
+            <a:r>
+              <a:rPr lang="en-US" sz="900" kern="0" dirty="0">
+                <a:solidFill>
+                  <a:schemeClr val="bg1"/>
+                </a:solidFill>
+                <a:latin typeface="Arial monospaced for SAP" panose="020B0609020202030204" pitchFamily="49" charset="0"/>
+                <a:ea typeface="Arial Unicode MS" pitchFamily="34" charset="-128"/>
+                <a:cs typeface="Courier New" panose="02070309020205020404" pitchFamily="49" charset="0"/>
+              </a:rPr>
+              <a:t>       </a:t>
+            </a:r>
+            <a:r>
+              <a:rPr lang="en-US" sz="900" kern="0" dirty="0" err="1">
+                <a:solidFill>
+                  <a:schemeClr val="bg1"/>
+                </a:solidFill>
+                <a:latin typeface="Arial monospaced for SAP" panose="020B0609020202030204" pitchFamily="49" charset="0"/>
+                <a:ea typeface="Arial Unicode MS" pitchFamily="34" charset="-128"/>
+                <a:cs typeface="Courier New" panose="02070309020205020404" pitchFamily="49" charset="0"/>
+              </a:rPr>
+              <a:t>Busybox</a:t>
+            </a:r>
+            <a:r>
+              <a:rPr lang="en-US" sz="900" kern="0" dirty="0">
+                <a:solidFill>
+                  <a:schemeClr val="bg1"/>
+                </a:solidFill>
+                <a:latin typeface="Arial monospaced for SAP" panose="020B0609020202030204" pitchFamily="49" charset="0"/>
+                <a:ea typeface="Arial Unicode MS" pitchFamily="34" charset="-128"/>
+                <a:cs typeface="Courier New" panose="02070309020205020404" pitchFamily="49" charset="0"/>
+              </a:rPr>
+              <a:t> base image for ARM.                     8                    </a:t>
+            </a:r>
+          </a:p>
+          <a:p>
+            <a:pPr defTabSz="914400" fontAlgn="base">
+              <a:spcAft>
+                <a:spcPct val="0"/>
+              </a:spcAft>
+              <a:buClr>
+                <a:srgbClr val="F0AB00"/>
+              </a:buClr>
+              <a:buSzPct val="80000"/>
+            </a:pPr>
+            <a:r>
+              <a:rPr lang="en-US" sz="900" kern="0" dirty="0">
+                <a:solidFill>
+                  <a:schemeClr val="bg1"/>
+                </a:solidFill>
+                <a:latin typeface="Arial monospaced for SAP" panose="020B0609020202030204" pitchFamily="49" charset="0"/>
+                <a:ea typeface="Arial Unicode MS" pitchFamily="34" charset="-128"/>
+                <a:cs typeface="Courier New" panose="02070309020205020404" pitchFamily="49" charset="0"/>
+              </a:rPr>
+              <a:t>...</a:t>
+            </a:r>
+          </a:p>
+        </p:txBody>
+      </p:sp>
+      <p:sp>
+        <p:nvSpPr>
+          <p:cNvPr id="2" name="Rectangle 1">
+            <a:extLst>
+              <a:ext uri="{FF2B5EF4-FFF2-40B4-BE49-F238E27FC236}">
+                <a16:creationId xmlns:a16="http://schemas.microsoft.com/office/drawing/2014/main" id="{AE5DF3FF-9C48-4E71-B3A2-F3988FAA9716}"/>
+              </a:ext>
+            </a:extLst>
+          </p:cNvPr>
+          <p:cNvSpPr/>
+          <p:nvPr/>
+        </p:nvSpPr>
+        <p:spPr>
+          <a:xfrm>
+            <a:off x="5702451" y="5211263"/>
+            <a:ext cx="516488" cy="415498"/>
+          </a:xfrm>
+          <a:prstGeom prst="rect">
+            <a:avLst/>
+          </a:prstGeom>
+        </p:spPr>
+        <p:txBody>
+          <a:bodyPr wrap="none">
+            <a:spAutoFit/>
+          </a:bodyPr>
+          <a:lstStyle/>
+          <a:p>
+            <a:r>
+              <a:rPr lang="en-US" dirty="0"/>
+              <a:t>👍</a:t>
+            </a:r>
+          </a:p>
+        </p:txBody>
+      </p:sp>
+    </p:spTree>
+    <p:extLst>
+      <p:ext uri="{BB962C8B-B14F-4D97-AF65-F5344CB8AC3E}">
+        <p14:creationId xmlns:p14="http://schemas.microsoft.com/office/powerpoint/2010/main" val="2960905310"/>
+      </p:ext>
+    </p:extLst>
+  </p:cSld>
+  <p:clrMapOvr>
+    <a:masterClrMapping/>
+  </p:clrMapOvr>
+</p:sld>
+</file>
+
+<file path=ppt/slides/slide11.xml><?xml version="1.0" encoding="utf-8"?>
+<p:sld xmlns:a="http://schemas.openxmlformats.org/drawingml/2006/main" xmlns:r="http://schemas.openxmlformats.org/officeDocument/2006/relationships" xmlns:p="http://schemas.openxmlformats.org/presentationml/2006/main">
+  <p:cSld>
+    <p:spTree>
+      <p:nvGrpSpPr>
+        <p:cNvPr id="1" name=""/>
+        <p:cNvGrpSpPr/>
+        <p:nvPr/>
+      </p:nvGrpSpPr>
+      <p:grpSpPr>
+        <a:xfrm>
+          <a:off x="0" y="0"/>
+          <a:ext cx="0" cy="0"/>
+          <a:chOff x="0" y="0"/>
+          <a:chExt cx="0" cy="0"/>
+        </a:xfrm>
+      </p:grpSpPr>
+      <p:sp>
+        <p:nvSpPr>
+          <p:cNvPr id="3" name="Title 2">
+            <a:extLst>
+              <a:ext uri="{FF2B5EF4-FFF2-40B4-BE49-F238E27FC236}">
+                <a16:creationId xmlns:a16="http://schemas.microsoft.com/office/drawing/2014/main" id="{B73DFC8A-D39C-4395-A874-03C42AE64146}"/>
+              </a:ext>
+            </a:extLst>
+          </p:cNvPr>
+          <p:cNvSpPr>
+            <a:spLocks noGrp="1"/>
+          </p:cNvSpPr>
+          <p:nvPr>
+            <p:ph type="title"/>
+          </p:nvPr>
+        </p:nvSpPr>
+        <p:spPr/>
+        <p:txBody>
+          <a:bodyPr/>
+          <a:lstStyle/>
+          <a:p>
+            <a:r>
+              <a:rPr lang="en-US" dirty="0"/>
+              <a:t>Image names &amp; tags</a:t>
+            </a:r>
+          </a:p>
+        </p:txBody>
+      </p:sp>
+      <p:sp>
+        <p:nvSpPr>
+          <p:cNvPr id="4" name="Rectangle: Rounded Corners 3">
+            <a:extLst>
+              <a:ext uri="{FF2B5EF4-FFF2-40B4-BE49-F238E27FC236}">
+                <a16:creationId xmlns:a16="http://schemas.microsoft.com/office/drawing/2014/main" id="{069317E0-1935-457B-9BE2-13D2F434C611}"/>
+              </a:ext>
+            </a:extLst>
+          </p:cNvPr>
+          <p:cNvSpPr/>
+          <p:nvPr/>
+        </p:nvSpPr>
+        <p:spPr bwMode="gray">
+          <a:xfrm>
+            <a:off x="1577888" y="1336602"/>
+            <a:ext cx="9077099" cy="1449128"/>
+          </a:xfrm>
+          <a:prstGeom prst="roundRect">
+            <a:avLst>
+              <a:gd name="adj" fmla="val 8296"/>
+            </a:avLst>
+          </a:prstGeom>
+          <a:pattFill prst="narHorz">
+            <a:fgClr>
+              <a:schemeClr val="tx1"/>
+            </a:fgClr>
+            <a:bgClr>
+              <a:srgbClr val="112806"/>
+            </a:bgClr>
+          </a:pattFill>
+          <a:ln w="6350" algn="ctr">
+            <a:noFill/>
+            <a:miter lim="800000"/>
+            <a:headEnd/>
+            <a:tailEnd/>
+          </a:ln>
+        </p:spPr>
+        <p:txBody>
+          <a:bodyPr lIns="90000" tIns="72000" rIns="90000" bIns="72000" rtlCol="0" anchor="t"/>
+          <a:lstStyle/>
+          <a:p>
+            <a:pPr defTabSz="914400" fontAlgn="base">
+              <a:spcAft>
+                <a:spcPct val="0"/>
+              </a:spcAft>
+              <a:buClr>
+                <a:srgbClr val="F0AB00"/>
+              </a:buClr>
+              <a:buSzPct val="80000"/>
+            </a:pPr>
+            <a:r>
+              <a:rPr lang="en-US" sz="1400" b="1" kern="0" dirty="0">
+                <a:solidFill>
+                  <a:schemeClr val="bg1"/>
+                </a:solidFill>
+                <a:latin typeface="Courier New" panose="02070309020205020404" pitchFamily="49" charset="0"/>
+                <a:ea typeface="Arial Unicode MS" pitchFamily="34" charset="-128"/>
+                <a:cs typeface="Courier New" panose="02070309020205020404" pitchFamily="49" charset="0"/>
+              </a:rPr>
+              <a:t>$  docker image list</a:t>
+            </a:r>
+          </a:p>
+          <a:p>
+            <a:pPr defTabSz="914400" fontAlgn="base">
+              <a:spcAft>
+                <a:spcPct val="0"/>
+              </a:spcAft>
+              <a:buClr>
+                <a:srgbClr val="F0AB00"/>
+              </a:buClr>
+              <a:buSzPct val="80000"/>
+            </a:pPr>
+            <a:endParaRPr lang="en-US" sz="1400" b="1" kern="0" dirty="0">
+              <a:solidFill>
+                <a:schemeClr val="bg1"/>
+              </a:solidFill>
+              <a:latin typeface="Courier New" panose="02070309020205020404" pitchFamily="49" charset="0"/>
+              <a:ea typeface="Arial Unicode MS" pitchFamily="34" charset="-128"/>
+              <a:cs typeface="Courier New" panose="02070309020205020404" pitchFamily="49" charset="0"/>
+            </a:endParaRPr>
+          </a:p>
+          <a:p>
+            <a:pPr defTabSz="914400" fontAlgn="base">
+              <a:spcAft>
+                <a:spcPct val="0"/>
+              </a:spcAft>
+              <a:buClr>
+                <a:srgbClr val="F0AB00"/>
+              </a:buClr>
+              <a:buSzPct val="80000"/>
+            </a:pPr>
+            <a:r>
+              <a:rPr lang="en-US" sz="1400" b="1" kern="0" dirty="0">
+                <a:solidFill>
+                  <a:schemeClr val="bg1"/>
+                </a:solidFill>
+                <a:latin typeface="Courier New" panose="02070309020205020404" pitchFamily="49" charset="0"/>
+                <a:ea typeface="Arial Unicode MS" pitchFamily="34" charset="-128"/>
+                <a:cs typeface="Courier New" panose="02070309020205020404" pitchFamily="49" charset="0"/>
+              </a:rPr>
+              <a:t>REPOSITORY                                         		 TAG     IMAGE ID</a:t>
+            </a:r>
+          </a:p>
+          <a:p>
+            <a:pPr defTabSz="914400" fontAlgn="base">
+              <a:spcAft>
+                <a:spcPct val="0"/>
+              </a:spcAft>
+              <a:buClr>
+                <a:srgbClr val="F0AB00"/>
+              </a:buClr>
+              <a:buSzPct val="80000"/>
+            </a:pPr>
+            <a:endParaRPr lang="en-US" sz="1400" b="1" kern="0" dirty="0">
+              <a:solidFill>
+                <a:schemeClr val="bg1"/>
+              </a:solidFill>
+              <a:latin typeface="Courier New" panose="02070309020205020404" pitchFamily="49" charset="0"/>
+              <a:ea typeface="Arial Unicode MS" pitchFamily="34" charset="-128"/>
+              <a:cs typeface="Courier New" panose="02070309020205020404" pitchFamily="49" charset="0"/>
+            </a:endParaRPr>
+          </a:p>
+          <a:p>
+            <a:pPr defTabSz="914400" fontAlgn="base">
+              <a:spcAft>
+                <a:spcPct val="0"/>
+              </a:spcAft>
+              <a:buClr>
+                <a:srgbClr val="F0AB00"/>
+              </a:buClr>
+              <a:buSzPct val="80000"/>
+            </a:pPr>
+            <a:r>
+              <a:rPr lang="en-US" sz="1400" b="1" kern="0" dirty="0">
+                <a:solidFill>
+                  <a:schemeClr val="bg1"/>
+                </a:solidFill>
+                <a:latin typeface="Courier New" panose="02070309020205020404" pitchFamily="49" charset="0"/>
+                <a:ea typeface="Arial Unicode MS" pitchFamily="34" charset="-128"/>
+                <a:cs typeface="Courier New" panose="02070309020205020404" pitchFamily="49" charset="0"/>
+              </a:rPr>
+              <a:t>my-registry.ondemand.com/</a:t>
+            </a:r>
+            <a:r>
+              <a:rPr lang="en-US" sz="1400" b="1" kern="0" dirty="0" err="1">
+                <a:solidFill>
+                  <a:schemeClr val="bg1"/>
+                </a:solidFill>
+                <a:latin typeface="Courier New" panose="02070309020205020404" pitchFamily="49" charset="0"/>
+                <a:ea typeface="Arial Unicode MS" pitchFamily="34" charset="-128"/>
+                <a:cs typeface="Courier New" panose="02070309020205020404" pitchFamily="49" charset="0"/>
+              </a:rPr>
+              <a:t>busybox</a:t>
+            </a:r>
+            <a:r>
+              <a:rPr lang="en-US" sz="1400" b="1" kern="0" dirty="0">
+                <a:solidFill>
+                  <a:schemeClr val="bg1"/>
+                </a:solidFill>
+                <a:latin typeface="Courier New" panose="02070309020205020404" pitchFamily="49" charset="0"/>
+                <a:ea typeface="Arial Unicode MS" pitchFamily="34" charset="-128"/>
+                <a:cs typeface="Courier New" panose="02070309020205020404" pitchFamily="49" charset="0"/>
+              </a:rPr>
+              <a:t>  				 0.1    6ad733544a63</a:t>
+            </a:r>
+            <a:endParaRPr lang="en-US" sz="1400" kern="0" dirty="0">
+              <a:solidFill>
+                <a:schemeClr val="bg1"/>
+              </a:solidFill>
+              <a:latin typeface="Arial monospaced for SAP" panose="020B0609020202030204" pitchFamily="49" charset="0"/>
+              <a:ea typeface="Arial Unicode MS" pitchFamily="34" charset="-128"/>
+              <a:cs typeface="Courier New" panose="02070309020205020404" pitchFamily="49" charset="0"/>
+            </a:endParaRPr>
+          </a:p>
+        </p:txBody>
+      </p:sp>
+      <p:cxnSp>
+        <p:nvCxnSpPr>
+          <p:cNvPr id="5" name="Straight Arrow Connector 4">
+            <a:extLst>
+              <a:ext uri="{FF2B5EF4-FFF2-40B4-BE49-F238E27FC236}">
+                <a16:creationId xmlns:a16="http://schemas.microsoft.com/office/drawing/2014/main" id="{BF922026-9CBD-4AD6-988B-B26ED9E264FA}"/>
+              </a:ext>
+            </a:extLst>
+          </p:cNvPr>
+          <p:cNvCxnSpPr>
+            <a:endCxn id="6" idx="0"/>
+          </p:cNvCxnSpPr>
+          <p:nvPr/>
+        </p:nvCxnSpPr>
+        <p:spPr>
+          <a:xfrm flipH="1">
+            <a:off x="2804594" y="2651449"/>
+            <a:ext cx="15658" cy="1512575"/>
+          </a:xfrm>
+          <a:prstGeom prst="straightConnector1">
+            <a:avLst/>
+          </a:prstGeom>
+          <a:ln w="19050">
+            <a:solidFill>
+              <a:srgbClr val="FF0000"/>
+            </a:solidFill>
+            <a:headEnd type="none" w="med" len="med"/>
+            <a:tailEnd type="triangle" w="lg" len="lg"/>
+          </a:ln>
+        </p:spPr>
+        <p:style>
+          <a:lnRef idx="1">
+            <a:schemeClr val="accent1"/>
+          </a:lnRef>
+          <a:fillRef idx="0">
+            <a:schemeClr val="accent1"/>
+          </a:fillRef>
+          <a:effectRef idx="0">
+            <a:schemeClr val="accent1"/>
+          </a:effectRef>
+          <a:fontRef idx="minor">
+            <a:schemeClr val="tx1"/>
+          </a:fontRef>
+        </p:style>
+      </p:cxnSp>
+      <p:sp>
+        <p:nvSpPr>
+          <p:cNvPr id="6" name="Rectangle 5">
+            <a:extLst>
+              <a:ext uri="{FF2B5EF4-FFF2-40B4-BE49-F238E27FC236}">
+                <a16:creationId xmlns:a16="http://schemas.microsoft.com/office/drawing/2014/main" id="{12BD95AA-12D5-40DA-9038-E0DAF2E63607}"/>
+              </a:ext>
+            </a:extLst>
+          </p:cNvPr>
+          <p:cNvSpPr/>
+          <p:nvPr/>
+        </p:nvSpPr>
+        <p:spPr bwMode="gray">
+          <a:xfrm>
+            <a:off x="2009256" y="4164024"/>
+            <a:ext cx="1590675" cy="457200"/>
+          </a:xfrm>
+          <a:prstGeom prst="rect">
+            <a:avLst/>
+          </a:prstGeom>
+          <a:solidFill>
+            <a:schemeClr val="accent1"/>
+          </a:solidFill>
+          <a:ln w="6350" algn="ctr">
+            <a:solidFill>
+              <a:schemeClr val="tx1"/>
+            </a:solidFill>
+            <a:miter lim="800000"/>
+            <a:headEnd/>
+            <a:tailEnd/>
+          </a:ln>
+        </p:spPr>
+        <p:txBody>
+          <a:bodyPr lIns="90000" tIns="72000" rIns="90000" bIns="72000" rtlCol="0" anchor="ctr"/>
+          <a:lstStyle/>
+          <a:p>
+            <a:pPr marR="0" algn="ctr" defTabSz="914400" eaLnBrk="1" fontAlgn="base" latinLnBrk="0" hangingPunct="1">
+              <a:lnSpc>
+                <a:spcPct val="100000"/>
+              </a:lnSpc>
+              <a:spcBef>
+                <a:spcPct val="50000"/>
+              </a:spcBef>
+              <a:spcAft>
+                <a:spcPct val="0"/>
+              </a:spcAft>
+              <a:buClr>
+                <a:srgbClr val="F0AB00"/>
+              </a:buClr>
+              <a:buSzPct val="80000"/>
+              <a:tabLst/>
+            </a:pPr>
+            <a:r>
+              <a:rPr lang="en-US" sz="1400" kern="0" dirty="0">
+                <a:ea typeface="Arial Unicode MS" pitchFamily="34" charset="-128"/>
+                <a:cs typeface="Arial Unicode MS" pitchFamily="34" charset="-128"/>
+              </a:rPr>
+              <a:t>Registry URL</a:t>
+            </a:r>
+            <a:endParaRPr kumimoji="0" lang="en-US" sz="1400" b="0" i="0" u="none" strike="noStrike" kern="0" cap="none" spc="0" normalizeH="0" baseline="0" dirty="0">
+              <a:ln>
+                <a:noFill/>
+              </a:ln>
+              <a:effectLst/>
+              <a:uLnTx/>
+              <a:uFillTx/>
+              <a:ea typeface="Arial Unicode MS" pitchFamily="34" charset="-128"/>
+              <a:cs typeface="Arial Unicode MS" pitchFamily="34" charset="-128"/>
+            </a:endParaRPr>
+          </a:p>
+        </p:txBody>
+      </p:sp>
+      <p:cxnSp>
+        <p:nvCxnSpPr>
+          <p:cNvPr id="7" name="Straight Arrow Connector 6">
+            <a:extLst>
+              <a:ext uri="{FF2B5EF4-FFF2-40B4-BE49-F238E27FC236}">
+                <a16:creationId xmlns:a16="http://schemas.microsoft.com/office/drawing/2014/main" id="{8C8EEE4C-AA55-4A12-B5A1-4CDE1FBB2453}"/>
+              </a:ext>
+            </a:extLst>
+          </p:cNvPr>
+          <p:cNvCxnSpPr>
+            <a:cxnSpLocks/>
+            <a:endCxn id="8" idx="0"/>
+          </p:cNvCxnSpPr>
+          <p:nvPr/>
+        </p:nvCxnSpPr>
+        <p:spPr>
+          <a:xfrm>
+            <a:off x="4726851" y="2559696"/>
+            <a:ext cx="0" cy="785127"/>
+          </a:xfrm>
+          <a:prstGeom prst="straightConnector1">
+            <a:avLst/>
+          </a:prstGeom>
+          <a:ln w="19050">
+            <a:solidFill>
+              <a:srgbClr val="FF0000"/>
+            </a:solidFill>
+            <a:headEnd type="none" w="med" len="med"/>
+            <a:tailEnd type="triangle" w="lg" len="lg"/>
+          </a:ln>
+        </p:spPr>
+        <p:style>
+          <a:lnRef idx="1">
+            <a:schemeClr val="accent1"/>
+          </a:lnRef>
+          <a:fillRef idx="0">
+            <a:schemeClr val="accent1"/>
+          </a:fillRef>
+          <a:effectRef idx="0">
+            <a:schemeClr val="accent1"/>
+          </a:effectRef>
+          <a:fontRef idx="minor">
+            <a:schemeClr val="tx1"/>
+          </a:fontRef>
+        </p:style>
+      </p:cxnSp>
+      <p:sp>
+        <p:nvSpPr>
+          <p:cNvPr id="8" name="Rectangle 7">
+            <a:extLst>
+              <a:ext uri="{FF2B5EF4-FFF2-40B4-BE49-F238E27FC236}">
+                <a16:creationId xmlns:a16="http://schemas.microsoft.com/office/drawing/2014/main" id="{50B9421B-07C4-46F0-A064-FEDE9DC42898}"/>
+              </a:ext>
+            </a:extLst>
+          </p:cNvPr>
+          <p:cNvSpPr/>
+          <p:nvPr/>
+        </p:nvSpPr>
+        <p:spPr bwMode="gray">
+          <a:xfrm>
+            <a:off x="3931513" y="3344823"/>
+            <a:ext cx="1590675" cy="457200"/>
+          </a:xfrm>
+          <a:prstGeom prst="rect">
+            <a:avLst/>
+          </a:prstGeom>
+          <a:solidFill>
+            <a:schemeClr val="accent1"/>
+          </a:solidFill>
+          <a:ln w="6350" algn="ctr">
+            <a:solidFill>
+              <a:schemeClr val="tx1"/>
+            </a:solidFill>
+            <a:miter lim="800000"/>
+            <a:headEnd/>
+            <a:tailEnd/>
+          </a:ln>
+        </p:spPr>
+        <p:txBody>
+          <a:bodyPr lIns="90000" tIns="72000" rIns="90000" bIns="72000" rtlCol="0" anchor="ctr"/>
+          <a:lstStyle/>
+          <a:p>
+            <a:pPr marR="0" algn="ctr" defTabSz="914400" eaLnBrk="1" fontAlgn="base" latinLnBrk="0" hangingPunct="1">
+              <a:lnSpc>
+                <a:spcPct val="100000"/>
+              </a:lnSpc>
+              <a:spcBef>
+                <a:spcPct val="50000"/>
+              </a:spcBef>
+              <a:spcAft>
+                <a:spcPct val="0"/>
+              </a:spcAft>
+              <a:buClr>
+                <a:srgbClr val="F0AB00"/>
+              </a:buClr>
+              <a:buSzPct val="80000"/>
+              <a:tabLst/>
+            </a:pPr>
+            <a:r>
+              <a:rPr kumimoji="0" lang="en-US" sz="1400" b="0" i="0" u="none" strike="noStrike" kern="0" cap="none" spc="0" normalizeH="0" baseline="0" dirty="0">
+                <a:ln>
+                  <a:noFill/>
+                </a:ln>
+                <a:effectLst/>
+                <a:uLnTx/>
+                <a:uFillTx/>
+                <a:ea typeface="Arial Unicode MS" pitchFamily="34" charset="-128"/>
+                <a:cs typeface="Arial Unicode MS" pitchFamily="34" charset="-128"/>
+              </a:rPr>
+              <a:t>repository</a:t>
+            </a:r>
+          </a:p>
+        </p:txBody>
+      </p:sp>
+      <p:cxnSp>
+        <p:nvCxnSpPr>
+          <p:cNvPr id="9" name="Straight Arrow Connector 8">
+            <a:extLst>
+              <a:ext uri="{FF2B5EF4-FFF2-40B4-BE49-F238E27FC236}">
+                <a16:creationId xmlns:a16="http://schemas.microsoft.com/office/drawing/2014/main" id="{A768E305-F2D2-4F82-907E-7F1D16344FA7}"/>
+              </a:ext>
+            </a:extLst>
+          </p:cNvPr>
+          <p:cNvCxnSpPr>
+            <a:cxnSpLocks/>
+            <a:endCxn id="10" idx="0"/>
+          </p:cNvCxnSpPr>
+          <p:nvPr/>
+        </p:nvCxnSpPr>
+        <p:spPr>
+          <a:xfrm>
+            <a:off x="8502451" y="2680755"/>
+            <a:ext cx="0" cy="689304"/>
+          </a:xfrm>
+          <a:prstGeom prst="straightConnector1">
+            <a:avLst/>
+          </a:prstGeom>
+          <a:ln w="19050">
+            <a:solidFill>
+              <a:srgbClr val="FF0000"/>
+            </a:solidFill>
+            <a:headEnd type="none" w="med" len="med"/>
+            <a:tailEnd type="triangle" w="lg" len="lg"/>
+          </a:ln>
+        </p:spPr>
+        <p:style>
+          <a:lnRef idx="1">
+            <a:schemeClr val="accent1"/>
+          </a:lnRef>
+          <a:fillRef idx="0">
+            <a:schemeClr val="accent1"/>
+          </a:fillRef>
+          <a:effectRef idx="0">
+            <a:schemeClr val="accent1"/>
+          </a:effectRef>
+          <a:fontRef idx="minor">
+            <a:schemeClr val="tx1"/>
+          </a:fontRef>
+        </p:style>
+      </p:cxnSp>
+      <p:sp>
+        <p:nvSpPr>
+          <p:cNvPr id="10" name="Rectangle 9">
+            <a:extLst>
+              <a:ext uri="{FF2B5EF4-FFF2-40B4-BE49-F238E27FC236}">
+                <a16:creationId xmlns:a16="http://schemas.microsoft.com/office/drawing/2014/main" id="{4EC326E3-CD25-4113-A42A-1D155E57B0E9}"/>
+              </a:ext>
+            </a:extLst>
+          </p:cNvPr>
+          <p:cNvSpPr/>
+          <p:nvPr/>
+        </p:nvSpPr>
+        <p:spPr bwMode="gray">
+          <a:xfrm>
+            <a:off x="7707113" y="3370059"/>
+            <a:ext cx="1590675" cy="457200"/>
+          </a:xfrm>
+          <a:prstGeom prst="rect">
+            <a:avLst/>
+          </a:prstGeom>
+          <a:solidFill>
+            <a:schemeClr val="accent1"/>
+          </a:solidFill>
+          <a:ln w="6350" algn="ctr">
+            <a:solidFill>
+              <a:schemeClr val="tx1"/>
+            </a:solidFill>
+            <a:miter lim="800000"/>
+            <a:headEnd/>
+            <a:tailEnd/>
+          </a:ln>
+        </p:spPr>
+        <p:txBody>
+          <a:bodyPr lIns="90000" tIns="72000" rIns="90000" bIns="72000" rtlCol="0" anchor="ctr"/>
+          <a:lstStyle/>
+          <a:p>
+            <a:pPr marR="0" algn="ctr" defTabSz="914400" eaLnBrk="1" fontAlgn="base" latinLnBrk="0" hangingPunct="1">
+              <a:lnSpc>
+                <a:spcPct val="100000"/>
+              </a:lnSpc>
+              <a:spcBef>
+                <a:spcPct val="50000"/>
+              </a:spcBef>
+              <a:spcAft>
+                <a:spcPct val="0"/>
+              </a:spcAft>
+              <a:buClr>
+                <a:srgbClr val="F0AB00"/>
+              </a:buClr>
+              <a:buSzPct val="80000"/>
+              <a:tabLst/>
+            </a:pPr>
+            <a:r>
+              <a:rPr lang="en-US" sz="1400" kern="0" dirty="0">
+                <a:ea typeface="Arial Unicode MS" pitchFamily="34" charset="-128"/>
+                <a:cs typeface="Arial Unicode MS" pitchFamily="34" charset="-128"/>
+              </a:rPr>
+              <a:t>Version tag</a:t>
+            </a:r>
+            <a:endParaRPr kumimoji="0" lang="en-US" sz="1400" b="0" i="0" u="none" strike="noStrike" kern="0" cap="none" spc="0" normalizeH="0" baseline="0" dirty="0">
+              <a:ln>
+                <a:noFill/>
+              </a:ln>
+              <a:effectLst/>
+              <a:uLnTx/>
+              <a:uFillTx/>
+              <a:ea typeface="Arial Unicode MS" pitchFamily="34" charset="-128"/>
+              <a:cs typeface="Arial Unicode MS" pitchFamily="34" charset="-128"/>
+            </a:endParaRPr>
+          </a:p>
+        </p:txBody>
+      </p:sp>
+      <p:cxnSp>
+        <p:nvCxnSpPr>
+          <p:cNvPr id="12" name="Straight Arrow Connector 11">
+            <a:extLst>
+              <a:ext uri="{FF2B5EF4-FFF2-40B4-BE49-F238E27FC236}">
+                <a16:creationId xmlns:a16="http://schemas.microsoft.com/office/drawing/2014/main" id="{B9E23989-8ADD-417E-A235-1726D1D37DD3}"/>
+              </a:ext>
+            </a:extLst>
+          </p:cNvPr>
+          <p:cNvCxnSpPr>
+            <a:endCxn id="13" idx="0"/>
+          </p:cNvCxnSpPr>
+          <p:nvPr/>
+        </p:nvCxnSpPr>
+        <p:spPr>
+          <a:xfrm flipH="1">
+            <a:off x="9667737" y="2604290"/>
+            <a:ext cx="15658" cy="1512575"/>
+          </a:xfrm>
+          <a:prstGeom prst="straightConnector1">
+            <a:avLst/>
+          </a:prstGeom>
+          <a:ln w="19050">
+            <a:solidFill>
+              <a:srgbClr val="FF0000"/>
+            </a:solidFill>
+            <a:headEnd type="none" w="med" len="med"/>
+            <a:tailEnd type="triangle" w="lg" len="lg"/>
+          </a:ln>
+        </p:spPr>
+        <p:style>
+          <a:lnRef idx="1">
+            <a:schemeClr val="accent1"/>
+          </a:lnRef>
+          <a:fillRef idx="0">
+            <a:schemeClr val="accent1"/>
+          </a:fillRef>
+          <a:effectRef idx="0">
+            <a:schemeClr val="accent1"/>
+          </a:effectRef>
+          <a:fontRef idx="minor">
+            <a:schemeClr val="tx1"/>
+          </a:fontRef>
+        </p:style>
+      </p:cxnSp>
+      <p:sp>
+        <p:nvSpPr>
+          <p:cNvPr id="13" name="Rectangle 12">
+            <a:extLst>
+              <a:ext uri="{FF2B5EF4-FFF2-40B4-BE49-F238E27FC236}">
+                <a16:creationId xmlns:a16="http://schemas.microsoft.com/office/drawing/2014/main" id="{6ED85F87-FB16-4A37-A012-3D63E385FF30}"/>
+              </a:ext>
+            </a:extLst>
+          </p:cNvPr>
+          <p:cNvSpPr/>
+          <p:nvPr/>
+        </p:nvSpPr>
+        <p:spPr bwMode="gray">
+          <a:xfrm>
+            <a:off x="8872399" y="4116865"/>
+            <a:ext cx="1590675" cy="457200"/>
+          </a:xfrm>
+          <a:prstGeom prst="rect">
+            <a:avLst/>
+          </a:prstGeom>
+          <a:solidFill>
+            <a:schemeClr val="accent1"/>
+          </a:solidFill>
+          <a:ln w="6350" algn="ctr">
+            <a:solidFill>
+              <a:schemeClr val="tx1"/>
+            </a:solidFill>
+            <a:miter lim="800000"/>
+            <a:headEnd/>
+            <a:tailEnd/>
+          </a:ln>
+        </p:spPr>
+        <p:txBody>
+          <a:bodyPr lIns="90000" tIns="72000" rIns="90000" bIns="72000" rtlCol="0" anchor="ctr"/>
+          <a:lstStyle/>
+          <a:p>
+            <a:pPr marR="0" algn="ctr" defTabSz="914400" eaLnBrk="1" fontAlgn="base" latinLnBrk="0" hangingPunct="1">
+              <a:lnSpc>
+                <a:spcPct val="100000"/>
+              </a:lnSpc>
+              <a:spcBef>
+                <a:spcPct val="50000"/>
+              </a:spcBef>
+              <a:spcAft>
+                <a:spcPct val="0"/>
+              </a:spcAft>
+              <a:buClr>
+                <a:srgbClr val="F0AB00"/>
+              </a:buClr>
+              <a:buSzPct val="80000"/>
+              <a:tabLst/>
+            </a:pPr>
+            <a:r>
+              <a:rPr lang="en-US" sz="1400" kern="0" dirty="0">
+                <a:ea typeface="Arial Unicode MS" pitchFamily="34" charset="-128"/>
+                <a:cs typeface="Arial Unicode MS" pitchFamily="34" charset="-128"/>
+              </a:rPr>
+              <a:t>image hash</a:t>
+            </a:r>
+            <a:endParaRPr kumimoji="0" lang="en-US" sz="1400" b="0" i="0" u="none" strike="noStrike" kern="0" cap="none" spc="0" normalizeH="0" baseline="0" dirty="0">
+              <a:ln>
+                <a:noFill/>
+              </a:ln>
+              <a:effectLst/>
+              <a:uLnTx/>
+              <a:uFillTx/>
+              <a:ea typeface="Arial Unicode MS" pitchFamily="34" charset="-128"/>
+              <a:cs typeface="Arial Unicode MS" pitchFamily="34" charset="-128"/>
+            </a:endParaRPr>
+          </a:p>
+        </p:txBody>
+      </p:sp>
+      <p:sp>
+        <p:nvSpPr>
+          <p:cNvPr id="14" name="Rectangle: Rounded Corners 13">
+            <a:extLst>
+              <a:ext uri="{FF2B5EF4-FFF2-40B4-BE49-F238E27FC236}">
+                <a16:creationId xmlns:a16="http://schemas.microsoft.com/office/drawing/2014/main" id="{7D4A3C35-550C-449A-BCFD-EF0D36982CB4}"/>
+              </a:ext>
+            </a:extLst>
+          </p:cNvPr>
+          <p:cNvSpPr/>
+          <p:nvPr/>
+        </p:nvSpPr>
+        <p:spPr bwMode="gray">
+          <a:xfrm>
+            <a:off x="1577888" y="4951717"/>
+            <a:ext cx="9077099" cy="864295"/>
+          </a:xfrm>
+          <a:prstGeom prst="roundRect">
+            <a:avLst>
+              <a:gd name="adj" fmla="val 8296"/>
+            </a:avLst>
+          </a:prstGeom>
+          <a:pattFill prst="narHorz">
+            <a:fgClr>
+              <a:schemeClr val="tx1"/>
+            </a:fgClr>
+            <a:bgClr>
+              <a:srgbClr val="112806"/>
+            </a:bgClr>
+          </a:pattFill>
+          <a:ln w="6350" algn="ctr">
+            <a:noFill/>
+            <a:miter lim="800000"/>
+            <a:headEnd/>
+            <a:tailEnd/>
+          </a:ln>
+        </p:spPr>
+        <p:txBody>
+          <a:bodyPr lIns="90000" tIns="72000" rIns="90000" bIns="72000" rtlCol="0" anchor="t"/>
+          <a:lstStyle/>
+          <a:p>
+            <a:pPr defTabSz="914400" fontAlgn="base">
+              <a:spcAft>
+                <a:spcPct val="0"/>
+              </a:spcAft>
+              <a:buClr>
+                <a:srgbClr val="F0AB00"/>
+              </a:buClr>
+              <a:buSzPct val="80000"/>
+            </a:pPr>
+            <a:r>
+              <a:rPr lang="en-US" sz="1400" b="1" kern="0" dirty="0">
+                <a:solidFill>
+                  <a:schemeClr val="bg1"/>
+                </a:solidFill>
+                <a:latin typeface="Courier New" panose="02070309020205020404" pitchFamily="49" charset="0"/>
+                <a:ea typeface="Arial Unicode MS" pitchFamily="34" charset="-128"/>
+                <a:cs typeface="Courier New" panose="02070309020205020404" pitchFamily="49" charset="0"/>
+              </a:rPr>
+              <a:t>$  docker tag 6ad733544a63 my-registry.ondemand.com/busybox:0.1</a:t>
+            </a:r>
+          </a:p>
+          <a:p>
+            <a:pPr defTabSz="914400" fontAlgn="base">
+              <a:spcAft>
+                <a:spcPct val="0"/>
+              </a:spcAft>
+              <a:buClr>
+                <a:srgbClr val="F0AB00"/>
+              </a:buClr>
+              <a:buSzPct val="80000"/>
+            </a:pPr>
+            <a:r>
+              <a:rPr lang="en-US" sz="1400" b="1" kern="0" dirty="0">
+                <a:solidFill>
+                  <a:schemeClr val="bg1"/>
+                </a:solidFill>
+                <a:latin typeface="Courier New" panose="02070309020205020404" pitchFamily="49" charset="0"/>
+                <a:ea typeface="Arial Unicode MS" pitchFamily="34" charset="-128"/>
+                <a:cs typeface="Courier New" panose="02070309020205020404" pitchFamily="49" charset="0"/>
+              </a:rPr>
+              <a:t>   </a:t>
+            </a:r>
+          </a:p>
+          <a:p>
+            <a:pPr defTabSz="914400" fontAlgn="base">
+              <a:spcAft>
+                <a:spcPct val="0"/>
+              </a:spcAft>
+              <a:buClr>
+                <a:srgbClr val="F0AB00"/>
+              </a:buClr>
+              <a:buSzPct val="80000"/>
+            </a:pPr>
+            <a:r>
+              <a:rPr lang="en-US" sz="1400" b="1" kern="0" dirty="0">
+                <a:solidFill>
+                  <a:schemeClr val="bg1"/>
+                </a:solidFill>
+                <a:latin typeface="Courier New" panose="02070309020205020404" pitchFamily="49" charset="0"/>
+                <a:ea typeface="Arial Unicode MS" pitchFamily="34" charset="-128"/>
+                <a:cs typeface="Courier New" panose="02070309020205020404" pitchFamily="49" charset="0"/>
+              </a:rPr>
+              <a:t>   docker push my-registry.com/busybox:0.1 </a:t>
+            </a:r>
+          </a:p>
+        </p:txBody>
+      </p:sp>
+      <p:cxnSp>
+        <p:nvCxnSpPr>
+          <p:cNvPr id="19" name="Connector: Elbow 18">
+            <a:extLst>
+              <a:ext uri="{FF2B5EF4-FFF2-40B4-BE49-F238E27FC236}">
+                <a16:creationId xmlns:a16="http://schemas.microsoft.com/office/drawing/2014/main" id="{BB441E8B-238D-4D38-A3D6-CC9B8E6912F9}"/>
+              </a:ext>
+            </a:extLst>
+          </p:cNvPr>
+          <p:cNvCxnSpPr>
+            <a:cxnSpLocks/>
+            <a:stCxn id="6" idx="3"/>
+            <a:endCxn id="14" idx="0"/>
+          </p:cNvCxnSpPr>
+          <p:nvPr/>
+        </p:nvCxnSpPr>
+        <p:spPr>
+          <a:xfrm>
+            <a:off x="3599931" y="4392624"/>
+            <a:ext cx="2516507" cy="559093"/>
+          </a:xfrm>
+          <a:prstGeom prst="bentConnector2">
+            <a:avLst/>
+          </a:prstGeom>
+          <a:ln w="19050">
+            <a:solidFill>
+              <a:srgbClr val="FF0000"/>
+            </a:solidFill>
+            <a:headEnd type="none" w="med" len="med"/>
+            <a:tailEnd type="triangle" w="lg" len="lg"/>
+          </a:ln>
+        </p:spPr>
+        <p:style>
+          <a:lnRef idx="1">
+            <a:schemeClr val="accent1"/>
+          </a:lnRef>
+          <a:fillRef idx="0">
+            <a:schemeClr val="accent1"/>
+          </a:fillRef>
+          <a:effectRef idx="0">
+            <a:schemeClr val="accent1"/>
+          </a:effectRef>
+          <a:fontRef idx="minor">
+            <a:schemeClr val="tx1"/>
+          </a:fontRef>
+        </p:style>
+      </p:cxnSp>
+      <p:cxnSp>
+        <p:nvCxnSpPr>
+          <p:cNvPr id="21" name="Connector: Elbow 20">
+            <a:extLst>
+              <a:ext uri="{FF2B5EF4-FFF2-40B4-BE49-F238E27FC236}">
+                <a16:creationId xmlns:a16="http://schemas.microsoft.com/office/drawing/2014/main" id="{E2D0B026-20B9-4D2E-84A0-E36E66E0579F}"/>
+              </a:ext>
+            </a:extLst>
+          </p:cNvPr>
+          <p:cNvCxnSpPr>
+            <a:cxnSpLocks/>
+            <a:stCxn id="8" idx="3"/>
+          </p:cNvCxnSpPr>
+          <p:nvPr/>
+        </p:nvCxnSpPr>
+        <p:spPr>
+          <a:xfrm>
+            <a:off x="5522188" y="3573423"/>
+            <a:ext cx="2067547" cy="1378294"/>
+          </a:xfrm>
+          <a:prstGeom prst="bentConnector3">
+            <a:avLst>
+              <a:gd name="adj1" fmla="val 100397"/>
+            </a:avLst>
+          </a:prstGeom>
+          <a:ln w="19050">
+            <a:solidFill>
+              <a:srgbClr val="FF0000"/>
+            </a:solidFill>
+            <a:headEnd type="none" w="med" len="med"/>
+            <a:tailEnd type="triangle" w="lg" len="lg"/>
+          </a:ln>
+        </p:spPr>
+        <p:style>
+          <a:lnRef idx="1">
+            <a:schemeClr val="accent1"/>
+          </a:lnRef>
+          <a:fillRef idx="0">
+            <a:schemeClr val="accent1"/>
+          </a:fillRef>
+          <a:effectRef idx="0">
+            <a:schemeClr val="accent1"/>
+          </a:effectRef>
+          <a:fontRef idx="minor">
+            <a:schemeClr val="tx1"/>
+          </a:fontRef>
+        </p:style>
+      </p:cxnSp>
+      <p:cxnSp>
+        <p:nvCxnSpPr>
+          <p:cNvPr id="24" name="Connector: Elbow 23">
+            <a:extLst>
+              <a:ext uri="{FF2B5EF4-FFF2-40B4-BE49-F238E27FC236}">
+                <a16:creationId xmlns:a16="http://schemas.microsoft.com/office/drawing/2014/main" id="{A491D17F-8AF5-4062-BD9A-5F48D24231CB}"/>
+              </a:ext>
+            </a:extLst>
+          </p:cNvPr>
+          <p:cNvCxnSpPr>
+            <a:cxnSpLocks/>
+            <a:stCxn id="10" idx="2"/>
+          </p:cNvCxnSpPr>
+          <p:nvPr/>
+        </p:nvCxnSpPr>
+        <p:spPr>
+          <a:xfrm rot="5400000">
+            <a:off x="7887899" y="4133801"/>
+            <a:ext cx="921094" cy="308011"/>
+          </a:xfrm>
+          <a:prstGeom prst="bentConnector3">
+            <a:avLst>
+              <a:gd name="adj1" fmla="val 50000"/>
+            </a:avLst>
+          </a:prstGeom>
+          <a:ln w="19050">
+            <a:solidFill>
+              <a:srgbClr val="FF0000"/>
+            </a:solidFill>
+            <a:headEnd type="none" w="med" len="med"/>
+            <a:tailEnd type="triangle" w="lg" len="lg"/>
+          </a:ln>
+        </p:spPr>
+        <p:style>
+          <a:lnRef idx="1">
+            <a:schemeClr val="accent1"/>
+          </a:lnRef>
+          <a:fillRef idx="0">
+            <a:schemeClr val="accent1"/>
+          </a:fillRef>
+          <a:effectRef idx="0">
+            <a:schemeClr val="accent1"/>
+          </a:effectRef>
+          <a:fontRef idx="minor">
+            <a:schemeClr val="tx1"/>
+          </a:fontRef>
+        </p:style>
+      </p:cxnSp>
+    </p:spTree>
+    <p:extLst>
+      <p:ext uri="{BB962C8B-B14F-4D97-AF65-F5344CB8AC3E}">
+        <p14:creationId xmlns:p14="http://schemas.microsoft.com/office/powerpoint/2010/main" val="3770947068"/>
+      </p:ext>
+    </p:extLst>
+  </p:cSld>
+  <p:clrMapOvr>
+    <a:masterClrMapping/>
+  </p:clrMapOvr>
+</p:sld>
+</file>
+
+<file path=ppt/slides/slide12.xml><?xml version="1.0" encoding="utf-8"?>
+<p:sld xmlns:a="http://schemas.openxmlformats.org/drawingml/2006/main" xmlns:r="http://schemas.openxmlformats.org/officeDocument/2006/relationships" xmlns:p="http://schemas.openxmlformats.org/presentationml/2006/main">
+  <p:cSld>
+    <p:spTree>
+      <p:nvGrpSpPr>
+        <p:cNvPr id="1" name=""/>
+        <p:cNvGrpSpPr/>
+        <p:nvPr/>
+      </p:nvGrpSpPr>
+      <p:grpSpPr>
+        <a:xfrm>
+          <a:off x="0" y="0"/>
+          <a:ext cx="0" cy="0"/>
+          <a:chOff x="0" y="0"/>
+          <a:chExt cx="0" cy="0"/>
+        </a:xfrm>
+      </p:grpSpPr>
+      <p:sp>
+        <p:nvSpPr>
           <p:cNvPr id="4" name="Title 3">
             <a:extLst>
               <a:ext uri="{FF2B5EF4-FFF2-40B4-BE49-F238E27FC236}">
@@ -9771,7 +12025,7 @@
 </p:sld>
 </file>
 
-<file path=ppt/slides/slide11.xml><?xml version="1.0" encoding="utf-8"?>
+<file path=ppt/slides/slide13.xml><?xml version="1.0" encoding="utf-8"?>
 <p:sld xmlns:a="http://schemas.openxmlformats.org/drawingml/2006/main" xmlns:r="http://schemas.openxmlformats.org/officeDocument/2006/relationships" xmlns:p="http://schemas.openxmlformats.org/presentationml/2006/main">
   <p:cSld>
     <p:spTree>
@@ -9863,7 +12117,7 @@
 </p:sld>
 </file>
 
-<file path=ppt/slides/slide12.xml><?xml version="1.0" encoding="utf-8"?>
+<file path=ppt/slides/slide14.xml><?xml version="1.0" encoding="utf-8"?>
 <p:sld xmlns:a="http://schemas.openxmlformats.org/drawingml/2006/main" xmlns:r="http://schemas.openxmlformats.org/officeDocument/2006/relationships" xmlns:p="http://schemas.openxmlformats.org/presentationml/2006/main" show="0">
   <p:cSld>
     <p:spTree>
@@ -13280,6 +15534,1090 @@
           <a:p>
             <a:r>
               <a:rPr lang="en-US" dirty="0"/>
+              <a:t>Information about images</a:t>
+            </a:r>
+          </a:p>
+        </p:txBody>
+      </p:sp>
+      <p:sp>
+        <p:nvSpPr>
+          <p:cNvPr id="6" name="Text Placeholder 10"/>
+          <p:cNvSpPr>
+            <a:spLocks noGrp="1"/>
+          </p:cNvSpPr>
+          <p:nvPr>
+            <p:ph type="body" sz="quarter" idx="10"/>
+          </p:nvPr>
+        </p:nvSpPr>
+        <p:spPr>
+          <a:xfrm>
+            <a:off x="503999" y="1620000"/>
+            <a:ext cx="11186477" cy="4230000"/>
+          </a:xfrm>
+        </p:spPr>
+        <p:txBody>
+          <a:bodyPr/>
+          <a:lstStyle/>
+          <a:p>
+            <a:pPr lvl="0"/>
+            <a:r>
+              <a:rPr lang="en-US" sz="1800" dirty="0"/>
+              <a:t>Available images</a:t>
+            </a:r>
+          </a:p>
+          <a:p>
+            <a:pPr lvl="1"/>
+            <a:r>
+              <a:rPr lang="en-US" sz="1600" dirty="0"/>
+              <a:t>the command </a:t>
+            </a:r>
+            <a:r>
+              <a:rPr lang="en-US" sz="1600" b="1" dirty="0">
+                <a:latin typeface="Courier New" panose="02070309020205020404" pitchFamily="49" charset="0"/>
+                <a:cs typeface="Courier New" panose="02070309020205020404" pitchFamily="49" charset="0"/>
+              </a:rPr>
+              <a:t>docker image list</a:t>
+            </a:r>
+            <a:r>
+              <a:rPr lang="en-US" sz="1600" dirty="0"/>
+              <a:t> gives a list of all available images on a host</a:t>
+            </a:r>
+          </a:p>
+        </p:txBody>
+      </p:sp>
+      <p:cxnSp>
+        <p:nvCxnSpPr>
+          <p:cNvPr id="5" name="Straight Arrow Connector 4"/>
+          <p:cNvCxnSpPr>
+            <a:endCxn id="10" idx="0"/>
+          </p:cNvCxnSpPr>
+          <p:nvPr/>
+        </p:nvCxnSpPr>
+        <p:spPr>
+          <a:xfrm flipH="1">
+            <a:off x="1299337" y="3466006"/>
+            <a:ext cx="15658" cy="1512575"/>
+          </a:xfrm>
+          <a:prstGeom prst="straightConnector1">
+            <a:avLst/>
+          </a:prstGeom>
+          <a:ln w="19050">
+            <a:solidFill>
+              <a:srgbClr val="FF0000"/>
+            </a:solidFill>
+            <a:headEnd type="none" w="med" len="med"/>
+            <a:tailEnd type="triangle" w="lg" len="lg"/>
+          </a:ln>
+        </p:spPr>
+        <p:style>
+          <a:lnRef idx="1">
+            <a:schemeClr val="accent1"/>
+          </a:lnRef>
+          <a:fillRef idx="0">
+            <a:schemeClr val="accent1"/>
+          </a:fillRef>
+          <a:effectRef idx="0">
+            <a:schemeClr val="accent1"/>
+          </a:effectRef>
+          <a:fontRef idx="minor">
+            <a:schemeClr val="tx1"/>
+          </a:fontRef>
+        </p:style>
+      </p:cxnSp>
+      <p:sp>
+        <p:nvSpPr>
+          <p:cNvPr id="10" name="Rectangle 9"/>
+          <p:cNvSpPr/>
+          <p:nvPr/>
+        </p:nvSpPr>
+        <p:spPr bwMode="gray">
+          <a:xfrm>
+            <a:off x="503999" y="4978581"/>
+            <a:ext cx="1590675" cy="457200"/>
+          </a:xfrm>
+          <a:prstGeom prst="rect">
+            <a:avLst/>
+          </a:prstGeom>
+          <a:solidFill>
+            <a:schemeClr val="accent1"/>
+          </a:solidFill>
+          <a:ln w="6350" algn="ctr">
+            <a:solidFill>
+              <a:schemeClr val="tx1"/>
+            </a:solidFill>
+            <a:miter lim="800000"/>
+            <a:headEnd/>
+            <a:tailEnd/>
+          </a:ln>
+        </p:spPr>
+        <p:txBody>
+          <a:bodyPr lIns="90000" tIns="72000" rIns="90000" bIns="72000" rtlCol="0" anchor="ctr"/>
+          <a:lstStyle/>
+          <a:p>
+            <a:pPr marR="0" algn="ctr" defTabSz="914400" eaLnBrk="1" fontAlgn="base" latinLnBrk="0" hangingPunct="1">
+              <a:lnSpc>
+                <a:spcPct val="100000"/>
+              </a:lnSpc>
+              <a:spcBef>
+                <a:spcPct val="50000"/>
+              </a:spcBef>
+              <a:spcAft>
+                <a:spcPct val="0"/>
+              </a:spcAft>
+              <a:buClr>
+                <a:srgbClr val="F0AB00"/>
+              </a:buClr>
+              <a:buSzPct val="80000"/>
+              <a:tabLst/>
+            </a:pPr>
+            <a:r>
+              <a:rPr lang="en-US" sz="1400" kern="0" dirty="0">
+                <a:ea typeface="Arial Unicode MS" pitchFamily="34" charset="-128"/>
+                <a:cs typeface="Arial Unicode MS" pitchFamily="34" charset="-128"/>
+              </a:rPr>
+              <a:t>image name</a:t>
+            </a:r>
+            <a:endParaRPr kumimoji="0" lang="en-US" sz="1400" b="0" i="0" u="none" strike="noStrike" kern="0" cap="none" spc="0" normalizeH="0" baseline="0" dirty="0">
+              <a:ln>
+                <a:noFill/>
+              </a:ln>
+              <a:effectLst/>
+              <a:uLnTx/>
+              <a:uFillTx/>
+              <a:ea typeface="Arial Unicode MS" pitchFamily="34" charset="-128"/>
+              <a:cs typeface="Arial Unicode MS" pitchFamily="34" charset="-128"/>
+            </a:endParaRPr>
+          </a:p>
+        </p:txBody>
+      </p:sp>
+      <p:sp>
+        <p:nvSpPr>
+          <p:cNvPr id="18" name="Rectangle 17"/>
+          <p:cNvSpPr/>
+          <p:nvPr/>
+        </p:nvSpPr>
+        <p:spPr bwMode="gray">
+          <a:xfrm>
+            <a:off x="5454869" y="4639771"/>
+            <a:ext cx="1590675" cy="410396"/>
+          </a:xfrm>
+          <a:prstGeom prst="rect">
+            <a:avLst/>
+          </a:prstGeom>
+          <a:solidFill>
+            <a:schemeClr val="accent1"/>
+          </a:solidFill>
+          <a:ln w="6350" algn="ctr">
+            <a:solidFill>
+              <a:schemeClr val="tx1"/>
+            </a:solidFill>
+            <a:miter lim="800000"/>
+            <a:headEnd/>
+            <a:tailEnd/>
+          </a:ln>
+        </p:spPr>
+        <p:txBody>
+          <a:bodyPr lIns="90000" tIns="72000" rIns="90000" bIns="72000" rtlCol="0" anchor="ctr"/>
+          <a:lstStyle/>
+          <a:p>
+            <a:pPr marR="0" algn="ctr" defTabSz="914400" eaLnBrk="1" fontAlgn="base" latinLnBrk="0" hangingPunct="1">
+              <a:lnSpc>
+                <a:spcPct val="100000"/>
+              </a:lnSpc>
+              <a:spcBef>
+                <a:spcPct val="50000"/>
+              </a:spcBef>
+              <a:spcAft>
+                <a:spcPct val="0"/>
+              </a:spcAft>
+              <a:buClr>
+                <a:srgbClr val="F0AB00"/>
+              </a:buClr>
+              <a:buSzPct val="80000"/>
+              <a:tabLst/>
+            </a:pPr>
+            <a:r>
+              <a:rPr lang="en-US" sz="1400" kern="0" dirty="0">
+                <a:ea typeface="Arial Unicode MS" pitchFamily="34" charset="-128"/>
+                <a:cs typeface="Arial Unicode MS" pitchFamily="34" charset="-128"/>
+              </a:rPr>
+              <a:t>useful description</a:t>
+            </a:r>
+            <a:endParaRPr kumimoji="0" lang="en-US" sz="1400" b="0" i="0" u="none" strike="noStrike" kern="0" cap="none" spc="0" normalizeH="0" baseline="0" dirty="0">
+              <a:ln>
+                <a:noFill/>
+              </a:ln>
+              <a:effectLst/>
+              <a:uLnTx/>
+              <a:uFillTx/>
+              <a:ea typeface="Arial Unicode MS" pitchFamily="34" charset="-128"/>
+              <a:cs typeface="Arial Unicode MS" pitchFamily="34" charset="-128"/>
+            </a:endParaRPr>
+          </a:p>
+        </p:txBody>
+      </p:sp>
+      <p:cxnSp>
+        <p:nvCxnSpPr>
+          <p:cNvPr id="19" name="Straight Arrow Connector 18"/>
+          <p:cNvCxnSpPr>
+            <a:endCxn id="18" idx="0"/>
+          </p:cNvCxnSpPr>
+          <p:nvPr/>
+        </p:nvCxnSpPr>
+        <p:spPr>
+          <a:xfrm flipH="1">
+            <a:off x="6250207" y="3429000"/>
+            <a:ext cx="10350" cy="1210771"/>
+          </a:xfrm>
+          <a:prstGeom prst="straightConnector1">
+            <a:avLst/>
+          </a:prstGeom>
+          <a:ln w="19050">
+            <a:solidFill>
+              <a:srgbClr val="FF0000"/>
+            </a:solidFill>
+            <a:headEnd type="none" w="med" len="med"/>
+            <a:tailEnd type="triangle" w="lg" len="lg"/>
+          </a:ln>
+        </p:spPr>
+        <p:style>
+          <a:lnRef idx="1">
+            <a:schemeClr val="accent1"/>
+          </a:lnRef>
+          <a:fillRef idx="0">
+            <a:schemeClr val="accent1"/>
+          </a:fillRef>
+          <a:effectRef idx="0">
+            <a:schemeClr val="accent1"/>
+          </a:effectRef>
+          <a:fontRef idx="minor">
+            <a:schemeClr val="tx1"/>
+          </a:fontRef>
+        </p:style>
+      </p:cxnSp>
+      <p:sp>
+        <p:nvSpPr>
+          <p:cNvPr id="16" name="Rectangle 15">
+            <a:extLst>
+              <a:ext uri="{FF2B5EF4-FFF2-40B4-BE49-F238E27FC236}">
+                <a16:creationId xmlns:a16="http://schemas.microsoft.com/office/drawing/2014/main" id="{6DAD5EE9-87E2-4E80-992D-055F0F78C9FE}"/>
+              </a:ext>
+            </a:extLst>
+          </p:cNvPr>
+          <p:cNvSpPr/>
+          <p:nvPr/>
+        </p:nvSpPr>
+        <p:spPr bwMode="gray">
+          <a:xfrm>
+            <a:off x="7055895" y="5215228"/>
+            <a:ext cx="1590675" cy="410396"/>
+          </a:xfrm>
+          <a:prstGeom prst="rect">
+            <a:avLst/>
+          </a:prstGeom>
+          <a:solidFill>
+            <a:schemeClr val="accent1"/>
+          </a:solidFill>
+          <a:ln w="6350" algn="ctr">
+            <a:solidFill>
+              <a:schemeClr val="tx1"/>
+            </a:solidFill>
+            <a:miter lim="800000"/>
+            <a:headEnd/>
+            <a:tailEnd/>
+          </a:ln>
+        </p:spPr>
+        <p:txBody>
+          <a:bodyPr lIns="90000" tIns="72000" rIns="90000" bIns="72000" rtlCol="0" anchor="ctr"/>
+          <a:lstStyle/>
+          <a:p>
+            <a:pPr marR="0" algn="ctr" defTabSz="914400" eaLnBrk="1" fontAlgn="base" latinLnBrk="0" hangingPunct="1">
+              <a:lnSpc>
+                <a:spcPct val="100000"/>
+              </a:lnSpc>
+              <a:spcBef>
+                <a:spcPct val="50000"/>
+              </a:spcBef>
+              <a:spcAft>
+                <a:spcPct val="0"/>
+              </a:spcAft>
+              <a:buClr>
+                <a:srgbClr val="F0AB00"/>
+              </a:buClr>
+              <a:buSzPct val="80000"/>
+              <a:tabLst/>
+            </a:pPr>
+            <a:r>
+              <a:rPr lang="en-US" sz="1400" kern="0" dirty="0">
+                <a:ea typeface="Arial Unicode MS" pitchFamily="34" charset="-128"/>
+                <a:cs typeface="Arial Unicode MS" pitchFamily="34" charset="-128"/>
+              </a:rPr>
+              <a:t>Image ID</a:t>
+            </a:r>
+            <a:endParaRPr kumimoji="0" lang="en-US" sz="1400" b="0" i="0" u="none" strike="noStrike" kern="0" cap="none" spc="0" normalizeH="0" baseline="0" dirty="0">
+              <a:ln>
+                <a:noFill/>
+              </a:ln>
+              <a:effectLst/>
+              <a:uLnTx/>
+              <a:uFillTx/>
+              <a:ea typeface="Arial Unicode MS" pitchFamily="34" charset="-128"/>
+              <a:cs typeface="Arial Unicode MS" pitchFamily="34" charset="-128"/>
+            </a:endParaRPr>
+          </a:p>
+        </p:txBody>
+      </p:sp>
+      <p:cxnSp>
+        <p:nvCxnSpPr>
+          <p:cNvPr id="17" name="Straight Arrow Connector 16">
+            <a:extLst>
+              <a:ext uri="{FF2B5EF4-FFF2-40B4-BE49-F238E27FC236}">
+                <a16:creationId xmlns:a16="http://schemas.microsoft.com/office/drawing/2014/main" id="{67AB123F-E55E-48AE-8444-2AEE28C95CE2}"/>
+              </a:ext>
+            </a:extLst>
+          </p:cNvPr>
+          <p:cNvCxnSpPr>
+            <a:endCxn id="16" idx="0"/>
+          </p:cNvCxnSpPr>
+          <p:nvPr/>
+        </p:nvCxnSpPr>
+        <p:spPr>
+          <a:xfrm flipH="1">
+            <a:off x="7851233" y="4004457"/>
+            <a:ext cx="10350" cy="1210771"/>
+          </a:xfrm>
+          <a:prstGeom prst="straightConnector1">
+            <a:avLst/>
+          </a:prstGeom>
+          <a:ln w="19050">
+            <a:solidFill>
+              <a:srgbClr val="FF0000"/>
+            </a:solidFill>
+            <a:headEnd type="none" w="med" len="med"/>
+            <a:tailEnd type="triangle" w="lg" len="lg"/>
+          </a:ln>
+        </p:spPr>
+        <p:style>
+          <a:lnRef idx="1">
+            <a:schemeClr val="accent1"/>
+          </a:lnRef>
+          <a:fillRef idx="0">
+            <a:schemeClr val="accent1"/>
+          </a:fillRef>
+          <a:effectRef idx="0">
+            <a:schemeClr val="accent1"/>
+          </a:effectRef>
+          <a:fontRef idx="minor">
+            <a:schemeClr val="tx1"/>
+          </a:fontRef>
+        </p:style>
+      </p:cxnSp>
+      <p:sp>
+        <p:nvSpPr>
+          <p:cNvPr id="20" name="Rectangle 19">
+            <a:extLst>
+              <a:ext uri="{FF2B5EF4-FFF2-40B4-BE49-F238E27FC236}">
+                <a16:creationId xmlns:a16="http://schemas.microsoft.com/office/drawing/2014/main" id="{7B3E4AA2-9F14-4191-9B4B-55303495A854}"/>
+              </a:ext>
+            </a:extLst>
+          </p:cNvPr>
+          <p:cNvSpPr/>
+          <p:nvPr/>
+        </p:nvSpPr>
+        <p:spPr bwMode="gray">
+          <a:xfrm>
+            <a:off x="8364433" y="4639771"/>
+            <a:ext cx="1590675" cy="410396"/>
+          </a:xfrm>
+          <a:prstGeom prst="rect">
+            <a:avLst/>
+          </a:prstGeom>
+          <a:solidFill>
+            <a:schemeClr val="accent1"/>
+          </a:solidFill>
+          <a:ln w="6350" algn="ctr">
+            <a:solidFill>
+              <a:schemeClr val="tx1"/>
+            </a:solidFill>
+            <a:miter lim="800000"/>
+            <a:headEnd/>
+            <a:tailEnd/>
+          </a:ln>
+        </p:spPr>
+        <p:txBody>
+          <a:bodyPr lIns="90000" tIns="72000" rIns="90000" bIns="72000" rtlCol="0" anchor="ctr"/>
+          <a:lstStyle/>
+          <a:p>
+            <a:pPr marR="0" algn="ctr" defTabSz="914400" eaLnBrk="1" fontAlgn="base" latinLnBrk="0" hangingPunct="1">
+              <a:lnSpc>
+                <a:spcPct val="100000"/>
+              </a:lnSpc>
+              <a:spcBef>
+                <a:spcPct val="50000"/>
+              </a:spcBef>
+              <a:spcAft>
+                <a:spcPct val="0"/>
+              </a:spcAft>
+              <a:buClr>
+                <a:srgbClr val="F0AB00"/>
+              </a:buClr>
+              <a:buSzPct val="80000"/>
+              <a:tabLst/>
+            </a:pPr>
+            <a:r>
+              <a:rPr lang="en-US" sz="1400" kern="0" dirty="0">
+                <a:ea typeface="Arial Unicode MS" pitchFamily="34" charset="-128"/>
+                <a:cs typeface="Arial Unicode MS" pitchFamily="34" charset="-128"/>
+              </a:rPr>
+              <a:t>Creation Date</a:t>
+            </a:r>
+            <a:endParaRPr kumimoji="0" lang="en-US" sz="1400" b="0" i="0" u="none" strike="noStrike" kern="0" cap="none" spc="0" normalizeH="0" baseline="0" dirty="0">
+              <a:ln>
+                <a:noFill/>
+              </a:ln>
+              <a:effectLst/>
+              <a:uLnTx/>
+              <a:uFillTx/>
+              <a:ea typeface="Arial Unicode MS" pitchFamily="34" charset="-128"/>
+              <a:cs typeface="Arial Unicode MS" pitchFamily="34" charset="-128"/>
+            </a:endParaRPr>
+          </a:p>
+        </p:txBody>
+      </p:sp>
+      <p:cxnSp>
+        <p:nvCxnSpPr>
+          <p:cNvPr id="21" name="Straight Arrow Connector 20">
+            <a:extLst>
+              <a:ext uri="{FF2B5EF4-FFF2-40B4-BE49-F238E27FC236}">
+                <a16:creationId xmlns:a16="http://schemas.microsoft.com/office/drawing/2014/main" id="{8BFA6F7F-DCED-4779-9E5C-DAB6870DF68B}"/>
+              </a:ext>
+            </a:extLst>
+          </p:cNvPr>
+          <p:cNvCxnSpPr>
+            <a:endCxn id="20" idx="0"/>
+          </p:cNvCxnSpPr>
+          <p:nvPr/>
+        </p:nvCxnSpPr>
+        <p:spPr>
+          <a:xfrm flipH="1">
+            <a:off x="9159771" y="3429000"/>
+            <a:ext cx="10350" cy="1210771"/>
+          </a:xfrm>
+          <a:prstGeom prst="straightConnector1">
+            <a:avLst/>
+          </a:prstGeom>
+          <a:ln w="19050">
+            <a:solidFill>
+              <a:srgbClr val="FF0000"/>
+            </a:solidFill>
+            <a:headEnd type="none" w="med" len="med"/>
+            <a:tailEnd type="triangle" w="lg" len="lg"/>
+          </a:ln>
+        </p:spPr>
+        <p:style>
+          <a:lnRef idx="1">
+            <a:schemeClr val="accent1"/>
+          </a:lnRef>
+          <a:fillRef idx="0">
+            <a:schemeClr val="accent1"/>
+          </a:fillRef>
+          <a:effectRef idx="0">
+            <a:schemeClr val="accent1"/>
+          </a:effectRef>
+          <a:fontRef idx="minor">
+            <a:schemeClr val="tx1"/>
+          </a:fontRef>
+        </p:style>
+      </p:cxnSp>
+      <p:sp>
+        <p:nvSpPr>
+          <p:cNvPr id="22" name="Rectangle 21">
+            <a:extLst>
+              <a:ext uri="{FF2B5EF4-FFF2-40B4-BE49-F238E27FC236}">
+                <a16:creationId xmlns:a16="http://schemas.microsoft.com/office/drawing/2014/main" id="{F679C76B-234C-4E39-A460-851751850CB4}"/>
+              </a:ext>
+            </a:extLst>
+          </p:cNvPr>
+          <p:cNvSpPr/>
+          <p:nvPr/>
+        </p:nvSpPr>
+        <p:spPr bwMode="gray">
+          <a:xfrm>
+            <a:off x="9552264" y="5215228"/>
+            <a:ext cx="1590675" cy="410396"/>
+          </a:xfrm>
+          <a:prstGeom prst="rect">
+            <a:avLst/>
+          </a:prstGeom>
+          <a:solidFill>
+            <a:schemeClr val="accent1"/>
+          </a:solidFill>
+          <a:ln w="6350" algn="ctr">
+            <a:solidFill>
+              <a:schemeClr val="tx1"/>
+            </a:solidFill>
+            <a:miter lim="800000"/>
+            <a:headEnd/>
+            <a:tailEnd/>
+          </a:ln>
+        </p:spPr>
+        <p:txBody>
+          <a:bodyPr lIns="90000" tIns="72000" rIns="90000" bIns="72000" rtlCol="0" anchor="ctr"/>
+          <a:lstStyle/>
+          <a:p>
+            <a:pPr marR="0" algn="ctr" defTabSz="914400" eaLnBrk="1" fontAlgn="base" latinLnBrk="0" hangingPunct="1">
+              <a:lnSpc>
+                <a:spcPct val="100000"/>
+              </a:lnSpc>
+              <a:spcBef>
+                <a:spcPct val="50000"/>
+              </a:spcBef>
+              <a:spcAft>
+                <a:spcPct val="0"/>
+              </a:spcAft>
+              <a:buClr>
+                <a:srgbClr val="F0AB00"/>
+              </a:buClr>
+              <a:buSzPct val="80000"/>
+              <a:tabLst/>
+            </a:pPr>
+            <a:r>
+              <a:rPr kumimoji="0" lang="en-US" sz="1400" b="0" i="0" u="none" strike="noStrike" kern="0" cap="none" spc="0" normalizeH="0" baseline="0" dirty="0">
+                <a:ln>
+                  <a:noFill/>
+                </a:ln>
+                <a:effectLst/>
+                <a:uLnTx/>
+                <a:uFillTx/>
+                <a:ea typeface="Arial Unicode MS" pitchFamily="34" charset="-128"/>
+                <a:cs typeface="Arial Unicode MS" pitchFamily="34" charset="-128"/>
+              </a:rPr>
+              <a:t>Image size</a:t>
+            </a:r>
+          </a:p>
+        </p:txBody>
+      </p:sp>
+      <p:cxnSp>
+        <p:nvCxnSpPr>
+          <p:cNvPr id="23" name="Straight Arrow Connector 22">
+            <a:extLst>
+              <a:ext uri="{FF2B5EF4-FFF2-40B4-BE49-F238E27FC236}">
+                <a16:creationId xmlns:a16="http://schemas.microsoft.com/office/drawing/2014/main" id="{0842132D-AD97-4521-A355-3F3827356F9C}"/>
+              </a:ext>
+            </a:extLst>
+          </p:cNvPr>
+          <p:cNvCxnSpPr>
+            <a:endCxn id="22" idx="0"/>
+          </p:cNvCxnSpPr>
+          <p:nvPr/>
+        </p:nvCxnSpPr>
+        <p:spPr>
+          <a:xfrm flipH="1">
+            <a:off x="10347602" y="4004457"/>
+            <a:ext cx="10350" cy="1210771"/>
+          </a:xfrm>
+          <a:prstGeom prst="straightConnector1">
+            <a:avLst/>
+          </a:prstGeom>
+          <a:ln w="19050">
+            <a:solidFill>
+              <a:srgbClr val="FF0000"/>
+            </a:solidFill>
+            <a:headEnd type="none" w="med" len="med"/>
+            <a:tailEnd type="triangle" w="lg" len="lg"/>
+          </a:ln>
+        </p:spPr>
+        <p:style>
+          <a:lnRef idx="1">
+            <a:schemeClr val="accent1"/>
+          </a:lnRef>
+          <a:fillRef idx="0">
+            <a:schemeClr val="accent1"/>
+          </a:fillRef>
+          <a:effectRef idx="0">
+            <a:schemeClr val="accent1"/>
+          </a:effectRef>
+          <a:fontRef idx="minor">
+            <a:schemeClr val="tx1"/>
+          </a:fontRef>
+        </p:style>
+      </p:cxnSp>
+      <p:sp>
+        <p:nvSpPr>
+          <p:cNvPr id="9" name="Rectangle: Rounded Corners 8"/>
+          <p:cNvSpPr/>
+          <p:nvPr/>
+        </p:nvSpPr>
+        <p:spPr bwMode="gray">
+          <a:xfrm>
+            <a:off x="503999" y="2495549"/>
+            <a:ext cx="11186477" cy="1721013"/>
+          </a:xfrm>
+          <a:prstGeom prst="roundRect">
+            <a:avLst>
+              <a:gd name="adj" fmla="val 8296"/>
+            </a:avLst>
+          </a:prstGeom>
+          <a:pattFill prst="narHorz">
+            <a:fgClr>
+              <a:schemeClr val="tx1"/>
+            </a:fgClr>
+            <a:bgClr>
+              <a:srgbClr val="112806"/>
+            </a:bgClr>
+          </a:pattFill>
+          <a:ln w="6350" algn="ctr">
+            <a:noFill/>
+            <a:miter lim="800000"/>
+            <a:headEnd/>
+            <a:tailEnd/>
+          </a:ln>
+        </p:spPr>
+        <p:txBody>
+          <a:bodyPr lIns="90000" tIns="72000" rIns="90000" bIns="72000" rtlCol="0" anchor="t"/>
+          <a:lstStyle/>
+          <a:p>
+            <a:pPr defTabSz="914400" fontAlgn="base">
+              <a:spcAft>
+                <a:spcPct val="0"/>
+              </a:spcAft>
+              <a:buClr>
+                <a:srgbClr val="F0AB00"/>
+              </a:buClr>
+              <a:buSzPct val="80000"/>
+            </a:pPr>
+            <a:r>
+              <a:rPr lang="en-US" sz="900" kern="0" dirty="0">
+                <a:solidFill>
+                  <a:schemeClr val="bg1"/>
+                </a:solidFill>
+                <a:latin typeface="Arial monospaced for SAP" panose="020B0609020202030204" pitchFamily="49" charset="0"/>
+                <a:ea typeface="Arial Unicode MS" pitchFamily="34" charset="-128"/>
+                <a:cs typeface="Courier New" panose="02070309020205020404" pitchFamily="49" charset="0"/>
+              </a:rPr>
+              <a:t>$ docker image list</a:t>
+            </a:r>
+          </a:p>
+          <a:p>
+            <a:pPr defTabSz="914400" fontAlgn="base">
+              <a:spcAft>
+                <a:spcPct val="0"/>
+              </a:spcAft>
+              <a:buClr>
+                <a:srgbClr val="F0AB00"/>
+              </a:buClr>
+              <a:buSzPct val="80000"/>
+            </a:pPr>
+            <a:r>
+              <a:rPr lang="en-US" sz="900" kern="0" dirty="0">
+                <a:solidFill>
+                  <a:schemeClr val="bg1"/>
+                </a:solidFill>
+                <a:latin typeface="Arial monospaced for SAP" panose="020B0609020202030204" pitchFamily="49" charset="0"/>
+                <a:ea typeface="Arial Unicode MS" pitchFamily="34" charset="-128"/>
+                <a:cs typeface="Courier New" panose="02070309020205020404" pitchFamily="49" charset="0"/>
+              </a:rPr>
+              <a:t>REPOSITORY                                                                     TAG                 IMAGE ID            CREATED             SIZE</a:t>
+            </a:r>
+          </a:p>
+          <a:p>
+            <a:pPr defTabSz="914400" fontAlgn="base">
+              <a:spcAft>
+                <a:spcPct val="0"/>
+              </a:spcAft>
+              <a:buClr>
+                <a:srgbClr val="F0AB00"/>
+              </a:buClr>
+              <a:buSzPct val="80000"/>
+            </a:pPr>
+            <a:r>
+              <a:rPr lang="en-US" sz="900" kern="0" dirty="0" err="1">
+                <a:solidFill>
+                  <a:schemeClr val="bg1"/>
+                </a:solidFill>
+                <a:latin typeface="Arial monospaced for SAP" panose="020B0609020202030204" pitchFamily="49" charset="0"/>
+                <a:ea typeface="Arial Unicode MS" pitchFamily="34" charset="-128"/>
+                <a:cs typeface="Courier New" panose="02070309020205020404" pitchFamily="49" charset="0"/>
+              </a:rPr>
+              <a:t>nginx</a:t>
+            </a:r>
+            <a:r>
+              <a:rPr lang="en-US" sz="900" kern="0" dirty="0">
+                <a:solidFill>
+                  <a:schemeClr val="bg1"/>
+                </a:solidFill>
+                <a:latin typeface="Arial monospaced for SAP" panose="020B0609020202030204" pitchFamily="49" charset="0"/>
+                <a:ea typeface="Arial Unicode MS" pitchFamily="34" charset="-128"/>
+                <a:cs typeface="Courier New" panose="02070309020205020404" pitchFamily="49" charset="0"/>
+              </a:rPr>
+              <a:t>                                                                          stable              ecc98fc2f376        13 days ago         109MB</a:t>
+            </a:r>
+          </a:p>
+          <a:p>
+            <a:pPr defTabSz="914400" fontAlgn="base">
+              <a:spcAft>
+                <a:spcPct val="0"/>
+              </a:spcAft>
+              <a:buClr>
+                <a:srgbClr val="F0AB00"/>
+              </a:buClr>
+              <a:buSzPct val="80000"/>
+            </a:pPr>
+            <a:r>
+              <a:rPr lang="en-US" sz="900" kern="0" dirty="0" err="1">
+                <a:solidFill>
+                  <a:schemeClr val="bg1"/>
+                </a:solidFill>
+                <a:latin typeface="Arial monospaced for SAP" panose="020B0609020202030204" pitchFamily="49" charset="0"/>
+                <a:ea typeface="Arial Unicode MS" pitchFamily="34" charset="-128"/>
+                <a:cs typeface="Courier New" panose="02070309020205020404" pitchFamily="49" charset="0"/>
+              </a:rPr>
+              <a:t>nginx</a:t>
+            </a:r>
+            <a:r>
+              <a:rPr lang="en-US" sz="900" kern="0" dirty="0">
+                <a:solidFill>
+                  <a:schemeClr val="bg1"/>
+                </a:solidFill>
+                <a:latin typeface="Arial monospaced for SAP" panose="020B0609020202030204" pitchFamily="49" charset="0"/>
+                <a:ea typeface="Arial Unicode MS" pitchFamily="34" charset="-128"/>
+                <a:cs typeface="Courier New" panose="02070309020205020404" pitchFamily="49" charset="0"/>
+              </a:rPr>
+              <a:t>                                                                          latest              dbfc48660aeb        13 days ago         109MB</a:t>
+            </a:r>
+          </a:p>
+          <a:p>
+            <a:pPr defTabSz="914400" fontAlgn="base">
+              <a:spcAft>
+                <a:spcPct val="0"/>
+              </a:spcAft>
+              <a:buClr>
+                <a:srgbClr val="F0AB00"/>
+              </a:buClr>
+              <a:buSzPct val="80000"/>
+            </a:pPr>
+            <a:r>
+              <a:rPr lang="en-US" sz="900" kern="0" dirty="0" err="1">
+                <a:solidFill>
+                  <a:schemeClr val="bg1"/>
+                </a:solidFill>
+                <a:latin typeface="Arial monospaced for SAP" panose="020B0609020202030204" pitchFamily="49" charset="0"/>
+                <a:ea typeface="Arial Unicode MS" pitchFamily="34" charset="-128"/>
+                <a:cs typeface="Courier New" panose="02070309020205020404" pitchFamily="49" charset="0"/>
+              </a:rPr>
+              <a:t>nginx</a:t>
+            </a:r>
+            <a:r>
+              <a:rPr lang="en-US" sz="900" kern="0" dirty="0">
+                <a:solidFill>
+                  <a:schemeClr val="bg1"/>
+                </a:solidFill>
+                <a:latin typeface="Arial monospaced for SAP" panose="020B0609020202030204" pitchFamily="49" charset="0"/>
+                <a:ea typeface="Arial Unicode MS" pitchFamily="34" charset="-128"/>
+                <a:cs typeface="Courier New" panose="02070309020205020404" pitchFamily="49" charset="0"/>
+              </a:rPr>
+              <a:t>                                                                          mainline            dbfc48660aeb        13 days ago         109MB</a:t>
+            </a:r>
+          </a:p>
+          <a:p>
+            <a:pPr defTabSz="914400" fontAlgn="base">
+              <a:spcAft>
+                <a:spcPct val="0"/>
+              </a:spcAft>
+              <a:buClr>
+                <a:srgbClr val="F0AB00"/>
+              </a:buClr>
+              <a:buSzPct val="80000"/>
+            </a:pPr>
+            <a:r>
+              <a:rPr lang="en-US" sz="900" kern="0" dirty="0" err="1">
+                <a:solidFill>
+                  <a:schemeClr val="bg1"/>
+                </a:solidFill>
+                <a:latin typeface="Arial monospaced for SAP" panose="020B0609020202030204" pitchFamily="49" charset="0"/>
+                <a:ea typeface="Arial Unicode MS" pitchFamily="34" charset="-128"/>
+                <a:cs typeface="Courier New" panose="02070309020205020404" pitchFamily="49" charset="0"/>
+              </a:rPr>
+              <a:t>jenkins</a:t>
+            </a:r>
+            <a:r>
+              <a:rPr lang="en-US" sz="900" kern="0" dirty="0">
+                <a:solidFill>
+                  <a:schemeClr val="bg1"/>
+                </a:solidFill>
+                <a:latin typeface="Arial monospaced for SAP" panose="020B0609020202030204" pitchFamily="49" charset="0"/>
+                <a:ea typeface="Arial Unicode MS" pitchFamily="34" charset="-128"/>
+                <a:cs typeface="Courier New" panose="02070309020205020404" pitchFamily="49" charset="0"/>
+              </a:rPr>
+              <a:t>/</a:t>
+            </a:r>
+            <a:r>
+              <a:rPr lang="en-US" sz="900" kern="0" dirty="0" err="1">
+                <a:solidFill>
+                  <a:schemeClr val="bg1"/>
+                </a:solidFill>
+                <a:latin typeface="Arial monospaced for SAP" panose="020B0609020202030204" pitchFamily="49" charset="0"/>
+                <a:ea typeface="Arial Unicode MS" pitchFamily="34" charset="-128"/>
+                <a:cs typeface="Courier New" panose="02070309020205020404" pitchFamily="49" charset="0"/>
+              </a:rPr>
+              <a:t>jenkins</a:t>
+            </a:r>
+            <a:r>
+              <a:rPr lang="en-US" sz="900" kern="0" dirty="0">
+                <a:solidFill>
+                  <a:schemeClr val="bg1"/>
+                </a:solidFill>
+                <a:latin typeface="Arial monospaced for SAP" panose="020B0609020202030204" pitchFamily="49" charset="0"/>
+                <a:ea typeface="Arial Unicode MS" pitchFamily="34" charset="-128"/>
+                <a:cs typeface="Courier New" panose="02070309020205020404" pitchFamily="49" charset="0"/>
+              </a:rPr>
+              <a:t>                                                                </a:t>
+            </a:r>
+            <a:r>
+              <a:rPr lang="en-US" sz="900" kern="0" dirty="0" err="1">
+                <a:solidFill>
+                  <a:schemeClr val="bg1"/>
+                </a:solidFill>
+                <a:latin typeface="Arial monospaced for SAP" panose="020B0609020202030204" pitchFamily="49" charset="0"/>
+                <a:ea typeface="Arial Unicode MS" pitchFamily="34" charset="-128"/>
+                <a:cs typeface="Courier New" panose="02070309020205020404" pitchFamily="49" charset="0"/>
+              </a:rPr>
+              <a:t>lts</a:t>
+            </a:r>
+            <a:r>
+              <a:rPr lang="en-US" sz="900" kern="0" dirty="0">
+                <a:solidFill>
+                  <a:schemeClr val="bg1"/>
+                </a:solidFill>
+                <a:latin typeface="Arial monospaced for SAP" panose="020B0609020202030204" pitchFamily="49" charset="0"/>
+                <a:ea typeface="Arial Unicode MS" pitchFamily="34" charset="-128"/>
+                <a:cs typeface="Courier New" panose="02070309020205020404" pitchFamily="49" charset="0"/>
+              </a:rPr>
+              <a:t>                 9cff19ad8c8b        2 weeks ago         730MB</a:t>
+            </a:r>
+          </a:p>
+          <a:p>
+            <a:pPr defTabSz="914400" fontAlgn="base">
+              <a:spcAft>
+                <a:spcPct val="0"/>
+              </a:spcAft>
+              <a:buClr>
+                <a:srgbClr val="F0AB00"/>
+              </a:buClr>
+              <a:buSzPct val="80000"/>
+            </a:pPr>
+            <a:r>
+              <a:rPr lang="en-US" sz="900" kern="0" dirty="0" err="1">
+                <a:solidFill>
+                  <a:schemeClr val="bg1"/>
+                </a:solidFill>
+                <a:latin typeface="Arial monospaced for SAP" panose="020B0609020202030204" pitchFamily="49" charset="0"/>
+                <a:ea typeface="Arial Unicode MS" pitchFamily="34" charset="-128"/>
+                <a:cs typeface="Courier New" panose="02070309020205020404" pitchFamily="49" charset="0"/>
+              </a:rPr>
+              <a:t>busybox</a:t>
+            </a:r>
+            <a:r>
+              <a:rPr lang="en-US" sz="900" kern="0" dirty="0">
+                <a:solidFill>
+                  <a:schemeClr val="bg1"/>
+                </a:solidFill>
+                <a:latin typeface="Arial monospaced for SAP" panose="020B0609020202030204" pitchFamily="49" charset="0"/>
+                <a:ea typeface="Arial Unicode MS" pitchFamily="34" charset="-128"/>
+                <a:cs typeface="Courier New" panose="02070309020205020404" pitchFamily="49" charset="0"/>
+              </a:rPr>
+              <a:t>                                                                        latest              59788edf1f3e        3 weeks ago         1.15MB</a:t>
+            </a:r>
+          </a:p>
+          <a:p>
+            <a:pPr defTabSz="914400" fontAlgn="base">
+              <a:spcAft>
+                <a:spcPct val="0"/>
+              </a:spcAft>
+              <a:buClr>
+                <a:srgbClr val="F0AB00"/>
+              </a:buClr>
+              <a:buSzPct val="80000"/>
+            </a:pPr>
+            <a:r>
+              <a:rPr lang="en-US" sz="900" kern="0" dirty="0">
+                <a:solidFill>
+                  <a:schemeClr val="bg1"/>
+                </a:solidFill>
+                <a:latin typeface="Arial monospaced for SAP" panose="020B0609020202030204" pitchFamily="49" charset="0"/>
+                <a:ea typeface="Arial Unicode MS" pitchFamily="34" charset="-128"/>
+                <a:cs typeface="Courier New" panose="02070309020205020404" pitchFamily="49" charset="0"/>
+              </a:rPr>
+              <a:t>alpine                                                                         3.8                 196d12cf6ab1        6 weeks ago         4.41MB</a:t>
+            </a:r>
+          </a:p>
+          <a:p>
+            <a:pPr defTabSz="914400" fontAlgn="base">
+              <a:spcAft>
+                <a:spcPct val="0"/>
+              </a:spcAft>
+              <a:buClr>
+                <a:srgbClr val="F0AB00"/>
+              </a:buClr>
+              <a:buSzPct val="80000"/>
+            </a:pPr>
+            <a:r>
+              <a:rPr lang="en-US" sz="900" kern="0" dirty="0" err="1">
+                <a:solidFill>
+                  <a:schemeClr val="bg1"/>
+                </a:solidFill>
+                <a:latin typeface="Arial monospaced for SAP" panose="020B0609020202030204" pitchFamily="49" charset="0"/>
+                <a:ea typeface="Arial Unicode MS" pitchFamily="34" charset="-128"/>
+                <a:cs typeface="Courier New" panose="02070309020205020404" pitchFamily="49" charset="0"/>
+              </a:rPr>
+              <a:t>nginx</a:t>
+            </a:r>
+            <a:r>
+              <a:rPr lang="en-US" sz="900" kern="0" dirty="0">
+                <a:solidFill>
+                  <a:schemeClr val="bg1"/>
+                </a:solidFill>
+                <a:latin typeface="Arial monospaced for SAP" panose="020B0609020202030204" pitchFamily="49" charset="0"/>
+                <a:ea typeface="Arial Unicode MS" pitchFamily="34" charset="-128"/>
+                <a:cs typeface="Courier New" panose="02070309020205020404" pitchFamily="49" charset="0"/>
+              </a:rPr>
+              <a:t>                                                                          1.15.3              06144b287844        7 weeks ago         109MB</a:t>
+            </a:r>
+          </a:p>
+          <a:p>
+            <a:pPr defTabSz="914400" fontAlgn="base">
+              <a:spcAft>
+                <a:spcPct val="0"/>
+              </a:spcAft>
+              <a:buClr>
+                <a:srgbClr val="F0AB00"/>
+              </a:buClr>
+              <a:buSzPct val="80000"/>
+            </a:pPr>
+            <a:r>
+              <a:rPr lang="en-US" sz="900" kern="0" dirty="0">
+                <a:solidFill>
+                  <a:schemeClr val="bg1"/>
+                </a:solidFill>
+                <a:latin typeface="Arial monospaced for SAP" panose="020B0609020202030204" pitchFamily="49" charset="0"/>
+                <a:ea typeface="Arial Unicode MS" pitchFamily="34" charset="-128"/>
+                <a:cs typeface="Courier New" panose="02070309020205020404" pitchFamily="49" charset="0"/>
+              </a:rPr>
+              <a:t>registry.ingress.wdfcw43a.k8s-train.shoot.canary.k8s-hana.ondemand.com/</a:t>
+            </a:r>
+            <a:r>
+              <a:rPr lang="en-US" sz="900" kern="0" dirty="0" err="1">
+                <a:solidFill>
+                  <a:schemeClr val="bg1"/>
+                </a:solidFill>
+                <a:latin typeface="Arial monospaced for SAP" panose="020B0609020202030204" pitchFamily="49" charset="0"/>
+                <a:ea typeface="Arial Unicode MS" pitchFamily="34" charset="-128"/>
+                <a:cs typeface="Courier New" panose="02070309020205020404" pitchFamily="49" charset="0"/>
+              </a:rPr>
+              <a:t>nginx</a:t>
+            </a:r>
+            <a:r>
+              <a:rPr lang="en-US" sz="900" kern="0" dirty="0">
+                <a:solidFill>
+                  <a:schemeClr val="bg1"/>
+                </a:solidFill>
+                <a:latin typeface="Arial monospaced for SAP" panose="020B0609020202030204" pitchFamily="49" charset="0"/>
+                <a:ea typeface="Arial Unicode MS" pitchFamily="34" charset="-128"/>
+                <a:cs typeface="Courier New" panose="02070309020205020404" pitchFamily="49" charset="0"/>
+              </a:rPr>
+              <a:t>   bf91e3ea            06144b287844        7 weeks ago         109MB</a:t>
+            </a:r>
+          </a:p>
+          <a:p>
+            <a:pPr defTabSz="914400" fontAlgn="base">
+              <a:spcAft>
+                <a:spcPct val="0"/>
+              </a:spcAft>
+              <a:buClr>
+                <a:srgbClr val="F0AB00"/>
+              </a:buClr>
+              <a:buSzPct val="80000"/>
+            </a:pPr>
+            <a:r>
+              <a:rPr lang="en-US" sz="900" kern="0" dirty="0">
+                <a:solidFill>
+                  <a:schemeClr val="bg1"/>
+                </a:solidFill>
+                <a:latin typeface="Arial monospaced for SAP" panose="020B0609020202030204" pitchFamily="49" charset="0"/>
+                <a:ea typeface="Arial Unicode MS" pitchFamily="34" charset="-128"/>
+                <a:cs typeface="Courier New" panose="02070309020205020404" pitchFamily="49" charset="0"/>
+              </a:rPr>
+              <a:t>…</a:t>
+            </a:r>
+          </a:p>
+          <a:p>
+            <a:pPr defTabSz="914400" fontAlgn="base">
+              <a:spcAft>
+                <a:spcPct val="0"/>
+              </a:spcAft>
+              <a:buClr>
+                <a:srgbClr val="F0AB00"/>
+              </a:buClr>
+              <a:buSzPct val="80000"/>
+            </a:pPr>
+            <a:endParaRPr lang="en-US" sz="900" kern="0" dirty="0">
+              <a:solidFill>
+                <a:schemeClr val="bg1"/>
+              </a:solidFill>
+              <a:latin typeface="Arial monospaced for SAP" panose="020B0609020202030204" pitchFamily="49" charset="0"/>
+              <a:ea typeface="Arial Unicode MS" pitchFamily="34" charset="-128"/>
+              <a:cs typeface="Courier New" panose="02070309020205020404" pitchFamily="49" charset="0"/>
+            </a:endParaRPr>
+          </a:p>
+        </p:txBody>
+      </p:sp>
+    </p:spTree>
+    <p:extLst>
+      <p:ext uri="{BB962C8B-B14F-4D97-AF65-F5344CB8AC3E}">
+        <p14:creationId xmlns:p14="http://schemas.microsoft.com/office/powerpoint/2010/main" val="525180688"/>
+      </p:ext>
+    </p:extLst>
+  </p:cSld>
+  <p:clrMapOvr>
+    <a:masterClrMapping/>
+  </p:clrMapOvr>
+</p:sld>
+</file>
+
+<file path=ppt/slides/slide6.xml><?xml version="1.0" encoding="utf-8"?>
+<p:sld xmlns:a="http://schemas.openxmlformats.org/drawingml/2006/main" xmlns:r="http://schemas.openxmlformats.org/officeDocument/2006/relationships" xmlns:p="http://schemas.openxmlformats.org/presentationml/2006/main" show="0">
+  <p:cSld>
+    <p:spTree>
+      <p:nvGrpSpPr>
+        <p:cNvPr id="1" name=""/>
+        <p:cNvGrpSpPr/>
+        <p:nvPr/>
+      </p:nvGrpSpPr>
+      <p:grpSpPr>
+        <a:xfrm>
+          <a:off x="0" y="0"/>
+          <a:ext cx="0" cy="0"/>
+          <a:chOff x="0" y="0"/>
+          <a:chExt cx="0" cy="0"/>
+        </a:xfrm>
+      </p:grpSpPr>
+      <p:sp>
+        <p:nvSpPr>
+          <p:cNvPr id="3" name="Title 2"/>
+          <p:cNvSpPr>
+            <a:spLocks noGrp="1"/>
+          </p:cNvSpPr>
+          <p:nvPr>
+            <p:ph type="title"/>
+          </p:nvPr>
+        </p:nvSpPr>
+        <p:spPr/>
+        <p:txBody>
+          <a:bodyPr/>
+          <a:lstStyle/>
+          <a:p>
+            <a:r>
+              <a:rPr lang="en-US" dirty="0"/>
               <a:t>Information about containers</a:t>
             </a:r>
           </a:p>
@@ -14341,10 +17679,111 @@
           </a:p>
         </p:txBody>
       </p:sp>
+      <p:sp>
+        <p:nvSpPr>
+          <p:cNvPr id="4" name="TextBox 3">
+            <a:extLst>
+              <a:ext uri="{FF2B5EF4-FFF2-40B4-BE49-F238E27FC236}">
+                <a16:creationId xmlns:a16="http://schemas.microsoft.com/office/drawing/2014/main" id="{B3C7E742-D9A8-4844-85B2-D876DDB4DF08}"/>
+              </a:ext>
+            </a:extLst>
+          </p:cNvPr>
+          <p:cNvSpPr txBox="1"/>
+          <p:nvPr/>
+        </p:nvSpPr>
+        <p:spPr>
+          <a:xfrm rot="20317805">
+            <a:off x="5624654" y="1253465"/>
+            <a:ext cx="1912883" cy="1415772"/>
+          </a:xfrm>
+          <a:prstGeom prst="rect">
+            <a:avLst/>
+          </a:prstGeom>
+          <a:solidFill>
+            <a:schemeClr val="accent1"/>
+          </a:solidFill>
+        </p:spPr>
+        <p:txBody>
+          <a:bodyPr wrap="square" lIns="0" tIns="0" rIns="0" bIns="0" rtlCol="0">
+            <a:spAutoFit/>
+          </a:bodyPr>
+          <a:lstStyle/>
+          <a:p>
+            <a:pPr fontAlgn="base">
+              <a:spcBef>
+                <a:spcPct val="50000"/>
+              </a:spcBef>
+              <a:spcAft>
+                <a:spcPct val="0"/>
+              </a:spcAft>
+              <a:buClr>
+                <a:srgbClr val="F0AB00"/>
+              </a:buClr>
+              <a:buSzPct val="80000"/>
+            </a:pPr>
+            <a:r>
+              <a:rPr lang="de-DE" sz="4400" kern="0" dirty="0">
+                <a:solidFill>
+                  <a:schemeClr val="bg1"/>
+                </a:solidFill>
+                <a:ea typeface="Arial Unicode MS" pitchFamily="34" charset="-128"/>
+                <a:cs typeface="Arial Unicode MS" pitchFamily="34" charset="-128"/>
+              </a:rPr>
+              <a:t>Old !</a:t>
+            </a:r>
+            <a:br>
+              <a:rPr lang="de-DE" sz="4400" kern="0" dirty="0">
+                <a:solidFill>
+                  <a:schemeClr val="bg1"/>
+                </a:solidFill>
+                <a:ea typeface="Arial Unicode MS" pitchFamily="34" charset="-128"/>
+                <a:cs typeface="Arial Unicode MS" pitchFamily="34" charset="-128"/>
+              </a:rPr>
+            </a:br>
+            <a:r>
+              <a:rPr lang="de-DE" sz="2400" kern="0" dirty="0">
+                <a:solidFill>
+                  <a:schemeClr val="bg1"/>
+                </a:solidFill>
+                <a:ea typeface="Arial Unicode MS" pitchFamily="34" charset="-128"/>
+                <a:cs typeface="Arial Unicode MS" pitchFamily="34" charset="-128"/>
+              </a:rPr>
+              <a:t>Images/ </a:t>
+            </a:r>
+            <a:r>
+              <a:rPr lang="de-DE" sz="2400" kern="0" dirty="0" err="1">
+                <a:solidFill>
+                  <a:schemeClr val="bg1"/>
+                </a:solidFill>
+                <a:ea typeface="Arial Unicode MS" pitchFamily="34" charset="-128"/>
+                <a:cs typeface="Arial Unicode MS" pitchFamily="34" charset="-128"/>
+              </a:rPr>
+              <a:t>containers</a:t>
+            </a:r>
+            <a:r>
+              <a:rPr lang="de-DE" sz="2400" kern="0" dirty="0">
+                <a:solidFill>
+                  <a:schemeClr val="bg1"/>
+                </a:solidFill>
+                <a:ea typeface="Arial Unicode MS" pitchFamily="34" charset="-128"/>
+                <a:cs typeface="Arial Unicode MS" pitchFamily="34" charset="-128"/>
+              </a:rPr>
+              <a:t> ?</a:t>
+            </a:r>
+            <a:endParaRPr lang="de-DE" sz="4400" kern="0" dirty="0">
+              <a:solidFill>
+                <a:schemeClr val="bg1"/>
+              </a:solidFill>
+              <a:ea typeface="Arial Unicode MS" pitchFamily="34" charset="-128"/>
+              <a:cs typeface="Arial Unicode MS" pitchFamily="34" charset="-128"/>
+            </a:endParaRPr>
+          </a:p>
+        </p:txBody>
+      </p:sp>
     </p:spTree>
     <p:extLst>
       <p:ext uri="{BB962C8B-B14F-4D97-AF65-F5344CB8AC3E}">
-        <p14:creationId xmlns:p14="http://schemas.microsoft.com/office/powerpoint/2010/main" val="2960905310"/>
+        <p14:creationId xmlns:p14="http://schemas.microsoft.com/office/powerpoint/2010/main" val="4202275646"/>
       </p:ext>
     </p:extLst>
   </p:cSld>
@@ -14354,7 +17793,7 @@
 </p:sld>
 </file>
 
-<file path=ppt/slides/slide6.xml><?xml version="1.0" encoding="utf-8"?>
+<file path=ppt/slides/slide7.xml><?xml version="1.0" encoding="utf-8"?>
 <p:sld xmlns:a="http://schemas.openxmlformats.org/drawingml/2006/main" xmlns:r="http://schemas.openxmlformats.org/officeDocument/2006/relationships" xmlns:p="http://schemas.openxmlformats.org/presentationml/2006/main">
   <p:cSld>
     <p:spTree>
@@ -14442,7 +17881,7 @@
 </p:sld>
 </file>
 
-<file path=ppt/slides/slide7.xml><?xml version="1.0" encoding="utf-8"?>
+<file path=ppt/slides/slide8.xml><?xml version="1.0" encoding="utf-8"?>
 <p:sld xmlns:a="http://schemas.openxmlformats.org/drawingml/2006/main" xmlns:r="http://schemas.openxmlformats.org/officeDocument/2006/relationships" xmlns:p="http://schemas.openxmlformats.org/presentationml/2006/main">
   <p:cSld>
     <p:spTree>
@@ -15837,7 +19276,7 @@
 </p:sld>
 </file>
 
-<file path=ppt/slides/slide8.xml><?xml version="1.0" encoding="utf-8"?>
+<file path=ppt/slides/slide9.xml><?xml version="1.0" encoding="utf-8"?>
 <p:sld xmlns:a="http://schemas.openxmlformats.org/drawingml/2006/main" xmlns:r="http://schemas.openxmlformats.org/officeDocument/2006/relationships" xmlns:p="http://schemas.openxmlformats.org/presentationml/2006/main">
   <p:cSld>
     <p:spTree>
@@ -16011,957 +19450,6 @@
     <p:extLst>
       <p:ext uri="{BB962C8B-B14F-4D97-AF65-F5344CB8AC3E}">
         <p14:creationId xmlns:p14="http://schemas.microsoft.com/office/powerpoint/2010/main" val="2436238159"/>
-      </p:ext>
-    </p:extLst>
-  </p:cSld>
-  <p:clrMapOvr>
-    <a:masterClrMapping/>
-  </p:clrMapOvr>
-</p:sld>
-</file>
-
-<file path=ppt/slides/slide9.xml><?xml version="1.0" encoding="utf-8"?>
-<p:sld xmlns:a="http://schemas.openxmlformats.org/drawingml/2006/main" xmlns:r="http://schemas.openxmlformats.org/officeDocument/2006/relationships" xmlns:p="http://schemas.openxmlformats.org/presentationml/2006/main">
-  <p:cSld>
-    <p:spTree>
-      <p:nvGrpSpPr>
-        <p:cNvPr id="1" name=""/>
-        <p:cNvGrpSpPr/>
-        <p:nvPr/>
-      </p:nvGrpSpPr>
-      <p:grpSpPr>
-        <a:xfrm>
-          <a:off x="0" y="0"/>
-          <a:ext cx="0" cy="0"/>
-          <a:chOff x="0" y="0"/>
-          <a:chExt cx="0" cy="0"/>
-        </a:xfrm>
-      </p:grpSpPr>
-      <p:sp>
-        <p:nvSpPr>
-          <p:cNvPr id="3" name="Title 2">
-            <a:extLst>
-              <a:ext uri="{FF2B5EF4-FFF2-40B4-BE49-F238E27FC236}">
-                <a16:creationId xmlns:a16="http://schemas.microsoft.com/office/drawing/2014/main" id="{B73DFC8A-D39C-4395-A874-03C42AE64146}"/>
-              </a:ext>
-            </a:extLst>
-          </p:cNvPr>
-          <p:cNvSpPr>
-            <a:spLocks noGrp="1"/>
-          </p:cNvSpPr>
-          <p:nvPr>
-            <p:ph type="title"/>
-          </p:nvPr>
-        </p:nvSpPr>
-        <p:spPr/>
-        <p:txBody>
-          <a:bodyPr/>
-          <a:lstStyle/>
-          <a:p>
-            <a:r>
-              <a:rPr lang="en-US" dirty="0"/>
-              <a:t>Image names &amp; tags</a:t>
-            </a:r>
-          </a:p>
-        </p:txBody>
-      </p:sp>
-      <p:sp>
-        <p:nvSpPr>
-          <p:cNvPr id="4" name="Rectangle: Rounded Corners 3">
-            <a:extLst>
-              <a:ext uri="{FF2B5EF4-FFF2-40B4-BE49-F238E27FC236}">
-                <a16:creationId xmlns:a16="http://schemas.microsoft.com/office/drawing/2014/main" id="{069317E0-1935-457B-9BE2-13D2F434C611}"/>
-              </a:ext>
-            </a:extLst>
-          </p:cNvPr>
-          <p:cNvSpPr/>
-          <p:nvPr/>
-        </p:nvSpPr>
-        <p:spPr bwMode="gray">
-          <a:xfrm>
-            <a:off x="1577888" y="1336602"/>
-            <a:ext cx="9077099" cy="1449128"/>
-          </a:xfrm>
-          <a:prstGeom prst="roundRect">
-            <a:avLst>
-              <a:gd name="adj" fmla="val 8296"/>
-            </a:avLst>
-          </a:prstGeom>
-          <a:pattFill prst="narHorz">
-            <a:fgClr>
-              <a:schemeClr val="tx1"/>
-            </a:fgClr>
-            <a:bgClr>
-              <a:srgbClr val="112806"/>
-            </a:bgClr>
-          </a:pattFill>
-          <a:ln w="6350" algn="ctr">
-            <a:noFill/>
-            <a:miter lim="800000"/>
-            <a:headEnd/>
-            <a:tailEnd/>
-          </a:ln>
-        </p:spPr>
-        <p:txBody>
-          <a:bodyPr lIns="90000" tIns="72000" rIns="90000" bIns="72000" rtlCol="0" anchor="t"/>
-          <a:lstStyle/>
-          <a:p>
-            <a:pPr defTabSz="914400" fontAlgn="base">
-              <a:spcAft>
-                <a:spcPct val="0"/>
-              </a:spcAft>
-              <a:buClr>
-                <a:srgbClr val="F0AB00"/>
-              </a:buClr>
-              <a:buSzPct val="80000"/>
-            </a:pPr>
-            <a:r>
-              <a:rPr lang="en-US" sz="1400" b="1" kern="0" dirty="0">
-                <a:solidFill>
-                  <a:schemeClr val="bg1"/>
-                </a:solidFill>
-                <a:latin typeface="Courier New" panose="02070309020205020404" pitchFamily="49" charset="0"/>
-                <a:ea typeface="Arial Unicode MS" pitchFamily="34" charset="-128"/>
-                <a:cs typeface="Courier New" panose="02070309020205020404" pitchFamily="49" charset="0"/>
-              </a:rPr>
-              <a:t>$  docker image list</a:t>
-            </a:r>
-          </a:p>
-          <a:p>
-            <a:pPr defTabSz="914400" fontAlgn="base">
-              <a:spcAft>
-                <a:spcPct val="0"/>
-              </a:spcAft>
-              <a:buClr>
-                <a:srgbClr val="F0AB00"/>
-              </a:buClr>
-              <a:buSzPct val="80000"/>
-            </a:pPr>
-            <a:endParaRPr lang="en-US" sz="1400" b="1" kern="0" dirty="0">
-              <a:solidFill>
-                <a:schemeClr val="bg1"/>
-              </a:solidFill>
-              <a:latin typeface="Courier New" panose="02070309020205020404" pitchFamily="49" charset="0"/>
-              <a:ea typeface="Arial Unicode MS" pitchFamily="34" charset="-128"/>
-              <a:cs typeface="Courier New" panose="02070309020205020404" pitchFamily="49" charset="0"/>
-            </a:endParaRPr>
-          </a:p>
-          <a:p>
-            <a:pPr defTabSz="914400" fontAlgn="base">
-              <a:spcAft>
-                <a:spcPct val="0"/>
-              </a:spcAft>
-              <a:buClr>
-                <a:srgbClr val="F0AB00"/>
-              </a:buClr>
-              <a:buSzPct val="80000"/>
-            </a:pPr>
-            <a:r>
-              <a:rPr lang="en-US" sz="1400" b="1" kern="0" dirty="0">
-                <a:solidFill>
-                  <a:schemeClr val="bg1"/>
-                </a:solidFill>
-                <a:latin typeface="Courier New" panose="02070309020205020404" pitchFamily="49" charset="0"/>
-                <a:ea typeface="Arial Unicode MS" pitchFamily="34" charset="-128"/>
-                <a:cs typeface="Courier New" panose="02070309020205020404" pitchFamily="49" charset="0"/>
-              </a:rPr>
-              <a:t>REPOSITORY                                         		 TAG     IMAGE ID</a:t>
-            </a:r>
-          </a:p>
-          <a:p>
-            <a:pPr defTabSz="914400" fontAlgn="base">
-              <a:spcAft>
-                <a:spcPct val="0"/>
-              </a:spcAft>
-              <a:buClr>
-                <a:srgbClr val="F0AB00"/>
-              </a:buClr>
-              <a:buSzPct val="80000"/>
-            </a:pPr>
-            <a:endParaRPr lang="en-US" sz="1400" b="1" kern="0" dirty="0">
-              <a:solidFill>
-                <a:schemeClr val="bg1"/>
-              </a:solidFill>
-              <a:latin typeface="Courier New" panose="02070309020205020404" pitchFamily="49" charset="0"/>
-              <a:ea typeface="Arial Unicode MS" pitchFamily="34" charset="-128"/>
-              <a:cs typeface="Courier New" panose="02070309020205020404" pitchFamily="49" charset="0"/>
-            </a:endParaRPr>
-          </a:p>
-          <a:p>
-            <a:pPr defTabSz="914400" fontAlgn="base">
-              <a:spcAft>
-                <a:spcPct val="0"/>
-              </a:spcAft>
-              <a:buClr>
-                <a:srgbClr val="F0AB00"/>
-              </a:buClr>
-              <a:buSzPct val="80000"/>
-            </a:pPr>
-            <a:r>
-              <a:rPr lang="en-US" sz="1400" b="1" kern="0" dirty="0">
-                <a:solidFill>
-                  <a:schemeClr val="bg1"/>
-                </a:solidFill>
-                <a:latin typeface="Courier New" panose="02070309020205020404" pitchFamily="49" charset="0"/>
-                <a:ea typeface="Arial Unicode MS" pitchFamily="34" charset="-128"/>
-                <a:cs typeface="Courier New" panose="02070309020205020404" pitchFamily="49" charset="0"/>
-              </a:rPr>
-              <a:t>my-registry.ondemand.com/</a:t>
-            </a:r>
-            <a:r>
-              <a:rPr lang="en-US" sz="1400" b="1" kern="0" dirty="0" err="1">
-                <a:solidFill>
-                  <a:schemeClr val="bg1"/>
-                </a:solidFill>
-                <a:latin typeface="Courier New" panose="02070309020205020404" pitchFamily="49" charset="0"/>
-                <a:ea typeface="Arial Unicode MS" pitchFamily="34" charset="-128"/>
-                <a:cs typeface="Courier New" panose="02070309020205020404" pitchFamily="49" charset="0"/>
-              </a:rPr>
-              <a:t>busybox</a:t>
-            </a:r>
-            <a:r>
-              <a:rPr lang="en-US" sz="1400" b="1" kern="0" dirty="0">
-                <a:solidFill>
-                  <a:schemeClr val="bg1"/>
-                </a:solidFill>
-                <a:latin typeface="Courier New" panose="02070309020205020404" pitchFamily="49" charset="0"/>
-                <a:ea typeface="Arial Unicode MS" pitchFamily="34" charset="-128"/>
-                <a:cs typeface="Courier New" panose="02070309020205020404" pitchFamily="49" charset="0"/>
-              </a:rPr>
-              <a:t>  				 0.1    6ad733544a63</a:t>
-            </a:r>
-            <a:endParaRPr lang="en-US" sz="1400" kern="0" dirty="0">
-              <a:solidFill>
-                <a:schemeClr val="bg1"/>
-              </a:solidFill>
-              <a:latin typeface="Arial monospaced for SAP" panose="020B0609020202030204" pitchFamily="49" charset="0"/>
-              <a:ea typeface="Arial Unicode MS" pitchFamily="34" charset="-128"/>
-              <a:cs typeface="Courier New" panose="02070309020205020404" pitchFamily="49" charset="0"/>
-            </a:endParaRPr>
-          </a:p>
-        </p:txBody>
-      </p:sp>
-      <p:cxnSp>
-        <p:nvCxnSpPr>
-          <p:cNvPr id="5" name="Straight Arrow Connector 4">
-            <a:extLst>
-              <a:ext uri="{FF2B5EF4-FFF2-40B4-BE49-F238E27FC236}">
-                <a16:creationId xmlns:a16="http://schemas.microsoft.com/office/drawing/2014/main" id="{BF922026-9CBD-4AD6-988B-B26ED9E264FA}"/>
-              </a:ext>
-            </a:extLst>
-          </p:cNvPr>
-          <p:cNvCxnSpPr>
-            <a:endCxn id="6" idx="0"/>
-          </p:cNvCxnSpPr>
-          <p:nvPr/>
-        </p:nvCxnSpPr>
-        <p:spPr>
-          <a:xfrm flipH="1">
-            <a:off x="2804594" y="2651449"/>
-            <a:ext cx="15658" cy="1512575"/>
-          </a:xfrm>
-          <a:prstGeom prst="straightConnector1">
-            <a:avLst/>
-          </a:prstGeom>
-          <a:ln w="19050">
-            <a:solidFill>
-              <a:srgbClr val="FF0000"/>
-            </a:solidFill>
-            <a:headEnd type="none" w="med" len="med"/>
-            <a:tailEnd type="triangle" w="lg" len="lg"/>
-          </a:ln>
-        </p:spPr>
-        <p:style>
-          <a:lnRef idx="1">
-            <a:schemeClr val="accent1"/>
-          </a:lnRef>
-          <a:fillRef idx="0">
-            <a:schemeClr val="accent1"/>
-          </a:fillRef>
-          <a:effectRef idx="0">
-            <a:schemeClr val="accent1"/>
-          </a:effectRef>
-          <a:fontRef idx="minor">
-            <a:schemeClr val="tx1"/>
-          </a:fontRef>
-        </p:style>
-      </p:cxnSp>
-      <p:sp>
-        <p:nvSpPr>
-          <p:cNvPr id="6" name="Rectangle 5">
-            <a:extLst>
-              <a:ext uri="{FF2B5EF4-FFF2-40B4-BE49-F238E27FC236}">
-                <a16:creationId xmlns:a16="http://schemas.microsoft.com/office/drawing/2014/main" id="{12BD95AA-12D5-40DA-9038-E0DAF2E63607}"/>
-              </a:ext>
-            </a:extLst>
-          </p:cNvPr>
-          <p:cNvSpPr/>
-          <p:nvPr/>
-        </p:nvSpPr>
-        <p:spPr bwMode="gray">
-          <a:xfrm>
-            <a:off x="2009256" y="4164024"/>
-            <a:ext cx="1590675" cy="457200"/>
-          </a:xfrm>
-          <a:prstGeom prst="rect">
-            <a:avLst/>
-          </a:prstGeom>
-          <a:solidFill>
-            <a:schemeClr val="accent1"/>
-          </a:solidFill>
-          <a:ln w="6350" algn="ctr">
-            <a:solidFill>
-              <a:schemeClr val="tx1"/>
-            </a:solidFill>
-            <a:miter lim="800000"/>
-            <a:headEnd/>
-            <a:tailEnd/>
-          </a:ln>
-        </p:spPr>
-        <p:txBody>
-          <a:bodyPr lIns="90000" tIns="72000" rIns="90000" bIns="72000" rtlCol="0" anchor="ctr"/>
-          <a:lstStyle/>
-          <a:p>
-            <a:pPr marR="0" algn="ctr" defTabSz="914400" eaLnBrk="1" fontAlgn="base" latinLnBrk="0" hangingPunct="1">
-              <a:lnSpc>
-                <a:spcPct val="100000"/>
-              </a:lnSpc>
-              <a:spcBef>
-                <a:spcPct val="50000"/>
-              </a:spcBef>
-              <a:spcAft>
-                <a:spcPct val="0"/>
-              </a:spcAft>
-              <a:buClr>
-                <a:srgbClr val="F0AB00"/>
-              </a:buClr>
-              <a:buSzPct val="80000"/>
-              <a:tabLst/>
-            </a:pPr>
-            <a:r>
-              <a:rPr lang="en-US" sz="1400" kern="0" dirty="0">
-                <a:ea typeface="Arial Unicode MS" pitchFamily="34" charset="-128"/>
-                <a:cs typeface="Arial Unicode MS" pitchFamily="34" charset="-128"/>
-              </a:rPr>
-              <a:t>Registry URL</a:t>
-            </a:r>
-            <a:endParaRPr kumimoji="0" lang="en-US" sz="1400" b="0" i="0" u="none" strike="noStrike" kern="0" cap="none" spc="0" normalizeH="0" baseline="0" dirty="0">
-              <a:ln>
-                <a:noFill/>
-              </a:ln>
-              <a:effectLst/>
-              <a:uLnTx/>
-              <a:uFillTx/>
-              <a:ea typeface="Arial Unicode MS" pitchFamily="34" charset="-128"/>
-              <a:cs typeface="Arial Unicode MS" pitchFamily="34" charset="-128"/>
-            </a:endParaRPr>
-          </a:p>
-        </p:txBody>
-      </p:sp>
-      <p:cxnSp>
-        <p:nvCxnSpPr>
-          <p:cNvPr id="7" name="Straight Arrow Connector 6">
-            <a:extLst>
-              <a:ext uri="{FF2B5EF4-FFF2-40B4-BE49-F238E27FC236}">
-                <a16:creationId xmlns:a16="http://schemas.microsoft.com/office/drawing/2014/main" id="{8C8EEE4C-AA55-4A12-B5A1-4CDE1FBB2453}"/>
-              </a:ext>
-            </a:extLst>
-          </p:cNvPr>
-          <p:cNvCxnSpPr>
-            <a:cxnSpLocks/>
-            <a:endCxn id="8" idx="0"/>
-          </p:cNvCxnSpPr>
-          <p:nvPr/>
-        </p:nvCxnSpPr>
-        <p:spPr>
-          <a:xfrm>
-            <a:off x="4726851" y="2559696"/>
-            <a:ext cx="0" cy="785127"/>
-          </a:xfrm>
-          <a:prstGeom prst="straightConnector1">
-            <a:avLst/>
-          </a:prstGeom>
-          <a:ln w="19050">
-            <a:solidFill>
-              <a:srgbClr val="FF0000"/>
-            </a:solidFill>
-            <a:headEnd type="none" w="med" len="med"/>
-            <a:tailEnd type="triangle" w="lg" len="lg"/>
-          </a:ln>
-        </p:spPr>
-        <p:style>
-          <a:lnRef idx="1">
-            <a:schemeClr val="accent1"/>
-          </a:lnRef>
-          <a:fillRef idx="0">
-            <a:schemeClr val="accent1"/>
-          </a:fillRef>
-          <a:effectRef idx="0">
-            <a:schemeClr val="accent1"/>
-          </a:effectRef>
-          <a:fontRef idx="minor">
-            <a:schemeClr val="tx1"/>
-          </a:fontRef>
-        </p:style>
-      </p:cxnSp>
-      <p:sp>
-        <p:nvSpPr>
-          <p:cNvPr id="8" name="Rectangle 7">
-            <a:extLst>
-              <a:ext uri="{FF2B5EF4-FFF2-40B4-BE49-F238E27FC236}">
-                <a16:creationId xmlns:a16="http://schemas.microsoft.com/office/drawing/2014/main" id="{50B9421B-07C4-46F0-A064-FEDE9DC42898}"/>
-              </a:ext>
-            </a:extLst>
-          </p:cNvPr>
-          <p:cNvSpPr/>
-          <p:nvPr/>
-        </p:nvSpPr>
-        <p:spPr bwMode="gray">
-          <a:xfrm>
-            <a:off x="3931513" y="3344823"/>
-            <a:ext cx="1590675" cy="457200"/>
-          </a:xfrm>
-          <a:prstGeom prst="rect">
-            <a:avLst/>
-          </a:prstGeom>
-          <a:solidFill>
-            <a:schemeClr val="accent1"/>
-          </a:solidFill>
-          <a:ln w="6350" algn="ctr">
-            <a:solidFill>
-              <a:schemeClr val="tx1"/>
-            </a:solidFill>
-            <a:miter lim="800000"/>
-            <a:headEnd/>
-            <a:tailEnd/>
-          </a:ln>
-        </p:spPr>
-        <p:txBody>
-          <a:bodyPr lIns="90000" tIns="72000" rIns="90000" bIns="72000" rtlCol="0" anchor="ctr"/>
-          <a:lstStyle/>
-          <a:p>
-            <a:pPr marR="0" algn="ctr" defTabSz="914400" eaLnBrk="1" fontAlgn="base" latinLnBrk="0" hangingPunct="1">
-              <a:lnSpc>
-                <a:spcPct val="100000"/>
-              </a:lnSpc>
-              <a:spcBef>
-                <a:spcPct val="50000"/>
-              </a:spcBef>
-              <a:spcAft>
-                <a:spcPct val="0"/>
-              </a:spcAft>
-              <a:buClr>
-                <a:srgbClr val="F0AB00"/>
-              </a:buClr>
-              <a:buSzPct val="80000"/>
-              <a:tabLst/>
-            </a:pPr>
-            <a:r>
-              <a:rPr kumimoji="0" lang="en-US" sz="1400" b="0" i="0" u="none" strike="noStrike" kern="0" cap="none" spc="0" normalizeH="0" baseline="0" dirty="0">
-                <a:ln>
-                  <a:noFill/>
-                </a:ln>
-                <a:effectLst/>
-                <a:uLnTx/>
-                <a:uFillTx/>
-                <a:ea typeface="Arial Unicode MS" pitchFamily="34" charset="-128"/>
-                <a:cs typeface="Arial Unicode MS" pitchFamily="34" charset="-128"/>
-              </a:rPr>
-              <a:t>repository</a:t>
-            </a:r>
-          </a:p>
-        </p:txBody>
-      </p:sp>
-      <p:cxnSp>
-        <p:nvCxnSpPr>
-          <p:cNvPr id="9" name="Straight Arrow Connector 8">
-            <a:extLst>
-              <a:ext uri="{FF2B5EF4-FFF2-40B4-BE49-F238E27FC236}">
-                <a16:creationId xmlns:a16="http://schemas.microsoft.com/office/drawing/2014/main" id="{A768E305-F2D2-4F82-907E-7F1D16344FA7}"/>
-              </a:ext>
-            </a:extLst>
-          </p:cNvPr>
-          <p:cNvCxnSpPr>
-            <a:cxnSpLocks/>
-            <a:endCxn id="10" idx="0"/>
-          </p:cNvCxnSpPr>
-          <p:nvPr/>
-        </p:nvCxnSpPr>
-        <p:spPr>
-          <a:xfrm>
-            <a:off x="8502451" y="2680755"/>
-            <a:ext cx="0" cy="689304"/>
-          </a:xfrm>
-          <a:prstGeom prst="straightConnector1">
-            <a:avLst/>
-          </a:prstGeom>
-          <a:ln w="19050">
-            <a:solidFill>
-              <a:srgbClr val="FF0000"/>
-            </a:solidFill>
-            <a:headEnd type="none" w="med" len="med"/>
-            <a:tailEnd type="triangle" w="lg" len="lg"/>
-          </a:ln>
-        </p:spPr>
-        <p:style>
-          <a:lnRef idx="1">
-            <a:schemeClr val="accent1"/>
-          </a:lnRef>
-          <a:fillRef idx="0">
-            <a:schemeClr val="accent1"/>
-          </a:fillRef>
-          <a:effectRef idx="0">
-            <a:schemeClr val="accent1"/>
-          </a:effectRef>
-          <a:fontRef idx="minor">
-            <a:schemeClr val="tx1"/>
-          </a:fontRef>
-        </p:style>
-      </p:cxnSp>
-      <p:sp>
-        <p:nvSpPr>
-          <p:cNvPr id="10" name="Rectangle 9">
-            <a:extLst>
-              <a:ext uri="{FF2B5EF4-FFF2-40B4-BE49-F238E27FC236}">
-                <a16:creationId xmlns:a16="http://schemas.microsoft.com/office/drawing/2014/main" id="{4EC326E3-CD25-4113-A42A-1D155E57B0E9}"/>
-              </a:ext>
-            </a:extLst>
-          </p:cNvPr>
-          <p:cNvSpPr/>
-          <p:nvPr/>
-        </p:nvSpPr>
-        <p:spPr bwMode="gray">
-          <a:xfrm>
-            <a:off x="7707113" y="3370059"/>
-            <a:ext cx="1590675" cy="457200"/>
-          </a:xfrm>
-          <a:prstGeom prst="rect">
-            <a:avLst/>
-          </a:prstGeom>
-          <a:solidFill>
-            <a:schemeClr val="accent1"/>
-          </a:solidFill>
-          <a:ln w="6350" algn="ctr">
-            <a:solidFill>
-              <a:schemeClr val="tx1"/>
-            </a:solidFill>
-            <a:miter lim="800000"/>
-            <a:headEnd/>
-            <a:tailEnd/>
-          </a:ln>
-        </p:spPr>
-        <p:txBody>
-          <a:bodyPr lIns="90000" tIns="72000" rIns="90000" bIns="72000" rtlCol="0" anchor="ctr"/>
-          <a:lstStyle/>
-          <a:p>
-            <a:pPr marR="0" algn="ctr" defTabSz="914400" eaLnBrk="1" fontAlgn="base" latinLnBrk="0" hangingPunct="1">
-              <a:lnSpc>
-                <a:spcPct val="100000"/>
-              </a:lnSpc>
-              <a:spcBef>
-                <a:spcPct val="50000"/>
-              </a:spcBef>
-              <a:spcAft>
-                <a:spcPct val="0"/>
-              </a:spcAft>
-              <a:buClr>
-                <a:srgbClr val="F0AB00"/>
-              </a:buClr>
-              <a:buSzPct val="80000"/>
-              <a:tabLst/>
-            </a:pPr>
-            <a:r>
-              <a:rPr lang="en-US" sz="1400" kern="0" dirty="0">
-                <a:ea typeface="Arial Unicode MS" pitchFamily="34" charset="-128"/>
-                <a:cs typeface="Arial Unicode MS" pitchFamily="34" charset="-128"/>
-              </a:rPr>
-              <a:t>Version tag</a:t>
-            </a:r>
-            <a:endParaRPr kumimoji="0" lang="en-US" sz="1400" b="0" i="0" u="none" strike="noStrike" kern="0" cap="none" spc="0" normalizeH="0" baseline="0" dirty="0">
-              <a:ln>
-                <a:noFill/>
-              </a:ln>
-              <a:effectLst/>
-              <a:uLnTx/>
-              <a:uFillTx/>
-              <a:ea typeface="Arial Unicode MS" pitchFamily="34" charset="-128"/>
-              <a:cs typeface="Arial Unicode MS" pitchFamily="34" charset="-128"/>
-            </a:endParaRPr>
-          </a:p>
-        </p:txBody>
-      </p:sp>
-      <p:cxnSp>
-        <p:nvCxnSpPr>
-          <p:cNvPr id="12" name="Straight Arrow Connector 11">
-            <a:extLst>
-              <a:ext uri="{FF2B5EF4-FFF2-40B4-BE49-F238E27FC236}">
-                <a16:creationId xmlns:a16="http://schemas.microsoft.com/office/drawing/2014/main" id="{B9E23989-8ADD-417E-A235-1726D1D37DD3}"/>
-              </a:ext>
-            </a:extLst>
-          </p:cNvPr>
-          <p:cNvCxnSpPr>
-            <a:endCxn id="13" idx="0"/>
-          </p:cNvCxnSpPr>
-          <p:nvPr/>
-        </p:nvCxnSpPr>
-        <p:spPr>
-          <a:xfrm flipH="1">
-            <a:off x="9667737" y="2604290"/>
-            <a:ext cx="15658" cy="1512575"/>
-          </a:xfrm>
-          <a:prstGeom prst="straightConnector1">
-            <a:avLst/>
-          </a:prstGeom>
-          <a:ln w="19050">
-            <a:solidFill>
-              <a:srgbClr val="FF0000"/>
-            </a:solidFill>
-            <a:headEnd type="none" w="med" len="med"/>
-            <a:tailEnd type="triangle" w="lg" len="lg"/>
-          </a:ln>
-        </p:spPr>
-        <p:style>
-          <a:lnRef idx="1">
-            <a:schemeClr val="accent1"/>
-          </a:lnRef>
-          <a:fillRef idx="0">
-            <a:schemeClr val="accent1"/>
-          </a:fillRef>
-          <a:effectRef idx="0">
-            <a:schemeClr val="accent1"/>
-          </a:effectRef>
-          <a:fontRef idx="minor">
-            <a:schemeClr val="tx1"/>
-          </a:fontRef>
-        </p:style>
-      </p:cxnSp>
-      <p:sp>
-        <p:nvSpPr>
-          <p:cNvPr id="13" name="Rectangle 12">
-            <a:extLst>
-              <a:ext uri="{FF2B5EF4-FFF2-40B4-BE49-F238E27FC236}">
-                <a16:creationId xmlns:a16="http://schemas.microsoft.com/office/drawing/2014/main" id="{6ED85F87-FB16-4A37-A012-3D63E385FF30}"/>
-              </a:ext>
-            </a:extLst>
-          </p:cNvPr>
-          <p:cNvSpPr/>
-          <p:nvPr/>
-        </p:nvSpPr>
-        <p:spPr bwMode="gray">
-          <a:xfrm>
-            <a:off x="8872399" y="4116865"/>
-            <a:ext cx="1590675" cy="457200"/>
-          </a:xfrm>
-          <a:prstGeom prst="rect">
-            <a:avLst/>
-          </a:prstGeom>
-          <a:solidFill>
-            <a:schemeClr val="accent1"/>
-          </a:solidFill>
-          <a:ln w="6350" algn="ctr">
-            <a:solidFill>
-              <a:schemeClr val="tx1"/>
-            </a:solidFill>
-            <a:miter lim="800000"/>
-            <a:headEnd/>
-            <a:tailEnd/>
-          </a:ln>
-        </p:spPr>
-        <p:txBody>
-          <a:bodyPr lIns="90000" tIns="72000" rIns="90000" bIns="72000" rtlCol="0" anchor="ctr"/>
-          <a:lstStyle/>
-          <a:p>
-            <a:pPr marR="0" algn="ctr" defTabSz="914400" eaLnBrk="1" fontAlgn="base" latinLnBrk="0" hangingPunct="1">
-              <a:lnSpc>
-                <a:spcPct val="100000"/>
-              </a:lnSpc>
-              <a:spcBef>
-                <a:spcPct val="50000"/>
-              </a:spcBef>
-              <a:spcAft>
-                <a:spcPct val="0"/>
-              </a:spcAft>
-              <a:buClr>
-                <a:srgbClr val="F0AB00"/>
-              </a:buClr>
-              <a:buSzPct val="80000"/>
-              <a:tabLst/>
-            </a:pPr>
-            <a:r>
-              <a:rPr lang="en-US" sz="1400" kern="0" dirty="0">
-                <a:ea typeface="Arial Unicode MS" pitchFamily="34" charset="-128"/>
-                <a:cs typeface="Arial Unicode MS" pitchFamily="34" charset="-128"/>
-              </a:rPr>
-              <a:t>image hash</a:t>
-            </a:r>
-            <a:endParaRPr kumimoji="0" lang="en-US" sz="1400" b="0" i="0" u="none" strike="noStrike" kern="0" cap="none" spc="0" normalizeH="0" baseline="0" dirty="0">
-              <a:ln>
-                <a:noFill/>
-              </a:ln>
-              <a:effectLst/>
-              <a:uLnTx/>
-              <a:uFillTx/>
-              <a:ea typeface="Arial Unicode MS" pitchFamily="34" charset="-128"/>
-              <a:cs typeface="Arial Unicode MS" pitchFamily="34" charset="-128"/>
-            </a:endParaRPr>
-          </a:p>
-        </p:txBody>
-      </p:sp>
-      <p:sp>
-        <p:nvSpPr>
-          <p:cNvPr id="14" name="Rectangle: Rounded Corners 13">
-            <a:extLst>
-              <a:ext uri="{FF2B5EF4-FFF2-40B4-BE49-F238E27FC236}">
-                <a16:creationId xmlns:a16="http://schemas.microsoft.com/office/drawing/2014/main" id="{7D4A3C35-550C-449A-BCFD-EF0D36982CB4}"/>
-              </a:ext>
-            </a:extLst>
-          </p:cNvPr>
-          <p:cNvSpPr/>
-          <p:nvPr/>
-        </p:nvSpPr>
-        <p:spPr bwMode="gray">
-          <a:xfrm>
-            <a:off x="1577888" y="4951717"/>
-            <a:ext cx="9077099" cy="864295"/>
-          </a:xfrm>
-          <a:prstGeom prst="roundRect">
-            <a:avLst>
-              <a:gd name="adj" fmla="val 8296"/>
-            </a:avLst>
-          </a:prstGeom>
-          <a:pattFill prst="narHorz">
-            <a:fgClr>
-              <a:schemeClr val="tx1"/>
-            </a:fgClr>
-            <a:bgClr>
-              <a:srgbClr val="112806"/>
-            </a:bgClr>
-          </a:pattFill>
-          <a:ln w="6350" algn="ctr">
-            <a:noFill/>
-            <a:miter lim="800000"/>
-            <a:headEnd/>
-            <a:tailEnd/>
-          </a:ln>
-        </p:spPr>
-        <p:txBody>
-          <a:bodyPr lIns="90000" tIns="72000" rIns="90000" bIns="72000" rtlCol="0" anchor="t"/>
-          <a:lstStyle/>
-          <a:p>
-            <a:pPr defTabSz="914400" fontAlgn="base">
-              <a:spcAft>
-                <a:spcPct val="0"/>
-              </a:spcAft>
-              <a:buClr>
-                <a:srgbClr val="F0AB00"/>
-              </a:buClr>
-              <a:buSzPct val="80000"/>
-            </a:pPr>
-            <a:r>
-              <a:rPr lang="en-US" sz="1400" b="1" kern="0" dirty="0">
-                <a:solidFill>
-                  <a:schemeClr val="bg1"/>
-                </a:solidFill>
-                <a:latin typeface="Courier New" panose="02070309020205020404" pitchFamily="49" charset="0"/>
-                <a:ea typeface="Arial Unicode MS" pitchFamily="34" charset="-128"/>
-                <a:cs typeface="Courier New" panose="02070309020205020404" pitchFamily="49" charset="0"/>
-              </a:rPr>
-              <a:t>$  docker tag 6ad733544a63 my-registry.ondemand.com/busybox:0.1</a:t>
-            </a:r>
-          </a:p>
-          <a:p>
-            <a:pPr defTabSz="914400" fontAlgn="base">
-              <a:spcAft>
-                <a:spcPct val="0"/>
-              </a:spcAft>
-              <a:buClr>
-                <a:srgbClr val="F0AB00"/>
-              </a:buClr>
-              <a:buSzPct val="80000"/>
-            </a:pPr>
-            <a:r>
-              <a:rPr lang="en-US" sz="1400" b="1" kern="0" dirty="0">
-                <a:solidFill>
-                  <a:schemeClr val="bg1"/>
-                </a:solidFill>
-                <a:latin typeface="Courier New" panose="02070309020205020404" pitchFamily="49" charset="0"/>
-                <a:ea typeface="Arial Unicode MS" pitchFamily="34" charset="-128"/>
-                <a:cs typeface="Courier New" panose="02070309020205020404" pitchFamily="49" charset="0"/>
-              </a:rPr>
-              <a:t>   </a:t>
-            </a:r>
-          </a:p>
-          <a:p>
-            <a:pPr defTabSz="914400" fontAlgn="base">
-              <a:spcAft>
-                <a:spcPct val="0"/>
-              </a:spcAft>
-              <a:buClr>
-                <a:srgbClr val="F0AB00"/>
-              </a:buClr>
-              <a:buSzPct val="80000"/>
-            </a:pPr>
-            <a:r>
-              <a:rPr lang="en-US" sz="1400" b="1" kern="0" dirty="0">
-                <a:solidFill>
-                  <a:schemeClr val="bg1"/>
-                </a:solidFill>
-                <a:latin typeface="Courier New" panose="02070309020205020404" pitchFamily="49" charset="0"/>
-                <a:ea typeface="Arial Unicode MS" pitchFamily="34" charset="-128"/>
-                <a:cs typeface="Courier New" panose="02070309020205020404" pitchFamily="49" charset="0"/>
-              </a:rPr>
-              <a:t>   docker push my-registry.com/busybox:0.1 </a:t>
-            </a:r>
-          </a:p>
-        </p:txBody>
-      </p:sp>
-      <p:cxnSp>
-        <p:nvCxnSpPr>
-          <p:cNvPr id="19" name="Connector: Elbow 18">
-            <a:extLst>
-              <a:ext uri="{FF2B5EF4-FFF2-40B4-BE49-F238E27FC236}">
-                <a16:creationId xmlns:a16="http://schemas.microsoft.com/office/drawing/2014/main" id="{BB441E8B-238D-4D38-A3D6-CC9B8E6912F9}"/>
-              </a:ext>
-            </a:extLst>
-          </p:cNvPr>
-          <p:cNvCxnSpPr>
-            <a:cxnSpLocks/>
-            <a:stCxn id="6" idx="3"/>
-            <a:endCxn id="14" idx="0"/>
-          </p:cNvCxnSpPr>
-          <p:nvPr/>
-        </p:nvCxnSpPr>
-        <p:spPr>
-          <a:xfrm>
-            <a:off x="3599931" y="4392624"/>
-            <a:ext cx="2516507" cy="559093"/>
-          </a:xfrm>
-          <a:prstGeom prst="bentConnector2">
-            <a:avLst/>
-          </a:prstGeom>
-          <a:ln w="19050">
-            <a:solidFill>
-              <a:srgbClr val="FF0000"/>
-            </a:solidFill>
-            <a:headEnd type="none" w="med" len="med"/>
-            <a:tailEnd type="triangle" w="lg" len="lg"/>
-          </a:ln>
-        </p:spPr>
-        <p:style>
-          <a:lnRef idx="1">
-            <a:schemeClr val="accent1"/>
-          </a:lnRef>
-          <a:fillRef idx="0">
-            <a:schemeClr val="accent1"/>
-          </a:fillRef>
-          <a:effectRef idx="0">
-            <a:schemeClr val="accent1"/>
-          </a:effectRef>
-          <a:fontRef idx="minor">
-            <a:schemeClr val="tx1"/>
-          </a:fontRef>
-        </p:style>
-      </p:cxnSp>
-      <p:cxnSp>
-        <p:nvCxnSpPr>
-          <p:cNvPr id="21" name="Connector: Elbow 20">
-            <a:extLst>
-              <a:ext uri="{FF2B5EF4-FFF2-40B4-BE49-F238E27FC236}">
-                <a16:creationId xmlns:a16="http://schemas.microsoft.com/office/drawing/2014/main" id="{E2D0B026-20B9-4D2E-84A0-E36E66E0579F}"/>
-              </a:ext>
-            </a:extLst>
-          </p:cNvPr>
-          <p:cNvCxnSpPr>
-            <a:cxnSpLocks/>
-            <a:stCxn id="8" idx="3"/>
-          </p:cNvCxnSpPr>
-          <p:nvPr/>
-        </p:nvCxnSpPr>
-        <p:spPr>
-          <a:xfrm>
-            <a:off x="5522188" y="3573423"/>
-            <a:ext cx="2067547" cy="1378294"/>
-          </a:xfrm>
-          <a:prstGeom prst="bentConnector3">
-            <a:avLst>
-              <a:gd name="adj1" fmla="val 100397"/>
-            </a:avLst>
-          </a:prstGeom>
-          <a:ln w="19050">
-            <a:solidFill>
-              <a:srgbClr val="FF0000"/>
-            </a:solidFill>
-            <a:headEnd type="none" w="med" len="med"/>
-            <a:tailEnd type="triangle" w="lg" len="lg"/>
-          </a:ln>
-        </p:spPr>
-        <p:style>
-          <a:lnRef idx="1">
-            <a:schemeClr val="accent1"/>
-          </a:lnRef>
-          <a:fillRef idx="0">
-            <a:schemeClr val="accent1"/>
-          </a:fillRef>
-          <a:effectRef idx="0">
-            <a:schemeClr val="accent1"/>
-          </a:effectRef>
-          <a:fontRef idx="minor">
-            <a:schemeClr val="tx1"/>
-          </a:fontRef>
-        </p:style>
-      </p:cxnSp>
-      <p:cxnSp>
-        <p:nvCxnSpPr>
-          <p:cNvPr id="24" name="Connector: Elbow 23">
-            <a:extLst>
-              <a:ext uri="{FF2B5EF4-FFF2-40B4-BE49-F238E27FC236}">
-                <a16:creationId xmlns:a16="http://schemas.microsoft.com/office/drawing/2014/main" id="{A491D17F-8AF5-4062-BD9A-5F48D24231CB}"/>
-              </a:ext>
-            </a:extLst>
-          </p:cNvPr>
-          <p:cNvCxnSpPr>
-            <a:cxnSpLocks/>
-            <a:stCxn id="10" idx="2"/>
-          </p:cNvCxnSpPr>
-          <p:nvPr/>
-        </p:nvCxnSpPr>
-        <p:spPr>
-          <a:xfrm rot="5400000">
-            <a:off x="7887899" y="4133801"/>
-            <a:ext cx="921094" cy="308011"/>
-          </a:xfrm>
-          <a:prstGeom prst="bentConnector3">
-            <a:avLst>
-              <a:gd name="adj1" fmla="val 50000"/>
-            </a:avLst>
-          </a:prstGeom>
-          <a:ln w="19050">
-            <a:solidFill>
-              <a:srgbClr val="FF0000"/>
-            </a:solidFill>
-            <a:headEnd type="none" w="med" len="med"/>
-            <a:tailEnd type="triangle" w="lg" len="lg"/>
-          </a:ln>
-        </p:spPr>
-        <p:style>
-          <a:lnRef idx="1">
-            <a:schemeClr val="accent1"/>
-          </a:lnRef>
-          <a:fillRef idx="0">
-            <a:schemeClr val="accent1"/>
-          </a:fillRef>
-          <a:effectRef idx="0">
-            <a:schemeClr val="accent1"/>
-          </a:effectRef>
-          <a:fontRef idx="minor">
-            <a:schemeClr val="tx1"/>
-          </a:fontRef>
-        </p:style>
-      </p:cxnSp>
-    </p:spTree>
-    <p:extLst>
-      <p:ext uri="{BB962C8B-B14F-4D97-AF65-F5344CB8AC3E}">
-        <p14:creationId xmlns:p14="http://schemas.microsoft.com/office/powerpoint/2010/main" val="3770947068"/>
       </p:ext>
     </p:extLst>
   </p:cSld>

--- a/docker/03_Images.pptx
+++ b/docker/03_Images.pptx
@@ -5,10 +5,10 @@
     <p:sldMasterId id="2147483733" r:id="rId1"/>
   </p:sldMasterIdLst>
   <p:notesMasterIdLst>
-    <p:notesMasterId r:id="rId17"/>
+    <p:notesMasterId r:id="rId15"/>
   </p:notesMasterIdLst>
   <p:handoutMasterIdLst>
-    <p:handoutMasterId r:id="rId18"/>
+    <p:handoutMasterId r:id="rId16"/>
   </p:handoutMasterIdLst>
   <p:sldIdLst>
     <p:sldId id="434" r:id="rId2"/>
@@ -17,15 +17,13 @@
     <p:sldId id="440" r:id="rId5"/>
     <p:sldId id="441" r:id="rId6"/>
     <p:sldId id="470" r:id="rId7"/>
-    <p:sldId id="469" r:id="rId8"/>
-    <p:sldId id="467" r:id="rId9"/>
-    <p:sldId id="442" r:id="rId10"/>
+    <p:sldId id="467" r:id="rId8"/>
+    <p:sldId id="442" r:id="rId9"/>
+    <p:sldId id="452" r:id="rId10"/>
     <p:sldId id="447" r:id="rId11"/>
-    <p:sldId id="446" r:id="rId12"/>
-    <p:sldId id="468" r:id="rId13"/>
-    <p:sldId id="466" r:id="rId14"/>
-    <p:sldId id="464" r:id="rId15"/>
-    <p:sldId id="265" r:id="rId16"/>
+    <p:sldId id="468" r:id="rId12"/>
+    <p:sldId id="466" r:id="rId13"/>
+    <p:sldId id="265" r:id="rId14"/>
   </p:sldIdLst>
   <p:sldSz cx="12195175" cy="6858000"/>
   <p:notesSz cx="6858000" cy="9144000"/>
@@ -2988,9 +2986,153 @@
         </p:nvSpPr>
         <p:spPr/>
         <p:txBody>
-          <a:bodyPr/>
+          <a:bodyPr>
+            <a:normAutofit fontScale="85000" lnSpcReduction="10000"/>
+          </a:bodyPr>
           <a:lstStyle/>
           <a:p>
+            <a:r>
+              <a:rPr lang="en-US" dirty="0"/>
+              <a:t>Let’s talk about image names and tags. Docker has a system of creating URIs for any image, where the URI includes the registry as well as the image name &amp; tag.</a:t>
+            </a:r>
+          </a:p>
+          <a:p>
+            <a:endParaRPr lang="en-US" dirty="0"/>
+          </a:p>
+          <a:p>
+            <a:pPr marL="285750" indent="-285750">
+              <a:buFontTx/>
+              <a:buChar char="-"/>
+            </a:pPr>
+            <a:r>
+              <a:rPr lang="en-US" dirty="0"/>
+              <a:t>Registry URL: the registry this image has been downloaded from or where it should be uploaded to. Docker is also configured with a default registry (run “docker info” to get the info). For most installations this will be hub.docker.com (translates to https://index.docker.io/v1/). So or any image related to the docker hub, the registry URL string is omitted. </a:t>
+            </a:r>
+          </a:p>
+          <a:p>
+            <a:pPr marL="285750" indent="-285750">
+              <a:buFontTx/>
+              <a:buChar char="-"/>
+            </a:pPr>
+            <a:r>
+              <a:rPr lang="en-US" dirty="0"/>
+              <a:t>Repository: you could also call it the image’s name. Can contain subfolders. When you download images from docker hub you will only see the repo name here, no registry URL.</a:t>
+            </a:r>
+          </a:p>
+          <a:p>
+            <a:pPr marL="285750" indent="-285750">
+              <a:buFontTx/>
+              <a:buChar char="-"/>
+            </a:pPr>
+            <a:r>
+              <a:rPr lang="en-US" dirty="0"/>
+              <a:t>Tag: alpha-numeric string, free text. Anybody with write permissions on the repo can re-upload a different image with the same tag. Last write wins ;) however usually version tags are quite stable. There is one special tag, called “latest”.  It is just a placeholder for “no tag”. So “my-registry.com/</a:t>
+            </a:r>
+            <a:r>
+              <a:rPr lang="en-US" dirty="0" err="1"/>
+              <a:t>busybox</a:t>
+            </a:r>
+            <a:r>
+              <a:rPr lang="en-US" dirty="0"/>
+              <a:t>” and “my-registry.com/</a:t>
+            </a:r>
+            <a:r>
+              <a:rPr lang="en-US" dirty="0" err="1"/>
+              <a:t>busybox:latest</a:t>
+            </a:r>
+            <a:r>
+              <a:rPr lang="en-US" dirty="0"/>
+              <a:t>” are the same thing.</a:t>
+            </a:r>
+          </a:p>
+          <a:p>
+            <a:pPr marL="285750" indent="-285750">
+              <a:buFontTx/>
+              <a:buChar char="-"/>
+            </a:pPr>
+            <a:r>
+              <a:rPr lang="en-US" dirty="0"/>
+              <a:t>It is best practice to always use an explicit tag and not to override existing tags.</a:t>
+            </a:r>
+          </a:p>
+          <a:p>
+            <a:pPr marL="285750" indent="-285750">
+              <a:buFontTx/>
+              <a:buChar char="-"/>
+            </a:pPr>
+            <a:endParaRPr lang="en-US" dirty="0"/>
+          </a:p>
+          <a:p>
+            <a:pPr marL="0" indent="0">
+              <a:buFontTx/>
+              <a:buNone/>
+            </a:pPr>
+            <a:r>
+              <a:rPr lang="en-US" dirty="0"/>
+              <a:t>How to use tagging? Docker knows a “tag” command, so let’s have look:</a:t>
+            </a:r>
+          </a:p>
+          <a:p>
+            <a:pPr marL="285750" indent="-285750">
+              <a:buFontTx/>
+              <a:buChar char="-"/>
+            </a:pPr>
+            <a:r>
+              <a:rPr lang="en-US" dirty="0"/>
+              <a:t>Tagging works like creating a </a:t>
+            </a:r>
+            <a:r>
+              <a:rPr lang="en-US" dirty="0" err="1"/>
+              <a:t>sym</a:t>
+            </a:r>
+            <a:r>
+              <a:rPr lang="en-US" dirty="0"/>
+              <a:t>-link on Linux. You can have as many different references to an images as you want.</a:t>
+            </a:r>
+          </a:p>
+          <a:p>
+            <a:pPr marL="285750" indent="-285750">
+              <a:buFontTx/>
+              <a:buChar char="-"/>
+            </a:pPr>
+            <a:r>
+              <a:rPr lang="en-US" dirty="0"/>
+              <a:t>To tag an image, you can reference it either by its ID or its </a:t>
+            </a:r>
+            <a:r>
+              <a:rPr lang="en-US" dirty="0" err="1"/>
+              <a:t>repository:tag</a:t>
+            </a:r>
+            <a:r>
+              <a:rPr lang="en-US" dirty="0"/>
+              <a:t> link.</a:t>
+            </a:r>
+          </a:p>
+          <a:p>
+            <a:pPr marL="285750" indent="-285750">
+              <a:buFontTx/>
+              <a:buChar char="-"/>
+            </a:pPr>
+            <a:r>
+              <a:rPr lang="en-US" dirty="0"/>
+              <a:t>Docker tag: assign the full string of registry URL + repo + version tag to an image</a:t>
+            </a:r>
+          </a:p>
+          <a:p>
+            <a:pPr marL="285750" indent="-285750">
+              <a:buFontTx/>
+              <a:buChar char="-"/>
+            </a:pPr>
+            <a:r>
+              <a:rPr lang="en-US" dirty="0"/>
+              <a:t>Docker push: send the image to the remote location, that is encoded in the image name</a:t>
+            </a:r>
+          </a:p>
+          <a:p>
+            <a:pPr marL="0" indent="0">
+              <a:buFontTx/>
+              <a:buNone/>
+            </a:pPr>
             <a:endParaRPr lang="en-US" dirty="0"/>
           </a:p>
         </p:txBody>
@@ -3022,7 +3164,7 @@
     </p:spTree>
     <p:extLst>
       <p:ext uri="{BB962C8B-B14F-4D97-AF65-F5344CB8AC3E}">
-        <p14:creationId xmlns:p14="http://schemas.microsoft.com/office/powerpoint/2010/main" val="1555985175"/>
+        <p14:creationId xmlns:p14="http://schemas.microsoft.com/office/powerpoint/2010/main" val="1328423813"/>
       </p:ext>
     </p:extLst>
   </p:cSld>
@@ -3074,17 +3216,42 @@
         <p:spPr/>
         <p:txBody>
           <a:bodyPr>
-            <a:normAutofit fontScale="85000" lnSpcReduction="10000"/>
+            <a:normAutofit lnSpcReduction="10000"/>
           </a:bodyPr>
           <a:lstStyle/>
           <a:p>
-            <a:r>
-              <a:rPr lang="en-US" dirty="0"/>
-              <a:t>Let’s talk about image names and tags. Docker has a system of creating URIs for any image, where the URI includes the registry as well as the image name &amp; tag.</a:t>
-            </a:r>
-          </a:p>
-          <a:p>
-            <a:endParaRPr lang="en-US" dirty="0"/>
+            <a:pPr marL="0" indent="0">
+              <a:buFontTx/>
+              <a:buNone/>
+            </a:pPr>
+            <a:r>
+              <a:rPr lang="en-US" b="0" dirty="0"/>
+              <a:t>Prerequisites: you have trusted the certificate of the registry for this training (the one deployed into the cluster)</a:t>
+            </a:r>
+          </a:p>
+          <a:p>
+            <a:pPr marL="0" indent="0">
+              <a:buFontTx/>
+              <a:buNone/>
+            </a:pPr>
+            <a:endParaRPr lang="en-US" b="0" dirty="0"/>
+          </a:p>
+          <a:p>
+            <a:pPr marL="0" indent="0">
+              <a:buFontTx/>
+              <a:buNone/>
+            </a:pPr>
+            <a:r>
+              <a:rPr lang="en-US" b="0" dirty="0"/>
+              <a:t>Explain how to work with (remote) registries:</a:t>
+            </a:r>
+          </a:p>
+          <a:p>
+            <a:pPr marL="0" indent="0">
+              <a:buFontTx/>
+              <a:buNone/>
+            </a:pPr>
+            <a:endParaRPr lang="en-US" b="0" dirty="0"/>
           </a:p>
           <a:p>
             <a:pPr marL="285750" indent="-285750">
@@ -3092,8 +3259,8 @@
               <a:buChar char="-"/>
             </a:pPr>
             <a:r>
-              <a:rPr lang="en-US" dirty="0"/>
-              <a:t>Registry URL: the registry this image has been downloaded from or where it should be uploaded to. Docker is also configured with a default registry (run “docker info” to get the info). For most installations this will be hub.docker.com (translates to https://index.docker.io/v1/). So or any image related to the docker hub, the registry URL string is omitted. </a:t>
+              <a:rPr lang="en-US" b="0" dirty="0"/>
+              <a:t>Docker image list</a:t>
             </a:r>
           </a:p>
           <a:p>
@@ -3102,8 +3269,16 @@
               <a:buChar char="-"/>
             </a:pPr>
             <a:r>
-              <a:rPr lang="en-US" dirty="0"/>
-              <a:t>Repository: you could also call it the image’s name. Can contain subfolders. When you download images from docker hub you will only see the repo name here, no registry URL.</a:t>
+              <a:rPr lang="en-US" b="0" dirty="0"/>
+              <a:t>Next, tag one of the existing images with a different repo/tag combination like “docker tag </a:t>
+            </a:r>
+            <a:r>
+              <a:rPr lang="en-US" b="0" dirty="0" err="1"/>
+              <a:t>nginx:mainline</a:t>
+            </a:r>
+            <a:r>
+              <a:rPr lang="en-US" b="0" dirty="0"/>
+              <a:t> my-nginx:v0.1”</a:t>
             </a:r>
           </a:p>
           <a:p>
@@ -3112,24 +3287,16 @@
               <a:buChar char="-"/>
             </a:pPr>
             <a:r>
-              <a:rPr lang="en-US" dirty="0"/>
-              <a:t>Tag: alpha-numeric string, free text. Anybody with write permissions on the repo can re-upload a different image with the same tag. Last write wins ;) however usually version tags are quite stable. There is one special tag, called “latest”.  It is just a placeholder for “no tag”. So “my-registry.com/</a:t>
-            </a:r>
-            <a:r>
-              <a:rPr lang="en-US" dirty="0" err="1"/>
-              <a:t>busybox</a:t>
-            </a:r>
-            <a:r>
-              <a:rPr lang="en-US" dirty="0"/>
-              <a:t>” and “my-registry.com/</a:t>
-            </a:r>
-            <a:r>
-              <a:rPr lang="en-US" dirty="0" err="1"/>
-              <a:t>busybox:latest</a:t>
-            </a:r>
-            <a:r>
-              <a:rPr lang="en-US" dirty="0"/>
-              <a:t>” are the same thing.</a:t>
+              <a:rPr lang="en-US" b="0" dirty="0"/>
+              <a:t>List the images again and outline that both </a:t>
+            </a:r>
+            <a:r>
+              <a:rPr lang="en-US" b="0" dirty="0" err="1"/>
+              <a:t>nginx:mainline</a:t>
+            </a:r>
+            <a:r>
+              <a:rPr lang="en-US" b="0" dirty="0"/>
+              <a:t> as well as my-nginx:v0.1 have the same image ID. The image is not stored twice but simply referenced by different names</a:t>
             </a:r>
           </a:p>
           <a:p>
@@ -3138,8 +3305,32 @@
               <a:buChar char="-"/>
             </a:pPr>
             <a:r>
-              <a:rPr lang="en-US" dirty="0"/>
-              <a:t>It is best practice to always use an explicit tag and not to override existing tags.</a:t>
+              <a:rPr lang="en-US" b="0" dirty="0"/>
+              <a:t>Now you can tag the </a:t>
+            </a:r>
+            <a:r>
+              <a:rPr lang="en-US" b="0" dirty="0" err="1"/>
+              <a:t>niginx</a:t>
+            </a:r>
+            <a:r>
+              <a:rPr lang="en-US" b="0" dirty="0"/>
+              <a:t> with the URL of your remote registry as well </a:t>
+            </a:r>
+            <a:r>
+              <a:rPr lang="en-US" b="0" dirty="0" err="1"/>
+              <a:t>registry.ingress</a:t>
+            </a:r>
+            <a:r>
+              <a:rPr lang="en-US" b="0" dirty="0"/>
+              <a:t>.&lt;</a:t>
+            </a:r>
+            <a:r>
+              <a:rPr lang="en-US" b="0" dirty="0" err="1"/>
+              <a:t>clustername</a:t>
+            </a:r>
+            <a:r>
+              <a:rPr lang="en-US" b="0" dirty="0"/>
+              <a:t>&gt;.k8s-train.shoot.canary.k8s-hana.ondemand.com/nginx:v0.1</a:t>
             </a:r>
           </a:p>
           <a:p>
@@ -3147,16 +3338,25 @@
               <a:buFontTx/>
               <a:buChar char="-"/>
             </a:pPr>
-            <a:endParaRPr lang="en-US" dirty="0"/>
-          </a:p>
-          <a:p>
-            <a:pPr marL="0" indent="0">
-              <a:buFontTx/>
-              <a:buNone/>
-            </a:pPr>
-            <a:r>
-              <a:rPr lang="en-US" dirty="0"/>
-              <a:t>How to use tagging? Docker knows a “tag” command, so let’s have look:</a:t>
+            <a:r>
+              <a:rPr lang="en-US" b="0" dirty="0"/>
+              <a:t>Push the image to the remote location (use the full string again): docker push </a:t>
+            </a:r>
+            <a:r>
+              <a:rPr lang="en-US" b="0" dirty="0" err="1"/>
+              <a:t>registry.ingress</a:t>
+            </a:r>
+            <a:r>
+              <a:rPr lang="en-US" b="0" dirty="0"/>
+              <a:t>.&lt;</a:t>
+            </a:r>
+            <a:r>
+              <a:rPr lang="en-US" b="0" dirty="0" err="1"/>
+              <a:t>clustername</a:t>
+            </a:r>
+            <a:r>
+              <a:rPr lang="en-US" b="0" dirty="0"/>
+              <a:t>&gt;.k8s-train.shoot.canary.k8s-hana.ondemand.com/nginx:v0.1</a:t>
             </a:r>
           </a:p>
           <a:p>
@@ -3164,36 +3364,14 @@
               <a:buFontTx/>
               <a:buChar char="-"/>
             </a:pPr>
-            <a:r>
-              <a:rPr lang="en-US" dirty="0"/>
-              <a:t>Tagging works like creating a </a:t>
-            </a:r>
-            <a:r>
-              <a:rPr lang="en-US" dirty="0" err="1"/>
-              <a:t>sym</a:t>
-            </a:r>
-            <a:r>
-              <a:rPr lang="en-US" dirty="0"/>
-              <a:t>-link on Linux. You can have as many different references to an images as you want.</a:t>
-            </a:r>
+            <a:endParaRPr lang="en-US" b="0" dirty="0"/>
           </a:p>
           <a:p>
             <a:pPr marL="285750" indent="-285750">
               <a:buFontTx/>
               <a:buChar char="-"/>
             </a:pPr>
-            <a:r>
-              <a:rPr lang="en-US" dirty="0"/>
-              <a:t>To tag an image, you can reference it either by its ID or its </a:t>
-            </a:r>
-            <a:r>
-              <a:rPr lang="en-US" dirty="0" err="1"/>
-              <a:t>repository:tag</a:t>
-            </a:r>
-            <a:r>
-              <a:rPr lang="en-US" dirty="0"/>
-              <a:t> link.</a:t>
-            </a:r>
+            <a:endParaRPr lang="en-US" b="0" dirty="0"/>
           </a:p>
           <a:p>
             <a:pPr marL="285750" indent="-285750">
@@ -3201,26 +3379,9 @@
               <a:buChar char="-"/>
             </a:pPr>
             <a:r>
-              <a:rPr lang="en-US" dirty="0"/>
-              <a:t>Docker tag: assign the full string of registry URL + repo + version tag to an image</a:t>
-            </a:r>
-          </a:p>
-          <a:p>
-            <a:pPr marL="285750" indent="-285750">
-              <a:buFontTx/>
-              <a:buChar char="-"/>
-            </a:pPr>
-            <a:r>
-              <a:rPr lang="en-US" dirty="0"/>
-              <a:t>Docker push: send the image to the remote location, that is encoded in the image name</a:t>
-            </a:r>
-          </a:p>
-          <a:p>
-            <a:pPr marL="0" indent="0">
-              <a:buFontTx/>
-              <a:buNone/>
-            </a:pPr>
-            <a:endParaRPr lang="en-US" dirty="0"/>
+              <a:rPr lang="en-US" b="0" dirty="0"/>
+              <a:t>If you get a certificate error, you haven’t trusted the CA that signed the registries certificates. If anyone of the participants face this issue, they should re-run the get_kube_config.sh script and restart their docker daemon.</a:t>
+            </a:r>
           </a:p>
         </p:txBody>
       </p:sp>
@@ -3251,7 +3412,7 @@
     </p:spTree>
     <p:extLst>
       <p:ext uri="{BB962C8B-B14F-4D97-AF65-F5344CB8AC3E}">
-        <p14:creationId xmlns:p14="http://schemas.microsoft.com/office/powerpoint/2010/main" val="1328423813"/>
+        <p14:creationId xmlns:p14="http://schemas.microsoft.com/office/powerpoint/2010/main" val="15345096"/>
       </p:ext>
     </p:extLst>
   </p:cSld>
@@ -3262,339 +3423,6 @@
 </file>
 
 <file path=ppt/notesSlides/notesSlide13.xml><?xml version="1.0" encoding="utf-8"?>
-<p:notes xmlns:a="http://schemas.openxmlformats.org/drawingml/2006/main" xmlns:r="http://schemas.openxmlformats.org/officeDocument/2006/relationships" xmlns:p="http://schemas.openxmlformats.org/presentationml/2006/main">
-  <p:cSld>
-    <p:spTree>
-      <p:nvGrpSpPr>
-        <p:cNvPr id="1" name=""/>
-        <p:cNvGrpSpPr/>
-        <p:nvPr/>
-      </p:nvGrpSpPr>
-      <p:grpSpPr>
-        <a:xfrm>
-          <a:off x="0" y="0"/>
-          <a:ext cx="0" cy="0"/>
-          <a:chOff x="0" y="0"/>
-          <a:chExt cx="0" cy="0"/>
-        </a:xfrm>
-      </p:grpSpPr>
-      <p:sp>
-        <p:nvSpPr>
-          <p:cNvPr id="2" name="Slide Image Placeholder 1"/>
-          <p:cNvSpPr>
-            <a:spLocks noGrp="1" noRot="1" noChangeAspect="1"/>
-          </p:cNvSpPr>
-          <p:nvPr>
-            <p:ph type="sldImg"/>
-          </p:nvPr>
-        </p:nvSpPr>
-        <p:spPr/>
-      </p:sp>
-      <p:sp>
-        <p:nvSpPr>
-          <p:cNvPr id="3" name="Notes Placeholder 2"/>
-          <p:cNvSpPr>
-            <a:spLocks noGrp="1"/>
-          </p:cNvSpPr>
-          <p:nvPr>
-            <p:ph type="body" idx="1"/>
-          </p:nvPr>
-        </p:nvSpPr>
-        <p:spPr/>
-        <p:txBody>
-          <a:bodyPr>
-            <a:normAutofit lnSpcReduction="10000"/>
-          </a:bodyPr>
-          <a:lstStyle/>
-          <a:p>
-            <a:pPr marL="0" indent="0">
-              <a:buFontTx/>
-              <a:buNone/>
-            </a:pPr>
-            <a:r>
-              <a:rPr lang="en-US" b="0" dirty="0"/>
-              <a:t>Prerequisites: you have trusted the certificate of the registry for this training (the one deployed into the cluster)</a:t>
-            </a:r>
-          </a:p>
-          <a:p>
-            <a:pPr marL="0" indent="0">
-              <a:buFontTx/>
-              <a:buNone/>
-            </a:pPr>
-            <a:endParaRPr lang="en-US" b="0" dirty="0"/>
-          </a:p>
-          <a:p>
-            <a:pPr marL="0" indent="0">
-              <a:buFontTx/>
-              <a:buNone/>
-            </a:pPr>
-            <a:r>
-              <a:rPr lang="en-US" b="0" dirty="0"/>
-              <a:t>Explain how to work with (remote) registries:</a:t>
-            </a:r>
-          </a:p>
-          <a:p>
-            <a:pPr marL="0" indent="0">
-              <a:buFontTx/>
-              <a:buNone/>
-            </a:pPr>
-            <a:endParaRPr lang="en-US" b="0" dirty="0"/>
-          </a:p>
-          <a:p>
-            <a:pPr marL="285750" indent="-285750">
-              <a:buFontTx/>
-              <a:buChar char="-"/>
-            </a:pPr>
-            <a:r>
-              <a:rPr lang="en-US" b="0" dirty="0"/>
-              <a:t>Docker image list</a:t>
-            </a:r>
-          </a:p>
-          <a:p>
-            <a:pPr marL="285750" indent="-285750">
-              <a:buFontTx/>
-              <a:buChar char="-"/>
-            </a:pPr>
-            <a:r>
-              <a:rPr lang="en-US" b="0" dirty="0"/>
-              <a:t>Next, tag one of the existing images with a different repo/tag combination like “docker tag </a:t>
-            </a:r>
-            <a:r>
-              <a:rPr lang="en-US" b="0" dirty="0" err="1"/>
-              <a:t>nginx:mainline</a:t>
-            </a:r>
-            <a:r>
-              <a:rPr lang="en-US" b="0" dirty="0"/>
-              <a:t> my-nginx:v0.1”</a:t>
-            </a:r>
-          </a:p>
-          <a:p>
-            <a:pPr marL="285750" indent="-285750">
-              <a:buFontTx/>
-              <a:buChar char="-"/>
-            </a:pPr>
-            <a:r>
-              <a:rPr lang="en-US" b="0" dirty="0"/>
-              <a:t>List the images again and outline that both </a:t>
-            </a:r>
-            <a:r>
-              <a:rPr lang="en-US" b="0" dirty="0" err="1"/>
-              <a:t>nginx:mainline</a:t>
-            </a:r>
-            <a:r>
-              <a:rPr lang="en-US" b="0" dirty="0"/>
-              <a:t> as well as my-nginx:v0.1 have the same image ID. The image is not stored twice but simply referenced by different names</a:t>
-            </a:r>
-          </a:p>
-          <a:p>
-            <a:pPr marL="285750" indent="-285750">
-              <a:buFontTx/>
-              <a:buChar char="-"/>
-            </a:pPr>
-            <a:r>
-              <a:rPr lang="en-US" b="0" dirty="0"/>
-              <a:t>Now you can tag the </a:t>
-            </a:r>
-            <a:r>
-              <a:rPr lang="en-US" b="0" dirty="0" err="1"/>
-              <a:t>niginx</a:t>
-            </a:r>
-            <a:r>
-              <a:rPr lang="en-US" b="0" dirty="0"/>
-              <a:t> with the URL of your remote registry as well </a:t>
-            </a:r>
-            <a:r>
-              <a:rPr lang="en-US" b="0" dirty="0" err="1"/>
-              <a:t>registry.ingress</a:t>
-            </a:r>
-            <a:r>
-              <a:rPr lang="en-US" b="0" dirty="0"/>
-              <a:t>.&lt;</a:t>
-            </a:r>
-            <a:r>
-              <a:rPr lang="en-US" b="0" dirty="0" err="1"/>
-              <a:t>clustername</a:t>
-            </a:r>
-            <a:r>
-              <a:rPr lang="en-US" b="0" dirty="0"/>
-              <a:t>&gt;.k8s-train.shoot.canary.k8s-hana.ondemand.com/nginx:v0.1</a:t>
-            </a:r>
-          </a:p>
-          <a:p>
-            <a:pPr marL="285750" indent="-285750">
-              <a:buFontTx/>
-              <a:buChar char="-"/>
-            </a:pPr>
-            <a:r>
-              <a:rPr lang="en-US" b="0" dirty="0"/>
-              <a:t>Push the image to the remote location (use the full string again): docker push </a:t>
-            </a:r>
-            <a:r>
-              <a:rPr lang="en-US" b="0" dirty="0" err="1"/>
-              <a:t>registry.ingress</a:t>
-            </a:r>
-            <a:r>
-              <a:rPr lang="en-US" b="0" dirty="0"/>
-              <a:t>.&lt;</a:t>
-            </a:r>
-            <a:r>
-              <a:rPr lang="en-US" b="0" dirty="0" err="1"/>
-              <a:t>clustername</a:t>
-            </a:r>
-            <a:r>
-              <a:rPr lang="en-US" b="0" dirty="0"/>
-              <a:t>&gt;.k8s-train.shoot.canary.k8s-hana.ondemand.com/nginx:v0.1</a:t>
-            </a:r>
-          </a:p>
-          <a:p>
-            <a:pPr marL="285750" indent="-285750">
-              <a:buFontTx/>
-              <a:buChar char="-"/>
-            </a:pPr>
-            <a:endParaRPr lang="en-US" b="0" dirty="0"/>
-          </a:p>
-          <a:p>
-            <a:pPr marL="285750" indent="-285750">
-              <a:buFontTx/>
-              <a:buChar char="-"/>
-            </a:pPr>
-            <a:endParaRPr lang="en-US" b="0" dirty="0"/>
-          </a:p>
-          <a:p>
-            <a:pPr marL="285750" indent="-285750">
-              <a:buFontTx/>
-              <a:buChar char="-"/>
-            </a:pPr>
-            <a:r>
-              <a:rPr lang="en-US" b="0" dirty="0"/>
-              <a:t>If you get a certificate error, you haven’t trusted the CA that signed the registries certificates. If anyone of the participants face this issue, they should re-run the get_kube_config.sh script and restart their docker daemon.</a:t>
-            </a:r>
-          </a:p>
-        </p:txBody>
-      </p:sp>
-      <p:sp>
-        <p:nvSpPr>
-          <p:cNvPr id="4" name="Slide Number Placeholder 3"/>
-          <p:cNvSpPr>
-            <a:spLocks noGrp="1"/>
-          </p:cNvSpPr>
-          <p:nvPr>
-            <p:ph type="sldNum" sz="quarter" idx="10"/>
-          </p:nvPr>
-        </p:nvSpPr>
-        <p:spPr/>
-        <p:txBody>
-          <a:bodyPr/>
-          <a:lstStyle/>
-          <a:p>
-            <a:fld id="{7D8C2C35-2B8A-446E-BEC0-FD36716C29AC}" type="slidenum">
-              <a:rPr lang="en-US" smtClean="0"/>
-              <a:pPr/>
-              <a:t>13</a:t>
-            </a:fld>
-            <a:endParaRPr lang="en-US" dirty="0"/>
-          </a:p>
-        </p:txBody>
-      </p:sp>
-    </p:spTree>
-    <p:extLst>
-      <p:ext uri="{BB962C8B-B14F-4D97-AF65-F5344CB8AC3E}">
-        <p14:creationId xmlns:p14="http://schemas.microsoft.com/office/powerpoint/2010/main" val="15345096"/>
-      </p:ext>
-    </p:extLst>
-  </p:cSld>
-  <p:clrMapOvr>
-    <a:masterClrMapping/>
-  </p:clrMapOvr>
-</p:notes>
-</file>
-
-<file path=ppt/notesSlides/notesSlide14.xml><?xml version="1.0" encoding="utf-8"?>
-<p:notes xmlns:a="http://schemas.openxmlformats.org/drawingml/2006/main" xmlns:r="http://schemas.openxmlformats.org/officeDocument/2006/relationships" xmlns:p="http://schemas.openxmlformats.org/presentationml/2006/main">
-  <p:cSld>
-    <p:spTree>
-      <p:nvGrpSpPr>
-        <p:cNvPr id="1" name=""/>
-        <p:cNvGrpSpPr/>
-        <p:nvPr/>
-      </p:nvGrpSpPr>
-      <p:grpSpPr>
-        <a:xfrm>
-          <a:off x="0" y="0"/>
-          <a:ext cx="0" cy="0"/>
-          <a:chOff x="0" y="0"/>
-          <a:chExt cx="0" cy="0"/>
-        </a:xfrm>
-      </p:grpSpPr>
-      <p:sp>
-        <p:nvSpPr>
-          <p:cNvPr id="2" name="Slide Image Placeholder 1"/>
-          <p:cNvSpPr>
-            <a:spLocks noGrp="1" noRot="1" noChangeAspect="1"/>
-          </p:cNvSpPr>
-          <p:nvPr>
-            <p:ph type="sldImg"/>
-          </p:nvPr>
-        </p:nvSpPr>
-        <p:spPr/>
-      </p:sp>
-      <p:sp>
-        <p:nvSpPr>
-          <p:cNvPr id="3" name="Notes Placeholder 2"/>
-          <p:cNvSpPr>
-            <a:spLocks noGrp="1"/>
-          </p:cNvSpPr>
-          <p:nvPr>
-            <p:ph type="body" idx="1"/>
-          </p:nvPr>
-        </p:nvSpPr>
-        <p:spPr/>
-        <p:txBody>
-          <a:bodyPr/>
-          <a:lstStyle/>
-          <a:p>
-            <a:endParaRPr lang="en-US" dirty="0"/>
-          </a:p>
-        </p:txBody>
-      </p:sp>
-      <p:sp>
-        <p:nvSpPr>
-          <p:cNvPr id="4" name="Slide Number Placeholder 3"/>
-          <p:cNvSpPr>
-            <a:spLocks noGrp="1"/>
-          </p:cNvSpPr>
-          <p:nvPr>
-            <p:ph type="sldNum" sz="quarter" idx="10"/>
-          </p:nvPr>
-        </p:nvSpPr>
-        <p:spPr/>
-        <p:txBody>
-          <a:bodyPr/>
-          <a:lstStyle/>
-          <a:p>
-            <a:fld id="{7D8C2C35-2B8A-446E-BEC0-FD36716C29AC}" type="slidenum">
-              <a:rPr lang="en-US" smtClean="0"/>
-              <a:pPr/>
-              <a:t>14</a:t>
-            </a:fld>
-            <a:endParaRPr lang="en-US" dirty="0"/>
-          </a:p>
-        </p:txBody>
-      </p:sp>
-    </p:spTree>
-    <p:extLst>
-      <p:ext uri="{BB962C8B-B14F-4D97-AF65-F5344CB8AC3E}">
-        <p14:creationId xmlns:p14="http://schemas.microsoft.com/office/powerpoint/2010/main" val="80764537"/>
-      </p:ext>
-    </p:extLst>
-  </p:cSld>
-  <p:clrMapOvr>
-    <a:masterClrMapping/>
-  </p:clrMapOvr>
-</p:notes>
-</file>
-
-<file path=ppt/notesSlides/notesSlide15.xml><?xml version="1.0" encoding="utf-8"?>
 <p:notes xmlns:a="http://schemas.openxmlformats.org/drawingml/2006/main" xmlns:r="http://schemas.openxmlformats.org/officeDocument/2006/relationships" xmlns:p="http://schemas.openxmlformats.org/presentationml/2006/main">
   <p:cSld>
     <p:spTree>
@@ -3629,7 +3457,7 @@
             <a:fld id="{7D8C2C35-2B8A-446E-BEC0-FD36716C29AC}" type="slidenum">
               <a:rPr lang="en-US" smtClean="0"/>
               <a:pPr/>
-              <a:t>15</a:t>
+              <a:t>13</a:t>
             </a:fld>
             <a:endParaRPr lang="en-US" dirty="0"/>
           </a:p>
@@ -4212,10 +4040,236 @@
         </p:nvSpPr>
         <p:spPr/>
         <p:txBody>
-          <a:bodyPr/>
+          <a:bodyPr>
+            <a:normAutofit/>
+          </a:bodyPr>
           <a:lstStyle/>
           <a:p>
-            <a:endParaRPr lang="en-US" dirty="0"/>
+            <a:pPr marL="0" indent="0">
+              <a:buFontTx/>
+              <a:buNone/>
+            </a:pPr>
+            <a:r>
+              <a:rPr lang="en-US" b="0" dirty="0"/>
+              <a:t>Let’s take a closer look at the images.</a:t>
+            </a:r>
+          </a:p>
+          <a:p>
+            <a:pPr marL="0" indent="0">
+              <a:buFontTx/>
+              <a:buNone/>
+            </a:pPr>
+            <a:endParaRPr lang="en-US" b="0" dirty="0"/>
+          </a:p>
+          <a:p>
+            <a:pPr marL="0" indent="0">
+              <a:buFontTx/>
+              <a:buNone/>
+            </a:pPr>
+            <a:r>
+              <a:rPr lang="en-US" b="0" dirty="0"/>
+              <a:t>From the docker cli, you have several ways of accessing them:</a:t>
+            </a:r>
+          </a:p>
+          <a:p>
+            <a:pPr marL="285750" indent="-285750">
+              <a:buFontTx/>
+              <a:buChar char="-"/>
+            </a:pPr>
+            <a:r>
+              <a:rPr lang="en-US" b="0" dirty="0"/>
+              <a:t>docker image list </a:t>
+            </a:r>
+            <a:r>
+              <a:rPr lang="en-US" b="0" dirty="0">
+                <a:sym typeface="Wingdings" panose="05000000000000000000" pitchFamily="2" charset="2"/>
+              </a:rPr>
+              <a:t> gives you all downloaded images</a:t>
+            </a:r>
+          </a:p>
+          <a:p>
+            <a:pPr marL="285750" indent="-285750">
+              <a:buFontTx/>
+              <a:buChar char="-"/>
+            </a:pPr>
+            <a:r>
+              <a:rPr lang="en-US" b="0" dirty="0">
+                <a:sym typeface="Wingdings" panose="05000000000000000000" pitchFamily="2" charset="2"/>
+              </a:rPr>
+              <a:t>docker inspect &lt;image&gt;:&lt;tag&gt;  gives you meta info on the image incl. CMD/</a:t>
+            </a:r>
+            <a:r>
+              <a:rPr lang="en-US" b="0" dirty="0" err="1">
+                <a:sym typeface="Wingdings" panose="05000000000000000000" pitchFamily="2" charset="2"/>
+              </a:rPr>
+              <a:t>Entrypoint</a:t>
+            </a:r>
+            <a:r>
+              <a:rPr lang="en-US" b="0" dirty="0">
+                <a:sym typeface="Wingdings" panose="05000000000000000000" pitchFamily="2" charset="2"/>
+              </a:rPr>
+              <a:t>, ports </a:t>
+            </a:r>
+            <a:r>
+              <a:rPr lang="en-US" b="0" dirty="0" err="1">
+                <a:sym typeface="Wingdings" panose="05000000000000000000" pitchFamily="2" charset="2"/>
+              </a:rPr>
+              <a:t>etc</a:t>
+            </a:r>
+            <a:endParaRPr lang="en-US" b="0" dirty="0">
+              <a:sym typeface="Wingdings" panose="05000000000000000000" pitchFamily="2" charset="2"/>
+            </a:endParaRPr>
+          </a:p>
+          <a:p>
+            <a:pPr marL="285750" indent="-285750">
+              <a:buFontTx/>
+              <a:buChar char="-"/>
+            </a:pPr>
+            <a:r>
+              <a:rPr lang="en-US" b="0" dirty="0">
+                <a:sym typeface="Wingdings" panose="05000000000000000000" pitchFamily="2" charset="2"/>
+              </a:rPr>
+              <a:t>docker history &lt;image&gt;:&lt;tag&gt;  gives you the image’s history</a:t>
+            </a:r>
+          </a:p>
+          <a:p>
+            <a:pPr marL="285750" indent="-285750">
+              <a:buFontTx/>
+              <a:buChar char="-"/>
+            </a:pPr>
+            <a:endParaRPr lang="en-US" b="0" dirty="0">
+              <a:sym typeface="Wingdings" panose="05000000000000000000" pitchFamily="2" charset="2"/>
+            </a:endParaRPr>
+          </a:p>
+          <a:p>
+            <a:pPr marL="0" indent="0">
+              <a:buFontTx/>
+              <a:buNone/>
+            </a:pPr>
+            <a:r>
+              <a:rPr lang="en-US" b="0" dirty="0">
+                <a:sym typeface="Wingdings" panose="05000000000000000000" pitchFamily="2" charset="2"/>
+              </a:rPr>
+              <a:t>Show these commands for any available image like </a:t>
+            </a:r>
+            <a:r>
+              <a:rPr lang="en-US" b="0" dirty="0" err="1">
+                <a:sym typeface="Wingdings" panose="05000000000000000000" pitchFamily="2" charset="2"/>
+              </a:rPr>
+              <a:t>nginx</a:t>
+            </a:r>
+            <a:endParaRPr lang="en-US" b="0" dirty="0">
+              <a:sym typeface="Wingdings" panose="05000000000000000000" pitchFamily="2" charset="2"/>
+            </a:endParaRPr>
+          </a:p>
+          <a:p>
+            <a:pPr marL="0" indent="0">
+              <a:buFontTx/>
+              <a:buNone/>
+            </a:pPr>
+            <a:endParaRPr lang="en-US" b="0" dirty="0">
+              <a:sym typeface="Wingdings" panose="05000000000000000000" pitchFamily="2" charset="2"/>
+            </a:endParaRPr>
+          </a:p>
+          <a:p>
+            <a:pPr marL="0" indent="0">
+              <a:buFontTx/>
+              <a:buNone/>
+            </a:pPr>
+            <a:r>
+              <a:rPr lang="en-US" b="0" dirty="0">
+                <a:sym typeface="Wingdings" panose="05000000000000000000" pitchFamily="2" charset="2"/>
+              </a:rPr>
+              <a:t>Next, demo the commit command:</a:t>
+            </a:r>
+          </a:p>
+          <a:p>
+            <a:pPr marL="285750" indent="-285750">
+              <a:buFontTx/>
+              <a:buChar char="-"/>
+            </a:pPr>
+            <a:r>
+              <a:rPr lang="en-US" b="0" dirty="0">
+                <a:sym typeface="Wingdings" panose="05000000000000000000" pitchFamily="2" charset="2"/>
+              </a:rPr>
+              <a:t>docker run -it </a:t>
+            </a:r>
+            <a:r>
+              <a:rPr lang="en-US" b="0" dirty="0" err="1">
+                <a:sym typeface="Wingdings" panose="05000000000000000000" pitchFamily="2" charset="2"/>
+              </a:rPr>
+              <a:t>nginx:mainline</a:t>
+            </a:r>
+            <a:r>
+              <a:rPr lang="en-US" b="0" dirty="0">
+                <a:sym typeface="Wingdings" panose="05000000000000000000" pitchFamily="2" charset="2"/>
+              </a:rPr>
+              <a:t> /bin/bash</a:t>
+            </a:r>
+          </a:p>
+          <a:p>
+            <a:pPr marL="285750" indent="-285750">
+              <a:buFontTx/>
+              <a:buChar char="-"/>
+            </a:pPr>
+            <a:r>
+              <a:rPr lang="en-US" b="0" dirty="0">
+                <a:sym typeface="Wingdings" panose="05000000000000000000" pitchFamily="2" charset="2"/>
+              </a:rPr>
+              <a:t>Create a file &amp; exit</a:t>
+            </a:r>
+          </a:p>
+          <a:p>
+            <a:pPr marL="285750" indent="-285750">
+              <a:buFontTx/>
+              <a:buChar char="-"/>
+            </a:pPr>
+            <a:r>
+              <a:rPr lang="en-US" b="0" dirty="0">
+                <a:sym typeface="Wingdings" panose="05000000000000000000" pitchFamily="2" charset="2"/>
+              </a:rPr>
+              <a:t>run “docker commit &lt;container&gt; &lt;repo-name&gt;:&lt;tag&gt;</a:t>
+            </a:r>
+          </a:p>
+          <a:p>
+            <a:pPr marL="285750" indent="-285750">
+              <a:buFontTx/>
+              <a:buChar char="-"/>
+            </a:pPr>
+            <a:endParaRPr lang="en-US" b="0" dirty="0">
+              <a:sym typeface="Wingdings" panose="05000000000000000000" pitchFamily="2" charset="2"/>
+            </a:endParaRPr>
+          </a:p>
+          <a:p>
+            <a:pPr marL="0" indent="0">
+              <a:buFontTx/>
+              <a:buNone/>
+            </a:pPr>
+            <a:r>
+              <a:rPr lang="en-US" b="0" dirty="0">
+                <a:sym typeface="Wingdings" panose="05000000000000000000" pitchFamily="2" charset="2"/>
+              </a:rPr>
+              <a:t>Now re-run the history </a:t>
+            </a:r>
+            <a:r>
+              <a:rPr lang="en-US" b="0" dirty="0" err="1">
+                <a:sym typeface="Wingdings" panose="05000000000000000000" pitchFamily="2" charset="2"/>
+              </a:rPr>
+              <a:t>cmd</a:t>
+            </a:r>
+            <a:r>
+              <a:rPr lang="en-US" b="0" dirty="0">
+                <a:sym typeface="Wingdings" panose="05000000000000000000" pitchFamily="2" charset="2"/>
+              </a:rPr>
+              <a:t> on your newly created image. Discuss the added layer and the visible information vs. what you did.</a:t>
+            </a:r>
+          </a:p>
+          <a:p>
+            <a:pPr marL="285750" indent="-285750">
+              <a:buFontTx/>
+              <a:buChar char="-"/>
+            </a:pPr>
+            <a:endParaRPr lang="en-US" b="0" dirty="0"/>
           </a:p>
         </p:txBody>
       </p:sp>
@@ -4246,7 +4300,7 @@
     </p:spTree>
     <p:extLst>
       <p:ext uri="{BB962C8B-B14F-4D97-AF65-F5344CB8AC3E}">
-        <p14:creationId xmlns:p14="http://schemas.microsoft.com/office/powerpoint/2010/main" val="4112053852"/>
+        <p14:creationId xmlns:p14="http://schemas.microsoft.com/office/powerpoint/2010/main" val="2468237856"/>
       </p:ext>
     </p:extLst>
   </p:cSld>
@@ -4297,236 +4351,39 @@
         </p:nvSpPr>
         <p:spPr/>
         <p:txBody>
-          <a:bodyPr>
-            <a:normAutofit/>
-          </a:bodyPr>
+          <a:bodyPr/>
           <a:lstStyle/>
           <a:p>
-            <a:pPr marL="0" indent="0">
-              <a:buFontTx/>
-              <a:buNone/>
-            </a:pPr>
-            <a:r>
-              <a:rPr lang="en-US" b="0" dirty="0"/>
-              <a:t>Let’s take a closer look at the images.</a:t>
-            </a:r>
-          </a:p>
-          <a:p>
-            <a:pPr marL="0" indent="0">
-              <a:buFontTx/>
-              <a:buNone/>
-            </a:pPr>
-            <a:endParaRPr lang="en-US" b="0" dirty="0"/>
-          </a:p>
-          <a:p>
-            <a:pPr marL="0" indent="0">
-              <a:buFontTx/>
-              <a:buNone/>
-            </a:pPr>
-            <a:r>
-              <a:rPr lang="en-US" b="0" dirty="0"/>
-              <a:t>From the docker cli, you have several ways of accessing them:</a:t>
-            </a:r>
-          </a:p>
-          <a:p>
-            <a:pPr marL="285750" indent="-285750">
-              <a:buFontTx/>
-              <a:buChar char="-"/>
-            </a:pPr>
-            <a:r>
-              <a:rPr lang="en-US" b="0" dirty="0"/>
-              <a:t>docker image list </a:t>
-            </a:r>
-            <a:r>
-              <a:rPr lang="en-US" b="0" dirty="0">
-                <a:sym typeface="Wingdings" panose="05000000000000000000" pitchFamily="2" charset="2"/>
-              </a:rPr>
-              <a:t> gives you all downloaded images</a:t>
-            </a:r>
-          </a:p>
-          <a:p>
-            <a:pPr marL="285750" indent="-285750">
-              <a:buFontTx/>
-              <a:buChar char="-"/>
-            </a:pPr>
-            <a:r>
-              <a:rPr lang="en-US" b="0" dirty="0">
-                <a:sym typeface="Wingdings" panose="05000000000000000000" pitchFamily="2" charset="2"/>
-              </a:rPr>
-              <a:t>docker inspect &lt;image&gt;:&lt;tag&gt;  gives you meta info on the image incl. CMD/</a:t>
-            </a:r>
-            <a:r>
-              <a:rPr lang="en-US" b="0" dirty="0" err="1">
-                <a:sym typeface="Wingdings" panose="05000000000000000000" pitchFamily="2" charset="2"/>
-              </a:rPr>
-              <a:t>Entrypoint</a:t>
-            </a:r>
-            <a:r>
-              <a:rPr lang="en-US" b="0" dirty="0">
-                <a:sym typeface="Wingdings" panose="05000000000000000000" pitchFamily="2" charset="2"/>
-              </a:rPr>
-              <a:t>, ports </a:t>
-            </a:r>
-            <a:r>
-              <a:rPr lang="en-US" b="0" dirty="0" err="1">
-                <a:sym typeface="Wingdings" panose="05000000000000000000" pitchFamily="2" charset="2"/>
-              </a:rPr>
-              <a:t>etc</a:t>
-            </a:r>
-            <a:endParaRPr lang="en-US" b="0" dirty="0">
-              <a:sym typeface="Wingdings" panose="05000000000000000000" pitchFamily="2" charset="2"/>
-            </a:endParaRPr>
-          </a:p>
-          <a:p>
-            <a:pPr marL="285750" indent="-285750">
-              <a:buFontTx/>
-              <a:buChar char="-"/>
-            </a:pPr>
-            <a:r>
-              <a:rPr lang="en-US" b="0" dirty="0">
-                <a:sym typeface="Wingdings" panose="05000000000000000000" pitchFamily="2" charset="2"/>
-              </a:rPr>
-              <a:t>docker history &lt;image&gt;:&lt;tag&gt;  gives you the image’s history</a:t>
-            </a:r>
-          </a:p>
-          <a:p>
-            <a:pPr marL="285750" indent="-285750">
-              <a:buFontTx/>
-              <a:buChar char="-"/>
-            </a:pPr>
-            <a:endParaRPr lang="en-US" b="0" dirty="0">
-              <a:sym typeface="Wingdings" panose="05000000000000000000" pitchFamily="2" charset="2"/>
-            </a:endParaRPr>
-          </a:p>
-          <a:p>
-            <a:pPr marL="0" indent="0">
-              <a:buFontTx/>
-              <a:buNone/>
-            </a:pPr>
-            <a:r>
-              <a:rPr lang="en-US" b="0" dirty="0">
-                <a:sym typeface="Wingdings" panose="05000000000000000000" pitchFamily="2" charset="2"/>
-              </a:rPr>
-              <a:t>Show these commands for any available image like </a:t>
-            </a:r>
-            <a:r>
-              <a:rPr lang="en-US" b="0" dirty="0" err="1">
-                <a:sym typeface="Wingdings" panose="05000000000000000000" pitchFamily="2" charset="2"/>
-              </a:rPr>
-              <a:t>nginx</a:t>
-            </a:r>
-            <a:endParaRPr lang="en-US" b="0" dirty="0">
-              <a:sym typeface="Wingdings" panose="05000000000000000000" pitchFamily="2" charset="2"/>
-            </a:endParaRPr>
-          </a:p>
-          <a:p>
-            <a:pPr marL="0" indent="0">
-              <a:buFontTx/>
-              <a:buNone/>
-            </a:pPr>
-            <a:endParaRPr lang="en-US" b="0" dirty="0">
-              <a:sym typeface="Wingdings" panose="05000000000000000000" pitchFamily="2" charset="2"/>
-            </a:endParaRPr>
-          </a:p>
-          <a:p>
-            <a:pPr marL="0" indent="0">
-              <a:buFontTx/>
-              <a:buNone/>
-            </a:pPr>
-            <a:r>
-              <a:rPr lang="en-US" b="0" dirty="0">
-                <a:sym typeface="Wingdings" panose="05000000000000000000" pitchFamily="2" charset="2"/>
-              </a:rPr>
-              <a:t>Next, demo the commit command:</a:t>
-            </a:r>
-          </a:p>
-          <a:p>
-            <a:pPr marL="285750" indent="-285750">
-              <a:buFontTx/>
-              <a:buChar char="-"/>
-            </a:pPr>
-            <a:r>
-              <a:rPr lang="en-US" b="0" dirty="0">
-                <a:sym typeface="Wingdings" panose="05000000000000000000" pitchFamily="2" charset="2"/>
-              </a:rPr>
-              <a:t>docker run -it </a:t>
-            </a:r>
-            <a:r>
-              <a:rPr lang="en-US" b="0" dirty="0" err="1">
-                <a:sym typeface="Wingdings" panose="05000000000000000000" pitchFamily="2" charset="2"/>
-              </a:rPr>
-              <a:t>nginx:mainline</a:t>
-            </a:r>
-            <a:r>
-              <a:rPr lang="en-US" b="0" dirty="0">
-                <a:sym typeface="Wingdings" panose="05000000000000000000" pitchFamily="2" charset="2"/>
-              </a:rPr>
-              <a:t> /bin/bash</a:t>
-            </a:r>
-          </a:p>
-          <a:p>
-            <a:pPr marL="285750" indent="-285750">
-              <a:buFontTx/>
-              <a:buChar char="-"/>
-            </a:pPr>
-            <a:r>
-              <a:rPr lang="en-US" b="0" dirty="0">
-                <a:sym typeface="Wingdings" panose="05000000000000000000" pitchFamily="2" charset="2"/>
-              </a:rPr>
-              <a:t>Create a file &amp; exit</a:t>
-            </a:r>
-          </a:p>
-          <a:p>
-            <a:pPr marL="285750" indent="-285750">
-              <a:buFontTx/>
-              <a:buChar char="-"/>
-            </a:pPr>
-            <a:r>
-              <a:rPr lang="en-US" b="0" dirty="0">
-                <a:sym typeface="Wingdings" panose="05000000000000000000" pitchFamily="2" charset="2"/>
-              </a:rPr>
-              <a:t>run “docker commit &lt;container&gt; &lt;repo-name&gt;:&lt;tag&gt;</a:t>
-            </a:r>
-          </a:p>
-          <a:p>
-            <a:pPr marL="285750" indent="-285750">
-              <a:buFontTx/>
-              <a:buChar char="-"/>
-            </a:pPr>
-            <a:endParaRPr lang="en-US" b="0" dirty="0">
-              <a:sym typeface="Wingdings" panose="05000000000000000000" pitchFamily="2" charset="2"/>
-            </a:endParaRPr>
-          </a:p>
-          <a:p>
-            <a:pPr marL="0" indent="0">
-              <a:buFontTx/>
-              <a:buNone/>
-            </a:pPr>
-            <a:r>
-              <a:rPr lang="en-US" b="0" dirty="0">
-                <a:sym typeface="Wingdings" panose="05000000000000000000" pitchFamily="2" charset="2"/>
-              </a:rPr>
-              <a:t>Now re-run the history </a:t>
-            </a:r>
-            <a:r>
-              <a:rPr lang="en-US" b="0" dirty="0" err="1">
-                <a:sym typeface="Wingdings" panose="05000000000000000000" pitchFamily="2" charset="2"/>
-              </a:rPr>
-              <a:t>cmd</a:t>
-            </a:r>
-            <a:r>
-              <a:rPr lang="en-US" b="0" dirty="0">
-                <a:sym typeface="Wingdings" panose="05000000000000000000" pitchFamily="2" charset="2"/>
-              </a:rPr>
-              <a:t> on your newly created image. Discuss the added layer and the visible information vs. what you did.</a:t>
-            </a:r>
-          </a:p>
-          <a:p>
-            <a:pPr marL="285750" indent="-285750">
-              <a:buFontTx/>
-              <a:buChar char="-"/>
-            </a:pPr>
-            <a:endParaRPr lang="en-US" b="0" dirty="0"/>
+            <a:r>
+              <a:rPr lang="en-US" dirty="0"/>
+              <a:t>Images are kept in 'docker registries'. The docker runtime will look in the configured registry when it needs to load an image (e.g. for a 'docker run'). When it doesn't have the image already in its local cache, it will load it from the registry. </a:t>
+            </a:r>
+          </a:p>
+          <a:p>
+            <a:endParaRPr lang="en-US" dirty="0"/>
+          </a:p>
+          <a:p>
+            <a:r>
+              <a:rPr lang="en-US" dirty="0"/>
+              <a:t>The default registry is the docker hub: hub.docker.com. You can also have local registries, e.g. to have tight control of what goes in. </a:t>
+            </a:r>
+          </a:p>
+          <a:p>
+            <a:endParaRPr lang="en-US" dirty="0"/>
+          </a:p>
+          <a:p>
+            <a:r>
+              <a:rPr lang="en-US" dirty="0"/>
+              <a:t>Registries can have a private section which requires a login. With “docker login” you can store your credentials locally (~/.docker/</a:t>
+            </a:r>
+            <a:r>
+              <a:rPr lang="en-US" dirty="0" err="1"/>
+              <a:t>config.json</a:t>
+            </a:r>
+            <a:r>
+              <a:rPr lang="en-US" dirty="0"/>
+              <a:t>) and authorize your requests.</a:t>
+            </a:r>
           </a:p>
         </p:txBody>
       </p:sp>
@@ -4557,7 +4414,7 @@
     </p:spTree>
     <p:extLst>
       <p:ext uri="{BB962C8B-B14F-4D97-AF65-F5344CB8AC3E}">
-        <p14:creationId xmlns:p14="http://schemas.microsoft.com/office/powerpoint/2010/main" val="2468237856"/>
+        <p14:creationId xmlns:p14="http://schemas.microsoft.com/office/powerpoint/2010/main" val="3472124184"/>
       </p:ext>
     </p:extLst>
   </p:cSld>
@@ -4612,34 +4469,33 @@
           <a:lstStyle/>
           <a:p>
             <a:r>
-              <a:rPr lang="en-US" dirty="0"/>
-              <a:t>Images are kept in 'docker registries'. The docker runtime will look in the configured registry when it needs to load an image (e.g. for a 'docker run'). When it doesn't have the image already in its local cache, it will load it from the registry. </a:t>
-            </a:r>
-          </a:p>
-          <a:p>
-            <a:endParaRPr lang="en-US" dirty="0"/>
-          </a:p>
-          <a:p>
-            <a:r>
-              <a:rPr lang="en-US" dirty="0"/>
-              <a:t>The default registry is the docker hub: hub.docker.com. You can also have local registries, e.g. to have tight control of what goes in. </a:t>
-            </a:r>
-          </a:p>
-          <a:p>
-            <a:endParaRPr lang="en-US" dirty="0"/>
-          </a:p>
-          <a:p>
-            <a:r>
-              <a:rPr lang="en-US" dirty="0"/>
-              <a:t>Registries can have a private section which requires a login. With “docker login” you can store your credentials locally (~/.docker/</a:t>
-            </a:r>
-            <a:r>
-              <a:rPr lang="en-US" dirty="0" err="1"/>
+              <a:rPr lang="en-US" baseline="0" dirty="0"/>
+              <a:t>Some, if not most registries require to log in to push or even to pull images.</a:t>
+            </a:r>
+          </a:p>
+          <a:p>
+            <a:endParaRPr lang="en-US" baseline="0" dirty="0"/>
+          </a:p>
+          <a:p>
+            <a:r>
+              <a:rPr lang="en-US" baseline="0" dirty="0"/>
+              <a:t>With 'docker login', one can submit the username and password for a given registry (specified by its URL). Docker will persist these login credentials in a </a:t>
+            </a:r>
+            <a:r>
+              <a:rPr lang="en-US" baseline="0" dirty="0" err="1"/>
               <a:t>config.json</a:t>
             </a:r>
             <a:r>
-              <a:rPr lang="en-US" dirty="0"/>
-              <a:t>) and authorize your requests.</a:t>
+              <a:rPr lang="en-US" baseline="0" dirty="0"/>
+              <a:t> (usually found in ~/docker/</a:t>
+            </a:r>
+            <a:r>
+              <a:rPr lang="en-US" baseline="0" dirty="0" err="1"/>
+              <a:t>config.json</a:t>
+            </a:r>
+            <a:r>
+              <a:rPr lang="en-US" baseline="0" dirty="0"/>
+              <a:t>) and use them every time a registry is accessed.</a:t>
             </a:r>
           </a:p>
         </p:txBody>
@@ -4660,18 +4516,18 @@
           <a:lstStyle/>
           <a:p>
             <a:fld id="{7D8C2C35-2B8A-446E-BEC0-FD36716C29AC}" type="slidenum">
-              <a:rPr lang="en-US" smtClean="0"/>
+              <a:rPr lang="de-DE" smtClean="0"/>
               <a:pPr/>
               <a:t>9</a:t>
             </a:fld>
-            <a:endParaRPr lang="en-US" dirty="0"/>
+            <a:endParaRPr lang="de-DE" dirty="0"/>
           </a:p>
         </p:txBody>
       </p:sp>
     </p:spTree>
     <p:extLst>
       <p:ext uri="{BB962C8B-B14F-4D97-AF65-F5344CB8AC3E}">
-        <p14:creationId xmlns:p14="http://schemas.microsoft.com/office/powerpoint/2010/main" val="3472124184"/>
+        <p14:creationId xmlns:p14="http://schemas.microsoft.com/office/powerpoint/2010/main" val="4009320709"/>
       </p:ext>
     </p:extLst>
   </p:cSld>
@@ -18294,1128 +18150,6 @@
       </p:grpSpPr>
       <p:sp>
         <p:nvSpPr>
-          <p:cNvPr id="3" name="Title 2"/>
-          <p:cNvSpPr>
-            <a:spLocks noGrp="1"/>
-          </p:cNvSpPr>
-          <p:nvPr>
-            <p:ph type="title"/>
-          </p:nvPr>
-        </p:nvSpPr>
-        <p:spPr/>
-        <p:txBody>
-          <a:bodyPr/>
-          <a:lstStyle/>
-          <a:p>
-            <a:r>
-              <a:rPr lang="en-US" dirty="0"/>
-              <a:t>search for images</a:t>
-            </a:r>
-          </a:p>
-        </p:txBody>
-      </p:sp>
-      <p:sp>
-        <p:nvSpPr>
-          <p:cNvPr id="6" name="Text Placeholder 10"/>
-          <p:cNvSpPr>
-            <a:spLocks noGrp="1"/>
-          </p:cNvSpPr>
-          <p:nvPr>
-            <p:ph type="body" sz="quarter" idx="10"/>
-          </p:nvPr>
-        </p:nvSpPr>
-        <p:spPr>
-          <a:xfrm>
-            <a:off x="503999" y="1620000"/>
-            <a:ext cx="11186477" cy="4230000"/>
-          </a:xfrm>
-        </p:spPr>
-        <p:txBody>
-          <a:bodyPr/>
-          <a:lstStyle/>
-          <a:p>
-            <a:pPr lvl="0"/>
-            <a:r>
-              <a:rPr lang="en-US" sz="1800" dirty="0"/>
-              <a:t>Search images</a:t>
-            </a:r>
-          </a:p>
-          <a:p>
-            <a:pPr lvl="1"/>
-            <a:r>
-              <a:rPr lang="en-US" sz="1600" dirty="0"/>
-              <a:t>the command </a:t>
-            </a:r>
-            <a:r>
-              <a:rPr lang="en-US" sz="1600" b="1" dirty="0">
-                <a:latin typeface="Courier New" panose="02070309020205020404" pitchFamily="49" charset="0"/>
-                <a:cs typeface="Courier New" panose="02070309020205020404" pitchFamily="49" charset="0"/>
-              </a:rPr>
-              <a:t>docker search &lt;</a:t>
-            </a:r>
-            <a:r>
-              <a:rPr lang="en-US" sz="1600" b="1" dirty="0" err="1">
-                <a:latin typeface="Courier New" panose="02070309020205020404" pitchFamily="49" charset="0"/>
-                <a:cs typeface="Courier New" panose="02070309020205020404" pitchFamily="49" charset="0"/>
-              </a:rPr>
-              <a:t>imagename</a:t>
-            </a:r>
-            <a:r>
-              <a:rPr lang="en-US" sz="1600" b="1" dirty="0">
-                <a:latin typeface="Courier New" panose="02070309020205020404" pitchFamily="49" charset="0"/>
-                <a:cs typeface="Courier New" panose="02070309020205020404" pitchFamily="49" charset="0"/>
-              </a:rPr>
-              <a:t>&gt;</a:t>
-            </a:r>
-            <a:r>
-              <a:rPr lang="en-US" sz="1600" dirty="0"/>
-              <a:t> gives a list of all available images on a host</a:t>
-            </a:r>
-          </a:p>
-        </p:txBody>
-      </p:sp>
-      <p:cxnSp>
-        <p:nvCxnSpPr>
-          <p:cNvPr id="5" name="Straight Arrow Connector 4"/>
-          <p:cNvCxnSpPr>
-            <a:endCxn id="10" idx="0"/>
-          </p:cNvCxnSpPr>
-          <p:nvPr/>
-        </p:nvCxnSpPr>
-        <p:spPr>
-          <a:xfrm flipH="1">
-            <a:off x="1299337" y="3466006"/>
-            <a:ext cx="15658" cy="1512575"/>
-          </a:xfrm>
-          <a:prstGeom prst="straightConnector1">
-            <a:avLst/>
-          </a:prstGeom>
-          <a:ln w="19050">
-            <a:solidFill>
-              <a:srgbClr val="FF0000"/>
-            </a:solidFill>
-            <a:headEnd type="none" w="med" len="med"/>
-            <a:tailEnd type="triangle" w="lg" len="lg"/>
-          </a:ln>
-        </p:spPr>
-        <p:style>
-          <a:lnRef idx="1">
-            <a:schemeClr val="accent1"/>
-          </a:lnRef>
-          <a:fillRef idx="0">
-            <a:schemeClr val="accent1"/>
-          </a:fillRef>
-          <a:effectRef idx="0">
-            <a:schemeClr val="accent1"/>
-          </a:effectRef>
-          <a:fontRef idx="minor">
-            <a:schemeClr val="tx1"/>
-          </a:fontRef>
-        </p:style>
-      </p:cxnSp>
-      <p:sp>
-        <p:nvSpPr>
-          <p:cNvPr id="10" name="Rectangle 9"/>
-          <p:cNvSpPr/>
-          <p:nvPr/>
-        </p:nvSpPr>
-        <p:spPr bwMode="gray">
-          <a:xfrm>
-            <a:off x="503999" y="4978581"/>
-            <a:ext cx="1590675" cy="457200"/>
-          </a:xfrm>
-          <a:prstGeom prst="rect">
-            <a:avLst/>
-          </a:prstGeom>
-          <a:solidFill>
-            <a:schemeClr val="accent1"/>
-          </a:solidFill>
-          <a:ln w="6350" algn="ctr">
-            <a:solidFill>
-              <a:schemeClr val="tx1"/>
-            </a:solidFill>
-            <a:miter lim="800000"/>
-            <a:headEnd/>
-            <a:tailEnd/>
-          </a:ln>
-        </p:spPr>
-        <p:txBody>
-          <a:bodyPr lIns="90000" tIns="72000" rIns="90000" bIns="72000" rtlCol="0" anchor="ctr"/>
-          <a:lstStyle/>
-          <a:p>
-            <a:pPr marR="0" algn="ctr" defTabSz="914400" eaLnBrk="1" fontAlgn="base" latinLnBrk="0" hangingPunct="1">
-              <a:lnSpc>
-                <a:spcPct val="100000"/>
-              </a:lnSpc>
-              <a:spcBef>
-                <a:spcPct val="50000"/>
-              </a:spcBef>
-              <a:spcAft>
-                <a:spcPct val="0"/>
-              </a:spcAft>
-              <a:buClr>
-                <a:srgbClr val="F0AB00"/>
-              </a:buClr>
-              <a:buSzPct val="80000"/>
-              <a:tabLst/>
-            </a:pPr>
-            <a:r>
-              <a:rPr lang="en-US" sz="1400" kern="0" dirty="0">
-                <a:ea typeface="Arial Unicode MS" pitchFamily="34" charset="-128"/>
-                <a:cs typeface="Arial Unicode MS" pitchFamily="34" charset="-128"/>
-              </a:rPr>
-              <a:t>image name</a:t>
-            </a:r>
-            <a:endParaRPr kumimoji="0" lang="en-US" sz="1400" b="0" i="0" u="none" strike="noStrike" kern="0" cap="none" spc="0" normalizeH="0" baseline="0" dirty="0">
-              <a:ln>
-                <a:noFill/>
-              </a:ln>
-              <a:effectLst/>
-              <a:uLnTx/>
-              <a:uFillTx/>
-              <a:ea typeface="Arial Unicode MS" pitchFamily="34" charset="-128"/>
-              <a:cs typeface="Arial Unicode MS" pitchFamily="34" charset="-128"/>
-            </a:endParaRPr>
-          </a:p>
-        </p:txBody>
-      </p:sp>
-      <p:sp>
-        <p:nvSpPr>
-          <p:cNvPr id="18" name="Rectangle 17"/>
-          <p:cNvSpPr/>
-          <p:nvPr/>
-        </p:nvSpPr>
-        <p:spPr bwMode="gray">
-          <a:xfrm>
-            <a:off x="2743200" y="4816657"/>
-            <a:ext cx="1590675" cy="410396"/>
-          </a:xfrm>
-          <a:prstGeom prst="rect">
-            <a:avLst/>
-          </a:prstGeom>
-          <a:solidFill>
-            <a:schemeClr val="accent1"/>
-          </a:solidFill>
-          <a:ln w="6350" algn="ctr">
-            <a:solidFill>
-              <a:schemeClr val="tx1"/>
-            </a:solidFill>
-            <a:miter lim="800000"/>
-            <a:headEnd/>
-            <a:tailEnd/>
-          </a:ln>
-        </p:spPr>
-        <p:txBody>
-          <a:bodyPr lIns="90000" tIns="72000" rIns="90000" bIns="72000" rtlCol="0" anchor="ctr"/>
-          <a:lstStyle/>
-          <a:p>
-            <a:pPr marR="0" algn="ctr" defTabSz="914400" eaLnBrk="1" fontAlgn="base" latinLnBrk="0" hangingPunct="1">
-              <a:lnSpc>
-                <a:spcPct val="100000"/>
-              </a:lnSpc>
-              <a:spcBef>
-                <a:spcPct val="50000"/>
-              </a:spcBef>
-              <a:spcAft>
-                <a:spcPct val="0"/>
-              </a:spcAft>
-              <a:buClr>
-                <a:srgbClr val="F0AB00"/>
-              </a:buClr>
-              <a:buSzPct val="80000"/>
-              <a:tabLst/>
-            </a:pPr>
-            <a:r>
-              <a:rPr lang="en-US" sz="1400" kern="0" dirty="0">
-                <a:ea typeface="Arial Unicode MS" pitchFamily="34" charset="-128"/>
-                <a:cs typeface="Arial Unicode MS" pitchFamily="34" charset="-128"/>
-              </a:rPr>
-              <a:t>useful description</a:t>
-            </a:r>
-            <a:endParaRPr kumimoji="0" lang="en-US" sz="1400" b="0" i="0" u="none" strike="noStrike" kern="0" cap="none" spc="0" normalizeH="0" baseline="0" dirty="0">
-              <a:ln>
-                <a:noFill/>
-              </a:ln>
-              <a:effectLst/>
-              <a:uLnTx/>
-              <a:uFillTx/>
-              <a:ea typeface="Arial Unicode MS" pitchFamily="34" charset="-128"/>
-              <a:cs typeface="Arial Unicode MS" pitchFamily="34" charset="-128"/>
-            </a:endParaRPr>
-          </a:p>
-        </p:txBody>
-      </p:sp>
-      <p:cxnSp>
-        <p:nvCxnSpPr>
-          <p:cNvPr id="19" name="Straight Arrow Connector 18"/>
-          <p:cNvCxnSpPr>
-            <a:endCxn id="18" idx="0"/>
-          </p:cNvCxnSpPr>
-          <p:nvPr/>
-        </p:nvCxnSpPr>
-        <p:spPr>
-          <a:xfrm flipH="1">
-            <a:off x="3538538" y="3605886"/>
-            <a:ext cx="10350" cy="1210771"/>
-          </a:xfrm>
-          <a:prstGeom prst="straightConnector1">
-            <a:avLst/>
-          </a:prstGeom>
-          <a:ln w="19050">
-            <a:solidFill>
-              <a:srgbClr val="FF0000"/>
-            </a:solidFill>
-            <a:headEnd type="none" w="med" len="med"/>
-            <a:tailEnd type="triangle" w="lg" len="lg"/>
-          </a:ln>
-        </p:spPr>
-        <p:style>
-          <a:lnRef idx="1">
-            <a:schemeClr val="accent1"/>
-          </a:lnRef>
-          <a:fillRef idx="0">
-            <a:schemeClr val="accent1"/>
-          </a:fillRef>
-          <a:effectRef idx="0">
-            <a:schemeClr val="accent1"/>
-          </a:effectRef>
-          <a:fontRef idx="minor">
-            <a:schemeClr val="tx1"/>
-          </a:fontRef>
-        </p:style>
-      </p:cxnSp>
-      <p:cxnSp>
-        <p:nvCxnSpPr>
-          <p:cNvPr id="25" name="Straight Arrow Connector 24"/>
-          <p:cNvCxnSpPr>
-            <a:endCxn id="26" idx="0"/>
-          </p:cNvCxnSpPr>
-          <p:nvPr/>
-        </p:nvCxnSpPr>
-        <p:spPr>
-          <a:xfrm flipH="1">
-            <a:off x="5423602" y="3814898"/>
-            <a:ext cx="402104" cy="1399453"/>
-          </a:xfrm>
-          <a:prstGeom prst="straightConnector1">
-            <a:avLst/>
-          </a:prstGeom>
-          <a:ln w="19050">
-            <a:solidFill>
-              <a:srgbClr val="FF0000"/>
-            </a:solidFill>
-            <a:headEnd type="none" w="med" len="med"/>
-            <a:tailEnd type="triangle" w="lg" len="lg"/>
-          </a:ln>
-        </p:spPr>
-        <p:style>
-          <a:lnRef idx="1">
-            <a:schemeClr val="accent1"/>
-          </a:lnRef>
-          <a:fillRef idx="0">
-            <a:schemeClr val="accent1"/>
-          </a:fillRef>
-          <a:effectRef idx="0">
-            <a:schemeClr val="accent1"/>
-          </a:effectRef>
-          <a:fontRef idx="minor">
-            <a:schemeClr val="tx1"/>
-          </a:fontRef>
-        </p:style>
-      </p:cxnSp>
-      <p:sp>
-        <p:nvSpPr>
-          <p:cNvPr id="26" name="Rectangle 25"/>
-          <p:cNvSpPr/>
-          <p:nvPr/>
-        </p:nvSpPr>
-        <p:spPr bwMode="gray">
-          <a:xfrm>
-            <a:off x="4628264" y="5214351"/>
-            <a:ext cx="1590675" cy="442859"/>
-          </a:xfrm>
-          <a:prstGeom prst="rect">
-            <a:avLst/>
-          </a:prstGeom>
-          <a:solidFill>
-            <a:schemeClr val="accent1"/>
-          </a:solidFill>
-          <a:ln w="6350" algn="ctr">
-            <a:solidFill>
-              <a:schemeClr val="tx1"/>
-            </a:solidFill>
-            <a:miter lim="800000"/>
-            <a:headEnd/>
-            <a:tailEnd/>
-          </a:ln>
-        </p:spPr>
-        <p:txBody>
-          <a:bodyPr lIns="90000" tIns="72000" rIns="90000" bIns="72000" rtlCol="0" anchor="ctr"/>
-          <a:lstStyle/>
-          <a:p>
-            <a:pPr marR="0" algn="ctr" defTabSz="914400" eaLnBrk="1" fontAlgn="base" latinLnBrk="0" hangingPunct="1">
-              <a:lnSpc>
-                <a:spcPct val="100000"/>
-              </a:lnSpc>
-              <a:spcBef>
-                <a:spcPct val="50000"/>
-              </a:spcBef>
-              <a:spcAft>
-                <a:spcPct val="0"/>
-              </a:spcAft>
-              <a:buClr>
-                <a:srgbClr val="F0AB00"/>
-              </a:buClr>
-              <a:buSzPct val="80000"/>
-              <a:tabLst/>
-            </a:pPr>
-            <a:r>
-              <a:rPr lang="en-US" sz="1400" kern="0" dirty="0">
-                <a:ea typeface="Arial Unicode MS" pitchFamily="34" charset="-128"/>
-                <a:cs typeface="Arial Unicode MS" pitchFamily="34" charset="-128"/>
-              </a:rPr>
-              <a:t>LIKES!</a:t>
-            </a:r>
-            <a:endParaRPr kumimoji="0" lang="en-US" sz="1400" b="0" i="0" u="none" strike="noStrike" kern="0" cap="none" spc="0" normalizeH="0" baseline="0" dirty="0">
-              <a:ln>
-                <a:noFill/>
-              </a:ln>
-              <a:effectLst/>
-              <a:uLnTx/>
-              <a:uFillTx/>
-              <a:ea typeface="Arial Unicode MS" pitchFamily="34" charset="-128"/>
-              <a:cs typeface="Arial Unicode MS" pitchFamily="34" charset="-128"/>
-            </a:endParaRPr>
-          </a:p>
-        </p:txBody>
-      </p:sp>
-      <p:sp>
-        <p:nvSpPr>
-          <p:cNvPr id="28" name="Rectangle 27"/>
-          <p:cNvSpPr/>
-          <p:nvPr/>
-        </p:nvSpPr>
-        <p:spPr bwMode="gray">
-          <a:xfrm>
-            <a:off x="6513185" y="4476144"/>
-            <a:ext cx="1495014" cy="518290"/>
-          </a:xfrm>
-          <a:prstGeom prst="rect">
-            <a:avLst/>
-          </a:prstGeom>
-          <a:solidFill>
-            <a:schemeClr val="accent1"/>
-          </a:solidFill>
-          <a:ln w="6350" algn="ctr">
-            <a:solidFill>
-              <a:schemeClr val="tx1"/>
-            </a:solidFill>
-            <a:miter lim="800000"/>
-            <a:headEnd/>
-            <a:tailEnd/>
-          </a:ln>
-        </p:spPr>
-        <p:txBody>
-          <a:bodyPr lIns="90000" tIns="72000" rIns="90000" bIns="72000" rtlCol="0" anchor="ctr"/>
-          <a:lstStyle/>
-          <a:p>
-            <a:pPr marR="0" algn="ctr" defTabSz="914400" eaLnBrk="1" fontAlgn="base" latinLnBrk="0" hangingPunct="1">
-              <a:lnSpc>
-                <a:spcPct val="100000"/>
-              </a:lnSpc>
-              <a:spcBef>
-                <a:spcPct val="50000"/>
-              </a:spcBef>
-              <a:spcAft>
-                <a:spcPct val="0"/>
-              </a:spcAft>
-              <a:buClr>
-                <a:srgbClr val="F0AB00"/>
-              </a:buClr>
-              <a:buSzPct val="80000"/>
-              <a:tabLst/>
-            </a:pPr>
-            <a:r>
-              <a:rPr lang="en-US" sz="1400" kern="0" dirty="0">
-                <a:ea typeface="Arial Unicode MS" pitchFamily="34" charset="-128"/>
-                <a:cs typeface="Arial Unicode MS" pitchFamily="34" charset="-128"/>
-              </a:rPr>
-              <a:t>official project maintainer</a:t>
-            </a:r>
-            <a:endParaRPr kumimoji="0" lang="en-US" sz="1400" b="0" i="0" u="none" strike="noStrike" kern="0" cap="none" spc="0" normalizeH="0" baseline="0" dirty="0">
-              <a:ln>
-                <a:noFill/>
-              </a:ln>
-              <a:effectLst/>
-              <a:uLnTx/>
-              <a:uFillTx/>
-              <a:ea typeface="Arial Unicode MS" pitchFamily="34" charset="-128"/>
-              <a:cs typeface="Arial Unicode MS" pitchFamily="34" charset="-128"/>
-            </a:endParaRPr>
-          </a:p>
-        </p:txBody>
-      </p:sp>
-      <p:cxnSp>
-        <p:nvCxnSpPr>
-          <p:cNvPr id="30" name="Straight Arrow Connector 29"/>
-          <p:cNvCxnSpPr>
-            <a:endCxn id="28" idx="0"/>
-          </p:cNvCxnSpPr>
-          <p:nvPr/>
-        </p:nvCxnSpPr>
-        <p:spPr>
-          <a:xfrm>
-            <a:off x="6792686" y="3814898"/>
-            <a:ext cx="468006" cy="661246"/>
-          </a:xfrm>
-          <a:prstGeom prst="straightConnector1">
-            <a:avLst/>
-          </a:prstGeom>
-          <a:ln w="19050">
-            <a:solidFill>
-              <a:srgbClr val="FF0000"/>
-            </a:solidFill>
-            <a:headEnd type="none" w="med" len="med"/>
-            <a:tailEnd type="triangle" w="lg" len="lg"/>
-          </a:ln>
-        </p:spPr>
-        <p:style>
-          <a:lnRef idx="1">
-            <a:schemeClr val="accent1"/>
-          </a:lnRef>
-          <a:fillRef idx="0">
-            <a:schemeClr val="accent1"/>
-          </a:fillRef>
-          <a:effectRef idx="0">
-            <a:schemeClr val="accent1"/>
-          </a:effectRef>
-          <a:fontRef idx="minor">
-            <a:schemeClr val="tx1"/>
-          </a:fontRef>
-        </p:style>
-      </p:cxnSp>
-      <p:sp>
-        <p:nvSpPr>
-          <p:cNvPr id="33" name="Rectangle 32"/>
-          <p:cNvSpPr/>
-          <p:nvPr/>
-        </p:nvSpPr>
-        <p:spPr bwMode="gray">
-          <a:xfrm>
-            <a:off x="8866216" y="5092928"/>
-            <a:ext cx="1891166" cy="600095"/>
-          </a:xfrm>
-          <a:prstGeom prst="rect">
-            <a:avLst/>
-          </a:prstGeom>
-          <a:solidFill>
-            <a:schemeClr val="accent1"/>
-          </a:solidFill>
-          <a:ln w="6350" algn="ctr">
-            <a:solidFill>
-              <a:schemeClr val="tx1"/>
-            </a:solidFill>
-            <a:miter lim="800000"/>
-            <a:headEnd/>
-            <a:tailEnd/>
-          </a:ln>
-        </p:spPr>
-        <p:txBody>
-          <a:bodyPr lIns="90000" tIns="72000" rIns="90000" bIns="72000" rtlCol="0" anchor="ctr"/>
-          <a:lstStyle/>
-          <a:p>
-            <a:pPr marR="0" algn="ctr" defTabSz="914400" eaLnBrk="1" fontAlgn="base" latinLnBrk="0" hangingPunct="1">
-              <a:lnSpc>
-                <a:spcPct val="100000"/>
-              </a:lnSpc>
-              <a:spcBef>
-                <a:spcPct val="50000"/>
-              </a:spcBef>
-              <a:spcAft>
-                <a:spcPct val="0"/>
-              </a:spcAft>
-              <a:buClr>
-                <a:srgbClr val="F0AB00"/>
-              </a:buClr>
-              <a:buSzPct val="80000"/>
-              <a:tabLst/>
-            </a:pPr>
-            <a:r>
-              <a:rPr lang="en-US" sz="1400" kern="0" dirty="0">
-                <a:ea typeface="Arial Unicode MS" pitchFamily="34" charset="-128"/>
-                <a:cs typeface="Arial Unicode MS" pitchFamily="34" charset="-128"/>
-              </a:rPr>
-              <a:t>automatically built on Docker Hub</a:t>
-            </a:r>
-            <a:endParaRPr kumimoji="0" lang="en-US" sz="1400" b="0" i="0" u="none" strike="noStrike" kern="0" cap="none" spc="0" normalizeH="0" baseline="0" dirty="0">
-              <a:ln>
-                <a:noFill/>
-              </a:ln>
-              <a:effectLst/>
-              <a:uLnTx/>
-              <a:uFillTx/>
-              <a:ea typeface="Arial Unicode MS" pitchFamily="34" charset="-128"/>
-              <a:cs typeface="Arial Unicode MS" pitchFamily="34" charset="-128"/>
-            </a:endParaRPr>
-          </a:p>
-        </p:txBody>
-      </p:sp>
-      <p:cxnSp>
-        <p:nvCxnSpPr>
-          <p:cNvPr id="34" name="Straight Arrow Connector 33"/>
-          <p:cNvCxnSpPr>
-            <a:endCxn id="33" idx="0"/>
-          </p:cNvCxnSpPr>
-          <p:nvPr/>
-        </p:nvCxnSpPr>
-        <p:spPr>
-          <a:xfrm>
-            <a:off x="7576457" y="3814898"/>
-            <a:ext cx="2235342" cy="1278030"/>
-          </a:xfrm>
-          <a:prstGeom prst="straightConnector1">
-            <a:avLst/>
-          </a:prstGeom>
-          <a:ln w="19050">
-            <a:solidFill>
-              <a:srgbClr val="FF0000"/>
-            </a:solidFill>
-            <a:headEnd type="none" w="med" len="med"/>
-            <a:tailEnd type="triangle" w="lg" len="lg"/>
-          </a:ln>
-        </p:spPr>
-        <p:style>
-          <a:lnRef idx="1">
-            <a:schemeClr val="accent1"/>
-          </a:lnRef>
-          <a:fillRef idx="0">
-            <a:schemeClr val="accent1"/>
-          </a:fillRef>
-          <a:effectRef idx="0">
-            <a:schemeClr val="accent1"/>
-          </a:effectRef>
-          <a:fontRef idx="minor">
-            <a:schemeClr val="tx1"/>
-          </a:fontRef>
-        </p:style>
-      </p:cxnSp>
-      <p:sp>
-        <p:nvSpPr>
-          <p:cNvPr id="9" name="Rectangle: Rounded Corners 8"/>
-          <p:cNvSpPr/>
-          <p:nvPr/>
-        </p:nvSpPr>
-        <p:spPr bwMode="gray">
-          <a:xfrm>
-            <a:off x="503999" y="2495550"/>
-            <a:ext cx="11186477" cy="1319348"/>
-          </a:xfrm>
-          <a:prstGeom prst="roundRect">
-            <a:avLst>
-              <a:gd name="adj" fmla="val 8296"/>
-            </a:avLst>
-          </a:prstGeom>
-          <a:pattFill prst="narHorz">
-            <a:fgClr>
-              <a:schemeClr val="tx1"/>
-            </a:fgClr>
-            <a:bgClr>
-              <a:srgbClr val="112806"/>
-            </a:bgClr>
-          </a:pattFill>
-          <a:ln w="6350" algn="ctr">
-            <a:noFill/>
-            <a:miter lim="800000"/>
-            <a:headEnd/>
-            <a:tailEnd/>
-          </a:ln>
-        </p:spPr>
-        <p:txBody>
-          <a:bodyPr lIns="90000" tIns="72000" rIns="90000" bIns="72000" rtlCol="0" anchor="t"/>
-          <a:lstStyle/>
-          <a:p>
-            <a:pPr defTabSz="914400" fontAlgn="base">
-              <a:spcAft>
-                <a:spcPct val="0"/>
-              </a:spcAft>
-              <a:buClr>
-                <a:srgbClr val="F0AB00"/>
-              </a:buClr>
-              <a:buSzPct val="80000"/>
-            </a:pPr>
-            <a:r>
-              <a:rPr lang="en-US" sz="900" b="1" kern="0" dirty="0">
-                <a:solidFill>
-                  <a:schemeClr val="bg1"/>
-                </a:solidFill>
-                <a:latin typeface="Courier New" panose="02070309020205020404" pitchFamily="49" charset="0"/>
-                <a:ea typeface="Arial Unicode MS" pitchFamily="34" charset="-128"/>
-                <a:cs typeface="Courier New" panose="02070309020205020404" pitchFamily="49" charset="0"/>
-              </a:rPr>
-              <a:t>$ </a:t>
-            </a:r>
-            <a:r>
-              <a:rPr lang="en-US" sz="900" b="1" kern="0" dirty="0" err="1">
-                <a:solidFill>
-                  <a:schemeClr val="bg1"/>
-                </a:solidFill>
-                <a:latin typeface="Courier New" panose="02070309020205020404" pitchFamily="49" charset="0"/>
-                <a:ea typeface="Arial Unicode MS" pitchFamily="34" charset="-128"/>
-                <a:cs typeface="Courier New" panose="02070309020205020404" pitchFamily="49" charset="0"/>
-              </a:rPr>
-              <a:t>docker</a:t>
-            </a:r>
-            <a:r>
-              <a:rPr lang="en-US" sz="900" b="1" kern="0" dirty="0">
-                <a:solidFill>
-                  <a:schemeClr val="bg1"/>
-                </a:solidFill>
-                <a:latin typeface="Courier New" panose="02070309020205020404" pitchFamily="49" charset="0"/>
-                <a:ea typeface="Arial Unicode MS" pitchFamily="34" charset="-128"/>
-                <a:cs typeface="Courier New" panose="02070309020205020404" pitchFamily="49" charset="0"/>
-              </a:rPr>
-              <a:t> search </a:t>
-            </a:r>
-            <a:r>
-              <a:rPr lang="en-US" sz="900" b="1" kern="0" dirty="0" err="1">
-                <a:solidFill>
-                  <a:schemeClr val="bg1"/>
-                </a:solidFill>
-                <a:latin typeface="Courier New" panose="02070309020205020404" pitchFamily="49" charset="0"/>
-                <a:ea typeface="Arial Unicode MS" pitchFamily="34" charset="-128"/>
-                <a:cs typeface="Courier New" panose="02070309020205020404" pitchFamily="49" charset="0"/>
-              </a:rPr>
-              <a:t>busybox</a:t>
-            </a:r>
-            <a:endParaRPr lang="en-US" sz="900" b="1" kern="0" dirty="0">
-              <a:solidFill>
-                <a:schemeClr val="bg1"/>
-              </a:solidFill>
-              <a:latin typeface="Courier New" panose="02070309020205020404" pitchFamily="49" charset="0"/>
-              <a:ea typeface="Arial Unicode MS" pitchFamily="34" charset="-128"/>
-              <a:cs typeface="Courier New" panose="02070309020205020404" pitchFamily="49" charset="0"/>
-            </a:endParaRPr>
-          </a:p>
-          <a:p>
-            <a:pPr defTabSz="914400" fontAlgn="base">
-              <a:spcAft>
-                <a:spcPct val="0"/>
-              </a:spcAft>
-              <a:buClr>
-                <a:srgbClr val="F0AB00"/>
-              </a:buClr>
-              <a:buSzPct val="80000"/>
-            </a:pPr>
-            <a:r>
-              <a:rPr lang="en-US" sz="900" kern="0" dirty="0">
-                <a:solidFill>
-                  <a:schemeClr val="bg1"/>
-                </a:solidFill>
-                <a:latin typeface="Arial monospaced for SAP" panose="020B0609020202030204" pitchFamily="49" charset="0"/>
-                <a:ea typeface="Arial Unicode MS" pitchFamily="34" charset="-128"/>
-                <a:cs typeface="Courier New" panose="02070309020205020404" pitchFamily="49" charset="0"/>
-              </a:rPr>
-              <a:t>NAME                        DESCRIPTION                                     STARS     OFFICIAL   AUTOMATED</a:t>
-            </a:r>
-          </a:p>
-          <a:p>
-            <a:pPr defTabSz="914400" fontAlgn="base">
-              <a:spcAft>
-                <a:spcPct val="0"/>
-              </a:spcAft>
-              <a:buClr>
-                <a:srgbClr val="F0AB00"/>
-              </a:buClr>
-              <a:buSzPct val="80000"/>
-            </a:pPr>
-            <a:r>
-              <a:rPr lang="en-US" sz="900" kern="0" dirty="0" err="1">
-                <a:solidFill>
-                  <a:schemeClr val="bg1"/>
-                </a:solidFill>
-                <a:latin typeface="Arial monospaced for SAP" panose="020B0609020202030204" pitchFamily="49" charset="0"/>
-                <a:ea typeface="Arial Unicode MS" pitchFamily="34" charset="-128"/>
-                <a:cs typeface="Courier New" panose="02070309020205020404" pitchFamily="49" charset="0"/>
-              </a:rPr>
-              <a:t>busybox</a:t>
-            </a:r>
-            <a:r>
-              <a:rPr lang="en-US" sz="900" kern="0" dirty="0">
-                <a:solidFill>
-                  <a:schemeClr val="bg1"/>
-                </a:solidFill>
-                <a:latin typeface="Arial monospaced for SAP" panose="020B0609020202030204" pitchFamily="49" charset="0"/>
-                <a:ea typeface="Arial Unicode MS" pitchFamily="34" charset="-128"/>
-                <a:cs typeface="Courier New" panose="02070309020205020404" pitchFamily="49" charset="0"/>
-              </a:rPr>
-              <a:t>                     </a:t>
-            </a:r>
-            <a:r>
-              <a:rPr lang="en-US" sz="900" kern="0" dirty="0" err="1">
-                <a:solidFill>
-                  <a:schemeClr val="bg1"/>
-                </a:solidFill>
-                <a:latin typeface="Arial monospaced for SAP" panose="020B0609020202030204" pitchFamily="49" charset="0"/>
-                <a:ea typeface="Arial Unicode MS" pitchFamily="34" charset="-128"/>
-                <a:cs typeface="Courier New" panose="02070309020205020404" pitchFamily="49" charset="0"/>
-              </a:rPr>
-              <a:t>Busybox</a:t>
-            </a:r>
-            <a:r>
-              <a:rPr lang="en-US" sz="900" kern="0" dirty="0">
-                <a:solidFill>
-                  <a:schemeClr val="bg1"/>
-                </a:solidFill>
-                <a:latin typeface="Arial monospaced for SAP" panose="020B0609020202030204" pitchFamily="49" charset="0"/>
-                <a:ea typeface="Arial Unicode MS" pitchFamily="34" charset="-128"/>
-                <a:cs typeface="Courier New" panose="02070309020205020404" pitchFamily="49" charset="0"/>
-              </a:rPr>
-              <a:t> base image.                             1160      [OK]       </a:t>
-            </a:r>
-          </a:p>
-          <a:p>
-            <a:pPr defTabSz="914400" fontAlgn="base">
-              <a:spcAft>
-                <a:spcPct val="0"/>
-              </a:spcAft>
-              <a:buClr>
-                <a:srgbClr val="F0AB00"/>
-              </a:buClr>
-              <a:buSzPct val="80000"/>
-            </a:pPr>
-            <a:r>
-              <a:rPr lang="en-US" sz="900" kern="0" dirty="0" err="1">
-                <a:solidFill>
-                  <a:schemeClr val="bg1"/>
-                </a:solidFill>
-                <a:latin typeface="Arial monospaced for SAP" panose="020B0609020202030204" pitchFamily="49" charset="0"/>
-                <a:ea typeface="Arial Unicode MS" pitchFamily="34" charset="-128"/>
-                <a:cs typeface="Courier New" panose="02070309020205020404" pitchFamily="49" charset="0"/>
-              </a:rPr>
-              <a:t>progrium</a:t>
-            </a:r>
-            <a:r>
-              <a:rPr lang="en-US" sz="900" kern="0" dirty="0">
-                <a:solidFill>
-                  <a:schemeClr val="bg1"/>
-                </a:solidFill>
-                <a:latin typeface="Arial monospaced for SAP" panose="020B0609020202030204" pitchFamily="49" charset="0"/>
-                <a:ea typeface="Arial Unicode MS" pitchFamily="34" charset="-128"/>
-                <a:cs typeface="Courier New" panose="02070309020205020404" pitchFamily="49" charset="0"/>
-              </a:rPr>
-              <a:t>/</a:t>
-            </a:r>
-            <a:r>
-              <a:rPr lang="en-US" sz="900" kern="0" dirty="0" err="1">
-                <a:solidFill>
-                  <a:schemeClr val="bg1"/>
-                </a:solidFill>
-                <a:latin typeface="Arial monospaced for SAP" panose="020B0609020202030204" pitchFamily="49" charset="0"/>
-                <a:ea typeface="Arial Unicode MS" pitchFamily="34" charset="-128"/>
-                <a:cs typeface="Courier New" panose="02070309020205020404" pitchFamily="49" charset="0"/>
-              </a:rPr>
-              <a:t>busybox</a:t>
-            </a:r>
-            <a:r>
-              <a:rPr lang="en-US" sz="900" kern="0" dirty="0">
-                <a:solidFill>
-                  <a:schemeClr val="bg1"/>
-                </a:solidFill>
-                <a:latin typeface="Arial monospaced for SAP" panose="020B0609020202030204" pitchFamily="49" charset="0"/>
-                <a:ea typeface="Arial Unicode MS" pitchFamily="34" charset="-128"/>
-                <a:cs typeface="Courier New" panose="02070309020205020404" pitchFamily="49" charset="0"/>
-              </a:rPr>
-              <a:t>                                                            66                   [OK]</a:t>
-            </a:r>
-          </a:p>
-          <a:p>
-            <a:pPr defTabSz="914400" fontAlgn="base">
-              <a:spcAft>
-                <a:spcPct val="0"/>
-              </a:spcAft>
-              <a:buClr>
-                <a:srgbClr val="F0AB00"/>
-              </a:buClr>
-              <a:buSzPct val="80000"/>
-            </a:pPr>
-            <a:r>
-              <a:rPr lang="en-US" sz="900" kern="0" dirty="0" err="1">
-                <a:solidFill>
-                  <a:schemeClr val="bg1"/>
-                </a:solidFill>
-                <a:latin typeface="Arial monospaced for SAP" panose="020B0609020202030204" pitchFamily="49" charset="0"/>
-                <a:ea typeface="Arial Unicode MS" pitchFamily="34" charset="-128"/>
-                <a:cs typeface="Courier New" panose="02070309020205020404" pitchFamily="49" charset="0"/>
-              </a:rPr>
-              <a:t>hypriot</a:t>
-            </a:r>
-            <a:r>
-              <a:rPr lang="en-US" sz="900" kern="0" dirty="0">
-                <a:solidFill>
-                  <a:schemeClr val="bg1"/>
-                </a:solidFill>
-                <a:latin typeface="Arial monospaced for SAP" panose="020B0609020202030204" pitchFamily="49" charset="0"/>
-                <a:ea typeface="Arial Unicode MS" pitchFamily="34" charset="-128"/>
-                <a:cs typeface="Courier New" panose="02070309020205020404" pitchFamily="49" charset="0"/>
-              </a:rPr>
-              <a:t>/</a:t>
-            </a:r>
-            <a:r>
-              <a:rPr lang="en-US" sz="900" kern="0" dirty="0" err="1">
-                <a:solidFill>
-                  <a:schemeClr val="bg1"/>
-                </a:solidFill>
-                <a:latin typeface="Arial monospaced for SAP" panose="020B0609020202030204" pitchFamily="49" charset="0"/>
-                <a:ea typeface="Arial Unicode MS" pitchFamily="34" charset="-128"/>
-                <a:cs typeface="Courier New" panose="02070309020205020404" pitchFamily="49" charset="0"/>
-              </a:rPr>
-              <a:t>rpi-busybox-httpd</a:t>
-            </a:r>
-            <a:r>
-              <a:rPr lang="en-US" sz="900" kern="0" dirty="0">
-                <a:solidFill>
-                  <a:schemeClr val="bg1"/>
-                </a:solidFill>
-                <a:latin typeface="Arial monospaced for SAP" panose="020B0609020202030204" pitchFamily="49" charset="0"/>
-                <a:ea typeface="Arial Unicode MS" pitchFamily="34" charset="-128"/>
-                <a:cs typeface="Courier New" panose="02070309020205020404" pitchFamily="49" charset="0"/>
-              </a:rPr>
-              <a:t>   Raspberry Pi compatible Docker Image with ...   39                   </a:t>
-            </a:r>
-          </a:p>
-          <a:p>
-            <a:pPr defTabSz="914400" fontAlgn="base">
-              <a:spcAft>
-                <a:spcPct val="0"/>
-              </a:spcAft>
-              <a:buClr>
-                <a:srgbClr val="F0AB00"/>
-              </a:buClr>
-              <a:buSzPct val="80000"/>
-            </a:pPr>
-            <a:r>
-              <a:rPr lang="en-US" sz="900" kern="0" dirty="0">
-                <a:solidFill>
-                  <a:schemeClr val="bg1"/>
-                </a:solidFill>
-                <a:latin typeface="Arial monospaced for SAP" panose="020B0609020202030204" pitchFamily="49" charset="0"/>
-                <a:ea typeface="Arial Unicode MS" pitchFamily="34" charset="-128"/>
-                <a:cs typeface="Courier New" panose="02070309020205020404" pitchFamily="49" charset="0"/>
-              </a:rPr>
-              <a:t>radial/</a:t>
-            </a:r>
-            <a:r>
-              <a:rPr lang="en-US" sz="900" kern="0" dirty="0" err="1">
-                <a:solidFill>
-                  <a:schemeClr val="bg1"/>
-                </a:solidFill>
-                <a:latin typeface="Arial monospaced for SAP" panose="020B0609020202030204" pitchFamily="49" charset="0"/>
-                <a:ea typeface="Arial Unicode MS" pitchFamily="34" charset="-128"/>
-                <a:cs typeface="Courier New" panose="02070309020205020404" pitchFamily="49" charset="0"/>
-              </a:rPr>
-              <a:t>busyboxplus</a:t>
-            </a:r>
-            <a:r>
-              <a:rPr lang="en-US" sz="900" kern="0" dirty="0">
-                <a:solidFill>
-                  <a:schemeClr val="bg1"/>
-                </a:solidFill>
-                <a:latin typeface="Arial monospaced for SAP" panose="020B0609020202030204" pitchFamily="49" charset="0"/>
-                <a:ea typeface="Arial Unicode MS" pitchFamily="34" charset="-128"/>
-                <a:cs typeface="Courier New" panose="02070309020205020404" pitchFamily="49" charset="0"/>
-              </a:rPr>
-              <a:t>          Full-chain, Internet enabled, </a:t>
-            </a:r>
-            <a:r>
-              <a:rPr lang="en-US" sz="900" kern="0" dirty="0" err="1">
-                <a:solidFill>
-                  <a:schemeClr val="bg1"/>
-                </a:solidFill>
-                <a:latin typeface="Arial monospaced for SAP" panose="020B0609020202030204" pitchFamily="49" charset="0"/>
-                <a:ea typeface="Arial Unicode MS" pitchFamily="34" charset="-128"/>
-                <a:cs typeface="Courier New" panose="02070309020205020404" pitchFamily="49" charset="0"/>
-              </a:rPr>
-              <a:t>busybox</a:t>
-            </a:r>
-            <a:r>
-              <a:rPr lang="en-US" sz="900" kern="0" dirty="0">
-                <a:solidFill>
-                  <a:schemeClr val="bg1"/>
-                </a:solidFill>
-                <a:latin typeface="Arial monospaced for SAP" panose="020B0609020202030204" pitchFamily="49" charset="0"/>
-                <a:ea typeface="Arial Unicode MS" pitchFamily="34" charset="-128"/>
-                <a:cs typeface="Courier New" panose="02070309020205020404" pitchFamily="49" charset="0"/>
-              </a:rPr>
-              <a:t> made...   17                   [OK]</a:t>
-            </a:r>
-          </a:p>
-          <a:p>
-            <a:pPr defTabSz="914400" fontAlgn="base">
-              <a:spcAft>
-                <a:spcPct val="0"/>
-              </a:spcAft>
-              <a:buClr>
-                <a:srgbClr val="F0AB00"/>
-              </a:buClr>
-              <a:buSzPct val="80000"/>
-            </a:pPr>
-            <a:r>
-              <a:rPr lang="en-US" sz="900" kern="0" dirty="0" err="1">
-                <a:solidFill>
-                  <a:schemeClr val="bg1"/>
-                </a:solidFill>
-                <a:latin typeface="Arial monospaced for SAP" panose="020B0609020202030204" pitchFamily="49" charset="0"/>
-                <a:ea typeface="Arial Unicode MS" pitchFamily="34" charset="-128"/>
-                <a:cs typeface="Courier New" panose="02070309020205020404" pitchFamily="49" charset="0"/>
-              </a:rPr>
-              <a:t>hypriot</a:t>
-            </a:r>
-            <a:r>
-              <a:rPr lang="en-US" sz="900" kern="0" dirty="0">
-                <a:solidFill>
-                  <a:schemeClr val="bg1"/>
-                </a:solidFill>
-                <a:latin typeface="Arial monospaced for SAP" panose="020B0609020202030204" pitchFamily="49" charset="0"/>
-                <a:ea typeface="Arial Unicode MS" pitchFamily="34" charset="-128"/>
-                <a:cs typeface="Courier New" panose="02070309020205020404" pitchFamily="49" charset="0"/>
-              </a:rPr>
-              <a:t>/</a:t>
-            </a:r>
-            <a:r>
-              <a:rPr lang="en-US" sz="900" kern="0" dirty="0" err="1">
-                <a:solidFill>
-                  <a:schemeClr val="bg1"/>
-                </a:solidFill>
-                <a:latin typeface="Arial monospaced for SAP" panose="020B0609020202030204" pitchFamily="49" charset="0"/>
-                <a:ea typeface="Arial Unicode MS" pitchFamily="34" charset="-128"/>
-                <a:cs typeface="Courier New" panose="02070309020205020404" pitchFamily="49" charset="0"/>
-              </a:rPr>
-              <a:t>armhf-busybox</a:t>
-            </a:r>
-            <a:r>
-              <a:rPr lang="en-US" sz="900" kern="0" dirty="0">
-                <a:solidFill>
-                  <a:schemeClr val="bg1"/>
-                </a:solidFill>
-                <a:latin typeface="Arial monospaced for SAP" panose="020B0609020202030204" pitchFamily="49" charset="0"/>
-                <a:ea typeface="Arial Unicode MS" pitchFamily="34" charset="-128"/>
-                <a:cs typeface="Courier New" panose="02070309020205020404" pitchFamily="49" charset="0"/>
-              </a:rPr>
-              <a:t>       </a:t>
-            </a:r>
-            <a:r>
-              <a:rPr lang="en-US" sz="900" kern="0" dirty="0" err="1">
-                <a:solidFill>
-                  <a:schemeClr val="bg1"/>
-                </a:solidFill>
-                <a:latin typeface="Arial monospaced for SAP" panose="020B0609020202030204" pitchFamily="49" charset="0"/>
-                <a:ea typeface="Arial Unicode MS" pitchFamily="34" charset="-128"/>
-                <a:cs typeface="Courier New" panose="02070309020205020404" pitchFamily="49" charset="0"/>
-              </a:rPr>
-              <a:t>Busybox</a:t>
-            </a:r>
-            <a:r>
-              <a:rPr lang="en-US" sz="900" kern="0" dirty="0">
-                <a:solidFill>
-                  <a:schemeClr val="bg1"/>
-                </a:solidFill>
-                <a:latin typeface="Arial monospaced for SAP" panose="020B0609020202030204" pitchFamily="49" charset="0"/>
-                <a:ea typeface="Arial Unicode MS" pitchFamily="34" charset="-128"/>
-                <a:cs typeface="Courier New" panose="02070309020205020404" pitchFamily="49" charset="0"/>
-              </a:rPr>
-              <a:t> base image for ARM.                     8                    </a:t>
-            </a:r>
-          </a:p>
-          <a:p>
-            <a:pPr defTabSz="914400" fontAlgn="base">
-              <a:spcAft>
-                <a:spcPct val="0"/>
-              </a:spcAft>
-              <a:buClr>
-                <a:srgbClr val="F0AB00"/>
-              </a:buClr>
-              <a:buSzPct val="80000"/>
-            </a:pPr>
-            <a:r>
-              <a:rPr lang="en-US" sz="900" kern="0" dirty="0">
-                <a:solidFill>
-                  <a:schemeClr val="bg1"/>
-                </a:solidFill>
-                <a:latin typeface="Arial monospaced for SAP" panose="020B0609020202030204" pitchFamily="49" charset="0"/>
-                <a:ea typeface="Arial Unicode MS" pitchFamily="34" charset="-128"/>
-                <a:cs typeface="Courier New" panose="02070309020205020404" pitchFamily="49" charset="0"/>
-              </a:rPr>
-              <a:t>...</a:t>
-            </a:r>
-          </a:p>
-        </p:txBody>
-      </p:sp>
-      <p:sp>
-        <p:nvSpPr>
-          <p:cNvPr id="2" name="Rectangle 1">
-            <a:extLst>
-              <a:ext uri="{FF2B5EF4-FFF2-40B4-BE49-F238E27FC236}">
-                <a16:creationId xmlns:a16="http://schemas.microsoft.com/office/drawing/2014/main" id="{AE5DF3FF-9C48-4E71-B3A2-F3988FAA9716}"/>
-              </a:ext>
-            </a:extLst>
-          </p:cNvPr>
-          <p:cNvSpPr/>
-          <p:nvPr/>
-        </p:nvSpPr>
-        <p:spPr>
-          <a:xfrm>
-            <a:off x="5702451" y="5211263"/>
-            <a:ext cx="516488" cy="415498"/>
-          </a:xfrm>
-          <a:prstGeom prst="rect">
-            <a:avLst/>
-          </a:prstGeom>
-        </p:spPr>
-        <p:txBody>
-          <a:bodyPr wrap="none">
-            <a:spAutoFit/>
-          </a:bodyPr>
-          <a:lstStyle/>
-          <a:p>
-            <a:r>
-              <a:rPr lang="en-US" dirty="0"/>
-              <a:t>👍</a:t>
-            </a:r>
-          </a:p>
-        </p:txBody>
-      </p:sp>
-    </p:spTree>
-    <p:extLst>
-      <p:ext uri="{BB962C8B-B14F-4D97-AF65-F5344CB8AC3E}">
-        <p14:creationId xmlns:p14="http://schemas.microsoft.com/office/powerpoint/2010/main" val="2960905310"/>
-      </p:ext>
-    </p:extLst>
-  </p:cSld>
-  <p:clrMapOvr>
-    <a:masterClrMapping/>
-  </p:clrMapOvr>
-</p:sld>
-</file>
-
-<file path=ppt/slides/slide12.xml><?xml version="1.0" encoding="utf-8"?>
-<p:sld xmlns:a="http://schemas.openxmlformats.org/drawingml/2006/main" xmlns:r="http://schemas.openxmlformats.org/officeDocument/2006/relationships" xmlns:p="http://schemas.openxmlformats.org/presentationml/2006/main">
-  <p:cSld>
-    <p:spTree>
-      <p:nvGrpSpPr>
-        <p:cNvPr id="1" name=""/>
-        <p:cNvGrpSpPr/>
-        <p:nvPr/>
-      </p:nvGrpSpPr>
-      <p:grpSpPr>
-        <a:xfrm>
-          <a:off x="0" y="0"/>
-          <a:ext cx="0" cy="0"/>
-          <a:chOff x="0" y="0"/>
-          <a:chExt cx="0" cy="0"/>
-        </a:xfrm>
-      </p:grpSpPr>
-      <p:sp>
-        <p:nvSpPr>
           <p:cNvPr id="3" name="Title 2">
             <a:extLst>
               <a:ext uri="{FF2B5EF4-FFF2-40B4-BE49-F238E27FC236}">
@@ -20348,7 +19082,7 @@
 </p:sld>
 </file>
 
-<file path=ppt/slides/slide13.xml><?xml version="1.0" encoding="utf-8"?>
+<file path=ppt/slides/slide12.xml><?xml version="1.0" encoding="utf-8"?>
 <p:sld xmlns:a="http://schemas.openxmlformats.org/drawingml/2006/main" xmlns:r="http://schemas.openxmlformats.org/officeDocument/2006/relationships" xmlns:p="http://schemas.openxmlformats.org/presentationml/2006/main">
   <p:cSld>
     <p:spTree>
@@ -20436,95 +19170,7 @@
 </p:sld>
 </file>
 
-<file path=ppt/slides/slide14.xml><?xml version="1.0" encoding="utf-8"?>
-<p:sld xmlns:a="http://schemas.openxmlformats.org/drawingml/2006/main" xmlns:r="http://schemas.openxmlformats.org/officeDocument/2006/relationships" xmlns:p="http://schemas.openxmlformats.org/presentationml/2006/main">
-  <p:cSld>
-    <p:spTree>
-      <p:nvGrpSpPr>
-        <p:cNvPr id="1" name=""/>
-        <p:cNvGrpSpPr/>
-        <p:nvPr/>
-      </p:nvGrpSpPr>
-      <p:grpSpPr>
-        <a:xfrm>
-          <a:off x="0" y="0"/>
-          <a:ext cx="0" cy="0"/>
-          <a:chOff x="0" y="0"/>
-          <a:chExt cx="0" cy="0"/>
-        </a:xfrm>
-      </p:grpSpPr>
-      <p:sp>
-        <p:nvSpPr>
-          <p:cNvPr id="4" name="Title 3">
-            <a:extLst>
-              <a:ext uri="{FF2B5EF4-FFF2-40B4-BE49-F238E27FC236}">
-                <a16:creationId xmlns:a16="http://schemas.microsoft.com/office/drawing/2014/main" id="{96BEB1A8-C9D3-4723-A64F-42E02E22325A}"/>
-              </a:ext>
-            </a:extLst>
-          </p:cNvPr>
-          <p:cNvSpPr>
-            <a:spLocks noGrp="1"/>
-          </p:cNvSpPr>
-          <p:nvPr>
-            <p:ph type="title"/>
-          </p:nvPr>
-        </p:nvSpPr>
-        <p:spPr/>
-        <p:txBody>
-          <a:bodyPr/>
-          <a:lstStyle/>
-          <a:p>
-            <a:r>
-              <a:rPr lang="en-US" dirty="0"/>
-              <a:t>Exercise #3 – Images</a:t>
-            </a:r>
-          </a:p>
-        </p:txBody>
-      </p:sp>
-      <p:pic>
-        <p:nvPicPr>
-          <p:cNvPr id="8" name="Picture 7">
-            <a:extLst>
-              <a:ext uri="{FF2B5EF4-FFF2-40B4-BE49-F238E27FC236}">
-                <a16:creationId xmlns:a16="http://schemas.microsoft.com/office/drawing/2014/main" id="{D6B8C527-073F-471B-A282-22B63876CA6B}"/>
-              </a:ext>
-            </a:extLst>
-          </p:cNvPr>
-          <p:cNvPicPr>
-            <a:picLocks noChangeAspect="1"/>
-          </p:cNvPicPr>
-          <p:nvPr/>
-        </p:nvPicPr>
-        <p:blipFill>
-          <a:blip r:embed="rId3"/>
-          <a:stretch>
-            <a:fillRect/>
-          </a:stretch>
-        </p:blipFill>
-        <p:spPr>
-          <a:xfrm>
-            <a:off x="4571712" y="1903473"/>
-            <a:ext cx="3051054" cy="3051054"/>
-          </a:xfrm>
-          <a:prstGeom prst="rect">
-            <a:avLst/>
-          </a:prstGeom>
-        </p:spPr>
-      </p:pic>
-    </p:spTree>
-    <p:extLst>
-      <p:ext uri="{BB962C8B-B14F-4D97-AF65-F5344CB8AC3E}">
-        <p14:creationId xmlns:p14="http://schemas.microsoft.com/office/powerpoint/2010/main" val="2452954820"/>
-      </p:ext>
-    </p:extLst>
-  </p:cSld>
-  <p:clrMapOvr>
-    <a:masterClrMapping/>
-  </p:clrMapOvr>
-</p:sld>
-</file>
-
-<file path=ppt/slides/slide15.xml><?xml version="1.0" encoding="utf-8"?>
+<file path=ppt/slides/slide13.xml><?xml version="1.0" encoding="utf-8"?>
 <p:sld xmlns:a="http://schemas.openxmlformats.org/drawingml/2006/main" xmlns:r="http://schemas.openxmlformats.org/officeDocument/2006/relationships" xmlns:p="http://schemas.openxmlformats.org/presentationml/2006/main" show="0">
   <p:cSld>
     <p:spTree>
@@ -26513,1195 +25159,6 @@
 </file>
 
 <file path=ppt/slides/slide7.xml><?xml version="1.0" encoding="utf-8"?>
-<p:sld xmlns:a="http://schemas.openxmlformats.org/drawingml/2006/main" xmlns:r="http://schemas.openxmlformats.org/officeDocument/2006/relationships" xmlns:p="http://schemas.openxmlformats.org/presentationml/2006/main" show="0">
-  <p:cSld>
-    <p:spTree>
-      <p:nvGrpSpPr>
-        <p:cNvPr id="1" name=""/>
-        <p:cNvGrpSpPr/>
-        <p:nvPr/>
-      </p:nvGrpSpPr>
-      <p:grpSpPr>
-        <a:xfrm>
-          <a:off x="0" y="0"/>
-          <a:ext cx="0" cy="0"/>
-          <a:chOff x="0" y="0"/>
-          <a:chExt cx="0" cy="0"/>
-        </a:xfrm>
-      </p:grpSpPr>
-      <p:sp>
-        <p:nvSpPr>
-          <p:cNvPr id="3" name="Title 2"/>
-          <p:cNvSpPr>
-            <a:spLocks noGrp="1"/>
-          </p:cNvSpPr>
-          <p:nvPr>
-            <p:ph type="title"/>
-          </p:nvPr>
-        </p:nvSpPr>
-        <p:spPr/>
-        <p:txBody>
-          <a:bodyPr/>
-          <a:lstStyle/>
-          <a:p>
-            <a:r>
-              <a:rPr lang="en-US" dirty="0"/>
-              <a:t>Information about containers</a:t>
-            </a:r>
-          </a:p>
-        </p:txBody>
-      </p:sp>
-      <p:sp>
-        <p:nvSpPr>
-          <p:cNvPr id="6" name="Text Placeholder 10"/>
-          <p:cNvSpPr>
-            <a:spLocks noGrp="1"/>
-          </p:cNvSpPr>
-          <p:nvPr>
-            <p:ph type="body" sz="quarter" idx="10"/>
-          </p:nvPr>
-        </p:nvSpPr>
-        <p:spPr>
-          <a:xfrm>
-            <a:off x="503999" y="1620000"/>
-            <a:ext cx="11186477" cy="4230000"/>
-          </a:xfrm>
-        </p:spPr>
-        <p:txBody>
-          <a:bodyPr/>
-          <a:lstStyle/>
-          <a:p>
-            <a:pPr lvl="0"/>
-            <a:r>
-              <a:rPr lang="en-US" sz="1800" dirty="0"/>
-              <a:t>Available images</a:t>
-            </a:r>
-          </a:p>
-          <a:p>
-            <a:pPr lvl="1"/>
-            <a:r>
-              <a:rPr lang="en-US" sz="1600" dirty="0"/>
-              <a:t>the command </a:t>
-            </a:r>
-            <a:r>
-              <a:rPr lang="en-US" sz="1600" b="1" dirty="0">
-                <a:latin typeface="Courier New" panose="02070309020205020404" pitchFamily="49" charset="0"/>
-                <a:cs typeface="Courier New" panose="02070309020205020404" pitchFamily="49" charset="0"/>
-              </a:rPr>
-              <a:t>docker image list</a:t>
-            </a:r>
-            <a:r>
-              <a:rPr lang="en-US" sz="1600" dirty="0"/>
-              <a:t> gives a list of all available images on a host</a:t>
-            </a:r>
-          </a:p>
-        </p:txBody>
-      </p:sp>
-      <p:cxnSp>
-        <p:nvCxnSpPr>
-          <p:cNvPr id="5" name="Straight Arrow Connector 4"/>
-          <p:cNvCxnSpPr>
-            <a:endCxn id="10" idx="0"/>
-          </p:cNvCxnSpPr>
-          <p:nvPr/>
-        </p:nvCxnSpPr>
-        <p:spPr>
-          <a:xfrm flipH="1">
-            <a:off x="1299337" y="3466006"/>
-            <a:ext cx="15658" cy="1512575"/>
-          </a:xfrm>
-          <a:prstGeom prst="straightConnector1">
-            <a:avLst/>
-          </a:prstGeom>
-          <a:ln w="19050">
-            <a:solidFill>
-              <a:srgbClr val="FF0000"/>
-            </a:solidFill>
-            <a:headEnd type="none" w="med" len="med"/>
-            <a:tailEnd type="triangle" w="lg" len="lg"/>
-          </a:ln>
-        </p:spPr>
-        <p:style>
-          <a:lnRef idx="1">
-            <a:schemeClr val="accent1"/>
-          </a:lnRef>
-          <a:fillRef idx="0">
-            <a:schemeClr val="accent1"/>
-          </a:fillRef>
-          <a:effectRef idx="0">
-            <a:schemeClr val="accent1"/>
-          </a:effectRef>
-          <a:fontRef idx="minor">
-            <a:schemeClr val="tx1"/>
-          </a:fontRef>
-        </p:style>
-      </p:cxnSp>
-      <p:sp>
-        <p:nvSpPr>
-          <p:cNvPr id="10" name="Rectangle 9"/>
-          <p:cNvSpPr/>
-          <p:nvPr/>
-        </p:nvSpPr>
-        <p:spPr bwMode="gray">
-          <a:xfrm>
-            <a:off x="503999" y="4978581"/>
-            <a:ext cx="1590675" cy="457200"/>
-          </a:xfrm>
-          <a:prstGeom prst="rect">
-            <a:avLst/>
-          </a:prstGeom>
-          <a:solidFill>
-            <a:schemeClr val="accent1"/>
-          </a:solidFill>
-          <a:ln w="6350" algn="ctr">
-            <a:solidFill>
-              <a:schemeClr val="tx1"/>
-            </a:solidFill>
-            <a:miter lim="800000"/>
-            <a:headEnd/>
-            <a:tailEnd/>
-          </a:ln>
-        </p:spPr>
-        <p:txBody>
-          <a:bodyPr lIns="90000" tIns="72000" rIns="90000" bIns="72000" rtlCol="0" anchor="ctr"/>
-          <a:lstStyle/>
-          <a:p>
-            <a:pPr marR="0" algn="ctr" defTabSz="914400" eaLnBrk="1" fontAlgn="base" latinLnBrk="0" hangingPunct="1">
-              <a:lnSpc>
-                <a:spcPct val="100000"/>
-              </a:lnSpc>
-              <a:spcBef>
-                <a:spcPct val="50000"/>
-              </a:spcBef>
-              <a:spcAft>
-                <a:spcPct val="0"/>
-              </a:spcAft>
-              <a:buClr>
-                <a:srgbClr val="F0AB00"/>
-              </a:buClr>
-              <a:buSzPct val="80000"/>
-              <a:tabLst/>
-            </a:pPr>
-            <a:r>
-              <a:rPr lang="en-US" sz="1400" kern="0" dirty="0">
-                <a:ea typeface="Arial Unicode MS" pitchFamily="34" charset="-128"/>
-                <a:cs typeface="Arial Unicode MS" pitchFamily="34" charset="-128"/>
-              </a:rPr>
-              <a:t>image name</a:t>
-            </a:r>
-            <a:endParaRPr kumimoji="0" lang="en-US" sz="1400" b="0" i="0" u="none" strike="noStrike" kern="0" cap="none" spc="0" normalizeH="0" baseline="0" dirty="0">
-              <a:ln>
-                <a:noFill/>
-              </a:ln>
-              <a:effectLst/>
-              <a:uLnTx/>
-              <a:uFillTx/>
-              <a:ea typeface="Arial Unicode MS" pitchFamily="34" charset="-128"/>
-              <a:cs typeface="Arial Unicode MS" pitchFamily="34" charset="-128"/>
-            </a:endParaRPr>
-          </a:p>
-        </p:txBody>
-      </p:sp>
-      <p:sp>
-        <p:nvSpPr>
-          <p:cNvPr id="18" name="Rectangle 17"/>
-          <p:cNvSpPr/>
-          <p:nvPr/>
-        </p:nvSpPr>
-        <p:spPr bwMode="gray">
-          <a:xfrm>
-            <a:off x="2743200" y="4816657"/>
-            <a:ext cx="1590675" cy="410396"/>
-          </a:xfrm>
-          <a:prstGeom prst="rect">
-            <a:avLst/>
-          </a:prstGeom>
-          <a:solidFill>
-            <a:schemeClr val="accent1"/>
-          </a:solidFill>
-          <a:ln w="6350" algn="ctr">
-            <a:solidFill>
-              <a:schemeClr val="tx1"/>
-            </a:solidFill>
-            <a:miter lim="800000"/>
-            <a:headEnd/>
-            <a:tailEnd/>
-          </a:ln>
-        </p:spPr>
-        <p:txBody>
-          <a:bodyPr lIns="90000" tIns="72000" rIns="90000" bIns="72000" rtlCol="0" anchor="ctr"/>
-          <a:lstStyle/>
-          <a:p>
-            <a:pPr marR="0" algn="ctr" defTabSz="914400" eaLnBrk="1" fontAlgn="base" latinLnBrk="0" hangingPunct="1">
-              <a:lnSpc>
-                <a:spcPct val="100000"/>
-              </a:lnSpc>
-              <a:spcBef>
-                <a:spcPct val="50000"/>
-              </a:spcBef>
-              <a:spcAft>
-                <a:spcPct val="0"/>
-              </a:spcAft>
-              <a:buClr>
-                <a:srgbClr val="F0AB00"/>
-              </a:buClr>
-              <a:buSzPct val="80000"/>
-              <a:tabLst/>
-            </a:pPr>
-            <a:r>
-              <a:rPr lang="en-US" sz="1400" kern="0" dirty="0">
-                <a:ea typeface="Arial Unicode MS" pitchFamily="34" charset="-128"/>
-                <a:cs typeface="Arial Unicode MS" pitchFamily="34" charset="-128"/>
-              </a:rPr>
-              <a:t>useful description</a:t>
-            </a:r>
-            <a:endParaRPr kumimoji="0" lang="en-US" sz="1400" b="0" i="0" u="none" strike="noStrike" kern="0" cap="none" spc="0" normalizeH="0" baseline="0" dirty="0">
-              <a:ln>
-                <a:noFill/>
-              </a:ln>
-              <a:effectLst/>
-              <a:uLnTx/>
-              <a:uFillTx/>
-              <a:ea typeface="Arial Unicode MS" pitchFamily="34" charset="-128"/>
-              <a:cs typeface="Arial Unicode MS" pitchFamily="34" charset="-128"/>
-            </a:endParaRPr>
-          </a:p>
-        </p:txBody>
-      </p:sp>
-      <p:cxnSp>
-        <p:nvCxnSpPr>
-          <p:cNvPr id="19" name="Straight Arrow Connector 18"/>
-          <p:cNvCxnSpPr>
-            <a:endCxn id="18" idx="0"/>
-          </p:cNvCxnSpPr>
-          <p:nvPr/>
-        </p:nvCxnSpPr>
-        <p:spPr>
-          <a:xfrm flipH="1">
-            <a:off x="3538538" y="3605886"/>
-            <a:ext cx="10350" cy="1210771"/>
-          </a:xfrm>
-          <a:prstGeom prst="straightConnector1">
-            <a:avLst/>
-          </a:prstGeom>
-          <a:ln w="19050">
-            <a:solidFill>
-              <a:srgbClr val="FF0000"/>
-            </a:solidFill>
-            <a:headEnd type="none" w="med" len="med"/>
-            <a:tailEnd type="triangle" w="lg" len="lg"/>
-          </a:ln>
-        </p:spPr>
-        <p:style>
-          <a:lnRef idx="1">
-            <a:schemeClr val="accent1"/>
-          </a:lnRef>
-          <a:fillRef idx="0">
-            <a:schemeClr val="accent1"/>
-          </a:fillRef>
-          <a:effectRef idx="0">
-            <a:schemeClr val="accent1"/>
-          </a:effectRef>
-          <a:fontRef idx="minor">
-            <a:schemeClr val="tx1"/>
-          </a:fontRef>
-        </p:style>
-      </p:cxnSp>
-      <p:cxnSp>
-        <p:nvCxnSpPr>
-          <p:cNvPr id="25" name="Straight Arrow Connector 24"/>
-          <p:cNvCxnSpPr>
-            <a:endCxn id="26" idx="0"/>
-          </p:cNvCxnSpPr>
-          <p:nvPr/>
-        </p:nvCxnSpPr>
-        <p:spPr>
-          <a:xfrm flipH="1">
-            <a:off x="5423602" y="3814898"/>
-            <a:ext cx="402104" cy="1399453"/>
-          </a:xfrm>
-          <a:prstGeom prst="straightConnector1">
-            <a:avLst/>
-          </a:prstGeom>
-          <a:ln w="19050">
-            <a:solidFill>
-              <a:srgbClr val="FF0000"/>
-            </a:solidFill>
-            <a:headEnd type="none" w="med" len="med"/>
-            <a:tailEnd type="triangle" w="lg" len="lg"/>
-          </a:ln>
-        </p:spPr>
-        <p:style>
-          <a:lnRef idx="1">
-            <a:schemeClr val="accent1"/>
-          </a:lnRef>
-          <a:fillRef idx="0">
-            <a:schemeClr val="accent1"/>
-          </a:fillRef>
-          <a:effectRef idx="0">
-            <a:schemeClr val="accent1"/>
-          </a:effectRef>
-          <a:fontRef idx="minor">
-            <a:schemeClr val="tx1"/>
-          </a:fontRef>
-        </p:style>
-      </p:cxnSp>
-      <p:sp>
-        <p:nvSpPr>
-          <p:cNvPr id="26" name="Rectangle 25"/>
-          <p:cNvSpPr/>
-          <p:nvPr/>
-        </p:nvSpPr>
-        <p:spPr bwMode="gray">
-          <a:xfrm>
-            <a:off x="4628264" y="5214351"/>
-            <a:ext cx="1590675" cy="442859"/>
-          </a:xfrm>
-          <a:prstGeom prst="rect">
-            <a:avLst/>
-          </a:prstGeom>
-          <a:solidFill>
-            <a:schemeClr val="accent1"/>
-          </a:solidFill>
-          <a:ln w="6350" algn="ctr">
-            <a:solidFill>
-              <a:schemeClr val="tx1"/>
-            </a:solidFill>
-            <a:miter lim="800000"/>
-            <a:headEnd/>
-            <a:tailEnd/>
-          </a:ln>
-        </p:spPr>
-        <p:txBody>
-          <a:bodyPr lIns="90000" tIns="72000" rIns="90000" bIns="72000" rtlCol="0" anchor="ctr"/>
-          <a:lstStyle/>
-          <a:p>
-            <a:pPr marR="0" algn="ctr" defTabSz="914400" eaLnBrk="1" fontAlgn="base" latinLnBrk="0" hangingPunct="1">
-              <a:lnSpc>
-                <a:spcPct val="100000"/>
-              </a:lnSpc>
-              <a:spcBef>
-                <a:spcPct val="50000"/>
-              </a:spcBef>
-              <a:spcAft>
-                <a:spcPct val="0"/>
-              </a:spcAft>
-              <a:buClr>
-                <a:srgbClr val="F0AB00"/>
-              </a:buClr>
-              <a:buSzPct val="80000"/>
-              <a:tabLst/>
-            </a:pPr>
-            <a:r>
-              <a:rPr lang="en-US" sz="1400" kern="0" dirty="0">
-                <a:ea typeface="Arial Unicode MS" pitchFamily="34" charset="-128"/>
-                <a:cs typeface="Arial Unicode MS" pitchFamily="34" charset="-128"/>
-              </a:rPr>
-              <a:t>LIKES!</a:t>
-            </a:r>
-            <a:endParaRPr kumimoji="0" lang="en-US" sz="1400" b="0" i="0" u="none" strike="noStrike" kern="0" cap="none" spc="0" normalizeH="0" baseline="0" dirty="0">
-              <a:ln>
-                <a:noFill/>
-              </a:ln>
-              <a:effectLst/>
-              <a:uLnTx/>
-              <a:uFillTx/>
-              <a:ea typeface="Arial Unicode MS" pitchFamily="34" charset="-128"/>
-              <a:cs typeface="Arial Unicode MS" pitchFamily="34" charset="-128"/>
-            </a:endParaRPr>
-          </a:p>
-        </p:txBody>
-      </p:sp>
-      <p:sp>
-        <p:nvSpPr>
-          <p:cNvPr id="28" name="Rectangle 27"/>
-          <p:cNvSpPr/>
-          <p:nvPr/>
-        </p:nvSpPr>
-        <p:spPr bwMode="gray">
-          <a:xfrm>
-            <a:off x="6513185" y="4476144"/>
-            <a:ext cx="1495014" cy="518290"/>
-          </a:xfrm>
-          <a:prstGeom prst="rect">
-            <a:avLst/>
-          </a:prstGeom>
-          <a:solidFill>
-            <a:schemeClr val="accent1"/>
-          </a:solidFill>
-          <a:ln w="6350" algn="ctr">
-            <a:solidFill>
-              <a:schemeClr val="tx1"/>
-            </a:solidFill>
-            <a:miter lim="800000"/>
-            <a:headEnd/>
-            <a:tailEnd/>
-          </a:ln>
-        </p:spPr>
-        <p:txBody>
-          <a:bodyPr lIns="90000" tIns="72000" rIns="90000" bIns="72000" rtlCol="0" anchor="ctr"/>
-          <a:lstStyle/>
-          <a:p>
-            <a:pPr marR="0" algn="ctr" defTabSz="914400" eaLnBrk="1" fontAlgn="base" latinLnBrk="0" hangingPunct="1">
-              <a:lnSpc>
-                <a:spcPct val="100000"/>
-              </a:lnSpc>
-              <a:spcBef>
-                <a:spcPct val="50000"/>
-              </a:spcBef>
-              <a:spcAft>
-                <a:spcPct val="0"/>
-              </a:spcAft>
-              <a:buClr>
-                <a:srgbClr val="F0AB00"/>
-              </a:buClr>
-              <a:buSzPct val="80000"/>
-              <a:tabLst/>
-            </a:pPr>
-            <a:r>
-              <a:rPr lang="en-US" sz="1400" kern="0" dirty="0">
-                <a:ea typeface="Arial Unicode MS" pitchFamily="34" charset="-128"/>
-                <a:cs typeface="Arial Unicode MS" pitchFamily="34" charset="-128"/>
-              </a:rPr>
-              <a:t>official project maintainer</a:t>
-            </a:r>
-            <a:endParaRPr kumimoji="0" lang="en-US" sz="1400" b="0" i="0" u="none" strike="noStrike" kern="0" cap="none" spc="0" normalizeH="0" baseline="0" dirty="0">
-              <a:ln>
-                <a:noFill/>
-              </a:ln>
-              <a:effectLst/>
-              <a:uLnTx/>
-              <a:uFillTx/>
-              <a:ea typeface="Arial Unicode MS" pitchFamily="34" charset="-128"/>
-              <a:cs typeface="Arial Unicode MS" pitchFamily="34" charset="-128"/>
-            </a:endParaRPr>
-          </a:p>
-        </p:txBody>
-      </p:sp>
-      <p:cxnSp>
-        <p:nvCxnSpPr>
-          <p:cNvPr id="30" name="Straight Arrow Connector 29"/>
-          <p:cNvCxnSpPr>
-            <a:endCxn id="28" idx="0"/>
-          </p:cNvCxnSpPr>
-          <p:nvPr/>
-        </p:nvCxnSpPr>
-        <p:spPr>
-          <a:xfrm>
-            <a:off x="6792686" y="3814898"/>
-            <a:ext cx="468006" cy="661246"/>
-          </a:xfrm>
-          <a:prstGeom prst="straightConnector1">
-            <a:avLst/>
-          </a:prstGeom>
-          <a:ln w="19050">
-            <a:solidFill>
-              <a:srgbClr val="FF0000"/>
-            </a:solidFill>
-            <a:headEnd type="none" w="med" len="med"/>
-            <a:tailEnd type="triangle" w="lg" len="lg"/>
-          </a:ln>
-        </p:spPr>
-        <p:style>
-          <a:lnRef idx="1">
-            <a:schemeClr val="accent1"/>
-          </a:lnRef>
-          <a:fillRef idx="0">
-            <a:schemeClr val="accent1"/>
-          </a:fillRef>
-          <a:effectRef idx="0">
-            <a:schemeClr val="accent1"/>
-          </a:effectRef>
-          <a:fontRef idx="minor">
-            <a:schemeClr val="tx1"/>
-          </a:fontRef>
-        </p:style>
-      </p:cxnSp>
-      <p:sp>
-        <p:nvSpPr>
-          <p:cNvPr id="33" name="Rectangle 32"/>
-          <p:cNvSpPr/>
-          <p:nvPr/>
-        </p:nvSpPr>
-        <p:spPr bwMode="gray">
-          <a:xfrm>
-            <a:off x="8866216" y="5092928"/>
-            <a:ext cx="1891166" cy="600095"/>
-          </a:xfrm>
-          <a:prstGeom prst="rect">
-            <a:avLst/>
-          </a:prstGeom>
-          <a:solidFill>
-            <a:schemeClr val="accent1"/>
-          </a:solidFill>
-          <a:ln w="6350" algn="ctr">
-            <a:solidFill>
-              <a:schemeClr val="tx1"/>
-            </a:solidFill>
-            <a:miter lim="800000"/>
-            <a:headEnd/>
-            <a:tailEnd/>
-          </a:ln>
-        </p:spPr>
-        <p:txBody>
-          <a:bodyPr lIns="90000" tIns="72000" rIns="90000" bIns="72000" rtlCol="0" anchor="ctr"/>
-          <a:lstStyle/>
-          <a:p>
-            <a:pPr marR="0" algn="ctr" defTabSz="914400" eaLnBrk="1" fontAlgn="base" latinLnBrk="0" hangingPunct="1">
-              <a:lnSpc>
-                <a:spcPct val="100000"/>
-              </a:lnSpc>
-              <a:spcBef>
-                <a:spcPct val="50000"/>
-              </a:spcBef>
-              <a:spcAft>
-                <a:spcPct val="0"/>
-              </a:spcAft>
-              <a:buClr>
-                <a:srgbClr val="F0AB00"/>
-              </a:buClr>
-              <a:buSzPct val="80000"/>
-              <a:tabLst/>
-            </a:pPr>
-            <a:r>
-              <a:rPr lang="en-US" sz="1400" kern="0" dirty="0">
-                <a:ea typeface="Arial Unicode MS" pitchFamily="34" charset="-128"/>
-                <a:cs typeface="Arial Unicode MS" pitchFamily="34" charset="-128"/>
-              </a:rPr>
-              <a:t>automatically built on Docker Hub</a:t>
-            </a:r>
-            <a:endParaRPr kumimoji="0" lang="en-US" sz="1400" b="0" i="0" u="none" strike="noStrike" kern="0" cap="none" spc="0" normalizeH="0" baseline="0" dirty="0">
-              <a:ln>
-                <a:noFill/>
-              </a:ln>
-              <a:effectLst/>
-              <a:uLnTx/>
-              <a:uFillTx/>
-              <a:ea typeface="Arial Unicode MS" pitchFamily="34" charset="-128"/>
-              <a:cs typeface="Arial Unicode MS" pitchFamily="34" charset="-128"/>
-            </a:endParaRPr>
-          </a:p>
-        </p:txBody>
-      </p:sp>
-      <p:cxnSp>
-        <p:nvCxnSpPr>
-          <p:cNvPr id="34" name="Straight Arrow Connector 33"/>
-          <p:cNvCxnSpPr>
-            <a:endCxn id="33" idx="0"/>
-          </p:cNvCxnSpPr>
-          <p:nvPr/>
-        </p:nvCxnSpPr>
-        <p:spPr>
-          <a:xfrm>
-            <a:off x="7576457" y="3814898"/>
-            <a:ext cx="2235342" cy="1278030"/>
-          </a:xfrm>
-          <a:prstGeom prst="straightConnector1">
-            <a:avLst/>
-          </a:prstGeom>
-          <a:ln w="19050">
-            <a:solidFill>
-              <a:srgbClr val="FF0000"/>
-            </a:solidFill>
-            <a:headEnd type="none" w="med" len="med"/>
-            <a:tailEnd type="triangle" w="lg" len="lg"/>
-          </a:ln>
-        </p:spPr>
-        <p:style>
-          <a:lnRef idx="1">
-            <a:schemeClr val="accent1"/>
-          </a:lnRef>
-          <a:fillRef idx="0">
-            <a:schemeClr val="accent1"/>
-          </a:fillRef>
-          <a:effectRef idx="0">
-            <a:schemeClr val="accent1"/>
-          </a:effectRef>
-          <a:fontRef idx="minor">
-            <a:schemeClr val="tx1"/>
-          </a:fontRef>
-        </p:style>
-      </p:cxnSp>
-      <p:sp>
-        <p:nvSpPr>
-          <p:cNvPr id="9" name="Rectangle: Rounded Corners 8"/>
-          <p:cNvSpPr/>
-          <p:nvPr/>
-        </p:nvSpPr>
-        <p:spPr bwMode="gray">
-          <a:xfrm>
-            <a:off x="503999" y="2495550"/>
-            <a:ext cx="11186477" cy="1319348"/>
-          </a:xfrm>
-          <a:prstGeom prst="roundRect">
-            <a:avLst>
-              <a:gd name="adj" fmla="val 8296"/>
-            </a:avLst>
-          </a:prstGeom>
-          <a:pattFill prst="narHorz">
-            <a:fgClr>
-              <a:schemeClr val="tx1"/>
-            </a:fgClr>
-            <a:bgClr>
-              <a:srgbClr val="112806"/>
-            </a:bgClr>
-          </a:pattFill>
-          <a:ln w="6350" algn="ctr">
-            <a:noFill/>
-            <a:miter lim="800000"/>
-            <a:headEnd/>
-            <a:tailEnd/>
-          </a:ln>
-        </p:spPr>
-        <p:txBody>
-          <a:bodyPr lIns="90000" tIns="72000" rIns="90000" bIns="72000" rtlCol="0" anchor="t"/>
-          <a:lstStyle/>
-          <a:p>
-            <a:pPr defTabSz="914400" fontAlgn="base">
-              <a:spcAft>
-                <a:spcPct val="0"/>
-              </a:spcAft>
-              <a:buClr>
-                <a:srgbClr val="F0AB00"/>
-              </a:buClr>
-              <a:buSzPct val="80000"/>
-            </a:pPr>
-            <a:r>
-              <a:rPr lang="en-US" sz="900" b="1" kern="0" dirty="0">
-                <a:solidFill>
-                  <a:schemeClr val="bg1"/>
-                </a:solidFill>
-                <a:latin typeface="Courier New" panose="02070309020205020404" pitchFamily="49" charset="0"/>
-                <a:ea typeface="Arial Unicode MS" pitchFamily="34" charset="-128"/>
-                <a:cs typeface="Courier New" panose="02070309020205020404" pitchFamily="49" charset="0"/>
-              </a:rPr>
-              <a:t>$ </a:t>
-            </a:r>
-            <a:r>
-              <a:rPr lang="en-US" sz="900" b="1" kern="0" dirty="0" err="1">
-                <a:solidFill>
-                  <a:schemeClr val="bg1"/>
-                </a:solidFill>
-                <a:latin typeface="Courier New" panose="02070309020205020404" pitchFamily="49" charset="0"/>
-                <a:ea typeface="Arial Unicode MS" pitchFamily="34" charset="-128"/>
-                <a:cs typeface="Courier New" panose="02070309020205020404" pitchFamily="49" charset="0"/>
-              </a:rPr>
-              <a:t>docker</a:t>
-            </a:r>
-            <a:r>
-              <a:rPr lang="en-US" sz="900" b="1" kern="0" dirty="0">
-                <a:solidFill>
-                  <a:schemeClr val="bg1"/>
-                </a:solidFill>
-                <a:latin typeface="Courier New" panose="02070309020205020404" pitchFamily="49" charset="0"/>
-                <a:ea typeface="Arial Unicode MS" pitchFamily="34" charset="-128"/>
-                <a:cs typeface="Courier New" panose="02070309020205020404" pitchFamily="49" charset="0"/>
-              </a:rPr>
-              <a:t> search </a:t>
-            </a:r>
-            <a:r>
-              <a:rPr lang="en-US" sz="900" b="1" kern="0" dirty="0" err="1">
-                <a:solidFill>
-                  <a:schemeClr val="bg1"/>
-                </a:solidFill>
-                <a:latin typeface="Courier New" panose="02070309020205020404" pitchFamily="49" charset="0"/>
-                <a:ea typeface="Arial Unicode MS" pitchFamily="34" charset="-128"/>
-                <a:cs typeface="Courier New" panose="02070309020205020404" pitchFamily="49" charset="0"/>
-              </a:rPr>
-              <a:t>busybox</a:t>
-            </a:r>
-            <a:endParaRPr lang="en-US" sz="900" b="1" kern="0" dirty="0">
-              <a:solidFill>
-                <a:schemeClr val="bg1"/>
-              </a:solidFill>
-              <a:latin typeface="Courier New" panose="02070309020205020404" pitchFamily="49" charset="0"/>
-              <a:ea typeface="Arial Unicode MS" pitchFamily="34" charset="-128"/>
-              <a:cs typeface="Courier New" panose="02070309020205020404" pitchFamily="49" charset="0"/>
-            </a:endParaRPr>
-          </a:p>
-          <a:p>
-            <a:pPr defTabSz="914400" fontAlgn="base">
-              <a:spcAft>
-                <a:spcPct val="0"/>
-              </a:spcAft>
-              <a:buClr>
-                <a:srgbClr val="F0AB00"/>
-              </a:buClr>
-              <a:buSzPct val="80000"/>
-            </a:pPr>
-            <a:r>
-              <a:rPr lang="en-US" sz="900" kern="0" dirty="0">
-                <a:solidFill>
-                  <a:schemeClr val="bg1"/>
-                </a:solidFill>
-                <a:latin typeface="Arial monospaced for SAP" panose="020B0609020202030204" pitchFamily="49" charset="0"/>
-                <a:ea typeface="Arial Unicode MS" pitchFamily="34" charset="-128"/>
-                <a:cs typeface="Courier New" panose="02070309020205020404" pitchFamily="49" charset="0"/>
-              </a:rPr>
-              <a:t>NAME                        DESCRIPTION                                     STARS     OFFICIAL   AUTOMATED</a:t>
-            </a:r>
-          </a:p>
-          <a:p>
-            <a:pPr defTabSz="914400" fontAlgn="base">
-              <a:spcAft>
-                <a:spcPct val="0"/>
-              </a:spcAft>
-              <a:buClr>
-                <a:srgbClr val="F0AB00"/>
-              </a:buClr>
-              <a:buSzPct val="80000"/>
-            </a:pPr>
-            <a:r>
-              <a:rPr lang="en-US" sz="900" kern="0" dirty="0" err="1">
-                <a:solidFill>
-                  <a:schemeClr val="bg1"/>
-                </a:solidFill>
-                <a:latin typeface="Arial monospaced for SAP" panose="020B0609020202030204" pitchFamily="49" charset="0"/>
-                <a:ea typeface="Arial Unicode MS" pitchFamily="34" charset="-128"/>
-                <a:cs typeface="Courier New" panose="02070309020205020404" pitchFamily="49" charset="0"/>
-              </a:rPr>
-              <a:t>busybox</a:t>
-            </a:r>
-            <a:r>
-              <a:rPr lang="en-US" sz="900" kern="0" dirty="0">
-                <a:solidFill>
-                  <a:schemeClr val="bg1"/>
-                </a:solidFill>
-                <a:latin typeface="Arial monospaced for SAP" panose="020B0609020202030204" pitchFamily="49" charset="0"/>
-                <a:ea typeface="Arial Unicode MS" pitchFamily="34" charset="-128"/>
-                <a:cs typeface="Courier New" panose="02070309020205020404" pitchFamily="49" charset="0"/>
-              </a:rPr>
-              <a:t>                     </a:t>
-            </a:r>
-            <a:r>
-              <a:rPr lang="en-US" sz="900" kern="0" dirty="0" err="1">
-                <a:solidFill>
-                  <a:schemeClr val="bg1"/>
-                </a:solidFill>
-                <a:latin typeface="Arial monospaced for SAP" panose="020B0609020202030204" pitchFamily="49" charset="0"/>
-                <a:ea typeface="Arial Unicode MS" pitchFamily="34" charset="-128"/>
-                <a:cs typeface="Courier New" panose="02070309020205020404" pitchFamily="49" charset="0"/>
-              </a:rPr>
-              <a:t>Busybox</a:t>
-            </a:r>
-            <a:r>
-              <a:rPr lang="en-US" sz="900" kern="0" dirty="0">
-                <a:solidFill>
-                  <a:schemeClr val="bg1"/>
-                </a:solidFill>
-                <a:latin typeface="Arial monospaced for SAP" panose="020B0609020202030204" pitchFamily="49" charset="0"/>
-                <a:ea typeface="Arial Unicode MS" pitchFamily="34" charset="-128"/>
-                <a:cs typeface="Courier New" panose="02070309020205020404" pitchFamily="49" charset="0"/>
-              </a:rPr>
-              <a:t> base image.                             1160      [OK]       </a:t>
-            </a:r>
-          </a:p>
-          <a:p>
-            <a:pPr defTabSz="914400" fontAlgn="base">
-              <a:spcAft>
-                <a:spcPct val="0"/>
-              </a:spcAft>
-              <a:buClr>
-                <a:srgbClr val="F0AB00"/>
-              </a:buClr>
-              <a:buSzPct val="80000"/>
-            </a:pPr>
-            <a:r>
-              <a:rPr lang="en-US" sz="900" kern="0" dirty="0" err="1">
-                <a:solidFill>
-                  <a:schemeClr val="bg1"/>
-                </a:solidFill>
-                <a:latin typeface="Arial monospaced for SAP" panose="020B0609020202030204" pitchFamily="49" charset="0"/>
-                <a:ea typeface="Arial Unicode MS" pitchFamily="34" charset="-128"/>
-                <a:cs typeface="Courier New" panose="02070309020205020404" pitchFamily="49" charset="0"/>
-              </a:rPr>
-              <a:t>progrium</a:t>
-            </a:r>
-            <a:r>
-              <a:rPr lang="en-US" sz="900" kern="0" dirty="0">
-                <a:solidFill>
-                  <a:schemeClr val="bg1"/>
-                </a:solidFill>
-                <a:latin typeface="Arial monospaced for SAP" panose="020B0609020202030204" pitchFamily="49" charset="0"/>
-                <a:ea typeface="Arial Unicode MS" pitchFamily="34" charset="-128"/>
-                <a:cs typeface="Courier New" panose="02070309020205020404" pitchFamily="49" charset="0"/>
-              </a:rPr>
-              <a:t>/</a:t>
-            </a:r>
-            <a:r>
-              <a:rPr lang="en-US" sz="900" kern="0" dirty="0" err="1">
-                <a:solidFill>
-                  <a:schemeClr val="bg1"/>
-                </a:solidFill>
-                <a:latin typeface="Arial monospaced for SAP" panose="020B0609020202030204" pitchFamily="49" charset="0"/>
-                <a:ea typeface="Arial Unicode MS" pitchFamily="34" charset="-128"/>
-                <a:cs typeface="Courier New" panose="02070309020205020404" pitchFamily="49" charset="0"/>
-              </a:rPr>
-              <a:t>busybox</a:t>
-            </a:r>
-            <a:r>
-              <a:rPr lang="en-US" sz="900" kern="0" dirty="0">
-                <a:solidFill>
-                  <a:schemeClr val="bg1"/>
-                </a:solidFill>
-                <a:latin typeface="Arial monospaced for SAP" panose="020B0609020202030204" pitchFamily="49" charset="0"/>
-                <a:ea typeface="Arial Unicode MS" pitchFamily="34" charset="-128"/>
-                <a:cs typeface="Courier New" panose="02070309020205020404" pitchFamily="49" charset="0"/>
-              </a:rPr>
-              <a:t>                                                            66                   [OK]</a:t>
-            </a:r>
-          </a:p>
-          <a:p>
-            <a:pPr defTabSz="914400" fontAlgn="base">
-              <a:spcAft>
-                <a:spcPct val="0"/>
-              </a:spcAft>
-              <a:buClr>
-                <a:srgbClr val="F0AB00"/>
-              </a:buClr>
-              <a:buSzPct val="80000"/>
-            </a:pPr>
-            <a:r>
-              <a:rPr lang="en-US" sz="900" kern="0" dirty="0" err="1">
-                <a:solidFill>
-                  <a:schemeClr val="bg1"/>
-                </a:solidFill>
-                <a:latin typeface="Arial monospaced for SAP" panose="020B0609020202030204" pitchFamily="49" charset="0"/>
-                <a:ea typeface="Arial Unicode MS" pitchFamily="34" charset="-128"/>
-                <a:cs typeface="Courier New" panose="02070309020205020404" pitchFamily="49" charset="0"/>
-              </a:rPr>
-              <a:t>hypriot</a:t>
-            </a:r>
-            <a:r>
-              <a:rPr lang="en-US" sz="900" kern="0" dirty="0">
-                <a:solidFill>
-                  <a:schemeClr val="bg1"/>
-                </a:solidFill>
-                <a:latin typeface="Arial monospaced for SAP" panose="020B0609020202030204" pitchFamily="49" charset="0"/>
-                <a:ea typeface="Arial Unicode MS" pitchFamily="34" charset="-128"/>
-                <a:cs typeface="Courier New" panose="02070309020205020404" pitchFamily="49" charset="0"/>
-              </a:rPr>
-              <a:t>/</a:t>
-            </a:r>
-            <a:r>
-              <a:rPr lang="en-US" sz="900" kern="0" dirty="0" err="1">
-                <a:solidFill>
-                  <a:schemeClr val="bg1"/>
-                </a:solidFill>
-                <a:latin typeface="Arial monospaced for SAP" panose="020B0609020202030204" pitchFamily="49" charset="0"/>
-                <a:ea typeface="Arial Unicode MS" pitchFamily="34" charset="-128"/>
-                <a:cs typeface="Courier New" panose="02070309020205020404" pitchFamily="49" charset="0"/>
-              </a:rPr>
-              <a:t>rpi-busybox-httpd</a:t>
-            </a:r>
-            <a:r>
-              <a:rPr lang="en-US" sz="900" kern="0" dirty="0">
-                <a:solidFill>
-                  <a:schemeClr val="bg1"/>
-                </a:solidFill>
-                <a:latin typeface="Arial monospaced for SAP" panose="020B0609020202030204" pitchFamily="49" charset="0"/>
-                <a:ea typeface="Arial Unicode MS" pitchFamily="34" charset="-128"/>
-                <a:cs typeface="Courier New" panose="02070309020205020404" pitchFamily="49" charset="0"/>
-              </a:rPr>
-              <a:t>   Raspberry Pi compatible Docker Image with ...   39                   </a:t>
-            </a:r>
-          </a:p>
-          <a:p>
-            <a:pPr defTabSz="914400" fontAlgn="base">
-              <a:spcAft>
-                <a:spcPct val="0"/>
-              </a:spcAft>
-              <a:buClr>
-                <a:srgbClr val="F0AB00"/>
-              </a:buClr>
-              <a:buSzPct val="80000"/>
-            </a:pPr>
-            <a:r>
-              <a:rPr lang="en-US" sz="900" kern="0" dirty="0">
-                <a:solidFill>
-                  <a:schemeClr val="bg1"/>
-                </a:solidFill>
-                <a:latin typeface="Arial monospaced for SAP" panose="020B0609020202030204" pitchFamily="49" charset="0"/>
-                <a:ea typeface="Arial Unicode MS" pitchFamily="34" charset="-128"/>
-                <a:cs typeface="Courier New" panose="02070309020205020404" pitchFamily="49" charset="0"/>
-              </a:rPr>
-              <a:t>radial/</a:t>
-            </a:r>
-            <a:r>
-              <a:rPr lang="en-US" sz="900" kern="0" dirty="0" err="1">
-                <a:solidFill>
-                  <a:schemeClr val="bg1"/>
-                </a:solidFill>
-                <a:latin typeface="Arial monospaced for SAP" panose="020B0609020202030204" pitchFamily="49" charset="0"/>
-                <a:ea typeface="Arial Unicode MS" pitchFamily="34" charset="-128"/>
-                <a:cs typeface="Courier New" panose="02070309020205020404" pitchFamily="49" charset="0"/>
-              </a:rPr>
-              <a:t>busyboxplus</a:t>
-            </a:r>
-            <a:r>
-              <a:rPr lang="en-US" sz="900" kern="0" dirty="0">
-                <a:solidFill>
-                  <a:schemeClr val="bg1"/>
-                </a:solidFill>
-                <a:latin typeface="Arial monospaced for SAP" panose="020B0609020202030204" pitchFamily="49" charset="0"/>
-                <a:ea typeface="Arial Unicode MS" pitchFamily="34" charset="-128"/>
-                <a:cs typeface="Courier New" panose="02070309020205020404" pitchFamily="49" charset="0"/>
-              </a:rPr>
-              <a:t>          Full-chain, Internet enabled, </a:t>
-            </a:r>
-            <a:r>
-              <a:rPr lang="en-US" sz="900" kern="0" dirty="0" err="1">
-                <a:solidFill>
-                  <a:schemeClr val="bg1"/>
-                </a:solidFill>
-                <a:latin typeface="Arial monospaced for SAP" panose="020B0609020202030204" pitchFamily="49" charset="0"/>
-                <a:ea typeface="Arial Unicode MS" pitchFamily="34" charset="-128"/>
-                <a:cs typeface="Courier New" panose="02070309020205020404" pitchFamily="49" charset="0"/>
-              </a:rPr>
-              <a:t>busybox</a:t>
-            </a:r>
-            <a:r>
-              <a:rPr lang="en-US" sz="900" kern="0" dirty="0">
-                <a:solidFill>
-                  <a:schemeClr val="bg1"/>
-                </a:solidFill>
-                <a:latin typeface="Arial monospaced for SAP" panose="020B0609020202030204" pitchFamily="49" charset="0"/>
-                <a:ea typeface="Arial Unicode MS" pitchFamily="34" charset="-128"/>
-                <a:cs typeface="Courier New" panose="02070309020205020404" pitchFamily="49" charset="0"/>
-              </a:rPr>
-              <a:t> made...   17                   [OK]</a:t>
-            </a:r>
-          </a:p>
-          <a:p>
-            <a:pPr defTabSz="914400" fontAlgn="base">
-              <a:spcAft>
-                <a:spcPct val="0"/>
-              </a:spcAft>
-              <a:buClr>
-                <a:srgbClr val="F0AB00"/>
-              </a:buClr>
-              <a:buSzPct val="80000"/>
-            </a:pPr>
-            <a:r>
-              <a:rPr lang="en-US" sz="900" kern="0" dirty="0" err="1">
-                <a:solidFill>
-                  <a:schemeClr val="bg1"/>
-                </a:solidFill>
-                <a:latin typeface="Arial monospaced for SAP" panose="020B0609020202030204" pitchFamily="49" charset="0"/>
-                <a:ea typeface="Arial Unicode MS" pitchFamily="34" charset="-128"/>
-                <a:cs typeface="Courier New" panose="02070309020205020404" pitchFamily="49" charset="0"/>
-              </a:rPr>
-              <a:t>hypriot</a:t>
-            </a:r>
-            <a:r>
-              <a:rPr lang="en-US" sz="900" kern="0" dirty="0">
-                <a:solidFill>
-                  <a:schemeClr val="bg1"/>
-                </a:solidFill>
-                <a:latin typeface="Arial monospaced for SAP" panose="020B0609020202030204" pitchFamily="49" charset="0"/>
-                <a:ea typeface="Arial Unicode MS" pitchFamily="34" charset="-128"/>
-                <a:cs typeface="Courier New" panose="02070309020205020404" pitchFamily="49" charset="0"/>
-              </a:rPr>
-              <a:t>/</a:t>
-            </a:r>
-            <a:r>
-              <a:rPr lang="en-US" sz="900" kern="0" dirty="0" err="1">
-                <a:solidFill>
-                  <a:schemeClr val="bg1"/>
-                </a:solidFill>
-                <a:latin typeface="Arial monospaced for SAP" panose="020B0609020202030204" pitchFamily="49" charset="0"/>
-                <a:ea typeface="Arial Unicode MS" pitchFamily="34" charset="-128"/>
-                <a:cs typeface="Courier New" panose="02070309020205020404" pitchFamily="49" charset="0"/>
-              </a:rPr>
-              <a:t>armhf-busybox</a:t>
-            </a:r>
-            <a:r>
-              <a:rPr lang="en-US" sz="900" kern="0" dirty="0">
-                <a:solidFill>
-                  <a:schemeClr val="bg1"/>
-                </a:solidFill>
-                <a:latin typeface="Arial monospaced for SAP" panose="020B0609020202030204" pitchFamily="49" charset="0"/>
-                <a:ea typeface="Arial Unicode MS" pitchFamily="34" charset="-128"/>
-                <a:cs typeface="Courier New" panose="02070309020205020404" pitchFamily="49" charset="0"/>
-              </a:rPr>
-              <a:t>       </a:t>
-            </a:r>
-            <a:r>
-              <a:rPr lang="en-US" sz="900" kern="0" dirty="0" err="1">
-                <a:solidFill>
-                  <a:schemeClr val="bg1"/>
-                </a:solidFill>
-                <a:latin typeface="Arial monospaced for SAP" panose="020B0609020202030204" pitchFamily="49" charset="0"/>
-                <a:ea typeface="Arial Unicode MS" pitchFamily="34" charset="-128"/>
-                <a:cs typeface="Courier New" panose="02070309020205020404" pitchFamily="49" charset="0"/>
-              </a:rPr>
-              <a:t>Busybox</a:t>
-            </a:r>
-            <a:r>
-              <a:rPr lang="en-US" sz="900" kern="0" dirty="0">
-                <a:solidFill>
-                  <a:schemeClr val="bg1"/>
-                </a:solidFill>
-                <a:latin typeface="Arial monospaced for SAP" panose="020B0609020202030204" pitchFamily="49" charset="0"/>
-                <a:ea typeface="Arial Unicode MS" pitchFamily="34" charset="-128"/>
-                <a:cs typeface="Courier New" panose="02070309020205020404" pitchFamily="49" charset="0"/>
-              </a:rPr>
-              <a:t> base image for ARM.                     8                    </a:t>
-            </a:r>
-          </a:p>
-          <a:p>
-            <a:pPr defTabSz="914400" fontAlgn="base">
-              <a:spcAft>
-                <a:spcPct val="0"/>
-              </a:spcAft>
-              <a:buClr>
-                <a:srgbClr val="F0AB00"/>
-              </a:buClr>
-              <a:buSzPct val="80000"/>
-            </a:pPr>
-            <a:r>
-              <a:rPr lang="en-US" sz="900" kern="0" dirty="0">
-                <a:solidFill>
-                  <a:schemeClr val="bg1"/>
-                </a:solidFill>
-                <a:latin typeface="Arial monospaced for SAP" panose="020B0609020202030204" pitchFamily="49" charset="0"/>
-                <a:ea typeface="Arial Unicode MS" pitchFamily="34" charset="-128"/>
-                <a:cs typeface="Courier New" panose="02070309020205020404" pitchFamily="49" charset="0"/>
-              </a:rPr>
-              <a:t>...</a:t>
-            </a:r>
-          </a:p>
-        </p:txBody>
-      </p:sp>
-      <p:sp>
-        <p:nvSpPr>
-          <p:cNvPr id="2" name="Rectangle 1">
-            <a:extLst>
-              <a:ext uri="{FF2B5EF4-FFF2-40B4-BE49-F238E27FC236}">
-                <a16:creationId xmlns:a16="http://schemas.microsoft.com/office/drawing/2014/main" id="{AE5DF3FF-9C48-4E71-B3A2-F3988FAA9716}"/>
-              </a:ext>
-            </a:extLst>
-          </p:cNvPr>
-          <p:cNvSpPr/>
-          <p:nvPr/>
-        </p:nvSpPr>
-        <p:spPr>
-          <a:xfrm>
-            <a:off x="5702451" y="5211263"/>
-            <a:ext cx="516488" cy="415498"/>
-          </a:xfrm>
-          <a:prstGeom prst="rect">
-            <a:avLst/>
-          </a:prstGeom>
-        </p:spPr>
-        <p:txBody>
-          <a:bodyPr wrap="none">
-            <a:spAutoFit/>
-          </a:bodyPr>
-          <a:lstStyle/>
-          <a:p>
-            <a:r>
-              <a:rPr lang="en-US" dirty="0"/>
-              <a:t>👍</a:t>
-            </a:r>
-          </a:p>
-        </p:txBody>
-      </p:sp>
-      <p:sp>
-        <p:nvSpPr>
-          <p:cNvPr id="4" name="TextBox 3">
-            <a:extLst>
-              <a:ext uri="{FF2B5EF4-FFF2-40B4-BE49-F238E27FC236}">
-                <a16:creationId xmlns:a16="http://schemas.microsoft.com/office/drawing/2014/main" id="{B3C7E742-D9A8-4844-85B2-D876DDB4DF08}"/>
-              </a:ext>
-            </a:extLst>
-          </p:cNvPr>
-          <p:cNvSpPr txBox="1"/>
-          <p:nvPr/>
-        </p:nvSpPr>
-        <p:spPr>
-          <a:xfrm rot="20317805">
-            <a:off x="5624654" y="1253465"/>
-            <a:ext cx="1912883" cy="1415772"/>
-          </a:xfrm>
-          <a:prstGeom prst="rect">
-            <a:avLst/>
-          </a:prstGeom>
-          <a:solidFill>
-            <a:schemeClr val="accent1"/>
-          </a:solidFill>
-        </p:spPr>
-        <p:txBody>
-          <a:bodyPr wrap="square" lIns="0" tIns="0" rIns="0" bIns="0" rtlCol="0">
-            <a:spAutoFit/>
-          </a:bodyPr>
-          <a:lstStyle/>
-          <a:p>
-            <a:pPr fontAlgn="base">
-              <a:spcBef>
-                <a:spcPct val="50000"/>
-              </a:spcBef>
-              <a:spcAft>
-                <a:spcPct val="0"/>
-              </a:spcAft>
-              <a:buClr>
-                <a:srgbClr val="F0AB00"/>
-              </a:buClr>
-              <a:buSzPct val="80000"/>
-            </a:pPr>
-            <a:r>
-              <a:rPr lang="en-US" sz="4400" kern="0" dirty="0">
-                <a:solidFill>
-                  <a:schemeClr val="bg1"/>
-                </a:solidFill>
-                <a:ea typeface="Arial Unicode MS" pitchFamily="34" charset="-128"/>
-                <a:cs typeface="Arial Unicode MS" pitchFamily="34" charset="-128"/>
-              </a:rPr>
-              <a:t>Old !</a:t>
-            </a:r>
-            <a:br>
-              <a:rPr lang="en-US" sz="4400" kern="0" dirty="0">
-                <a:solidFill>
-                  <a:schemeClr val="bg1"/>
-                </a:solidFill>
-                <a:ea typeface="Arial Unicode MS" pitchFamily="34" charset="-128"/>
-                <a:cs typeface="Arial Unicode MS" pitchFamily="34" charset="-128"/>
-              </a:rPr>
-            </a:br>
-            <a:r>
-              <a:rPr lang="en-US" sz="2400" kern="0" dirty="0">
-                <a:solidFill>
-                  <a:schemeClr val="bg1"/>
-                </a:solidFill>
-                <a:ea typeface="Arial Unicode MS" pitchFamily="34" charset="-128"/>
-                <a:cs typeface="Arial Unicode MS" pitchFamily="34" charset="-128"/>
-              </a:rPr>
-              <a:t>Images/ containers ?</a:t>
-            </a:r>
-            <a:endParaRPr lang="en-US" sz="4400" kern="0" dirty="0">
-              <a:solidFill>
-                <a:schemeClr val="bg1"/>
-              </a:solidFill>
-              <a:ea typeface="Arial Unicode MS" pitchFamily="34" charset="-128"/>
-              <a:cs typeface="Arial Unicode MS" pitchFamily="34" charset="-128"/>
-            </a:endParaRPr>
-          </a:p>
-        </p:txBody>
-      </p:sp>
-    </p:spTree>
-    <p:extLst>
-      <p:ext uri="{BB962C8B-B14F-4D97-AF65-F5344CB8AC3E}">
-        <p14:creationId xmlns:p14="http://schemas.microsoft.com/office/powerpoint/2010/main" val="4202275646"/>
-      </p:ext>
-    </p:extLst>
-  </p:cSld>
-  <p:clrMapOvr>
-    <a:masterClrMapping/>
-  </p:clrMapOvr>
-</p:sld>
-</file>
-
-<file path=ppt/slides/slide8.xml><?xml version="1.0" encoding="utf-8"?>
 <p:sld xmlns:a="http://schemas.openxmlformats.org/drawingml/2006/main" xmlns:r="http://schemas.openxmlformats.org/officeDocument/2006/relationships" xmlns:p="http://schemas.openxmlformats.org/presentationml/2006/main">
   <p:cSld>
     <p:spTree>
@@ -27789,7 +25246,7 @@
 </p:sld>
 </file>
 
-<file path=ppt/slides/slide9.xml><?xml version="1.0" encoding="utf-8"?>
+<file path=ppt/slides/slide8.xml><?xml version="1.0" encoding="utf-8"?>
 <p:sld xmlns:a="http://schemas.openxmlformats.org/drawingml/2006/main" xmlns:r="http://schemas.openxmlformats.org/officeDocument/2006/relationships" xmlns:p="http://schemas.openxmlformats.org/presentationml/2006/main">
   <p:cSld>
     <p:spTree>
@@ -27897,7 +25354,7 @@
                 <a:tabLst/>
               </a:pPr>
               <a:r>
-                <a:rPr kumimoji="0" lang="en-US" sz="1600" b="0" i="0" u="none" strike="noStrike" kern="0" cap="none" spc="0" normalizeH="0" baseline="0" dirty="0">
+                <a:rPr kumimoji="0" lang="en-US" sz="1600" b="0" i="0" u="none" strike="noStrike" kern="0" cap="none" spc="0" normalizeH="0" baseline="0">
                   <a:ln>
                     <a:noFill/>
                   </a:ln>
@@ -27912,6 +25369,19 @@
                 </a:rPr>
                 <a:t>Docker Runtime</a:t>
               </a:r>
+              <a:endParaRPr kumimoji="0" lang="en-US" sz="1600" b="0" i="0" u="none" strike="noStrike" kern="0" cap="none" spc="0" normalizeH="0" baseline="0" dirty="0">
+                <a:ln>
+                  <a:noFill/>
+                </a:ln>
+                <a:solidFill>
+                  <a:schemeClr val="bg1"/>
+                </a:solidFill>
+                <a:effectLst/>
+                <a:uLnTx/>
+                <a:uFillTx/>
+                <a:ea typeface="Arial Unicode MS" pitchFamily="34" charset="-128"/>
+                <a:cs typeface="Arial Unicode MS" pitchFamily="34" charset="-128"/>
+              </a:endParaRPr>
             </a:p>
           </p:txBody>
         </p:sp>
@@ -27966,7 +25436,7 @@
                 <a:tabLst/>
               </a:pPr>
               <a:r>
-                <a:rPr kumimoji="0" lang="en-US" sz="1800" b="1" i="0" u="none" strike="noStrike" kern="0" cap="none" spc="0" normalizeH="0" baseline="0" noProof="0" dirty="0">
+                <a:rPr kumimoji="0" lang="en-US" sz="1800" b="1" i="0" u="none" strike="noStrike" kern="0" cap="none" spc="0" normalizeH="0" baseline="0" noProof="0">
                   <a:ln>
                     <a:noFill/>
                   </a:ln>
@@ -27978,6 +25448,16 @@
                 </a:rPr>
                 <a:t>push</a:t>
               </a:r>
+              <a:endParaRPr kumimoji="0" lang="en-US" sz="1800" b="1" i="0" u="none" strike="noStrike" kern="0" cap="none" spc="0" normalizeH="0" baseline="0" noProof="0" dirty="0">
+                <a:ln>
+                  <a:noFill/>
+                </a:ln>
+                <a:effectLst/>
+                <a:uLnTx/>
+                <a:uFillTx/>
+                <a:ea typeface="Arial Unicode MS" pitchFamily="34" charset="-128"/>
+                <a:cs typeface="Arial Unicode MS" pitchFamily="34" charset="-128"/>
+              </a:endParaRPr>
             </a:p>
           </p:txBody>
         </p:sp>
@@ -28030,7 +25510,7 @@
                 <a:tabLst/>
               </a:pPr>
               <a:r>
-                <a:rPr kumimoji="0" lang="en-US" sz="1600" b="0" i="0" u="none" strike="noStrike" kern="0" cap="none" spc="0" normalizeH="0" baseline="0" dirty="0">
+                <a:rPr kumimoji="0" lang="en-US" sz="1600" b="0" i="0" u="none" strike="noStrike" kern="0" cap="none" spc="0" normalizeH="0" baseline="0">
                   <a:ln>
                     <a:noFill/>
                   </a:ln>
@@ -28045,6 +25525,19 @@
                 </a:rPr>
                 <a:t>dockerd</a:t>
               </a:r>
+              <a:endParaRPr kumimoji="0" lang="en-US" sz="1600" b="0" i="0" u="none" strike="noStrike" kern="0" cap="none" spc="0" normalizeH="0" baseline="0" dirty="0">
+                <a:ln>
+                  <a:noFill/>
+                </a:ln>
+                <a:solidFill>
+                  <a:schemeClr val="bg1"/>
+                </a:solidFill>
+                <a:effectLst/>
+                <a:uLnTx/>
+                <a:uFillTx/>
+                <a:ea typeface="Arial Unicode MS" pitchFamily="34" charset="-128"/>
+                <a:cs typeface="Arial Unicode MS" pitchFamily="34" charset="-128"/>
+              </a:endParaRPr>
             </a:p>
           </p:txBody>
         </p:sp>
@@ -28098,14 +25591,14 @@
                 <a:tabLst/>
               </a:pPr>
               <a:r>
-                <a:rPr lang="en-US" sz="1600" kern="0" dirty="0" err="1">
+                <a:rPr lang="en-US" sz="1600" kern="0">
                   <a:ea typeface="Arial Unicode MS" pitchFamily="34" charset="-128"/>
                   <a:cs typeface="Arial Unicode MS" pitchFamily="34" charset="-128"/>
                 </a:rPr>
                 <a:t>i</a:t>
               </a:r>
               <a:r>
-                <a:rPr kumimoji="0" lang="en-US" sz="1600" b="0" i="0" u="none" strike="noStrike" kern="0" cap="none" spc="0" normalizeH="0" baseline="0" noProof="0" dirty="0">
+                <a:rPr kumimoji="0" lang="en-US" sz="1600" b="0" i="0" u="none" strike="noStrike" kern="0" cap="none" spc="0" normalizeH="0" baseline="0" noProof="0">
                   <a:ln>
                     <a:noFill/>
                   </a:ln>
@@ -28117,6 +25610,16 @@
                 </a:rPr>
                 <a:t>mage storage</a:t>
               </a:r>
+              <a:endParaRPr kumimoji="0" lang="en-US" sz="1600" b="0" i="0" u="none" strike="noStrike" kern="0" cap="none" spc="0" normalizeH="0" baseline="0" noProof="0" dirty="0">
+                <a:ln>
+                  <a:noFill/>
+                </a:ln>
+                <a:effectLst/>
+                <a:uLnTx/>
+                <a:uFillTx/>
+                <a:ea typeface="Arial Unicode MS" pitchFamily="34" charset="-128"/>
+                <a:cs typeface="Arial Unicode MS" pitchFamily="34" charset="-128"/>
+              </a:endParaRPr>
             </a:p>
           </p:txBody>
         </p:sp>
@@ -28169,7 +25672,7 @@
                 <a:tabLst/>
               </a:pPr>
               <a:r>
-                <a:rPr kumimoji="0" lang="en-US" sz="1800" b="0" i="0" u="none" strike="noStrike" kern="0" cap="none" spc="0" normalizeH="0" baseline="0" dirty="0">
+                <a:rPr kumimoji="0" lang="en-US" sz="1800" b="0" i="0" u="none" strike="noStrike" kern="0" cap="none" spc="0" normalizeH="0" baseline="0">
                   <a:ln>
                     <a:noFill/>
                   </a:ln>
@@ -28184,6 +25687,19 @@
                 </a:rPr>
                 <a:t>container</a:t>
               </a:r>
+              <a:endParaRPr kumimoji="0" lang="en-US" sz="1800" b="0" i="0" u="none" strike="noStrike" kern="0" cap="none" spc="0" normalizeH="0" baseline="0" dirty="0">
+                <a:ln>
+                  <a:noFill/>
+                </a:ln>
+                <a:solidFill>
+                  <a:schemeClr val="bg1"/>
+                </a:solidFill>
+                <a:effectLst/>
+                <a:uLnTx/>
+                <a:uFillTx/>
+                <a:ea typeface="Arial Unicode MS" pitchFamily="34" charset="-128"/>
+                <a:cs typeface="Arial Unicode MS" pitchFamily="34" charset="-128"/>
+              </a:endParaRPr>
             </a:p>
           </p:txBody>
         </p:sp>
@@ -28232,7 +25748,7 @@
                 <a:buSzPct val="80000"/>
               </a:pPr>
               <a:r>
-                <a:rPr lang="en-US" sz="1100" i="1" kern="0" dirty="0">
+                <a:rPr lang="en-US" sz="1100" i="1" kern="0">
                   <a:solidFill>
                     <a:schemeClr val="bg1"/>
                   </a:solidFill>
@@ -28241,6 +25757,13 @@
                 </a:rPr>
                 <a:t>nginx</a:t>
               </a:r>
+              <a:endParaRPr lang="en-US" sz="1100" i="1" kern="0" dirty="0">
+                <a:solidFill>
+                  <a:schemeClr val="bg1"/>
+                </a:solidFill>
+                <a:ea typeface="Arial Unicode MS" pitchFamily="34" charset="-128"/>
+                <a:cs typeface="Arial Unicode MS" pitchFamily="34" charset="-128"/>
+              </a:endParaRPr>
             </a:p>
           </p:txBody>
         </p:sp>
@@ -28293,7 +25816,7 @@
                 <a:tabLst/>
               </a:pPr>
               <a:r>
-                <a:rPr kumimoji="0" lang="en-US" sz="1800" b="0" i="0" u="none" strike="noStrike" kern="0" cap="none" spc="0" normalizeH="0" baseline="0" dirty="0">
+                <a:rPr kumimoji="0" lang="en-US" sz="1800" b="0" i="0" u="none" strike="noStrike" kern="0" cap="none" spc="0" normalizeH="0" baseline="0">
                   <a:ln>
                     <a:noFill/>
                   </a:ln>
@@ -28308,6 +25831,19 @@
                 </a:rPr>
                 <a:t>container</a:t>
               </a:r>
+              <a:endParaRPr kumimoji="0" lang="en-US" sz="1800" b="0" i="0" u="none" strike="noStrike" kern="0" cap="none" spc="0" normalizeH="0" baseline="0" dirty="0">
+                <a:ln>
+                  <a:noFill/>
+                </a:ln>
+                <a:solidFill>
+                  <a:schemeClr val="bg1"/>
+                </a:solidFill>
+                <a:effectLst/>
+                <a:uLnTx/>
+                <a:uFillTx/>
+                <a:ea typeface="Arial Unicode MS" pitchFamily="34" charset="-128"/>
+                <a:cs typeface="Arial Unicode MS" pitchFamily="34" charset="-128"/>
+              </a:endParaRPr>
             </a:p>
           </p:txBody>
         </p:sp>
@@ -28356,7 +25892,7 @@
                 <a:buSzPct val="80000"/>
               </a:pPr>
               <a:r>
-                <a:rPr lang="en-US" sz="1100" i="1" kern="0" dirty="0" err="1">
+                <a:rPr lang="en-US" sz="1100" i="1" kern="0">
                   <a:solidFill>
                     <a:schemeClr val="bg1"/>
                   </a:solidFill>
@@ -28420,7 +25956,7 @@
                 <a:buSzPct val="80000"/>
               </a:pPr>
               <a:r>
-                <a:rPr lang="en-US" sz="1100" i="1" kern="0" dirty="0" err="1">
+                <a:rPr lang="en-US" sz="1100" i="1" kern="0">
                   <a:solidFill>
                     <a:schemeClr val="bg1"/>
                   </a:solidFill>
@@ -28508,7 +26044,7 @@
                   <a:tabLst/>
                 </a:pPr>
                 <a:r>
-                  <a:rPr kumimoji="0" lang="en-US" sz="1800" b="0" i="0" u="none" strike="noStrike" kern="0" cap="none" spc="0" normalizeH="0" baseline="0" noProof="0" dirty="0">
+                  <a:rPr kumimoji="0" lang="en-US" sz="1800" b="0" i="0" u="none" strike="noStrike" kern="0" cap="none" spc="0" normalizeH="0" baseline="0" noProof="0">
                     <a:ln>
                       <a:noFill/>
                     </a:ln>
@@ -28523,6 +26059,19 @@
                   </a:rPr>
                   <a:t>Registry</a:t>
                 </a:r>
+                <a:endParaRPr kumimoji="0" lang="en-US" sz="1800" b="0" i="0" u="none" strike="noStrike" kern="0" cap="none" spc="0" normalizeH="0" baseline="0" noProof="0" dirty="0">
+                  <a:ln>
+                    <a:noFill/>
+                  </a:ln>
+                  <a:solidFill>
+                    <a:schemeClr val="bg1"/>
+                  </a:solidFill>
+                  <a:effectLst/>
+                  <a:uLnTx/>
+                  <a:uFillTx/>
+                  <a:ea typeface="Arial Unicode MS" pitchFamily="34" charset="-128"/>
+                  <a:cs typeface="Arial Unicode MS" pitchFamily="34" charset="-128"/>
+                </a:endParaRPr>
               </a:p>
             </p:txBody>
           </p:sp>
@@ -28585,7 +26134,7 @@
                     <a:buSzPct val="80000"/>
                   </a:pPr>
                   <a:r>
-                    <a:rPr lang="en-US" sz="1100" i="1" kern="0" dirty="0" err="1">
+                    <a:rPr lang="en-US" sz="1100" i="1" kern="0">
                       <a:solidFill>
                         <a:schemeClr val="bg1"/>
                       </a:solidFill>
@@ -28649,7 +26198,7 @@
                     <a:buSzPct val="80000"/>
                   </a:pPr>
                   <a:r>
-                    <a:rPr lang="en-US" sz="1100" i="1" kern="0" dirty="0">
+                    <a:rPr lang="en-US" sz="1100" i="1" kern="0">
                       <a:solidFill>
                         <a:schemeClr val="bg1"/>
                       </a:solidFill>
@@ -28658,6 +26207,13 @@
                     </a:rPr>
                     <a:t>java</a:t>
                   </a:r>
+                  <a:endParaRPr lang="en-US" sz="1100" i="1" kern="0" dirty="0">
+                    <a:solidFill>
+                      <a:schemeClr val="bg1"/>
+                    </a:solidFill>
+                    <a:ea typeface="Arial Unicode MS" pitchFamily="34" charset="-128"/>
+                    <a:cs typeface="Arial Unicode MS" pitchFamily="34" charset="-128"/>
+                  </a:endParaRPr>
                 </a:p>
               </p:txBody>
             </p:sp>
@@ -28706,7 +26262,7 @@
                     <a:buSzPct val="80000"/>
                   </a:pPr>
                   <a:r>
-                    <a:rPr lang="en-US" sz="1100" i="1" kern="0" dirty="0" err="1">
+                    <a:rPr lang="en-US" sz="1100" i="1" kern="0">
                       <a:solidFill>
                         <a:schemeClr val="bg1"/>
                       </a:solidFill>
@@ -28770,7 +26326,7 @@
                     <a:buSzPct val="80000"/>
                   </a:pPr>
                   <a:r>
-                    <a:rPr lang="en-US" sz="1100" i="1" kern="0" dirty="0" err="1">
+                    <a:rPr lang="en-US" sz="1100" i="1" kern="0">
                       <a:solidFill>
                         <a:schemeClr val="bg1"/>
                       </a:solidFill>
@@ -28834,7 +26390,7 @@
                     <a:buSzPct val="80000"/>
                   </a:pPr>
                   <a:r>
-                    <a:rPr lang="en-US" sz="1100" i="1" kern="0" dirty="0" err="1">
+                    <a:rPr lang="en-US" sz="1100" i="1" kern="0">
                       <a:solidFill>
                         <a:schemeClr val="bg1"/>
                       </a:solidFill>
@@ -28898,7 +26454,7 @@
                     <a:buSzPct val="80000"/>
                   </a:pPr>
                   <a:r>
-                    <a:rPr lang="en-US" sz="1100" i="1" kern="0" dirty="0" err="1">
+                    <a:rPr lang="en-US" sz="1100" i="1" kern="0">
                       <a:solidFill>
                         <a:schemeClr val="bg1"/>
                       </a:solidFill>
@@ -28962,7 +26518,7 @@
                     <a:buSzPct val="80000"/>
                   </a:pPr>
                   <a:r>
-                    <a:rPr lang="en-US" sz="1100" i="1" kern="0" dirty="0">
+                    <a:rPr lang="en-US" sz="1100" i="1" kern="0">
                       <a:solidFill>
                         <a:schemeClr val="bg1"/>
                       </a:solidFill>
@@ -28971,6 +26527,13 @@
                     </a:rPr>
                     <a:t>nginx</a:t>
                   </a:r>
+                  <a:endParaRPr lang="en-US" sz="1100" i="1" kern="0" dirty="0">
+                    <a:solidFill>
+                      <a:schemeClr val="bg1"/>
+                    </a:solidFill>
+                    <a:ea typeface="Arial Unicode MS" pitchFamily="34" charset="-128"/>
+                    <a:cs typeface="Arial Unicode MS" pitchFamily="34" charset="-128"/>
+                  </a:endParaRPr>
                 </a:p>
               </p:txBody>
             </p:sp>
@@ -29019,7 +26582,7 @@
                     <a:buSzPct val="80000"/>
                   </a:pPr>
                   <a:r>
-                    <a:rPr lang="en-US" sz="1100" i="1" kern="0" dirty="0" err="1">
+                    <a:rPr lang="en-US" sz="1100" i="1" kern="0">
                       <a:solidFill>
                         <a:schemeClr val="bg1"/>
                       </a:solidFill>
@@ -29083,7 +26646,7 @@
                     <a:buSzPct val="80000"/>
                   </a:pPr>
                   <a:r>
-                    <a:rPr lang="en-US" sz="1100" i="1" kern="0" dirty="0" err="1">
+                    <a:rPr lang="en-US" sz="1100" i="1" kern="0">
                       <a:solidFill>
                         <a:schemeClr val="bg1"/>
                       </a:solidFill>
@@ -29155,7 +26718,7 @@
                 <a:tabLst/>
               </a:pPr>
               <a:r>
-                <a:rPr kumimoji="0" lang="en-US" sz="1800" b="1" i="0" u="none" strike="noStrike" kern="0" cap="none" spc="0" normalizeH="0" baseline="0" noProof="0" dirty="0">
+                <a:rPr kumimoji="0" lang="en-US" sz="1800" b="1" i="0" u="none" strike="noStrike" kern="0" cap="none" spc="0" normalizeH="0" baseline="0" noProof="0">
                   <a:ln>
                     <a:noFill/>
                   </a:ln>
@@ -29167,6 +26730,16 @@
                 </a:rPr>
                 <a:t>pull</a:t>
               </a:r>
+              <a:endParaRPr kumimoji="0" lang="en-US" sz="1800" b="1" i="0" u="none" strike="noStrike" kern="0" cap="none" spc="0" normalizeH="0" baseline="0" noProof="0" dirty="0">
+                <a:ln>
+                  <a:noFill/>
+                </a:ln>
+                <a:effectLst/>
+                <a:uLnTx/>
+                <a:uFillTx/>
+                <a:ea typeface="Arial Unicode MS" pitchFamily="34" charset="-128"/>
+                <a:cs typeface="Arial Unicode MS" pitchFamily="34" charset="-128"/>
+              </a:endParaRPr>
             </a:p>
           </p:txBody>
         </p:sp>
@@ -29175,6 +26748,786 @@
     <p:extLst>
       <p:ext uri="{BB962C8B-B14F-4D97-AF65-F5344CB8AC3E}">
         <p14:creationId xmlns:p14="http://schemas.microsoft.com/office/powerpoint/2010/main" val="1435938657"/>
+      </p:ext>
+    </p:extLst>
+  </p:cSld>
+  <p:clrMapOvr>
+    <a:masterClrMapping/>
+  </p:clrMapOvr>
+</p:sld>
+</file>
+
+<file path=ppt/slides/slide9.xml><?xml version="1.0" encoding="utf-8"?>
+<p:sld xmlns:a="http://schemas.openxmlformats.org/drawingml/2006/main" xmlns:r="http://schemas.openxmlformats.org/officeDocument/2006/relationships" xmlns:p="http://schemas.openxmlformats.org/presentationml/2006/main">
+  <p:cSld>
+    <p:spTree>
+      <p:nvGrpSpPr>
+        <p:cNvPr id="1" name=""/>
+        <p:cNvGrpSpPr/>
+        <p:nvPr/>
+      </p:nvGrpSpPr>
+      <p:grpSpPr>
+        <a:xfrm>
+          <a:off x="0" y="0"/>
+          <a:ext cx="0" cy="0"/>
+          <a:chOff x="0" y="0"/>
+          <a:chExt cx="0" cy="0"/>
+        </a:xfrm>
+      </p:grpSpPr>
+      <p:sp>
+        <p:nvSpPr>
+          <p:cNvPr id="3" name="Title 2"/>
+          <p:cNvSpPr>
+            <a:spLocks noGrp="1"/>
+          </p:cNvSpPr>
+          <p:nvPr>
+            <p:ph type="title"/>
+          </p:nvPr>
+        </p:nvSpPr>
+        <p:spPr/>
+        <p:txBody>
+          <a:bodyPr/>
+          <a:lstStyle/>
+          <a:p>
+            <a:r>
+              <a:rPr lang="en-US" dirty="0"/>
+              <a:t>Docker login credentials</a:t>
+            </a:r>
+          </a:p>
+        </p:txBody>
+      </p:sp>
+      <p:sp>
+        <p:nvSpPr>
+          <p:cNvPr id="4" name="Flowchart: Magnetic Disk 3"/>
+          <p:cNvSpPr/>
+          <p:nvPr/>
+        </p:nvSpPr>
+        <p:spPr bwMode="gray">
+          <a:xfrm>
+            <a:off x="772758" y="1927317"/>
+            <a:ext cx="2661557" cy="1665515"/>
+          </a:xfrm>
+          <a:prstGeom prst="flowChartMagneticDisk">
+            <a:avLst/>
+          </a:prstGeom>
+          <a:solidFill>
+            <a:schemeClr val="accent1"/>
+          </a:solidFill>
+          <a:ln w="6350" algn="ctr">
+            <a:solidFill>
+              <a:schemeClr val="accent1">
+                <a:lumMod val="20000"/>
+                <a:lumOff val="80000"/>
+              </a:schemeClr>
+            </a:solidFill>
+            <a:miter lim="800000"/>
+            <a:headEnd/>
+            <a:tailEnd/>
+          </a:ln>
+        </p:spPr>
+        <p:txBody>
+          <a:bodyPr lIns="90000" tIns="72000" rIns="90000" bIns="72000" rtlCol="0" anchor="ctr"/>
+          <a:lstStyle/>
+          <a:p>
+            <a:pPr marR="0" algn="ctr" defTabSz="914400" eaLnBrk="1" fontAlgn="base" latinLnBrk="0" hangingPunct="1">
+              <a:lnSpc>
+                <a:spcPct val="100000"/>
+              </a:lnSpc>
+              <a:spcBef>
+                <a:spcPct val="50000"/>
+              </a:spcBef>
+              <a:spcAft>
+                <a:spcPct val="0"/>
+              </a:spcAft>
+              <a:buClr>
+                <a:srgbClr val="F0AB00"/>
+              </a:buClr>
+              <a:buSzPct val="80000"/>
+              <a:tabLst/>
+            </a:pPr>
+            <a:r>
+              <a:rPr kumimoji="0" lang="en-US" sz="2000" b="1" i="0" u="none" strike="noStrike" kern="0" cap="none" spc="0" normalizeH="0" baseline="0" noProof="0" dirty="0">
+                <a:ln>
+                  <a:noFill/>
+                </a:ln>
+                <a:effectLst/>
+                <a:uLnTx/>
+                <a:uFillTx/>
+                <a:ea typeface="Arial Unicode MS" pitchFamily="34" charset="-128"/>
+                <a:cs typeface="Arial Unicode MS" pitchFamily="34" charset="-128"/>
+              </a:rPr>
+              <a:t>Private Registry</a:t>
+            </a:r>
+          </a:p>
+        </p:txBody>
+      </p:sp>
+      <p:cxnSp>
+        <p:nvCxnSpPr>
+          <p:cNvPr id="16" name="Straight Arrow Connector 15"/>
+          <p:cNvCxnSpPr>
+            <a:cxnSpLocks/>
+            <a:endCxn id="36" idx="1"/>
+          </p:cNvCxnSpPr>
+          <p:nvPr/>
+        </p:nvCxnSpPr>
+        <p:spPr>
+          <a:xfrm>
+            <a:off x="3434315" y="2760076"/>
+            <a:ext cx="1903746" cy="22339"/>
+          </a:xfrm>
+          <a:prstGeom prst="straightConnector1">
+            <a:avLst/>
+          </a:prstGeom>
+          <a:ln w="57150">
+            <a:solidFill>
+              <a:schemeClr val="accent1"/>
+            </a:solidFill>
+            <a:headEnd type="triangle" w="med" len="med"/>
+            <a:tailEnd type="triangle" w="med" len="med"/>
+          </a:ln>
+        </p:spPr>
+        <p:style>
+          <a:lnRef idx="1">
+            <a:schemeClr val="accent1"/>
+          </a:lnRef>
+          <a:fillRef idx="0">
+            <a:schemeClr val="accent1"/>
+          </a:fillRef>
+          <a:effectRef idx="0">
+            <a:schemeClr val="accent1"/>
+          </a:effectRef>
+          <a:fontRef idx="minor">
+            <a:schemeClr val="tx1"/>
+          </a:fontRef>
+        </p:style>
+      </p:cxnSp>
+      <p:sp>
+        <p:nvSpPr>
+          <p:cNvPr id="34" name="Rectangle: Rounded Corners 33"/>
+          <p:cNvSpPr/>
+          <p:nvPr/>
+        </p:nvSpPr>
+        <p:spPr bwMode="gray">
+          <a:xfrm>
+            <a:off x="8244097" y="3889271"/>
+            <a:ext cx="3448304" cy="1261311"/>
+          </a:xfrm>
+          <a:prstGeom prst="roundRect">
+            <a:avLst/>
+          </a:prstGeom>
+          <a:solidFill>
+            <a:schemeClr val="bg2"/>
+          </a:solidFill>
+          <a:ln w="28575">
+            <a:prstDash val="sysDash"/>
+            <a:headEnd/>
+            <a:tailEnd/>
+          </a:ln>
+        </p:spPr>
+        <p:style>
+          <a:lnRef idx="2">
+            <a:schemeClr val="accent2"/>
+          </a:lnRef>
+          <a:fillRef idx="1">
+            <a:schemeClr val="lt1"/>
+          </a:fillRef>
+          <a:effectRef idx="0">
+            <a:schemeClr val="accent2"/>
+          </a:effectRef>
+          <a:fontRef idx="minor">
+            <a:schemeClr val="dk1"/>
+          </a:fontRef>
+        </p:style>
+        <p:txBody>
+          <a:bodyPr lIns="90000" tIns="72000" rIns="90000" bIns="72000" rtlCol="0" anchor="ctr"/>
+          <a:lstStyle/>
+          <a:p>
+            <a:pPr marR="0" defTabSz="914400" eaLnBrk="1" fontAlgn="base" latinLnBrk="0" hangingPunct="1">
+              <a:lnSpc>
+                <a:spcPct val="100000"/>
+              </a:lnSpc>
+              <a:spcBef>
+                <a:spcPct val="50000"/>
+              </a:spcBef>
+              <a:spcAft>
+                <a:spcPct val="0"/>
+              </a:spcAft>
+              <a:buClr>
+                <a:srgbClr val="F0AB00"/>
+              </a:buClr>
+              <a:buSzPct val="80000"/>
+              <a:tabLst/>
+            </a:pPr>
+            <a:r>
+              <a:rPr lang="en-US" sz="1800" kern="0" dirty="0">
+                <a:ea typeface="Arial Unicode MS" pitchFamily="34" charset="-128"/>
+                <a:cs typeface="Arial Unicode MS" pitchFamily="34" charset="-128"/>
+              </a:rPr>
+              <a:t>docker login &lt;registry </a:t>
+            </a:r>
+            <a:r>
+              <a:rPr lang="en-US" sz="1800" kern="0" dirty="0" err="1">
+                <a:ea typeface="Arial Unicode MS" pitchFamily="34" charset="-128"/>
+                <a:cs typeface="Arial Unicode MS" pitchFamily="34" charset="-128"/>
+              </a:rPr>
+              <a:t>url</a:t>
+            </a:r>
+            <a:r>
+              <a:rPr lang="en-US" sz="1800" kern="0" dirty="0">
+                <a:ea typeface="Arial Unicode MS" pitchFamily="34" charset="-128"/>
+                <a:cs typeface="Arial Unicode MS" pitchFamily="34" charset="-128"/>
+              </a:rPr>
+              <a:t>&gt; </a:t>
+            </a:r>
+          </a:p>
+          <a:p>
+            <a:pPr marR="0" defTabSz="914400" eaLnBrk="1" fontAlgn="base" latinLnBrk="0" hangingPunct="1">
+              <a:lnSpc>
+                <a:spcPct val="100000"/>
+              </a:lnSpc>
+              <a:spcBef>
+                <a:spcPts val="600"/>
+              </a:spcBef>
+              <a:spcAft>
+                <a:spcPct val="0"/>
+              </a:spcAft>
+              <a:buClr>
+                <a:srgbClr val="F0AB00"/>
+              </a:buClr>
+              <a:buSzPct val="80000"/>
+              <a:tabLst/>
+            </a:pPr>
+            <a:r>
+              <a:rPr lang="en-US" sz="1800" kern="0" dirty="0">
+                <a:ea typeface="Arial Unicode MS" pitchFamily="34" charset="-128"/>
+                <a:cs typeface="Arial Unicode MS" pitchFamily="34" charset="-128"/>
+              </a:rPr>
+              <a:t>-u &lt;username&gt;</a:t>
+            </a:r>
+          </a:p>
+          <a:p>
+            <a:pPr marR="0" defTabSz="914400" eaLnBrk="1" fontAlgn="base" latinLnBrk="0" hangingPunct="1">
+              <a:lnSpc>
+                <a:spcPct val="100000"/>
+              </a:lnSpc>
+              <a:spcBef>
+                <a:spcPts val="600"/>
+              </a:spcBef>
+              <a:spcAft>
+                <a:spcPct val="0"/>
+              </a:spcAft>
+              <a:buClr>
+                <a:srgbClr val="F0AB00"/>
+              </a:buClr>
+              <a:buSzPct val="80000"/>
+              <a:tabLst/>
+            </a:pPr>
+            <a:r>
+              <a:rPr lang="en-US" sz="1800" kern="0" dirty="0">
+                <a:ea typeface="Arial Unicode MS" pitchFamily="34" charset="-128"/>
+                <a:cs typeface="Arial Unicode MS" pitchFamily="34" charset="-128"/>
+              </a:rPr>
+              <a:t>-p &lt;password&gt;</a:t>
+            </a:r>
+            <a:endParaRPr kumimoji="0" lang="en-US" sz="1800" b="0" i="0" u="none" strike="noStrike" kern="0" cap="none" spc="0" normalizeH="0" baseline="0" noProof="0" dirty="0" err="1">
+              <a:ln>
+                <a:noFill/>
+              </a:ln>
+              <a:effectLst/>
+              <a:uLnTx/>
+              <a:uFillTx/>
+              <a:ea typeface="Arial Unicode MS" pitchFamily="34" charset="-128"/>
+              <a:cs typeface="Arial Unicode MS" pitchFamily="34" charset="-128"/>
+            </a:endParaRPr>
+          </a:p>
+        </p:txBody>
+      </p:sp>
+      <p:pic>
+        <p:nvPicPr>
+          <p:cNvPr id="29" name="Picture 28"/>
+          <p:cNvPicPr>
+            <a:picLocks noChangeAspect="1"/>
+          </p:cNvPicPr>
+          <p:nvPr/>
+        </p:nvPicPr>
+        <p:blipFill>
+          <a:blip r:embed="rId3"/>
+          <a:stretch>
+            <a:fillRect/>
+          </a:stretch>
+        </p:blipFill>
+        <p:spPr>
+          <a:xfrm rot="4927815" flipH="1">
+            <a:off x="10396613" y="4160567"/>
+            <a:ext cx="1378156" cy="1378156"/>
+          </a:xfrm>
+          <a:prstGeom prst="rect">
+            <a:avLst/>
+          </a:prstGeom>
+        </p:spPr>
+      </p:pic>
+      <p:sp>
+        <p:nvSpPr>
+          <p:cNvPr id="36" name="Rectangle 35"/>
+          <p:cNvSpPr/>
+          <p:nvPr/>
+        </p:nvSpPr>
+        <p:spPr bwMode="gray">
+          <a:xfrm>
+            <a:off x="5338061" y="2135830"/>
+            <a:ext cx="2414107" cy="1293169"/>
+          </a:xfrm>
+          <a:prstGeom prst="rect">
+            <a:avLst/>
+          </a:prstGeom>
+          <a:solidFill>
+            <a:schemeClr val="accent3">
+              <a:lumMod val="50000"/>
+            </a:schemeClr>
+          </a:solidFill>
+          <a:ln w="6350" algn="ctr">
+            <a:solidFill>
+              <a:schemeClr val="tx1"/>
+            </a:solidFill>
+            <a:miter lim="800000"/>
+            <a:headEnd/>
+            <a:tailEnd/>
+          </a:ln>
+        </p:spPr>
+        <p:txBody>
+          <a:bodyPr vert="horz" lIns="90000" tIns="72000" rIns="90000" bIns="72000" rtlCol="0" anchor="ctr"/>
+          <a:lstStyle/>
+          <a:p>
+            <a:pPr algn="ctr" defTabSz="914400" fontAlgn="base">
+              <a:spcBef>
+                <a:spcPct val="50000"/>
+              </a:spcBef>
+              <a:spcAft>
+                <a:spcPct val="0"/>
+              </a:spcAft>
+              <a:buClr>
+                <a:srgbClr val="F0AB00"/>
+              </a:buClr>
+              <a:buSzPct val="80000"/>
+            </a:pPr>
+            <a:r>
+              <a:rPr lang="en-US" sz="1600" kern="0">
+                <a:solidFill>
+                  <a:schemeClr val="bg1"/>
+                </a:solidFill>
+                <a:latin typeface="Arial"/>
+                <a:ea typeface="Arial Unicode MS" pitchFamily="34" charset="-128"/>
+              </a:rPr>
+              <a:t>dockerd</a:t>
+            </a:r>
+            <a:endParaRPr lang="en-US" sz="1600" kern="0" dirty="0">
+              <a:solidFill>
+                <a:schemeClr val="bg1"/>
+              </a:solidFill>
+              <a:latin typeface="Arial"/>
+              <a:ea typeface="Arial Unicode MS" pitchFamily="34" charset="-128"/>
+            </a:endParaRPr>
+          </a:p>
+        </p:txBody>
+      </p:sp>
+      <p:pic>
+        <p:nvPicPr>
+          <p:cNvPr id="11" name="Picture 10">
+            <a:extLst>
+              <a:ext uri="{FF2B5EF4-FFF2-40B4-BE49-F238E27FC236}">
+                <a16:creationId xmlns:a16="http://schemas.microsoft.com/office/drawing/2014/main" id="{8687B53D-D62B-41B5-9DDD-8963C6188C03}"/>
+              </a:ext>
+            </a:extLst>
+          </p:cNvPr>
+          <p:cNvPicPr>
+            <a:picLocks noChangeAspect="1"/>
+          </p:cNvPicPr>
+          <p:nvPr/>
+        </p:nvPicPr>
+        <p:blipFill>
+          <a:blip r:embed="rId4"/>
+          <a:stretch>
+            <a:fillRect/>
+          </a:stretch>
+        </p:blipFill>
+        <p:spPr>
+          <a:xfrm>
+            <a:off x="3136565" y="2705828"/>
+            <a:ext cx="1774008" cy="1774008"/>
+          </a:xfrm>
+          <a:prstGeom prst="rect">
+            <a:avLst/>
+          </a:prstGeom>
+        </p:spPr>
+      </p:pic>
+      <p:sp>
+        <p:nvSpPr>
+          <p:cNvPr id="2" name="Rectangle 1">
+            <a:extLst>
+              <a:ext uri="{FF2B5EF4-FFF2-40B4-BE49-F238E27FC236}">
+                <a16:creationId xmlns:a16="http://schemas.microsoft.com/office/drawing/2014/main" id="{25F2868B-D6D2-4C76-B481-6486923ADA06}"/>
+              </a:ext>
+            </a:extLst>
+          </p:cNvPr>
+          <p:cNvSpPr/>
+          <p:nvPr/>
+        </p:nvSpPr>
+        <p:spPr bwMode="gray">
+          <a:xfrm>
+            <a:off x="907136" y="4406148"/>
+            <a:ext cx="2392799" cy="886995"/>
+          </a:xfrm>
+          <a:prstGeom prst="rect">
+            <a:avLst/>
+          </a:prstGeom>
+          <a:solidFill>
+            <a:schemeClr val="accent1"/>
+          </a:solidFill>
+          <a:ln w="6350" algn="ctr">
+            <a:solidFill>
+              <a:schemeClr val="accent1">
+                <a:lumMod val="20000"/>
+                <a:lumOff val="80000"/>
+              </a:schemeClr>
+            </a:solidFill>
+            <a:miter lim="800000"/>
+            <a:headEnd/>
+            <a:tailEnd/>
+          </a:ln>
+        </p:spPr>
+        <p:txBody>
+          <a:bodyPr lIns="90000" tIns="72000" rIns="90000" bIns="72000" rtlCol="0" anchor="ctr"/>
+          <a:lstStyle/>
+          <a:p>
+            <a:pPr marR="0" algn="ctr" defTabSz="914400" eaLnBrk="1" fontAlgn="base" latinLnBrk="0" hangingPunct="1">
+              <a:lnSpc>
+                <a:spcPct val="100000"/>
+              </a:lnSpc>
+              <a:spcBef>
+                <a:spcPct val="50000"/>
+              </a:spcBef>
+              <a:spcAft>
+                <a:spcPct val="0"/>
+              </a:spcAft>
+              <a:buClr>
+                <a:srgbClr val="F0AB00"/>
+              </a:buClr>
+              <a:buSzPct val="80000"/>
+              <a:tabLst/>
+            </a:pPr>
+            <a:r>
+              <a:rPr kumimoji="0" lang="en-US" sz="1800" b="0" i="0" u="none" strike="noStrike" kern="0" cap="none" spc="0" normalizeH="0" baseline="0" noProof="0" dirty="0">
+                <a:ln>
+                  <a:noFill/>
+                </a:ln>
+                <a:effectLst/>
+                <a:uLnTx/>
+                <a:uFillTx/>
+                <a:ea typeface="Arial Unicode MS" pitchFamily="34" charset="-128"/>
+                <a:cs typeface="Arial Unicode MS" pitchFamily="34" charset="-128"/>
+              </a:rPr>
+              <a:t>User Management</a:t>
+            </a:r>
+          </a:p>
+        </p:txBody>
+      </p:sp>
+      <p:cxnSp>
+        <p:nvCxnSpPr>
+          <p:cNvPr id="6" name="Connector: Elbow 5">
+            <a:extLst>
+              <a:ext uri="{FF2B5EF4-FFF2-40B4-BE49-F238E27FC236}">
+                <a16:creationId xmlns:a16="http://schemas.microsoft.com/office/drawing/2014/main" id="{288D0C73-804E-414D-BC04-D6E95E9221F5}"/>
+              </a:ext>
+            </a:extLst>
+          </p:cNvPr>
+          <p:cNvCxnSpPr>
+            <a:stCxn id="2" idx="3"/>
+            <a:endCxn id="11" idx="2"/>
+          </p:cNvCxnSpPr>
+          <p:nvPr/>
+        </p:nvCxnSpPr>
+        <p:spPr>
+          <a:xfrm flipV="1">
+            <a:off x="3299935" y="4479836"/>
+            <a:ext cx="723634" cy="369810"/>
+          </a:xfrm>
+          <a:prstGeom prst="bentConnector2">
+            <a:avLst/>
+          </a:prstGeom>
+          <a:ln w="57150">
+            <a:solidFill>
+              <a:schemeClr val="accent1"/>
+            </a:solidFill>
+            <a:headEnd type="none" w="med" len="med"/>
+            <a:tailEnd type="triangle" w="med" len="med"/>
+          </a:ln>
+        </p:spPr>
+        <p:style>
+          <a:lnRef idx="1">
+            <a:schemeClr val="accent1"/>
+          </a:lnRef>
+          <a:fillRef idx="0">
+            <a:schemeClr val="accent1"/>
+          </a:fillRef>
+          <a:effectRef idx="0">
+            <a:schemeClr val="accent1"/>
+          </a:effectRef>
+          <a:fontRef idx="minor">
+            <a:schemeClr val="tx1"/>
+          </a:fontRef>
+        </p:style>
+      </p:cxnSp>
+      <p:pic>
+        <p:nvPicPr>
+          <p:cNvPr id="10" name="Graphic 9" descr="Document">
+            <a:extLst>
+              <a:ext uri="{FF2B5EF4-FFF2-40B4-BE49-F238E27FC236}">
+                <a16:creationId xmlns:a16="http://schemas.microsoft.com/office/drawing/2014/main" id="{6186E8BD-E751-4DAD-9E48-80FF3D8B0E39}"/>
+              </a:ext>
+            </a:extLst>
+          </p:cNvPr>
+          <p:cNvPicPr>
+            <a:picLocks noChangeAspect="1"/>
+          </p:cNvPicPr>
+          <p:nvPr/>
+        </p:nvPicPr>
+        <p:blipFill>
+          <a:blip r:embed="rId5">
+            <a:extLst>
+              <a:ext uri="{96DAC541-7B7A-43D3-8B79-37D633B846F1}">
+                <asvg:svgBlip xmlns:asvg="http://schemas.microsoft.com/office/drawing/2016/SVG/main" r:embed="rId6"/>
+              </a:ext>
+            </a:extLst>
+          </a:blip>
+          <a:stretch>
+            <a:fillRect/>
+          </a:stretch>
+        </p:blipFill>
+        <p:spPr>
+          <a:xfrm>
+            <a:off x="5666796" y="4077990"/>
+            <a:ext cx="914400" cy="914400"/>
+          </a:xfrm>
+          <a:prstGeom prst="rect">
+            <a:avLst/>
+          </a:prstGeom>
+        </p:spPr>
+      </p:pic>
+      <p:sp>
+        <p:nvSpPr>
+          <p:cNvPr id="12" name="TextBox 11">
+            <a:extLst>
+              <a:ext uri="{FF2B5EF4-FFF2-40B4-BE49-F238E27FC236}">
+                <a16:creationId xmlns:a16="http://schemas.microsoft.com/office/drawing/2014/main" id="{CDAF12C8-7ECC-46AC-A508-C52FC8A5C963}"/>
+              </a:ext>
+            </a:extLst>
+          </p:cNvPr>
+          <p:cNvSpPr txBox="1"/>
+          <p:nvPr/>
+        </p:nvSpPr>
+        <p:spPr>
+          <a:xfrm>
+            <a:off x="5471556" y="4992390"/>
+            <a:ext cx="1304880" cy="276999"/>
+          </a:xfrm>
+          <a:prstGeom prst="rect">
+            <a:avLst/>
+          </a:prstGeom>
+          <a:noFill/>
+        </p:spPr>
+        <p:txBody>
+          <a:bodyPr wrap="square" lIns="0" tIns="0" rIns="0" bIns="0" rtlCol="0">
+            <a:spAutoFit/>
+          </a:bodyPr>
+          <a:lstStyle/>
+          <a:p>
+            <a:pPr algn="ctr" fontAlgn="base">
+              <a:spcBef>
+                <a:spcPct val="50000"/>
+              </a:spcBef>
+              <a:spcAft>
+                <a:spcPct val="0"/>
+              </a:spcAft>
+              <a:buClr>
+                <a:srgbClr val="F0AB00"/>
+              </a:buClr>
+              <a:buSzPct val="80000"/>
+            </a:pPr>
+            <a:r>
+              <a:rPr lang="en-US" sz="1800" kern="0" dirty="0" err="1">
+                <a:solidFill>
+                  <a:schemeClr val="accent6">
+                    <a:lumMod val="50000"/>
+                  </a:schemeClr>
+                </a:solidFill>
+                <a:ea typeface="Arial Unicode MS" pitchFamily="34" charset="-128"/>
+                <a:cs typeface="Arial Unicode MS" pitchFamily="34" charset="-128"/>
+              </a:rPr>
+              <a:t>config.json</a:t>
+            </a:r>
+            <a:endParaRPr lang="en-US" sz="1800" kern="0" dirty="0">
+              <a:solidFill>
+                <a:schemeClr val="accent6">
+                  <a:lumMod val="50000"/>
+                </a:schemeClr>
+              </a:solidFill>
+              <a:ea typeface="Arial Unicode MS" pitchFamily="34" charset="-128"/>
+              <a:cs typeface="Arial Unicode MS" pitchFamily="34" charset="-128"/>
+            </a:endParaRPr>
+          </a:p>
+        </p:txBody>
+      </p:sp>
+      <p:cxnSp>
+        <p:nvCxnSpPr>
+          <p:cNvPr id="19" name="Straight Arrow Connector 18">
+            <a:extLst>
+              <a:ext uri="{FF2B5EF4-FFF2-40B4-BE49-F238E27FC236}">
+                <a16:creationId xmlns:a16="http://schemas.microsoft.com/office/drawing/2014/main" id="{13F24729-9B15-43FE-A91E-794CF2F681AE}"/>
+              </a:ext>
+            </a:extLst>
+          </p:cNvPr>
+          <p:cNvCxnSpPr>
+            <a:cxnSpLocks/>
+            <a:stCxn id="10" idx="0"/>
+          </p:cNvCxnSpPr>
+          <p:nvPr/>
+        </p:nvCxnSpPr>
+        <p:spPr>
+          <a:xfrm flipV="1">
+            <a:off x="6123996" y="3429000"/>
+            <a:ext cx="0" cy="648990"/>
+          </a:xfrm>
+          <a:prstGeom prst="straightConnector1">
+            <a:avLst/>
+          </a:prstGeom>
+          <a:ln w="57150">
+            <a:solidFill>
+              <a:schemeClr val="accent6">
+                <a:lumMod val="50000"/>
+              </a:schemeClr>
+            </a:solidFill>
+            <a:headEnd type="none" w="med" len="med"/>
+            <a:tailEnd type="triangle" w="med" len="med"/>
+          </a:ln>
+        </p:spPr>
+        <p:style>
+          <a:lnRef idx="1">
+            <a:schemeClr val="accent1"/>
+          </a:lnRef>
+          <a:fillRef idx="0">
+            <a:schemeClr val="accent1"/>
+          </a:fillRef>
+          <a:effectRef idx="0">
+            <a:schemeClr val="accent1"/>
+          </a:effectRef>
+          <a:fontRef idx="minor">
+            <a:schemeClr val="tx1"/>
+          </a:fontRef>
+        </p:style>
+      </p:cxnSp>
+      <p:pic>
+        <p:nvPicPr>
+          <p:cNvPr id="22" name="Graphic 21" descr="Laptop">
+            <a:extLst>
+              <a:ext uri="{FF2B5EF4-FFF2-40B4-BE49-F238E27FC236}">
+                <a16:creationId xmlns:a16="http://schemas.microsoft.com/office/drawing/2014/main" id="{4706E33B-D950-4CFE-AED0-70E8D0ADABC7}"/>
+              </a:ext>
+            </a:extLst>
+          </p:cNvPr>
+          <p:cNvPicPr>
+            <a:picLocks noChangeAspect="1"/>
+          </p:cNvPicPr>
+          <p:nvPr/>
+        </p:nvPicPr>
+        <p:blipFill>
+          <a:blip r:embed="rId7">
+            <a:extLst>
+              <a:ext uri="{96DAC541-7B7A-43D3-8B79-37D633B846F1}">
+                <asvg:svgBlip xmlns:asvg="http://schemas.microsoft.com/office/drawing/2016/SVG/main" r:embed="rId8"/>
+              </a:ext>
+            </a:extLst>
+          </a:blip>
+          <a:stretch>
+            <a:fillRect/>
+          </a:stretch>
+        </p:blipFill>
+        <p:spPr>
+          <a:xfrm>
+            <a:off x="9219829" y="2535845"/>
+            <a:ext cx="1542145" cy="1542145"/>
+          </a:xfrm>
+          <a:prstGeom prst="rect">
+            <a:avLst/>
+          </a:prstGeom>
+        </p:spPr>
+      </p:pic>
+      <p:sp>
+        <p:nvSpPr>
+          <p:cNvPr id="23" name="Arrow: Chevron 22">
+            <a:extLst>
+              <a:ext uri="{FF2B5EF4-FFF2-40B4-BE49-F238E27FC236}">
+                <a16:creationId xmlns:a16="http://schemas.microsoft.com/office/drawing/2014/main" id="{21A6C290-3016-47F6-A96A-336589ACAF5F}"/>
+              </a:ext>
+            </a:extLst>
+          </p:cNvPr>
+          <p:cNvSpPr/>
+          <p:nvPr/>
+        </p:nvSpPr>
+        <p:spPr bwMode="gray">
+          <a:xfrm rot="10800000">
+            <a:off x="6776436" y="4313441"/>
+            <a:ext cx="1242096" cy="443498"/>
+          </a:xfrm>
+          <a:prstGeom prst="chevron">
+            <a:avLst/>
+          </a:prstGeom>
+          <a:solidFill>
+            <a:schemeClr val="tx1"/>
+          </a:solidFill>
+          <a:ln w="6350" algn="ctr">
+            <a:noFill/>
+            <a:miter lim="800000"/>
+            <a:headEnd/>
+            <a:tailEnd/>
+          </a:ln>
+        </p:spPr>
+        <p:txBody>
+          <a:bodyPr lIns="90000" tIns="72000" rIns="90000" bIns="72000" rtlCol="0" anchor="ctr"/>
+          <a:lstStyle/>
+          <a:p>
+            <a:pPr marR="0" algn="ctr" defTabSz="914400" eaLnBrk="1" fontAlgn="base" latinLnBrk="0" hangingPunct="1">
+              <a:lnSpc>
+                <a:spcPct val="100000"/>
+              </a:lnSpc>
+              <a:spcBef>
+                <a:spcPct val="50000"/>
+              </a:spcBef>
+              <a:spcAft>
+                <a:spcPct val="0"/>
+              </a:spcAft>
+              <a:buClr>
+                <a:srgbClr val="F0AB00"/>
+              </a:buClr>
+              <a:buSzPct val="80000"/>
+              <a:tabLst/>
+            </a:pPr>
+            <a:endParaRPr kumimoji="0" lang="en-US" sz="1800" b="0" i="0" u="none" strike="noStrike" kern="0" cap="none" spc="0" normalizeH="0" baseline="0" noProof="0" dirty="0" err="1">
+              <a:ln>
+                <a:noFill/>
+              </a:ln>
+              <a:effectLst/>
+              <a:uLnTx/>
+              <a:uFillTx/>
+              <a:ea typeface="Arial Unicode MS" pitchFamily="34" charset="-128"/>
+              <a:cs typeface="Arial Unicode MS" pitchFamily="34" charset="-128"/>
+            </a:endParaRPr>
+          </a:p>
+        </p:txBody>
+      </p:sp>
+    </p:spTree>
+    <p:extLst>
+      <p:ext uri="{BB962C8B-B14F-4D97-AF65-F5344CB8AC3E}">
+        <p14:creationId xmlns:p14="http://schemas.microsoft.com/office/powerpoint/2010/main" val="4129837522"/>
       </p:ext>
     </p:extLst>
   </p:cSld>

--- a/docker/03_Images.pptx
+++ b/docker/03_Images.pptx
@@ -5,10 +5,10 @@
     <p:sldMasterId id="2147483733" r:id="rId1"/>
   </p:sldMasterIdLst>
   <p:notesMasterIdLst>
-    <p:notesMasterId r:id="rId15"/>
+    <p:notesMasterId r:id="rId16"/>
   </p:notesMasterIdLst>
   <p:handoutMasterIdLst>
-    <p:handoutMasterId r:id="rId16"/>
+    <p:handoutMasterId r:id="rId17"/>
   </p:handoutMasterIdLst>
   <p:sldIdLst>
     <p:sldId id="434" r:id="rId2"/>
@@ -16,14 +16,15 @@
     <p:sldId id="471" r:id="rId4"/>
     <p:sldId id="440" r:id="rId5"/>
     <p:sldId id="441" r:id="rId6"/>
-    <p:sldId id="470" r:id="rId7"/>
-    <p:sldId id="467" r:id="rId8"/>
-    <p:sldId id="442" r:id="rId9"/>
-    <p:sldId id="452" r:id="rId10"/>
-    <p:sldId id="447" r:id="rId11"/>
-    <p:sldId id="468" r:id="rId12"/>
-    <p:sldId id="466" r:id="rId13"/>
-    <p:sldId id="265" r:id="rId14"/>
+    <p:sldId id="473" r:id="rId7"/>
+    <p:sldId id="470" r:id="rId8"/>
+    <p:sldId id="467" r:id="rId9"/>
+    <p:sldId id="442" r:id="rId10"/>
+    <p:sldId id="452" r:id="rId11"/>
+    <p:sldId id="447" r:id="rId12"/>
+    <p:sldId id="468" r:id="rId13"/>
+    <p:sldId id="466" r:id="rId14"/>
+    <p:sldId id="265" r:id="rId15"/>
   </p:sldIdLst>
   <p:sldSz cx="12195175" cy="6858000"/>
   <p:notesSz cx="6858000" cy="9144000"/>
@@ -1159,7 +1160,7 @@
         </pc:spChg>
       </pc:sldChg>
       <pc:sldChg chg="addSp delSp modSp add modAnim modNotes">
-        <pc:chgData name="Buchner, Thomas" userId="dcdd08b7-1529-408e-93b1-25fdc0899d57" providerId="ADAL" clId="{87EE3E81-54D7-4732-9113-4988429B2D80}" dt="2018-11-21T15:14:33.563" v="658"/>
+        <pc:chgData name="Buchner, Thomas" userId="dcdd08b7-1529-408e-93b1-25fdc0899d57" providerId="ADAL" clId="{87EE3E81-54D7-4732-9113-4988429B2D80}" dt="2018-11-21T15:14:33.563" v="658" actId="2696"/>
         <pc:sldMkLst>
           <pc:docMk/>
           <pc:sldMk cId="618399775" sldId="471"/>
@@ -1189,7 +1190,7 @@
           </ac:spMkLst>
         </pc:spChg>
         <pc:spChg chg="add del mod">
-          <ac:chgData name="Buchner, Thomas" userId="dcdd08b7-1529-408e-93b1-25fdc0899d57" providerId="ADAL" clId="{87EE3E81-54D7-4732-9113-4988429B2D80}" dt="2018-11-21T13:17:49.483" v="86"/>
+          <ac:chgData name="Buchner, Thomas" userId="dcdd08b7-1529-408e-93b1-25fdc0899d57" providerId="ADAL" clId="{87EE3E81-54D7-4732-9113-4988429B2D80}" dt="2018-11-21T13:17:49.483" v="86" actId="2696"/>
           <ac:spMkLst>
             <pc:docMk/>
             <pc:sldMk cId="618399775" sldId="471"/>
@@ -1253,7 +1254,7 @@
           </ac:spMkLst>
         </pc:spChg>
         <pc:spChg chg="add del mod">
-          <ac:chgData name="Buchner, Thomas" userId="dcdd08b7-1529-408e-93b1-25fdc0899d57" providerId="ADAL" clId="{87EE3E81-54D7-4732-9113-4988429B2D80}" dt="2018-11-21T13:17:49.483" v="86"/>
+          <ac:chgData name="Buchner, Thomas" userId="dcdd08b7-1529-408e-93b1-25fdc0899d57" providerId="ADAL" clId="{87EE3E81-54D7-4732-9113-4988429B2D80}" dt="2018-11-21T13:17:49.483" v="86" actId="2696"/>
           <ac:spMkLst>
             <pc:docMk/>
             <pc:sldMk cId="618399775" sldId="471"/>
@@ -1261,7 +1262,7 @@
           </ac:spMkLst>
         </pc:spChg>
         <pc:spChg chg="add del mod">
-          <ac:chgData name="Buchner, Thomas" userId="dcdd08b7-1529-408e-93b1-25fdc0899d57" providerId="ADAL" clId="{87EE3E81-54D7-4732-9113-4988429B2D80}" dt="2018-11-21T13:17:49.483" v="86"/>
+          <ac:chgData name="Buchner, Thomas" userId="dcdd08b7-1529-408e-93b1-25fdc0899d57" providerId="ADAL" clId="{87EE3E81-54D7-4732-9113-4988429B2D80}" dt="2018-11-21T13:17:49.483" v="86" actId="2696"/>
           <ac:spMkLst>
             <pc:docMk/>
             <pc:sldMk cId="618399775" sldId="471"/>
@@ -1309,7 +1310,7 @@
           </ac:spMkLst>
         </pc:spChg>
         <pc:spChg chg="add del mod ord">
-          <ac:chgData name="Buchner, Thomas" userId="dcdd08b7-1529-408e-93b1-25fdc0899d57" providerId="ADAL" clId="{87EE3E81-54D7-4732-9113-4988429B2D80}" dt="2018-11-21T15:12:51.678" v="650"/>
+          <ac:chgData name="Buchner, Thomas" userId="dcdd08b7-1529-408e-93b1-25fdc0899d57" providerId="ADAL" clId="{87EE3E81-54D7-4732-9113-4988429B2D80}" dt="2018-11-21T15:12:51.678" v="650" actId="2696"/>
           <ac:spMkLst>
             <pc:docMk/>
             <pc:sldMk cId="618399775" sldId="471"/>
@@ -1341,7 +1342,7 @@
           </ac:spMkLst>
         </pc:spChg>
         <pc:spChg chg="add del">
-          <ac:chgData name="Buchner, Thomas" userId="dcdd08b7-1529-408e-93b1-25fdc0899d57" providerId="ADAL" clId="{87EE3E81-54D7-4732-9113-4988429B2D80}" dt="2018-11-21T15:11:20.334" v="171"/>
+          <ac:chgData name="Buchner, Thomas" userId="dcdd08b7-1529-408e-93b1-25fdc0899d57" providerId="ADAL" clId="{87EE3E81-54D7-4732-9113-4988429B2D80}" dt="2018-11-21T15:11:20.334" v="171" actId="2696"/>
           <ac:spMkLst>
             <pc:docMk/>
             <pc:sldMk cId="618399775" sldId="471"/>
@@ -1357,7 +1358,7 @@
           </ac:spMkLst>
         </pc:spChg>
         <pc:spChg chg="add">
-          <ac:chgData name="Buchner, Thomas" userId="dcdd08b7-1529-408e-93b1-25fdc0899d57" providerId="ADAL" clId="{87EE3E81-54D7-4732-9113-4988429B2D80}" dt="2018-11-21T15:14:24.858" v="657"/>
+          <ac:chgData name="Buchner, Thomas" userId="dcdd08b7-1529-408e-93b1-25fdc0899d57" providerId="ADAL" clId="{87EE3E81-54D7-4732-9113-4988429B2D80}" dt="2018-11-21T15:14:24.858" v="657" actId="2696"/>
           <ac:spMkLst>
             <pc:docMk/>
             <pc:sldMk cId="618399775" sldId="471"/>
@@ -2881,29 +2882,33 @@
           <a:lstStyle/>
           <a:p>
             <a:r>
-              <a:rPr lang="en-US" dirty="0"/>
-              <a:t>The docker hub offers (provides storage and the push/pull protocol for) docker images. </a:t>
-            </a:r>
-          </a:p>
-          <a:p>
-            <a:r>
-              <a:rPr lang="en-US" dirty="0"/>
-              <a:t>Each docker image has a clearly specified version. There can be multiple version tags. </a:t>
-            </a:r>
-          </a:p>
-          <a:p>
-            <a:r>
-              <a:rPr lang="en-US" dirty="0"/>
-              <a:t>The 'Dockerfile' defines the automated build instructions and show what is in the image. (see Dockerfile chapter). Dockerfiles are also included in images and document the contents.</a:t>
-            </a:r>
-          </a:p>
-          <a:p>
-            <a:endParaRPr lang="en-US" dirty="0"/>
-          </a:p>
-          <a:p>
-            <a:r>
-              <a:rPr lang="en-US" dirty="0"/>
-              <a:t>At SAP, Artifactory is the preferred solution to host and distribute your Docker images.</a:t>
+              <a:rPr lang="en-US" baseline="0" dirty="0"/>
+              <a:t>Some, if not most registries require to log in to push or even to pull images.</a:t>
+            </a:r>
+          </a:p>
+          <a:p>
+            <a:endParaRPr lang="en-US" baseline="0" dirty="0"/>
+          </a:p>
+          <a:p>
+            <a:r>
+              <a:rPr lang="en-US" baseline="0" dirty="0"/>
+              <a:t>With 'docker login', one can submit the username and password for a given registry (specified by its URL). Docker will persist these login credentials in a </a:t>
+            </a:r>
+            <a:r>
+              <a:rPr lang="en-US" baseline="0" dirty="0" err="1"/>
+              <a:t>config.json</a:t>
+            </a:r>
+            <a:r>
+              <a:rPr lang="en-US" baseline="0" dirty="0"/>
+              <a:t> (usually found in ~/docker/</a:t>
+            </a:r>
+            <a:r>
+              <a:rPr lang="en-US" baseline="0" dirty="0" err="1"/>
+              <a:t>config.json</a:t>
+            </a:r>
+            <a:r>
+              <a:rPr lang="en-US" baseline="0" dirty="0"/>
+              <a:t>) and use them every time a registry is accessed.</a:t>
             </a:r>
           </a:p>
         </p:txBody>
@@ -2924,18 +2929,18 @@
           <a:lstStyle/>
           <a:p>
             <a:fld id="{7D8C2C35-2B8A-446E-BEC0-FD36716C29AC}" type="slidenum">
-              <a:rPr lang="en-US" smtClean="0"/>
+              <a:rPr lang="de-DE" smtClean="0"/>
               <a:pPr/>
               <a:t>10</a:t>
             </a:fld>
-            <a:endParaRPr lang="en-US" dirty="0"/>
+            <a:endParaRPr lang="de-DE" dirty="0"/>
           </a:p>
         </p:txBody>
       </p:sp>
     </p:spTree>
     <p:extLst>
       <p:ext uri="{BB962C8B-B14F-4D97-AF65-F5344CB8AC3E}">
-        <p14:creationId xmlns:p14="http://schemas.microsoft.com/office/powerpoint/2010/main" val="2563895036"/>
+        <p14:creationId xmlns:p14="http://schemas.microsoft.com/office/powerpoint/2010/main" val="4009320709"/>
       </p:ext>
     </p:extLst>
   </p:cSld>
@@ -2986,154 +2991,34 @@
         </p:nvSpPr>
         <p:spPr/>
         <p:txBody>
-          <a:bodyPr>
-            <a:normAutofit fontScale="85000" lnSpcReduction="10000"/>
-          </a:bodyPr>
+          <a:bodyPr/>
           <a:lstStyle/>
           <a:p>
             <a:r>
               <a:rPr lang="en-US" dirty="0"/>
-              <a:t>Let’s talk about image names and tags. Docker has a system of creating URIs for any image, where the URI includes the registry as well as the image name &amp; tag.</a:t>
+              <a:t>The docker hub offers (provides storage and the push/pull protocol for) docker images. </a:t>
+            </a:r>
+          </a:p>
+          <a:p>
+            <a:r>
+              <a:rPr lang="en-US" dirty="0"/>
+              <a:t>Each docker image has a clearly specified version. There can be multiple version tags. </a:t>
+            </a:r>
+          </a:p>
+          <a:p>
+            <a:r>
+              <a:rPr lang="en-US" dirty="0"/>
+              <a:t>The 'Dockerfile' defines the automated build instructions and show what is in the image. (see Dockerfile chapter). Dockerfiles are also included in images and document the contents.</a:t>
             </a:r>
           </a:p>
           <a:p>
             <a:endParaRPr lang="en-US" dirty="0"/>
           </a:p>
           <a:p>
-            <a:pPr marL="285750" indent="-285750">
-              <a:buFontTx/>
-              <a:buChar char="-"/>
-            </a:pPr>
             <a:r>
               <a:rPr lang="en-US" dirty="0"/>
-              <a:t>Registry URL: the registry this image has been downloaded from or where it should be uploaded to. Docker is also configured with a default registry (run “docker info” to get the info). For most installations this will be hub.docker.com (translates to https://index.docker.io/v1/). So or any image related to the docker hub, the registry URL string is omitted. </a:t>
-            </a:r>
-          </a:p>
-          <a:p>
-            <a:pPr marL="285750" indent="-285750">
-              <a:buFontTx/>
-              <a:buChar char="-"/>
-            </a:pPr>
-            <a:r>
-              <a:rPr lang="en-US" dirty="0"/>
-              <a:t>Repository: you could also call it the image’s name. Can contain subfolders. When you download images from docker hub you will only see the repo name here, no registry URL.</a:t>
-            </a:r>
-          </a:p>
-          <a:p>
-            <a:pPr marL="285750" indent="-285750">
-              <a:buFontTx/>
-              <a:buChar char="-"/>
-            </a:pPr>
-            <a:r>
-              <a:rPr lang="en-US" dirty="0"/>
-              <a:t>Tag: alpha-numeric string, free text. Anybody with write permissions on the repo can re-upload a different image with the same tag. Last write wins ;) however usually version tags are quite stable. There is one special tag, called “latest”.  It is just a placeholder for “no tag”. So “my-registry.com/</a:t>
-            </a:r>
-            <a:r>
-              <a:rPr lang="en-US" dirty="0" err="1"/>
-              <a:t>busybox</a:t>
-            </a:r>
-            <a:r>
-              <a:rPr lang="en-US" dirty="0"/>
-              <a:t>” and “my-registry.com/</a:t>
-            </a:r>
-            <a:r>
-              <a:rPr lang="en-US" dirty="0" err="1"/>
-              <a:t>busybox:latest</a:t>
-            </a:r>
-            <a:r>
-              <a:rPr lang="en-US" dirty="0"/>
-              <a:t>” are the same thing.</a:t>
-            </a:r>
-          </a:p>
-          <a:p>
-            <a:pPr marL="285750" indent="-285750">
-              <a:buFontTx/>
-              <a:buChar char="-"/>
-            </a:pPr>
-            <a:r>
-              <a:rPr lang="en-US" dirty="0"/>
-              <a:t>It is best practice to always use an explicit tag and not to override existing tags.</a:t>
-            </a:r>
-          </a:p>
-          <a:p>
-            <a:pPr marL="285750" indent="-285750">
-              <a:buFontTx/>
-              <a:buChar char="-"/>
-            </a:pPr>
-            <a:endParaRPr lang="en-US" dirty="0"/>
-          </a:p>
-          <a:p>
-            <a:pPr marL="0" indent="0">
-              <a:buFontTx/>
-              <a:buNone/>
-            </a:pPr>
-            <a:r>
-              <a:rPr lang="en-US" dirty="0"/>
-              <a:t>How to use tagging? Docker knows a “tag” command, so let’s have look:</a:t>
-            </a:r>
-          </a:p>
-          <a:p>
-            <a:pPr marL="285750" indent="-285750">
-              <a:buFontTx/>
-              <a:buChar char="-"/>
-            </a:pPr>
-            <a:r>
-              <a:rPr lang="en-US" dirty="0"/>
-              <a:t>Tagging works like creating a </a:t>
-            </a:r>
-            <a:r>
-              <a:rPr lang="en-US" dirty="0" err="1"/>
-              <a:t>sym</a:t>
-            </a:r>
-            <a:r>
-              <a:rPr lang="en-US" dirty="0"/>
-              <a:t>-link on Linux. You can have as many different references to an images as you want.</a:t>
-            </a:r>
-          </a:p>
-          <a:p>
-            <a:pPr marL="285750" indent="-285750">
-              <a:buFontTx/>
-              <a:buChar char="-"/>
-            </a:pPr>
-            <a:r>
-              <a:rPr lang="en-US" dirty="0"/>
-              <a:t>To tag an image, you can reference it either by its ID or its </a:t>
-            </a:r>
-            <a:r>
-              <a:rPr lang="en-US" dirty="0" err="1"/>
-              <a:t>repository:tag</a:t>
-            </a:r>
-            <a:r>
-              <a:rPr lang="en-US" dirty="0"/>
-              <a:t> link.</a:t>
-            </a:r>
-          </a:p>
-          <a:p>
-            <a:pPr marL="285750" indent="-285750">
-              <a:buFontTx/>
-              <a:buChar char="-"/>
-            </a:pPr>
-            <a:r>
-              <a:rPr lang="en-US" dirty="0"/>
-              <a:t>Docker tag: assign the full string of registry URL + repo + version tag to an image</a:t>
-            </a:r>
-          </a:p>
-          <a:p>
-            <a:pPr marL="285750" indent="-285750">
-              <a:buFontTx/>
-              <a:buChar char="-"/>
-            </a:pPr>
-            <a:r>
-              <a:rPr lang="en-US" dirty="0"/>
-              <a:t>Docker push: send the image to the remote location, that is encoded in the image name</a:t>
-            </a:r>
-          </a:p>
-          <a:p>
-            <a:pPr marL="0" indent="0">
-              <a:buFontTx/>
-              <a:buNone/>
-            </a:pPr>
-            <a:endParaRPr lang="en-US" dirty="0"/>
+              <a:t>At SAP, Artifactory is the preferred solution to host and distribute your Docker images.</a:t>
+            </a:r>
           </a:p>
         </p:txBody>
       </p:sp>
@@ -3164,7 +3049,7 @@
     </p:spTree>
     <p:extLst>
       <p:ext uri="{BB962C8B-B14F-4D97-AF65-F5344CB8AC3E}">
-        <p14:creationId xmlns:p14="http://schemas.microsoft.com/office/powerpoint/2010/main" val="1328423813"/>
+        <p14:creationId xmlns:p14="http://schemas.microsoft.com/office/powerpoint/2010/main" val="2563895036"/>
       </p:ext>
     </p:extLst>
   </p:cSld>
@@ -3216,42 +3101,268 @@
         <p:spPr/>
         <p:txBody>
           <a:bodyPr>
-            <a:normAutofit lnSpcReduction="10000"/>
+            <a:normAutofit fontScale="62500" lnSpcReduction="20000"/>
           </a:bodyPr>
           <a:lstStyle/>
+          <a:p>
+            <a:r>
+              <a:rPr lang="en-US" dirty="0"/>
+              <a:t>Let’s talk about image names and tags. Docker has a system of creating URIs for any image, where the URI includes the registry as well as the image name &amp; tag.</a:t>
+            </a:r>
+          </a:p>
+          <a:p>
+            <a:endParaRPr lang="en-US" dirty="0"/>
+          </a:p>
+          <a:p>
+            <a:pPr marL="285750" indent="-285750">
+              <a:buFontTx/>
+              <a:buChar char="-"/>
+            </a:pPr>
+            <a:r>
+              <a:rPr lang="en-US" dirty="0"/>
+              <a:t>Registry URL: the registry this image has been downloaded from or where it should be uploaded to. Docker is also configured with a default registry (run “docker info” to get the info). For most installations this will be hub.docker.com (translates to https://index.docker.io/v1/). So or any image related to the docker hub, the registry URL string is omitted. </a:t>
+            </a:r>
+          </a:p>
+          <a:p>
+            <a:pPr marL="285750" indent="-285750">
+              <a:buFontTx/>
+              <a:buChar char="-"/>
+            </a:pPr>
+            <a:r>
+              <a:rPr lang="en-US" dirty="0"/>
+              <a:t>Repository: you could also call it the image’s name. Can contain subfolders. When you download images from docker hub you will only see the repo name here, no registry URL.</a:t>
+            </a:r>
+          </a:p>
+          <a:p>
+            <a:pPr marL="285750" indent="-285750">
+              <a:buFontTx/>
+              <a:buChar char="-"/>
+            </a:pPr>
+            <a:r>
+              <a:rPr lang="en-US" dirty="0"/>
+              <a:t>Tag: alpha-numeric string, free text. Anybody with write permissions on the repo can re-upload a different image with the same tag. Last write wins ;) however usually version tags are quite stable. There is one special tag, called “latest”.  It is just a placeholder for “no tag”. So “my-registry.com/</a:t>
+            </a:r>
+            <a:r>
+              <a:rPr lang="en-US" dirty="0" err="1"/>
+              <a:t>busybox</a:t>
+            </a:r>
+            <a:r>
+              <a:rPr lang="en-US" dirty="0"/>
+              <a:t>” and “my-registry.com/</a:t>
+            </a:r>
+            <a:r>
+              <a:rPr lang="en-US" dirty="0" err="1"/>
+              <a:t>busybox:latest</a:t>
+            </a:r>
+            <a:r>
+              <a:rPr lang="en-US" dirty="0"/>
+              <a:t>” are the same thing.</a:t>
+            </a:r>
+          </a:p>
+          <a:p>
+            <a:pPr marL="285750" indent="-285750">
+              <a:buFontTx/>
+              <a:buChar char="-"/>
+            </a:pPr>
+            <a:r>
+              <a:rPr lang="en-US" dirty="0"/>
+              <a:t>It is best practice to always use an explicit tag and not to override existing tags.</a:t>
+            </a:r>
+          </a:p>
+          <a:p>
+            <a:pPr marL="285750" indent="-285750">
+              <a:buFontTx/>
+              <a:buChar char="-"/>
+            </a:pPr>
+            <a:endParaRPr lang="en-US" dirty="0"/>
+          </a:p>
           <a:p>
             <a:pPr marL="0" indent="0">
               <a:buFontTx/>
               <a:buNone/>
             </a:pPr>
             <a:r>
-              <a:rPr lang="en-US" b="0" dirty="0"/>
-              <a:t>Prerequisites: you have trusted the certificate of the registry for this training (the one deployed into the cluster)</a:t>
-            </a:r>
+              <a:rPr lang="en-US" dirty="0"/>
+              <a:t>How to use tagging? Docker knows a “tag” command, so let’s have look:</a:t>
+            </a:r>
+          </a:p>
+          <a:p>
+            <a:pPr marL="285750" indent="-285750">
+              <a:buFontTx/>
+              <a:buChar char="-"/>
+            </a:pPr>
+            <a:r>
+              <a:rPr lang="en-US" dirty="0"/>
+              <a:t>Tagging works like creating a </a:t>
+            </a:r>
+            <a:r>
+              <a:rPr lang="en-US" dirty="0" err="1"/>
+              <a:t>sym</a:t>
+            </a:r>
+            <a:r>
+              <a:rPr lang="en-US" dirty="0"/>
+              <a:t>-link on Linux. You can have as many different references to an images as you want.</a:t>
+            </a:r>
+          </a:p>
+          <a:p>
+            <a:pPr marL="285750" indent="-285750">
+              <a:buFontTx/>
+              <a:buChar char="-"/>
+            </a:pPr>
+            <a:r>
+              <a:rPr lang="en-US" dirty="0"/>
+              <a:t>To tag an image, you can reference it either by its ID or its </a:t>
+            </a:r>
+            <a:r>
+              <a:rPr lang="en-US" dirty="0" err="1"/>
+              <a:t>repository:tag</a:t>
+            </a:r>
+            <a:r>
+              <a:rPr lang="en-US" dirty="0"/>
+              <a:t> link.</a:t>
+            </a:r>
+          </a:p>
+          <a:p>
+            <a:pPr marL="285750" indent="-285750">
+              <a:buFontTx/>
+              <a:buChar char="-"/>
+            </a:pPr>
+            <a:r>
+              <a:rPr lang="en-US" dirty="0"/>
+              <a:t>Docker tag: assign the full string of registry URL + repo + version tag to an image</a:t>
+            </a:r>
+          </a:p>
+          <a:p>
+            <a:pPr marL="285750" indent="-285750">
+              <a:buFontTx/>
+              <a:buChar char="-"/>
+            </a:pPr>
+            <a:r>
+              <a:rPr lang="en-US" dirty="0"/>
+              <a:t>Docker push: send the image to the remote location, that is encoded in the image name</a:t>
+            </a:r>
+          </a:p>
+          <a:p>
+            <a:pPr marL="285750" indent="-285750">
+              <a:buFontTx/>
+              <a:buChar char="-"/>
+            </a:pPr>
+            <a:endParaRPr lang="en-US" dirty="0"/>
+          </a:p>
+          <a:p>
+            <a:pPr marL="285750" indent="-285750">
+              <a:buFontTx/>
+              <a:buChar char="-"/>
+            </a:pPr>
+            <a:endParaRPr lang="en-US" dirty="0"/>
           </a:p>
           <a:p>
             <a:pPr marL="0" indent="0">
               <a:buFontTx/>
               <a:buNone/>
             </a:pPr>
-            <a:endParaRPr lang="en-US" b="0" dirty="0"/>
+            <a:r>
+              <a:rPr lang="en-US" b="1" u="sng" dirty="0"/>
+              <a:t>tag vs name</a:t>
+            </a:r>
           </a:p>
           <a:p>
             <a:pPr marL="0" indent="0">
               <a:buFontTx/>
               <a:buNone/>
             </a:pPr>
-            <a:r>
-              <a:rPr lang="en-US" b="0" dirty="0"/>
-              <a:t>Explain how to work with (remote) registries:</a:t>
-            </a:r>
+            <a:endParaRPr lang="en-US" dirty="0"/>
+          </a:p>
+          <a:p>
+            <a:r>
+              <a:rPr lang="en-US" b="1" dirty="0"/>
+              <a:t>Building a Docker Image</a:t>
+            </a:r>
+          </a:p>
+          <a:p>
+            <a:pPr marL="285750" indent="-285750">
+              <a:buFontTx/>
+              <a:buChar char="-"/>
+            </a:pPr>
+            <a:r>
+              <a:rPr lang="en-US" dirty="0"/>
+              <a:t>With the command “docker build -t </a:t>
+            </a:r>
+            <a:r>
+              <a:rPr lang="en-US" dirty="0" err="1"/>
+              <a:t>tagname</a:t>
+            </a:r>
+            <a:r>
+              <a:rPr lang="en-US" dirty="0"/>
+              <a:t> .” you are creating a Docker image and tag it with a "</a:t>
+            </a:r>
+            <a:r>
+              <a:rPr lang="en-US" dirty="0" err="1"/>
+              <a:t>name:tag</a:t>
+            </a:r>
+            <a:r>
+              <a:rPr lang="en-US" dirty="0"/>
+              <a:t>" format. </a:t>
+            </a:r>
+          </a:p>
+          <a:p>
+            <a:pPr marL="285750" indent="-285750">
+              <a:buFontTx/>
+              <a:buChar char="-"/>
+            </a:pPr>
+            <a:r>
+              <a:rPr lang="en-US" dirty="0"/>
+              <a:t>So for example, you are building your image as “docker build -t myimage:1.0 .” which creates a new image that is </a:t>
+            </a:r>
+            <a:r>
+              <a:rPr lang="en-US" i="1" dirty="0"/>
+              <a:t>named</a:t>
+            </a:r>
+            <a:r>
+              <a:rPr lang="en-US" dirty="0"/>
+              <a:t> </a:t>
+            </a:r>
+            <a:r>
+              <a:rPr lang="en-US" b="1" dirty="0" err="1"/>
+              <a:t>myimage</a:t>
+            </a:r>
+            <a:r>
+              <a:rPr lang="en-US" dirty="0"/>
+              <a:t> with </a:t>
+            </a:r>
+            <a:r>
+              <a:rPr lang="en-US" i="1" dirty="0"/>
+              <a:t>a version</a:t>
+            </a:r>
+            <a:r>
+              <a:rPr lang="en-US" dirty="0"/>
+              <a:t> of </a:t>
+            </a:r>
+            <a:r>
+              <a:rPr lang="en-US" b="1" dirty="0"/>
+              <a:t>1.0</a:t>
+            </a:r>
+            <a:r>
+              <a:rPr lang="en-US" dirty="0"/>
+              <a:t>. </a:t>
+            </a:r>
+          </a:p>
+          <a:p>
+            <a:pPr marL="285750" indent="-285750">
+              <a:buFontTx/>
+              <a:buChar char="-"/>
+            </a:pPr>
+            <a:endParaRPr lang="en-US" dirty="0"/>
           </a:p>
           <a:p>
             <a:pPr marL="0" indent="0">
               <a:buFontTx/>
               <a:buNone/>
             </a:pPr>
-            <a:endParaRPr lang="en-US" b="0" dirty="0"/>
+            <a:r>
+              <a:rPr lang="en-US" b="1" dirty="0"/>
+              <a:t>Creating a Docker Container</a:t>
+            </a:r>
           </a:p>
           <a:p>
             <a:pPr marL="285750" indent="-285750">
@@ -3259,8 +3370,8 @@
               <a:buChar char="-"/>
             </a:pPr>
             <a:r>
-              <a:rPr lang="en-US" b="0" dirty="0"/>
-              <a:t>Docker image list</a:t>
+              <a:rPr lang="en-US" dirty="0"/>
+              <a:t>The --name parameter is then used, when you create and start a new container based of your image. </a:t>
             </a:r>
           </a:p>
           <a:p>
@@ -3269,16 +3380,24 @@
               <a:buChar char="-"/>
             </a:pPr>
             <a:r>
-              <a:rPr lang="en-US" b="0" dirty="0"/>
-              <a:t>Next, tag one of the existing images with a different repo/tag combination like “docker tag </a:t>
-            </a:r>
-            <a:r>
-              <a:rPr lang="en-US" b="0" dirty="0" err="1"/>
-              <a:t>nginx:mainline</a:t>
-            </a:r>
-            <a:r>
-              <a:rPr lang="en-US" b="0" dirty="0"/>
-              <a:t> my-nginx:v0.1”</a:t>
+              <a:rPr lang="en-US" dirty="0"/>
+              <a:t>So for example, you run a new container using the following command: “docker run -it --name </a:t>
+            </a:r>
+            <a:r>
+              <a:rPr lang="en-US" dirty="0" err="1"/>
+              <a:t>mycontainerinstance</a:t>
+            </a:r>
+            <a:r>
+              <a:rPr lang="en-US" dirty="0"/>
+              <a:t> </a:t>
+            </a:r>
+            <a:r>
+              <a:rPr lang="en-US" dirty="0" err="1"/>
+              <a:t>myimage</a:t>
+            </a:r>
+            <a:r>
+              <a:rPr lang="en-US" dirty="0"/>
+              <a:t>”.</a:t>
             </a:r>
           </a:p>
           <a:p>
@@ -3287,16 +3406,24 @@
               <a:buChar char="-"/>
             </a:pPr>
             <a:r>
-              <a:rPr lang="en-US" b="0" dirty="0"/>
-              <a:t>List the images again and outline that both </a:t>
-            </a:r>
-            <a:r>
-              <a:rPr lang="en-US" b="0" dirty="0" err="1"/>
-              <a:t>nginx:mainline</a:t>
-            </a:r>
-            <a:r>
-              <a:rPr lang="en-US" b="0" dirty="0"/>
-              <a:t> as well as my-nginx:v0.1 have the same image ID. The image is not stored twice but simply referenced by different names</a:t>
+              <a:rPr lang="en-US" dirty="0"/>
+              <a:t>This creates a new container based of your image </a:t>
+            </a:r>
+            <a:r>
+              <a:rPr lang="en-US" b="1" dirty="0" err="1"/>
+              <a:t>myimage</a:t>
+            </a:r>
+            <a:r>
+              <a:rPr lang="en-US" dirty="0"/>
+              <a:t>. This container instance is named </a:t>
+            </a:r>
+            <a:r>
+              <a:rPr lang="en-US" b="1" dirty="0" err="1"/>
+              <a:t>mycontainerinstance</a:t>
+            </a:r>
+            <a:r>
+              <a:rPr lang="en-US" dirty="0"/>
+              <a:t>. </a:t>
             </a:r>
           </a:p>
           <a:p>
@@ -3304,84 +3431,42 @@
               <a:buFontTx/>
               <a:buChar char="-"/>
             </a:pPr>
-            <a:r>
-              <a:rPr lang="en-US" b="0" dirty="0"/>
-              <a:t>Now you can tag the </a:t>
-            </a:r>
-            <a:r>
-              <a:rPr lang="en-US" b="0" dirty="0" err="1"/>
-              <a:t>niginx</a:t>
-            </a:r>
-            <a:r>
-              <a:rPr lang="en-US" b="0" dirty="0"/>
-              <a:t> with the URL of your remote registry as well </a:t>
-            </a:r>
-            <a:r>
-              <a:rPr lang="en-US" b="0" dirty="0" err="1"/>
-              <a:t>registry.ingress</a:t>
-            </a:r>
-            <a:r>
-              <a:rPr lang="en-US" b="0" dirty="0"/>
-              <a:t>.&lt;</a:t>
-            </a:r>
-            <a:r>
-              <a:rPr lang="en-US" b="0" dirty="0" err="1"/>
-              <a:t>clustername</a:t>
-            </a:r>
-            <a:r>
-              <a:rPr lang="en-US" b="0" dirty="0"/>
-              <a:t>&gt;.k8s-train.shoot.canary.k8s-hana.ondemand.com/nginx:v0.1</a:t>
-            </a:r>
+            <a:endParaRPr lang="en-US" dirty="0"/>
           </a:p>
           <a:p>
             <a:pPr marL="285750" indent="-285750">
               <a:buFontTx/>
               <a:buChar char="-"/>
             </a:pPr>
-            <a:r>
-              <a:rPr lang="en-US" b="0" dirty="0"/>
-              <a:t>Push the image to the remote location (use the full string again): docker push </a:t>
-            </a:r>
-            <a:r>
-              <a:rPr lang="en-US" b="0" dirty="0" err="1"/>
-              <a:t>registry.ingress</a:t>
-            </a:r>
-            <a:r>
-              <a:rPr lang="en-US" b="0" dirty="0"/>
-              <a:t>.&lt;</a:t>
-            </a:r>
-            <a:r>
-              <a:rPr lang="en-US" b="0" dirty="0" err="1"/>
-              <a:t>clustername</a:t>
-            </a:r>
-            <a:r>
-              <a:rPr lang="en-US" b="0" dirty="0"/>
-              <a:t>&gt;.k8s-train.shoot.canary.k8s-hana.ondemand.com/nginx:v0.1</a:t>
-            </a:r>
-          </a:p>
-          <a:p>
-            <a:pPr marL="285750" indent="-285750">
+            <a:endParaRPr lang="en-US" dirty="0"/>
+          </a:p>
+          <a:p>
+            <a:pPr marL="0" marR="0" lvl="0" indent="0" algn="l" defTabSz="1088776" rtl="0" eaLnBrk="1" fontAlgn="auto" latinLnBrk="0" hangingPunct="1">
+              <a:lnSpc>
+                <a:spcPct val="100000"/>
+              </a:lnSpc>
+              <a:spcBef>
+                <a:spcPts val="0"/>
+              </a:spcBef>
+              <a:spcAft>
+                <a:spcPts val="0"/>
+              </a:spcAft>
+              <a:buClrTx/>
+              <a:buSzTx/>
               <a:buFontTx/>
-              <a:buChar char="-"/>
+              <a:buNone/>
+              <a:tabLst/>
+              <a:defRPr/>
             </a:pPr>
-            <a:endParaRPr lang="en-US" b="0" dirty="0"/>
-          </a:p>
-          <a:p>
-            <a:pPr marL="285750" indent="-285750">
-              <a:buFontTx/>
-              <a:buChar char="-"/>
-            </a:pPr>
-            <a:endParaRPr lang="en-US" b="0" dirty="0"/>
-          </a:p>
-          <a:p>
-            <a:pPr marL="285750" indent="-285750">
-              <a:buFontTx/>
-              <a:buChar char="-"/>
-            </a:pPr>
-            <a:r>
-              <a:rPr lang="en-US" b="0" dirty="0"/>
-              <a:t>If you get a certificate error, you haven’t trusted the CA that signed the registries certificates. If anyone of the participants face this issue, they should re-run the get_kube_config.sh script and restart their docker daemon.</a:t>
-            </a:r>
+            <a:r>
+              <a:rPr lang="en-US" b="0" u="none" dirty="0"/>
+              <a:t>From: https://stackoverflow.com/questions/41520614</a:t>
+            </a:r>
+            <a:r>
+              <a:rPr lang="en-US" b="0" u="none"/>
+              <a:t>/docker-tag-vs-name-clarification</a:t>
+            </a:r>
+            <a:endParaRPr lang="en-US" dirty="0"/>
           </a:p>
         </p:txBody>
       </p:sp>
@@ -3412,6 +3497,254 @@
     </p:spTree>
     <p:extLst>
       <p:ext uri="{BB962C8B-B14F-4D97-AF65-F5344CB8AC3E}">
+        <p14:creationId xmlns:p14="http://schemas.microsoft.com/office/powerpoint/2010/main" val="1328423813"/>
+      </p:ext>
+    </p:extLst>
+  </p:cSld>
+  <p:clrMapOvr>
+    <a:masterClrMapping/>
+  </p:clrMapOvr>
+</p:notes>
+</file>
+
+<file path=ppt/notesSlides/notesSlide13.xml><?xml version="1.0" encoding="utf-8"?>
+<p:notes xmlns:a="http://schemas.openxmlformats.org/drawingml/2006/main" xmlns:r="http://schemas.openxmlformats.org/officeDocument/2006/relationships" xmlns:p="http://schemas.openxmlformats.org/presentationml/2006/main">
+  <p:cSld>
+    <p:spTree>
+      <p:nvGrpSpPr>
+        <p:cNvPr id="1" name=""/>
+        <p:cNvGrpSpPr/>
+        <p:nvPr/>
+      </p:nvGrpSpPr>
+      <p:grpSpPr>
+        <a:xfrm>
+          <a:off x="0" y="0"/>
+          <a:ext cx="0" cy="0"/>
+          <a:chOff x="0" y="0"/>
+          <a:chExt cx="0" cy="0"/>
+        </a:xfrm>
+      </p:grpSpPr>
+      <p:sp>
+        <p:nvSpPr>
+          <p:cNvPr id="2" name="Slide Image Placeholder 1"/>
+          <p:cNvSpPr>
+            <a:spLocks noGrp="1" noRot="1" noChangeAspect="1"/>
+          </p:cNvSpPr>
+          <p:nvPr>
+            <p:ph type="sldImg"/>
+          </p:nvPr>
+        </p:nvSpPr>
+        <p:spPr/>
+      </p:sp>
+      <p:sp>
+        <p:nvSpPr>
+          <p:cNvPr id="3" name="Notes Placeholder 2"/>
+          <p:cNvSpPr>
+            <a:spLocks noGrp="1"/>
+          </p:cNvSpPr>
+          <p:nvPr>
+            <p:ph type="body" idx="1"/>
+          </p:nvPr>
+        </p:nvSpPr>
+        <p:spPr/>
+        <p:txBody>
+          <a:bodyPr>
+            <a:normAutofit lnSpcReduction="10000"/>
+          </a:bodyPr>
+          <a:lstStyle/>
+          <a:p>
+            <a:pPr marL="0" indent="0">
+              <a:buFontTx/>
+              <a:buNone/>
+            </a:pPr>
+            <a:r>
+              <a:rPr lang="en-US" b="0" dirty="0"/>
+              <a:t>Prerequisites: you have trusted the certificate of the registry for this training (the one deployed into the cluster)</a:t>
+            </a:r>
+          </a:p>
+          <a:p>
+            <a:pPr marL="0" indent="0">
+              <a:buFontTx/>
+              <a:buNone/>
+            </a:pPr>
+            <a:endParaRPr lang="en-US" b="0" dirty="0"/>
+          </a:p>
+          <a:p>
+            <a:pPr marL="0" indent="0">
+              <a:buFontTx/>
+              <a:buNone/>
+            </a:pPr>
+            <a:r>
+              <a:rPr lang="en-US" b="0" dirty="0"/>
+              <a:t>Explain how to work with (remote) registries:</a:t>
+            </a:r>
+          </a:p>
+          <a:p>
+            <a:pPr marL="0" indent="0">
+              <a:buFontTx/>
+              <a:buNone/>
+            </a:pPr>
+            <a:endParaRPr lang="en-US" b="0" dirty="0"/>
+          </a:p>
+          <a:p>
+            <a:pPr marL="285750" indent="-285750">
+              <a:buFontTx/>
+              <a:buChar char="-"/>
+            </a:pPr>
+            <a:r>
+              <a:rPr lang="en-US" b="0" dirty="0"/>
+              <a:t>Docker image list</a:t>
+            </a:r>
+          </a:p>
+          <a:p>
+            <a:pPr marL="285750" indent="-285750">
+              <a:buFontTx/>
+              <a:buChar char="-"/>
+            </a:pPr>
+            <a:r>
+              <a:rPr lang="en-US" b="0" dirty="0"/>
+              <a:t>Next, tag one of the existing images with a different repo/tag combination like “docker tag </a:t>
+            </a:r>
+            <a:r>
+              <a:rPr lang="en-US" b="0" dirty="0" err="1"/>
+              <a:t>nginx:mainline</a:t>
+            </a:r>
+            <a:r>
+              <a:rPr lang="en-US" b="0" dirty="0"/>
+              <a:t> my-nginx:v0.1”</a:t>
+            </a:r>
+          </a:p>
+          <a:p>
+            <a:pPr marL="285750" indent="-285750">
+              <a:buFontTx/>
+              <a:buChar char="-"/>
+            </a:pPr>
+            <a:r>
+              <a:rPr lang="en-US" b="0" dirty="0"/>
+              <a:t>List the images again and outline that both </a:t>
+            </a:r>
+            <a:r>
+              <a:rPr lang="en-US" b="0" dirty="0" err="1"/>
+              <a:t>nginx:mainline</a:t>
+            </a:r>
+            <a:r>
+              <a:rPr lang="en-US" b="0" dirty="0"/>
+              <a:t> as well as my-nginx:v0.1 have the same image ID. The image is not stored twice but simply referenced by different names</a:t>
+            </a:r>
+          </a:p>
+          <a:p>
+            <a:pPr marL="285750" indent="-285750">
+              <a:buFontTx/>
+              <a:buChar char="-"/>
+            </a:pPr>
+            <a:r>
+              <a:rPr lang="en-US" b="0" dirty="0"/>
+              <a:t>Now you can tag the </a:t>
+            </a:r>
+            <a:r>
+              <a:rPr lang="en-US" b="0" dirty="0" err="1"/>
+              <a:t>niginx</a:t>
+            </a:r>
+            <a:r>
+              <a:rPr lang="en-US" b="0" dirty="0"/>
+              <a:t> with the URL of your remote registry as well </a:t>
+            </a:r>
+            <a:r>
+              <a:rPr lang="en-US" b="0" dirty="0" err="1"/>
+              <a:t>registry.ingress</a:t>
+            </a:r>
+            <a:r>
+              <a:rPr lang="en-US" b="0" dirty="0"/>
+              <a:t>.&lt;</a:t>
+            </a:r>
+            <a:r>
+              <a:rPr lang="en-US" b="0" dirty="0" err="1"/>
+              <a:t>clustername</a:t>
+            </a:r>
+            <a:r>
+              <a:rPr lang="en-US" b="0" dirty="0"/>
+              <a:t>&gt;.k8s-train.shoot.canary.k8s-hana.ondemand.com/nginx:v0.1</a:t>
+            </a:r>
+          </a:p>
+          <a:p>
+            <a:pPr marL="285750" indent="-285750">
+              <a:buFontTx/>
+              <a:buChar char="-"/>
+            </a:pPr>
+            <a:r>
+              <a:rPr lang="en-US" b="0" dirty="0"/>
+              <a:t>Push the image to the remote location (use the full string again): docker push </a:t>
+            </a:r>
+            <a:r>
+              <a:rPr lang="en-US" b="0" dirty="0" err="1"/>
+              <a:t>registry.ingress</a:t>
+            </a:r>
+            <a:r>
+              <a:rPr lang="en-US" b="0" dirty="0"/>
+              <a:t>.&lt;</a:t>
+            </a:r>
+            <a:r>
+              <a:rPr lang="en-US" b="0" dirty="0" err="1"/>
+              <a:t>clustername</a:t>
+            </a:r>
+            <a:r>
+              <a:rPr lang="en-US" b="0" dirty="0"/>
+              <a:t>&gt;.k8s-train.shoot.canary.k8s-hana.ondemand.com/nginx:v0.1</a:t>
+            </a:r>
+          </a:p>
+          <a:p>
+            <a:pPr marL="285750" indent="-285750">
+              <a:buFontTx/>
+              <a:buChar char="-"/>
+            </a:pPr>
+            <a:endParaRPr lang="en-US" b="0" dirty="0"/>
+          </a:p>
+          <a:p>
+            <a:pPr marL="285750" indent="-285750">
+              <a:buFontTx/>
+              <a:buChar char="-"/>
+            </a:pPr>
+            <a:endParaRPr lang="en-US" b="0" dirty="0"/>
+          </a:p>
+          <a:p>
+            <a:pPr marL="285750" indent="-285750">
+              <a:buFontTx/>
+              <a:buChar char="-"/>
+            </a:pPr>
+            <a:r>
+              <a:rPr lang="en-US" b="0" dirty="0"/>
+              <a:t>If you get a certificate error, you haven’t trusted the CA that signed the registries certificates. If anyone of the participants face this issue, they should re-run the get_kube_config.sh script and restart their docker daemon.</a:t>
+            </a:r>
+          </a:p>
+        </p:txBody>
+      </p:sp>
+      <p:sp>
+        <p:nvSpPr>
+          <p:cNvPr id="4" name="Slide Number Placeholder 3"/>
+          <p:cNvSpPr>
+            <a:spLocks noGrp="1"/>
+          </p:cNvSpPr>
+          <p:nvPr>
+            <p:ph type="sldNum" sz="quarter" idx="10"/>
+          </p:nvPr>
+        </p:nvSpPr>
+        <p:spPr/>
+        <p:txBody>
+          <a:bodyPr/>
+          <a:lstStyle/>
+          <a:p>
+            <a:fld id="{7D8C2C35-2B8A-446E-BEC0-FD36716C29AC}" type="slidenum">
+              <a:rPr lang="en-US" smtClean="0"/>
+              <a:pPr/>
+              <a:t>13</a:t>
+            </a:fld>
+            <a:endParaRPr lang="en-US" dirty="0"/>
+          </a:p>
+        </p:txBody>
+      </p:sp>
+    </p:spTree>
+    <p:extLst>
+      <p:ext uri="{BB962C8B-B14F-4D97-AF65-F5344CB8AC3E}">
         <p14:creationId xmlns:p14="http://schemas.microsoft.com/office/powerpoint/2010/main" val="15345096"/>
       </p:ext>
     </p:extLst>
@@ -3422,7 +3755,7 @@
 </p:notes>
 </file>
 
-<file path=ppt/notesSlides/notesSlide13.xml><?xml version="1.0" encoding="utf-8"?>
+<file path=ppt/notesSlides/notesSlide14.xml><?xml version="1.0" encoding="utf-8"?>
 <p:notes xmlns:a="http://schemas.openxmlformats.org/drawingml/2006/main" xmlns:r="http://schemas.openxmlformats.org/officeDocument/2006/relationships" xmlns:p="http://schemas.openxmlformats.org/presentationml/2006/main">
   <p:cSld>
     <p:spTree>
@@ -3457,7 +3790,7 @@
             <a:fld id="{7D8C2C35-2B8A-446E-BEC0-FD36716C29AC}" type="slidenum">
               <a:rPr lang="en-US" smtClean="0"/>
               <a:pPr/>
-              <a:t>13</a:t>
+              <a:t>14</a:t>
             </a:fld>
             <a:endParaRPr lang="en-US" dirty="0"/>
           </a:p>
@@ -3958,7 +4291,67 @@
           <a:bodyPr/>
           <a:lstStyle/>
           <a:p>
+            <a:r>
+              <a:rPr lang="en-US" dirty="0"/>
+              <a:t>You can also make manual changes to images by:</a:t>
+            </a:r>
+          </a:p>
+          <a:p>
+            <a:pPr marL="342900" indent="-342900">
+              <a:buAutoNum type="arabicPeriod"/>
+            </a:pPr>
+            <a:r>
+              <a:rPr lang="en-US" dirty="0"/>
+              <a:t>Start a container from an image</a:t>
+            </a:r>
+          </a:p>
+          <a:p>
+            <a:pPr marL="342900" indent="-342900">
+              <a:buAutoNum type="arabicPeriod"/>
+            </a:pPr>
+            <a:r>
+              <a:rPr lang="en-US" dirty="0"/>
+              <a:t>Make manual changes, e.g. install software, change config / settings (in files), … that manifest in the file system (persisted).</a:t>
+            </a:r>
+          </a:p>
+          <a:p>
+            <a:pPr marL="342900" indent="-342900">
+              <a:buAutoNum type="arabicPeriod"/>
+            </a:pPr>
+            <a:r>
+              <a:rPr lang="en-US" dirty="0"/>
+              <a:t>'Commit' the changes by writing a new image that contains the current state, i.e. the changes relative to the starting image.</a:t>
+            </a:r>
+          </a:p>
+          <a:p>
+            <a:pPr marL="342900" indent="-342900">
+              <a:buAutoNum type="arabicPeriod"/>
+            </a:pPr>
             <a:endParaRPr lang="en-US" dirty="0"/>
+          </a:p>
+          <a:p>
+            <a:pPr marL="0" indent="0">
+              <a:buNone/>
+            </a:pPr>
+            <a:r>
+              <a:rPr lang="en-US" dirty="0"/>
+              <a:t>Drawback: Manual changes leave no trace / history / version control. Not repeatable. </a:t>
+            </a:r>
+          </a:p>
+          <a:p>
+            <a:pPr marL="0" indent="0">
+              <a:buNone/>
+            </a:pPr>
+            <a:endParaRPr lang="en-US" dirty="0"/>
+          </a:p>
+          <a:p>
+            <a:pPr marL="0" indent="0">
+              <a:buNone/>
+            </a:pPr>
+            <a:r>
+              <a:rPr lang="en-US" dirty="0"/>
+              <a:t>Also: Since the container is in running state, it is not guaranteed that you commit a consistent state.</a:t>
+            </a:r>
           </a:p>
         </p:txBody>
       </p:sp>
@@ -3977,19 +4370,78 @@
           <a:bodyPr/>
           <a:lstStyle/>
           <a:p>
+            <a:pPr marL="0" marR="0" lvl="0" indent="0" algn="ctr" defTabSz="1088776" rtl="0" eaLnBrk="1" fontAlgn="auto" latinLnBrk="0" hangingPunct="1">
+              <a:lnSpc>
+                <a:spcPct val="100000"/>
+              </a:lnSpc>
+              <a:spcBef>
+                <a:spcPts val="0"/>
+              </a:spcBef>
+              <a:spcAft>
+                <a:spcPts val="0"/>
+              </a:spcAft>
+              <a:buClrTx/>
+              <a:buSzTx/>
+              <a:buFontTx/>
+              <a:buNone/>
+              <a:tabLst/>
+              <a:defRPr/>
+            </a:pPr>
             <a:fld id="{7D8C2C35-2B8A-446E-BEC0-FD36716C29AC}" type="slidenum">
-              <a:rPr lang="en-US" smtClean="0"/>
-              <a:pPr/>
+              <a:rPr kumimoji="0" lang="en-US" sz="800" b="0" i="0" u="none" strike="noStrike" kern="1200" cap="none" spc="0" normalizeH="0" baseline="0" noProof="0" smtClean="0">
+                <a:ln>
+                  <a:noFill/>
+                </a:ln>
+                <a:solidFill>
+                  <a:srgbClr val="000000"/>
+                </a:solidFill>
+                <a:effectLst/>
+                <a:uLnTx/>
+                <a:uFillTx/>
+                <a:latin typeface="Arial"/>
+                <a:ea typeface="+mn-ea"/>
+                <a:cs typeface="+mn-cs"/>
+              </a:rPr>
+              <a:pPr marL="0" marR="0" lvl="0" indent="0" algn="ctr" defTabSz="1088776" rtl="0" eaLnBrk="1" fontAlgn="auto" latinLnBrk="0" hangingPunct="1">
+                <a:lnSpc>
+                  <a:spcPct val="100000"/>
+                </a:lnSpc>
+                <a:spcBef>
+                  <a:spcPts val="0"/>
+                </a:spcBef>
+                <a:spcAft>
+                  <a:spcPts val="0"/>
+                </a:spcAft>
+                <a:buClrTx/>
+                <a:buSzTx/>
+                <a:buFontTx/>
+                <a:buNone/>
+                <a:tabLst/>
+                <a:defRPr/>
+              </a:pPr>
               <a:t>6</a:t>
             </a:fld>
-            <a:endParaRPr lang="en-US" dirty="0"/>
+            <a:endParaRPr kumimoji="0" lang="en-US" sz="800" b="0" i="0" u="none" strike="noStrike" kern="1200" cap="none" spc="0" normalizeH="0" baseline="0" noProof="0" dirty="0">
+              <a:ln>
+                <a:noFill/>
+              </a:ln>
+              <a:solidFill>
+                <a:srgbClr val="000000"/>
+              </a:solidFill>
+              <a:effectLst/>
+              <a:uLnTx/>
+              <a:uFillTx/>
+              <a:latin typeface="Arial"/>
+              <a:ea typeface="+mn-ea"/>
+              <a:cs typeface="+mn-cs"/>
+            </a:endParaRPr>
           </a:p>
         </p:txBody>
       </p:sp>
     </p:spTree>
     <p:extLst>
       <p:ext uri="{BB962C8B-B14F-4D97-AF65-F5344CB8AC3E}">
-        <p14:creationId xmlns:p14="http://schemas.microsoft.com/office/powerpoint/2010/main" val="252161047"/>
+        <p14:creationId xmlns:p14="http://schemas.microsoft.com/office/powerpoint/2010/main" val="3847174029"/>
       </p:ext>
     </p:extLst>
   </p:cSld>
@@ -4040,236 +4492,10 @@
         </p:nvSpPr>
         <p:spPr/>
         <p:txBody>
-          <a:bodyPr>
-            <a:normAutofit/>
-          </a:bodyPr>
+          <a:bodyPr/>
           <a:lstStyle/>
           <a:p>
-            <a:pPr marL="0" indent="0">
-              <a:buFontTx/>
-              <a:buNone/>
-            </a:pPr>
-            <a:r>
-              <a:rPr lang="en-US" b="0" dirty="0"/>
-              <a:t>Let’s take a closer look at the images.</a:t>
-            </a:r>
-          </a:p>
-          <a:p>
-            <a:pPr marL="0" indent="0">
-              <a:buFontTx/>
-              <a:buNone/>
-            </a:pPr>
-            <a:endParaRPr lang="en-US" b="0" dirty="0"/>
-          </a:p>
-          <a:p>
-            <a:pPr marL="0" indent="0">
-              <a:buFontTx/>
-              <a:buNone/>
-            </a:pPr>
-            <a:r>
-              <a:rPr lang="en-US" b="0" dirty="0"/>
-              <a:t>From the docker cli, you have several ways of accessing them:</a:t>
-            </a:r>
-          </a:p>
-          <a:p>
-            <a:pPr marL="285750" indent="-285750">
-              <a:buFontTx/>
-              <a:buChar char="-"/>
-            </a:pPr>
-            <a:r>
-              <a:rPr lang="en-US" b="0" dirty="0"/>
-              <a:t>docker image list </a:t>
-            </a:r>
-            <a:r>
-              <a:rPr lang="en-US" b="0" dirty="0">
-                <a:sym typeface="Wingdings" panose="05000000000000000000" pitchFamily="2" charset="2"/>
-              </a:rPr>
-              <a:t> gives you all downloaded images</a:t>
-            </a:r>
-          </a:p>
-          <a:p>
-            <a:pPr marL="285750" indent="-285750">
-              <a:buFontTx/>
-              <a:buChar char="-"/>
-            </a:pPr>
-            <a:r>
-              <a:rPr lang="en-US" b="0" dirty="0">
-                <a:sym typeface="Wingdings" panose="05000000000000000000" pitchFamily="2" charset="2"/>
-              </a:rPr>
-              <a:t>docker inspect &lt;image&gt;:&lt;tag&gt;  gives you meta info on the image incl. CMD/</a:t>
-            </a:r>
-            <a:r>
-              <a:rPr lang="en-US" b="0" dirty="0" err="1">
-                <a:sym typeface="Wingdings" panose="05000000000000000000" pitchFamily="2" charset="2"/>
-              </a:rPr>
-              <a:t>Entrypoint</a:t>
-            </a:r>
-            <a:r>
-              <a:rPr lang="en-US" b="0" dirty="0">
-                <a:sym typeface="Wingdings" panose="05000000000000000000" pitchFamily="2" charset="2"/>
-              </a:rPr>
-              <a:t>, ports </a:t>
-            </a:r>
-            <a:r>
-              <a:rPr lang="en-US" b="0" dirty="0" err="1">
-                <a:sym typeface="Wingdings" panose="05000000000000000000" pitchFamily="2" charset="2"/>
-              </a:rPr>
-              <a:t>etc</a:t>
-            </a:r>
-            <a:endParaRPr lang="en-US" b="0" dirty="0">
-              <a:sym typeface="Wingdings" panose="05000000000000000000" pitchFamily="2" charset="2"/>
-            </a:endParaRPr>
-          </a:p>
-          <a:p>
-            <a:pPr marL="285750" indent="-285750">
-              <a:buFontTx/>
-              <a:buChar char="-"/>
-            </a:pPr>
-            <a:r>
-              <a:rPr lang="en-US" b="0" dirty="0">
-                <a:sym typeface="Wingdings" panose="05000000000000000000" pitchFamily="2" charset="2"/>
-              </a:rPr>
-              <a:t>docker history &lt;image&gt;:&lt;tag&gt;  gives you the image’s history</a:t>
-            </a:r>
-          </a:p>
-          <a:p>
-            <a:pPr marL="285750" indent="-285750">
-              <a:buFontTx/>
-              <a:buChar char="-"/>
-            </a:pPr>
-            <a:endParaRPr lang="en-US" b="0" dirty="0">
-              <a:sym typeface="Wingdings" panose="05000000000000000000" pitchFamily="2" charset="2"/>
-            </a:endParaRPr>
-          </a:p>
-          <a:p>
-            <a:pPr marL="0" indent="0">
-              <a:buFontTx/>
-              <a:buNone/>
-            </a:pPr>
-            <a:r>
-              <a:rPr lang="en-US" b="0" dirty="0">
-                <a:sym typeface="Wingdings" panose="05000000000000000000" pitchFamily="2" charset="2"/>
-              </a:rPr>
-              <a:t>Show these commands for any available image like </a:t>
-            </a:r>
-            <a:r>
-              <a:rPr lang="en-US" b="0" dirty="0" err="1">
-                <a:sym typeface="Wingdings" panose="05000000000000000000" pitchFamily="2" charset="2"/>
-              </a:rPr>
-              <a:t>nginx</a:t>
-            </a:r>
-            <a:endParaRPr lang="en-US" b="0" dirty="0">
-              <a:sym typeface="Wingdings" panose="05000000000000000000" pitchFamily="2" charset="2"/>
-            </a:endParaRPr>
-          </a:p>
-          <a:p>
-            <a:pPr marL="0" indent="0">
-              <a:buFontTx/>
-              <a:buNone/>
-            </a:pPr>
-            <a:endParaRPr lang="en-US" b="0" dirty="0">
-              <a:sym typeface="Wingdings" panose="05000000000000000000" pitchFamily="2" charset="2"/>
-            </a:endParaRPr>
-          </a:p>
-          <a:p>
-            <a:pPr marL="0" indent="0">
-              <a:buFontTx/>
-              <a:buNone/>
-            </a:pPr>
-            <a:r>
-              <a:rPr lang="en-US" b="0" dirty="0">
-                <a:sym typeface="Wingdings" panose="05000000000000000000" pitchFamily="2" charset="2"/>
-              </a:rPr>
-              <a:t>Next, demo the commit command:</a:t>
-            </a:r>
-          </a:p>
-          <a:p>
-            <a:pPr marL="285750" indent="-285750">
-              <a:buFontTx/>
-              <a:buChar char="-"/>
-            </a:pPr>
-            <a:r>
-              <a:rPr lang="en-US" b="0" dirty="0">
-                <a:sym typeface="Wingdings" panose="05000000000000000000" pitchFamily="2" charset="2"/>
-              </a:rPr>
-              <a:t>docker run -it </a:t>
-            </a:r>
-            <a:r>
-              <a:rPr lang="en-US" b="0" dirty="0" err="1">
-                <a:sym typeface="Wingdings" panose="05000000000000000000" pitchFamily="2" charset="2"/>
-              </a:rPr>
-              <a:t>nginx:mainline</a:t>
-            </a:r>
-            <a:r>
-              <a:rPr lang="en-US" b="0" dirty="0">
-                <a:sym typeface="Wingdings" panose="05000000000000000000" pitchFamily="2" charset="2"/>
-              </a:rPr>
-              <a:t> /bin/bash</a:t>
-            </a:r>
-          </a:p>
-          <a:p>
-            <a:pPr marL="285750" indent="-285750">
-              <a:buFontTx/>
-              <a:buChar char="-"/>
-            </a:pPr>
-            <a:r>
-              <a:rPr lang="en-US" b="0" dirty="0">
-                <a:sym typeface="Wingdings" panose="05000000000000000000" pitchFamily="2" charset="2"/>
-              </a:rPr>
-              <a:t>Create a file &amp; exit</a:t>
-            </a:r>
-          </a:p>
-          <a:p>
-            <a:pPr marL="285750" indent="-285750">
-              <a:buFontTx/>
-              <a:buChar char="-"/>
-            </a:pPr>
-            <a:r>
-              <a:rPr lang="en-US" b="0" dirty="0">
-                <a:sym typeface="Wingdings" panose="05000000000000000000" pitchFamily="2" charset="2"/>
-              </a:rPr>
-              <a:t>run “docker commit &lt;container&gt; &lt;repo-name&gt;:&lt;tag&gt;</a:t>
-            </a:r>
-          </a:p>
-          <a:p>
-            <a:pPr marL="285750" indent="-285750">
-              <a:buFontTx/>
-              <a:buChar char="-"/>
-            </a:pPr>
-            <a:endParaRPr lang="en-US" b="0" dirty="0">
-              <a:sym typeface="Wingdings" panose="05000000000000000000" pitchFamily="2" charset="2"/>
-            </a:endParaRPr>
-          </a:p>
-          <a:p>
-            <a:pPr marL="0" indent="0">
-              <a:buFontTx/>
-              <a:buNone/>
-            </a:pPr>
-            <a:r>
-              <a:rPr lang="en-US" b="0" dirty="0">
-                <a:sym typeface="Wingdings" panose="05000000000000000000" pitchFamily="2" charset="2"/>
-              </a:rPr>
-              <a:t>Now re-run the history </a:t>
-            </a:r>
-            <a:r>
-              <a:rPr lang="en-US" b="0" dirty="0" err="1">
-                <a:sym typeface="Wingdings" panose="05000000000000000000" pitchFamily="2" charset="2"/>
-              </a:rPr>
-              <a:t>cmd</a:t>
-            </a:r>
-            <a:r>
-              <a:rPr lang="en-US" b="0" dirty="0">
-                <a:sym typeface="Wingdings" panose="05000000000000000000" pitchFamily="2" charset="2"/>
-              </a:rPr>
-              <a:t> on your newly created image. Discuss the added layer and the visible information vs. what you did.</a:t>
-            </a:r>
-          </a:p>
-          <a:p>
-            <a:pPr marL="285750" indent="-285750">
-              <a:buFontTx/>
-              <a:buChar char="-"/>
-            </a:pPr>
-            <a:endParaRPr lang="en-US" b="0" dirty="0"/>
+            <a:endParaRPr lang="en-US" dirty="0"/>
           </a:p>
         </p:txBody>
       </p:sp>
@@ -4300,7 +4526,7 @@
     </p:spTree>
     <p:extLst>
       <p:ext uri="{BB962C8B-B14F-4D97-AF65-F5344CB8AC3E}">
-        <p14:creationId xmlns:p14="http://schemas.microsoft.com/office/powerpoint/2010/main" val="2468237856"/>
+        <p14:creationId xmlns:p14="http://schemas.microsoft.com/office/powerpoint/2010/main" val="252161047"/>
       </p:ext>
     </p:extLst>
   </p:cSld>
@@ -4351,39 +4577,236 @@
         </p:nvSpPr>
         <p:spPr/>
         <p:txBody>
-          <a:bodyPr/>
+          <a:bodyPr>
+            <a:normAutofit/>
+          </a:bodyPr>
           <a:lstStyle/>
           <a:p>
-            <a:r>
-              <a:rPr lang="en-US" dirty="0"/>
-              <a:t>Images are kept in 'docker registries'. The docker runtime will look in the configured registry when it needs to load an image (e.g. for a 'docker run'). When it doesn't have the image already in its local cache, it will load it from the registry. </a:t>
-            </a:r>
-          </a:p>
-          <a:p>
-            <a:endParaRPr lang="en-US" dirty="0"/>
-          </a:p>
-          <a:p>
-            <a:r>
-              <a:rPr lang="en-US" dirty="0"/>
-              <a:t>The default registry is the docker hub: hub.docker.com. You can also have local registries, e.g. to have tight control of what goes in. </a:t>
-            </a:r>
-          </a:p>
-          <a:p>
-            <a:endParaRPr lang="en-US" dirty="0"/>
-          </a:p>
-          <a:p>
-            <a:r>
-              <a:rPr lang="en-US" dirty="0"/>
-              <a:t>Registries can have a private section which requires a login. With “docker login” you can store your credentials locally (~/.docker/</a:t>
-            </a:r>
-            <a:r>
-              <a:rPr lang="en-US" dirty="0" err="1"/>
-              <a:t>config.json</a:t>
-            </a:r>
-            <a:r>
-              <a:rPr lang="en-US" dirty="0"/>
-              <a:t>) and authorize your requests.</a:t>
-            </a:r>
+            <a:pPr marL="0" indent="0">
+              <a:buFontTx/>
+              <a:buNone/>
+            </a:pPr>
+            <a:r>
+              <a:rPr lang="en-US" b="0" dirty="0"/>
+              <a:t>Let’s take a closer look at the images.</a:t>
+            </a:r>
+          </a:p>
+          <a:p>
+            <a:pPr marL="0" indent="0">
+              <a:buFontTx/>
+              <a:buNone/>
+            </a:pPr>
+            <a:endParaRPr lang="en-US" b="0" dirty="0"/>
+          </a:p>
+          <a:p>
+            <a:pPr marL="0" indent="0">
+              <a:buFontTx/>
+              <a:buNone/>
+            </a:pPr>
+            <a:r>
+              <a:rPr lang="en-US" b="0" dirty="0"/>
+              <a:t>From the docker cli, you have several ways of accessing them:</a:t>
+            </a:r>
+          </a:p>
+          <a:p>
+            <a:pPr marL="285750" indent="-285750">
+              <a:buFontTx/>
+              <a:buChar char="-"/>
+            </a:pPr>
+            <a:r>
+              <a:rPr lang="en-US" b="0" dirty="0"/>
+              <a:t>docker image list </a:t>
+            </a:r>
+            <a:r>
+              <a:rPr lang="en-US" b="0" dirty="0">
+                <a:sym typeface="Wingdings" panose="05000000000000000000" pitchFamily="2" charset="2"/>
+              </a:rPr>
+              <a:t> gives you all downloaded images</a:t>
+            </a:r>
+          </a:p>
+          <a:p>
+            <a:pPr marL="285750" indent="-285750">
+              <a:buFontTx/>
+              <a:buChar char="-"/>
+            </a:pPr>
+            <a:r>
+              <a:rPr lang="en-US" b="0" dirty="0">
+                <a:sym typeface="Wingdings" panose="05000000000000000000" pitchFamily="2" charset="2"/>
+              </a:rPr>
+              <a:t>docker inspect &lt;image&gt;:&lt;tag&gt;  gives you meta info on the image incl. CMD/</a:t>
+            </a:r>
+            <a:r>
+              <a:rPr lang="en-US" b="0" dirty="0" err="1">
+                <a:sym typeface="Wingdings" panose="05000000000000000000" pitchFamily="2" charset="2"/>
+              </a:rPr>
+              <a:t>Entrypoint</a:t>
+            </a:r>
+            <a:r>
+              <a:rPr lang="en-US" b="0" dirty="0">
+                <a:sym typeface="Wingdings" panose="05000000000000000000" pitchFamily="2" charset="2"/>
+              </a:rPr>
+              <a:t>, ports </a:t>
+            </a:r>
+            <a:r>
+              <a:rPr lang="en-US" b="0" dirty="0" err="1">
+                <a:sym typeface="Wingdings" panose="05000000000000000000" pitchFamily="2" charset="2"/>
+              </a:rPr>
+              <a:t>etc</a:t>
+            </a:r>
+            <a:endParaRPr lang="en-US" b="0" dirty="0">
+              <a:sym typeface="Wingdings" panose="05000000000000000000" pitchFamily="2" charset="2"/>
+            </a:endParaRPr>
+          </a:p>
+          <a:p>
+            <a:pPr marL="285750" indent="-285750">
+              <a:buFontTx/>
+              <a:buChar char="-"/>
+            </a:pPr>
+            <a:r>
+              <a:rPr lang="en-US" b="0" dirty="0">
+                <a:sym typeface="Wingdings" panose="05000000000000000000" pitchFamily="2" charset="2"/>
+              </a:rPr>
+              <a:t>docker history &lt;image&gt;:&lt;tag&gt;  gives you the image’s history</a:t>
+            </a:r>
+          </a:p>
+          <a:p>
+            <a:pPr marL="285750" indent="-285750">
+              <a:buFontTx/>
+              <a:buChar char="-"/>
+            </a:pPr>
+            <a:endParaRPr lang="en-US" b="0" dirty="0">
+              <a:sym typeface="Wingdings" panose="05000000000000000000" pitchFamily="2" charset="2"/>
+            </a:endParaRPr>
+          </a:p>
+          <a:p>
+            <a:pPr marL="0" indent="0">
+              <a:buFontTx/>
+              <a:buNone/>
+            </a:pPr>
+            <a:r>
+              <a:rPr lang="en-US" b="0" dirty="0">
+                <a:sym typeface="Wingdings" panose="05000000000000000000" pitchFamily="2" charset="2"/>
+              </a:rPr>
+              <a:t>Show these commands for any available image like </a:t>
+            </a:r>
+            <a:r>
+              <a:rPr lang="en-US" b="0" dirty="0" err="1">
+                <a:sym typeface="Wingdings" panose="05000000000000000000" pitchFamily="2" charset="2"/>
+              </a:rPr>
+              <a:t>nginx</a:t>
+            </a:r>
+            <a:endParaRPr lang="en-US" b="0" dirty="0">
+              <a:sym typeface="Wingdings" panose="05000000000000000000" pitchFamily="2" charset="2"/>
+            </a:endParaRPr>
+          </a:p>
+          <a:p>
+            <a:pPr marL="0" indent="0">
+              <a:buFontTx/>
+              <a:buNone/>
+            </a:pPr>
+            <a:endParaRPr lang="en-US" b="0" dirty="0">
+              <a:sym typeface="Wingdings" panose="05000000000000000000" pitchFamily="2" charset="2"/>
+            </a:endParaRPr>
+          </a:p>
+          <a:p>
+            <a:pPr marL="0" indent="0">
+              <a:buFontTx/>
+              <a:buNone/>
+            </a:pPr>
+            <a:r>
+              <a:rPr lang="en-US" b="0" dirty="0">
+                <a:sym typeface="Wingdings" panose="05000000000000000000" pitchFamily="2" charset="2"/>
+              </a:rPr>
+              <a:t>Next, demo the commit command:</a:t>
+            </a:r>
+          </a:p>
+          <a:p>
+            <a:pPr marL="285750" indent="-285750">
+              <a:buFontTx/>
+              <a:buChar char="-"/>
+            </a:pPr>
+            <a:r>
+              <a:rPr lang="en-US" b="0" dirty="0">
+                <a:sym typeface="Wingdings" panose="05000000000000000000" pitchFamily="2" charset="2"/>
+              </a:rPr>
+              <a:t>docker run -it </a:t>
+            </a:r>
+            <a:r>
+              <a:rPr lang="en-US" b="0" dirty="0" err="1">
+                <a:sym typeface="Wingdings" panose="05000000000000000000" pitchFamily="2" charset="2"/>
+              </a:rPr>
+              <a:t>nginx:mainline</a:t>
+            </a:r>
+            <a:r>
+              <a:rPr lang="en-US" b="0" dirty="0">
+                <a:sym typeface="Wingdings" panose="05000000000000000000" pitchFamily="2" charset="2"/>
+              </a:rPr>
+              <a:t> /bin/bash</a:t>
+            </a:r>
+          </a:p>
+          <a:p>
+            <a:pPr marL="285750" indent="-285750">
+              <a:buFontTx/>
+              <a:buChar char="-"/>
+            </a:pPr>
+            <a:r>
+              <a:rPr lang="en-US" b="0" dirty="0">
+                <a:sym typeface="Wingdings" panose="05000000000000000000" pitchFamily="2" charset="2"/>
+              </a:rPr>
+              <a:t>Create a file &amp; exit</a:t>
+            </a:r>
+          </a:p>
+          <a:p>
+            <a:pPr marL="285750" indent="-285750">
+              <a:buFontTx/>
+              <a:buChar char="-"/>
+            </a:pPr>
+            <a:r>
+              <a:rPr lang="en-US" b="0" dirty="0">
+                <a:sym typeface="Wingdings" panose="05000000000000000000" pitchFamily="2" charset="2"/>
+              </a:rPr>
+              <a:t>run “docker commit &lt;container&gt; &lt;repo-name&gt;:&lt;tag&gt;</a:t>
+            </a:r>
+          </a:p>
+          <a:p>
+            <a:pPr marL="285750" indent="-285750">
+              <a:buFontTx/>
+              <a:buChar char="-"/>
+            </a:pPr>
+            <a:endParaRPr lang="en-US" b="0" dirty="0">
+              <a:sym typeface="Wingdings" panose="05000000000000000000" pitchFamily="2" charset="2"/>
+            </a:endParaRPr>
+          </a:p>
+          <a:p>
+            <a:pPr marL="0" indent="0">
+              <a:buFontTx/>
+              <a:buNone/>
+            </a:pPr>
+            <a:r>
+              <a:rPr lang="en-US" b="0" dirty="0">
+                <a:sym typeface="Wingdings" panose="05000000000000000000" pitchFamily="2" charset="2"/>
+              </a:rPr>
+              <a:t>Now re-run the history </a:t>
+            </a:r>
+            <a:r>
+              <a:rPr lang="en-US" b="0" dirty="0" err="1">
+                <a:sym typeface="Wingdings" panose="05000000000000000000" pitchFamily="2" charset="2"/>
+              </a:rPr>
+              <a:t>cmd</a:t>
+            </a:r>
+            <a:r>
+              <a:rPr lang="en-US" b="0" dirty="0">
+                <a:sym typeface="Wingdings" panose="05000000000000000000" pitchFamily="2" charset="2"/>
+              </a:rPr>
+              <a:t> on your newly created image. Discuss the added layer and the visible information vs. what you did.</a:t>
+            </a:r>
+          </a:p>
+          <a:p>
+            <a:pPr marL="285750" indent="-285750">
+              <a:buFontTx/>
+              <a:buChar char="-"/>
+            </a:pPr>
+            <a:endParaRPr lang="en-US" b="0" dirty="0"/>
           </a:p>
         </p:txBody>
       </p:sp>
@@ -4414,7 +4837,7 @@
     </p:spTree>
     <p:extLst>
       <p:ext uri="{BB962C8B-B14F-4D97-AF65-F5344CB8AC3E}">
-        <p14:creationId xmlns:p14="http://schemas.microsoft.com/office/powerpoint/2010/main" val="3472124184"/>
+        <p14:creationId xmlns:p14="http://schemas.microsoft.com/office/powerpoint/2010/main" val="2468237856"/>
       </p:ext>
     </p:extLst>
   </p:cSld>
@@ -4469,33 +4892,34 @@
           <a:lstStyle/>
           <a:p>
             <a:r>
-              <a:rPr lang="en-US" baseline="0" dirty="0"/>
-              <a:t>Some, if not most registries require to log in to push or even to pull images.</a:t>
-            </a:r>
-          </a:p>
-          <a:p>
-            <a:endParaRPr lang="en-US" baseline="0" dirty="0"/>
-          </a:p>
-          <a:p>
-            <a:r>
-              <a:rPr lang="en-US" baseline="0" dirty="0"/>
-              <a:t>With 'docker login', one can submit the username and password for a given registry (specified by its URL). Docker will persist these login credentials in a </a:t>
-            </a:r>
-            <a:r>
-              <a:rPr lang="en-US" baseline="0" dirty="0" err="1"/>
+              <a:rPr lang="en-US" dirty="0"/>
+              <a:t>Images are kept in 'docker registries'. The docker runtime will look in the configured registry when it needs to load an image (e.g. for a 'docker run'). When it doesn't have the image already in its local cache, it will load it from the registry. </a:t>
+            </a:r>
+          </a:p>
+          <a:p>
+            <a:endParaRPr lang="en-US" dirty="0"/>
+          </a:p>
+          <a:p>
+            <a:r>
+              <a:rPr lang="en-US" dirty="0"/>
+              <a:t>The default registry is the docker hub: hub.docker.com. You can also have local registries, e.g. to have tight control of what goes in. </a:t>
+            </a:r>
+          </a:p>
+          <a:p>
+            <a:endParaRPr lang="en-US" dirty="0"/>
+          </a:p>
+          <a:p>
+            <a:r>
+              <a:rPr lang="en-US" dirty="0"/>
+              <a:t>Registries can have a private section which requires a login. With “docker login” you can store your credentials locally (~/.docker/</a:t>
+            </a:r>
+            <a:r>
+              <a:rPr lang="en-US" dirty="0" err="1"/>
               <a:t>config.json</a:t>
             </a:r>
             <a:r>
-              <a:rPr lang="en-US" baseline="0" dirty="0"/>
-              <a:t> (usually found in ~/docker/</a:t>
-            </a:r>
-            <a:r>
-              <a:rPr lang="en-US" baseline="0" dirty="0" err="1"/>
-              <a:t>config.json</a:t>
-            </a:r>
-            <a:r>
-              <a:rPr lang="en-US" baseline="0" dirty="0"/>
-              <a:t>) and use them every time a registry is accessed.</a:t>
+              <a:rPr lang="en-US" dirty="0"/>
+              <a:t>) and authorize your requests.</a:t>
             </a:r>
           </a:p>
         </p:txBody>
@@ -4516,18 +4940,18 @@
           <a:lstStyle/>
           <a:p>
             <a:fld id="{7D8C2C35-2B8A-446E-BEC0-FD36716C29AC}" type="slidenum">
-              <a:rPr lang="de-DE" smtClean="0"/>
+              <a:rPr lang="en-US" smtClean="0"/>
               <a:pPr/>
               <a:t>9</a:t>
             </a:fld>
-            <a:endParaRPr lang="de-DE" dirty="0"/>
+            <a:endParaRPr lang="en-US" dirty="0"/>
           </a:p>
         </p:txBody>
       </p:sp>
     </p:spTree>
     <p:extLst>
       <p:ext uri="{BB962C8B-B14F-4D97-AF65-F5344CB8AC3E}">
-        <p14:creationId xmlns:p14="http://schemas.microsoft.com/office/powerpoint/2010/main" val="4009320709"/>
+        <p14:creationId xmlns:p14="http://schemas.microsoft.com/office/powerpoint/2010/main" val="3472124184"/>
       </p:ext>
     </p:extLst>
   </p:cSld>
@@ -17967,6 +18391,786 @@
       </p:grpSpPr>
       <p:sp>
         <p:nvSpPr>
+          <p:cNvPr id="3" name="Title 2"/>
+          <p:cNvSpPr>
+            <a:spLocks noGrp="1"/>
+          </p:cNvSpPr>
+          <p:nvPr>
+            <p:ph type="title"/>
+          </p:nvPr>
+        </p:nvSpPr>
+        <p:spPr/>
+        <p:txBody>
+          <a:bodyPr/>
+          <a:lstStyle/>
+          <a:p>
+            <a:r>
+              <a:rPr lang="en-US" dirty="0"/>
+              <a:t>Docker login credentials</a:t>
+            </a:r>
+          </a:p>
+        </p:txBody>
+      </p:sp>
+      <p:sp>
+        <p:nvSpPr>
+          <p:cNvPr id="4" name="Flowchart: Magnetic Disk 3"/>
+          <p:cNvSpPr/>
+          <p:nvPr/>
+        </p:nvSpPr>
+        <p:spPr bwMode="gray">
+          <a:xfrm>
+            <a:off x="772758" y="1927317"/>
+            <a:ext cx="2661557" cy="1665515"/>
+          </a:xfrm>
+          <a:prstGeom prst="flowChartMagneticDisk">
+            <a:avLst/>
+          </a:prstGeom>
+          <a:solidFill>
+            <a:schemeClr val="accent1"/>
+          </a:solidFill>
+          <a:ln w="6350" algn="ctr">
+            <a:solidFill>
+              <a:schemeClr val="accent1">
+                <a:lumMod val="20000"/>
+                <a:lumOff val="80000"/>
+              </a:schemeClr>
+            </a:solidFill>
+            <a:miter lim="800000"/>
+            <a:headEnd/>
+            <a:tailEnd/>
+          </a:ln>
+        </p:spPr>
+        <p:txBody>
+          <a:bodyPr lIns="90000" tIns="72000" rIns="90000" bIns="72000" rtlCol="0" anchor="ctr"/>
+          <a:lstStyle/>
+          <a:p>
+            <a:pPr marR="0" algn="ctr" defTabSz="914400" eaLnBrk="1" fontAlgn="base" latinLnBrk="0" hangingPunct="1">
+              <a:lnSpc>
+                <a:spcPct val="100000"/>
+              </a:lnSpc>
+              <a:spcBef>
+                <a:spcPct val="50000"/>
+              </a:spcBef>
+              <a:spcAft>
+                <a:spcPct val="0"/>
+              </a:spcAft>
+              <a:buClr>
+                <a:srgbClr val="F0AB00"/>
+              </a:buClr>
+              <a:buSzPct val="80000"/>
+              <a:tabLst/>
+            </a:pPr>
+            <a:r>
+              <a:rPr kumimoji="0" lang="en-US" sz="2000" b="1" i="0" u="none" strike="noStrike" kern="0" cap="none" spc="0" normalizeH="0" baseline="0" noProof="0" dirty="0">
+                <a:ln>
+                  <a:noFill/>
+                </a:ln>
+                <a:effectLst/>
+                <a:uLnTx/>
+                <a:uFillTx/>
+                <a:ea typeface="Arial Unicode MS" pitchFamily="34" charset="-128"/>
+                <a:cs typeface="Arial Unicode MS" pitchFamily="34" charset="-128"/>
+              </a:rPr>
+              <a:t>Private Registry</a:t>
+            </a:r>
+          </a:p>
+        </p:txBody>
+      </p:sp>
+      <p:cxnSp>
+        <p:nvCxnSpPr>
+          <p:cNvPr id="16" name="Straight Arrow Connector 15"/>
+          <p:cNvCxnSpPr>
+            <a:cxnSpLocks/>
+            <a:endCxn id="36" idx="1"/>
+          </p:cNvCxnSpPr>
+          <p:nvPr/>
+        </p:nvCxnSpPr>
+        <p:spPr>
+          <a:xfrm>
+            <a:off x="3434315" y="2760076"/>
+            <a:ext cx="1903746" cy="22339"/>
+          </a:xfrm>
+          <a:prstGeom prst="straightConnector1">
+            <a:avLst/>
+          </a:prstGeom>
+          <a:ln w="57150">
+            <a:solidFill>
+              <a:schemeClr val="accent1"/>
+            </a:solidFill>
+            <a:headEnd type="triangle" w="med" len="med"/>
+            <a:tailEnd type="triangle" w="med" len="med"/>
+          </a:ln>
+        </p:spPr>
+        <p:style>
+          <a:lnRef idx="1">
+            <a:schemeClr val="accent1"/>
+          </a:lnRef>
+          <a:fillRef idx="0">
+            <a:schemeClr val="accent1"/>
+          </a:fillRef>
+          <a:effectRef idx="0">
+            <a:schemeClr val="accent1"/>
+          </a:effectRef>
+          <a:fontRef idx="minor">
+            <a:schemeClr val="tx1"/>
+          </a:fontRef>
+        </p:style>
+      </p:cxnSp>
+      <p:sp>
+        <p:nvSpPr>
+          <p:cNvPr id="34" name="Rectangle: Rounded Corners 33"/>
+          <p:cNvSpPr/>
+          <p:nvPr/>
+        </p:nvSpPr>
+        <p:spPr bwMode="gray">
+          <a:xfrm>
+            <a:off x="8244097" y="3889271"/>
+            <a:ext cx="3448304" cy="1261311"/>
+          </a:xfrm>
+          <a:prstGeom prst="roundRect">
+            <a:avLst/>
+          </a:prstGeom>
+          <a:solidFill>
+            <a:schemeClr val="bg2"/>
+          </a:solidFill>
+          <a:ln w="28575">
+            <a:prstDash val="sysDash"/>
+            <a:headEnd/>
+            <a:tailEnd/>
+          </a:ln>
+        </p:spPr>
+        <p:style>
+          <a:lnRef idx="2">
+            <a:schemeClr val="accent2"/>
+          </a:lnRef>
+          <a:fillRef idx="1">
+            <a:schemeClr val="lt1"/>
+          </a:fillRef>
+          <a:effectRef idx="0">
+            <a:schemeClr val="accent2"/>
+          </a:effectRef>
+          <a:fontRef idx="minor">
+            <a:schemeClr val="dk1"/>
+          </a:fontRef>
+        </p:style>
+        <p:txBody>
+          <a:bodyPr lIns="90000" tIns="72000" rIns="90000" bIns="72000" rtlCol="0" anchor="ctr"/>
+          <a:lstStyle/>
+          <a:p>
+            <a:pPr marR="0" defTabSz="914400" eaLnBrk="1" fontAlgn="base" latinLnBrk="0" hangingPunct="1">
+              <a:lnSpc>
+                <a:spcPct val="100000"/>
+              </a:lnSpc>
+              <a:spcBef>
+                <a:spcPct val="50000"/>
+              </a:spcBef>
+              <a:spcAft>
+                <a:spcPct val="0"/>
+              </a:spcAft>
+              <a:buClr>
+                <a:srgbClr val="F0AB00"/>
+              </a:buClr>
+              <a:buSzPct val="80000"/>
+              <a:tabLst/>
+            </a:pPr>
+            <a:r>
+              <a:rPr lang="en-US" sz="1800" kern="0" dirty="0">
+                <a:ea typeface="Arial Unicode MS" pitchFamily="34" charset="-128"/>
+                <a:cs typeface="Arial Unicode MS" pitchFamily="34" charset="-128"/>
+              </a:rPr>
+              <a:t>docker login &lt;registry </a:t>
+            </a:r>
+            <a:r>
+              <a:rPr lang="en-US" sz="1800" kern="0" dirty="0" err="1">
+                <a:ea typeface="Arial Unicode MS" pitchFamily="34" charset="-128"/>
+                <a:cs typeface="Arial Unicode MS" pitchFamily="34" charset="-128"/>
+              </a:rPr>
+              <a:t>url</a:t>
+            </a:r>
+            <a:r>
+              <a:rPr lang="en-US" sz="1800" kern="0" dirty="0">
+                <a:ea typeface="Arial Unicode MS" pitchFamily="34" charset="-128"/>
+                <a:cs typeface="Arial Unicode MS" pitchFamily="34" charset="-128"/>
+              </a:rPr>
+              <a:t>&gt; </a:t>
+            </a:r>
+          </a:p>
+          <a:p>
+            <a:pPr marR="0" defTabSz="914400" eaLnBrk="1" fontAlgn="base" latinLnBrk="0" hangingPunct="1">
+              <a:lnSpc>
+                <a:spcPct val="100000"/>
+              </a:lnSpc>
+              <a:spcBef>
+                <a:spcPts val="600"/>
+              </a:spcBef>
+              <a:spcAft>
+                <a:spcPct val="0"/>
+              </a:spcAft>
+              <a:buClr>
+                <a:srgbClr val="F0AB00"/>
+              </a:buClr>
+              <a:buSzPct val="80000"/>
+              <a:tabLst/>
+            </a:pPr>
+            <a:r>
+              <a:rPr lang="en-US" sz="1800" kern="0" dirty="0">
+                <a:ea typeface="Arial Unicode MS" pitchFamily="34" charset="-128"/>
+                <a:cs typeface="Arial Unicode MS" pitchFamily="34" charset="-128"/>
+              </a:rPr>
+              <a:t>-u &lt;username&gt;</a:t>
+            </a:r>
+          </a:p>
+          <a:p>
+            <a:pPr marR="0" defTabSz="914400" eaLnBrk="1" fontAlgn="base" latinLnBrk="0" hangingPunct="1">
+              <a:lnSpc>
+                <a:spcPct val="100000"/>
+              </a:lnSpc>
+              <a:spcBef>
+                <a:spcPts val="600"/>
+              </a:spcBef>
+              <a:spcAft>
+                <a:spcPct val="0"/>
+              </a:spcAft>
+              <a:buClr>
+                <a:srgbClr val="F0AB00"/>
+              </a:buClr>
+              <a:buSzPct val="80000"/>
+              <a:tabLst/>
+            </a:pPr>
+            <a:r>
+              <a:rPr lang="en-US" sz="1800" kern="0" dirty="0">
+                <a:ea typeface="Arial Unicode MS" pitchFamily="34" charset="-128"/>
+                <a:cs typeface="Arial Unicode MS" pitchFamily="34" charset="-128"/>
+              </a:rPr>
+              <a:t>-p &lt;password&gt;</a:t>
+            </a:r>
+            <a:endParaRPr kumimoji="0" lang="en-US" sz="1800" b="0" i="0" u="none" strike="noStrike" kern="0" cap="none" spc="0" normalizeH="0" baseline="0" noProof="0" dirty="0" err="1">
+              <a:ln>
+                <a:noFill/>
+              </a:ln>
+              <a:effectLst/>
+              <a:uLnTx/>
+              <a:uFillTx/>
+              <a:ea typeface="Arial Unicode MS" pitchFamily="34" charset="-128"/>
+              <a:cs typeface="Arial Unicode MS" pitchFamily="34" charset="-128"/>
+            </a:endParaRPr>
+          </a:p>
+        </p:txBody>
+      </p:sp>
+      <p:pic>
+        <p:nvPicPr>
+          <p:cNvPr id="29" name="Picture 28"/>
+          <p:cNvPicPr>
+            <a:picLocks noChangeAspect="1"/>
+          </p:cNvPicPr>
+          <p:nvPr/>
+        </p:nvPicPr>
+        <p:blipFill>
+          <a:blip r:embed="rId3"/>
+          <a:stretch>
+            <a:fillRect/>
+          </a:stretch>
+        </p:blipFill>
+        <p:spPr>
+          <a:xfrm rot="4927815" flipH="1">
+            <a:off x="10396613" y="4160567"/>
+            <a:ext cx="1378156" cy="1378156"/>
+          </a:xfrm>
+          <a:prstGeom prst="rect">
+            <a:avLst/>
+          </a:prstGeom>
+        </p:spPr>
+      </p:pic>
+      <p:sp>
+        <p:nvSpPr>
+          <p:cNvPr id="36" name="Rectangle 35"/>
+          <p:cNvSpPr/>
+          <p:nvPr/>
+        </p:nvSpPr>
+        <p:spPr bwMode="gray">
+          <a:xfrm>
+            <a:off x="5338061" y="2135830"/>
+            <a:ext cx="2414107" cy="1293169"/>
+          </a:xfrm>
+          <a:prstGeom prst="rect">
+            <a:avLst/>
+          </a:prstGeom>
+          <a:solidFill>
+            <a:schemeClr val="accent3">
+              <a:lumMod val="50000"/>
+            </a:schemeClr>
+          </a:solidFill>
+          <a:ln w="6350" algn="ctr">
+            <a:solidFill>
+              <a:schemeClr val="tx1"/>
+            </a:solidFill>
+            <a:miter lim="800000"/>
+            <a:headEnd/>
+            <a:tailEnd/>
+          </a:ln>
+        </p:spPr>
+        <p:txBody>
+          <a:bodyPr vert="horz" lIns="90000" tIns="72000" rIns="90000" bIns="72000" rtlCol="0" anchor="ctr"/>
+          <a:lstStyle/>
+          <a:p>
+            <a:pPr algn="ctr" defTabSz="914400" fontAlgn="base">
+              <a:spcBef>
+                <a:spcPct val="50000"/>
+              </a:spcBef>
+              <a:spcAft>
+                <a:spcPct val="0"/>
+              </a:spcAft>
+              <a:buClr>
+                <a:srgbClr val="F0AB00"/>
+              </a:buClr>
+              <a:buSzPct val="80000"/>
+            </a:pPr>
+            <a:r>
+              <a:rPr lang="en-US" sz="1600" kern="0">
+                <a:solidFill>
+                  <a:schemeClr val="bg1"/>
+                </a:solidFill>
+                <a:latin typeface="Arial"/>
+                <a:ea typeface="Arial Unicode MS" pitchFamily="34" charset="-128"/>
+              </a:rPr>
+              <a:t>dockerd</a:t>
+            </a:r>
+            <a:endParaRPr lang="en-US" sz="1600" kern="0" dirty="0">
+              <a:solidFill>
+                <a:schemeClr val="bg1"/>
+              </a:solidFill>
+              <a:latin typeface="Arial"/>
+              <a:ea typeface="Arial Unicode MS" pitchFamily="34" charset="-128"/>
+            </a:endParaRPr>
+          </a:p>
+        </p:txBody>
+      </p:sp>
+      <p:pic>
+        <p:nvPicPr>
+          <p:cNvPr id="11" name="Picture 10">
+            <a:extLst>
+              <a:ext uri="{FF2B5EF4-FFF2-40B4-BE49-F238E27FC236}">
+                <a16:creationId xmlns:a16="http://schemas.microsoft.com/office/drawing/2014/main" id="{8687B53D-D62B-41B5-9DDD-8963C6188C03}"/>
+              </a:ext>
+            </a:extLst>
+          </p:cNvPr>
+          <p:cNvPicPr>
+            <a:picLocks noChangeAspect="1"/>
+          </p:cNvPicPr>
+          <p:nvPr/>
+        </p:nvPicPr>
+        <p:blipFill>
+          <a:blip r:embed="rId4"/>
+          <a:stretch>
+            <a:fillRect/>
+          </a:stretch>
+        </p:blipFill>
+        <p:spPr>
+          <a:xfrm>
+            <a:off x="3136565" y="2705828"/>
+            <a:ext cx="1774008" cy="1774008"/>
+          </a:xfrm>
+          <a:prstGeom prst="rect">
+            <a:avLst/>
+          </a:prstGeom>
+        </p:spPr>
+      </p:pic>
+      <p:sp>
+        <p:nvSpPr>
+          <p:cNvPr id="2" name="Rectangle 1">
+            <a:extLst>
+              <a:ext uri="{FF2B5EF4-FFF2-40B4-BE49-F238E27FC236}">
+                <a16:creationId xmlns:a16="http://schemas.microsoft.com/office/drawing/2014/main" id="{25F2868B-D6D2-4C76-B481-6486923ADA06}"/>
+              </a:ext>
+            </a:extLst>
+          </p:cNvPr>
+          <p:cNvSpPr/>
+          <p:nvPr/>
+        </p:nvSpPr>
+        <p:spPr bwMode="gray">
+          <a:xfrm>
+            <a:off x="907136" y="4406148"/>
+            <a:ext cx="2392799" cy="886995"/>
+          </a:xfrm>
+          <a:prstGeom prst="rect">
+            <a:avLst/>
+          </a:prstGeom>
+          <a:solidFill>
+            <a:schemeClr val="accent1"/>
+          </a:solidFill>
+          <a:ln w="6350" algn="ctr">
+            <a:solidFill>
+              <a:schemeClr val="accent1">
+                <a:lumMod val="20000"/>
+                <a:lumOff val="80000"/>
+              </a:schemeClr>
+            </a:solidFill>
+            <a:miter lim="800000"/>
+            <a:headEnd/>
+            <a:tailEnd/>
+          </a:ln>
+        </p:spPr>
+        <p:txBody>
+          <a:bodyPr lIns="90000" tIns="72000" rIns="90000" bIns="72000" rtlCol="0" anchor="ctr"/>
+          <a:lstStyle/>
+          <a:p>
+            <a:pPr marR="0" algn="ctr" defTabSz="914400" eaLnBrk="1" fontAlgn="base" latinLnBrk="0" hangingPunct="1">
+              <a:lnSpc>
+                <a:spcPct val="100000"/>
+              </a:lnSpc>
+              <a:spcBef>
+                <a:spcPct val="50000"/>
+              </a:spcBef>
+              <a:spcAft>
+                <a:spcPct val="0"/>
+              </a:spcAft>
+              <a:buClr>
+                <a:srgbClr val="F0AB00"/>
+              </a:buClr>
+              <a:buSzPct val="80000"/>
+              <a:tabLst/>
+            </a:pPr>
+            <a:r>
+              <a:rPr kumimoji="0" lang="en-US" sz="1800" b="0" i="0" u="none" strike="noStrike" kern="0" cap="none" spc="0" normalizeH="0" baseline="0" noProof="0" dirty="0">
+                <a:ln>
+                  <a:noFill/>
+                </a:ln>
+                <a:effectLst/>
+                <a:uLnTx/>
+                <a:uFillTx/>
+                <a:ea typeface="Arial Unicode MS" pitchFamily="34" charset="-128"/>
+                <a:cs typeface="Arial Unicode MS" pitchFamily="34" charset="-128"/>
+              </a:rPr>
+              <a:t>User Management</a:t>
+            </a:r>
+          </a:p>
+        </p:txBody>
+      </p:sp>
+      <p:cxnSp>
+        <p:nvCxnSpPr>
+          <p:cNvPr id="6" name="Connector: Elbow 5">
+            <a:extLst>
+              <a:ext uri="{FF2B5EF4-FFF2-40B4-BE49-F238E27FC236}">
+                <a16:creationId xmlns:a16="http://schemas.microsoft.com/office/drawing/2014/main" id="{288D0C73-804E-414D-BC04-D6E95E9221F5}"/>
+              </a:ext>
+            </a:extLst>
+          </p:cNvPr>
+          <p:cNvCxnSpPr>
+            <a:stCxn id="2" idx="3"/>
+            <a:endCxn id="11" idx="2"/>
+          </p:cNvCxnSpPr>
+          <p:nvPr/>
+        </p:nvCxnSpPr>
+        <p:spPr>
+          <a:xfrm flipV="1">
+            <a:off x="3299935" y="4479836"/>
+            <a:ext cx="723634" cy="369810"/>
+          </a:xfrm>
+          <a:prstGeom prst="bentConnector2">
+            <a:avLst/>
+          </a:prstGeom>
+          <a:ln w="57150">
+            <a:solidFill>
+              <a:schemeClr val="accent1"/>
+            </a:solidFill>
+            <a:headEnd type="none" w="med" len="med"/>
+            <a:tailEnd type="triangle" w="med" len="med"/>
+          </a:ln>
+        </p:spPr>
+        <p:style>
+          <a:lnRef idx="1">
+            <a:schemeClr val="accent1"/>
+          </a:lnRef>
+          <a:fillRef idx="0">
+            <a:schemeClr val="accent1"/>
+          </a:fillRef>
+          <a:effectRef idx="0">
+            <a:schemeClr val="accent1"/>
+          </a:effectRef>
+          <a:fontRef idx="minor">
+            <a:schemeClr val="tx1"/>
+          </a:fontRef>
+        </p:style>
+      </p:cxnSp>
+      <p:pic>
+        <p:nvPicPr>
+          <p:cNvPr id="10" name="Graphic 9" descr="Document">
+            <a:extLst>
+              <a:ext uri="{FF2B5EF4-FFF2-40B4-BE49-F238E27FC236}">
+                <a16:creationId xmlns:a16="http://schemas.microsoft.com/office/drawing/2014/main" id="{6186E8BD-E751-4DAD-9E48-80FF3D8B0E39}"/>
+              </a:ext>
+            </a:extLst>
+          </p:cNvPr>
+          <p:cNvPicPr>
+            <a:picLocks noChangeAspect="1"/>
+          </p:cNvPicPr>
+          <p:nvPr/>
+        </p:nvPicPr>
+        <p:blipFill>
+          <a:blip r:embed="rId5">
+            <a:extLst>
+              <a:ext uri="{96DAC541-7B7A-43D3-8B79-37D633B846F1}">
+                <asvg:svgBlip xmlns:asvg="http://schemas.microsoft.com/office/drawing/2016/SVG/main" r:embed="rId6"/>
+              </a:ext>
+            </a:extLst>
+          </a:blip>
+          <a:stretch>
+            <a:fillRect/>
+          </a:stretch>
+        </p:blipFill>
+        <p:spPr>
+          <a:xfrm>
+            <a:off x="5666796" y="4077990"/>
+            <a:ext cx="914400" cy="914400"/>
+          </a:xfrm>
+          <a:prstGeom prst="rect">
+            <a:avLst/>
+          </a:prstGeom>
+        </p:spPr>
+      </p:pic>
+      <p:sp>
+        <p:nvSpPr>
+          <p:cNvPr id="12" name="TextBox 11">
+            <a:extLst>
+              <a:ext uri="{FF2B5EF4-FFF2-40B4-BE49-F238E27FC236}">
+                <a16:creationId xmlns:a16="http://schemas.microsoft.com/office/drawing/2014/main" id="{CDAF12C8-7ECC-46AC-A508-C52FC8A5C963}"/>
+              </a:ext>
+            </a:extLst>
+          </p:cNvPr>
+          <p:cNvSpPr txBox="1"/>
+          <p:nvPr/>
+        </p:nvSpPr>
+        <p:spPr>
+          <a:xfrm>
+            <a:off x="5471556" y="4992390"/>
+            <a:ext cx="1304880" cy="276999"/>
+          </a:xfrm>
+          <a:prstGeom prst="rect">
+            <a:avLst/>
+          </a:prstGeom>
+          <a:noFill/>
+        </p:spPr>
+        <p:txBody>
+          <a:bodyPr wrap="square" lIns="0" tIns="0" rIns="0" bIns="0" rtlCol="0">
+            <a:spAutoFit/>
+          </a:bodyPr>
+          <a:lstStyle/>
+          <a:p>
+            <a:pPr algn="ctr" fontAlgn="base">
+              <a:spcBef>
+                <a:spcPct val="50000"/>
+              </a:spcBef>
+              <a:spcAft>
+                <a:spcPct val="0"/>
+              </a:spcAft>
+              <a:buClr>
+                <a:srgbClr val="F0AB00"/>
+              </a:buClr>
+              <a:buSzPct val="80000"/>
+            </a:pPr>
+            <a:r>
+              <a:rPr lang="en-US" sz="1800" kern="0" dirty="0" err="1">
+                <a:solidFill>
+                  <a:schemeClr val="accent6">
+                    <a:lumMod val="50000"/>
+                  </a:schemeClr>
+                </a:solidFill>
+                <a:ea typeface="Arial Unicode MS" pitchFamily="34" charset="-128"/>
+                <a:cs typeface="Arial Unicode MS" pitchFamily="34" charset="-128"/>
+              </a:rPr>
+              <a:t>config.json</a:t>
+            </a:r>
+            <a:endParaRPr lang="en-US" sz="1800" kern="0" dirty="0">
+              <a:solidFill>
+                <a:schemeClr val="accent6">
+                  <a:lumMod val="50000"/>
+                </a:schemeClr>
+              </a:solidFill>
+              <a:ea typeface="Arial Unicode MS" pitchFamily="34" charset="-128"/>
+              <a:cs typeface="Arial Unicode MS" pitchFamily="34" charset="-128"/>
+            </a:endParaRPr>
+          </a:p>
+        </p:txBody>
+      </p:sp>
+      <p:cxnSp>
+        <p:nvCxnSpPr>
+          <p:cNvPr id="19" name="Straight Arrow Connector 18">
+            <a:extLst>
+              <a:ext uri="{FF2B5EF4-FFF2-40B4-BE49-F238E27FC236}">
+                <a16:creationId xmlns:a16="http://schemas.microsoft.com/office/drawing/2014/main" id="{13F24729-9B15-43FE-A91E-794CF2F681AE}"/>
+              </a:ext>
+            </a:extLst>
+          </p:cNvPr>
+          <p:cNvCxnSpPr>
+            <a:cxnSpLocks/>
+            <a:stCxn id="10" idx="0"/>
+          </p:cNvCxnSpPr>
+          <p:nvPr/>
+        </p:nvCxnSpPr>
+        <p:spPr>
+          <a:xfrm flipV="1">
+            <a:off x="6123996" y="3429000"/>
+            <a:ext cx="0" cy="648990"/>
+          </a:xfrm>
+          <a:prstGeom prst="straightConnector1">
+            <a:avLst/>
+          </a:prstGeom>
+          <a:ln w="57150">
+            <a:solidFill>
+              <a:schemeClr val="accent6">
+                <a:lumMod val="50000"/>
+              </a:schemeClr>
+            </a:solidFill>
+            <a:headEnd type="none" w="med" len="med"/>
+            <a:tailEnd type="triangle" w="med" len="med"/>
+          </a:ln>
+        </p:spPr>
+        <p:style>
+          <a:lnRef idx="1">
+            <a:schemeClr val="accent1"/>
+          </a:lnRef>
+          <a:fillRef idx="0">
+            <a:schemeClr val="accent1"/>
+          </a:fillRef>
+          <a:effectRef idx="0">
+            <a:schemeClr val="accent1"/>
+          </a:effectRef>
+          <a:fontRef idx="minor">
+            <a:schemeClr val="tx1"/>
+          </a:fontRef>
+        </p:style>
+      </p:cxnSp>
+      <p:pic>
+        <p:nvPicPr>
+          <p:cNvPr id="22" name="Graphic 21" descr="Laptop">
+            <a:extLst>
+              <a:ext uri="{FF2B5EF4-FFF2-40B4-BE49-F238E27FC236}">
+                <a16:creationId xmlns:a16="http://schemas.microsoft.com/office/drawing/2014/main" id="{4706E33B-D950-4CFE-AED0-70E8D0ADABC7}"/>
+              </a:ext>
+            </a:extLst>
+          </p:cNvPr>
+          <p:cNvPicPr>
+            <a:picLocks noChangeAspect="1"/>
+          </p:cNvPicPr>
+          <p:nvPr/>
+        </p:nvPicPr>
+        <p:blipFill>
+          <a:blip r:embed="rId7">
+            <a:extLst>
+              <a:ext uri="{96DAC541-7B7A-43D3-8B79-37D633B846F1}">
+                <asvg:svgBlip xmlns:asvg="http://schemas.microsoft.com/office/drawing/2016/SVG/main" r:embed="rId8"/>
+              </a:ext>
+            </a:extLst>
+          </a:blip>
+          <a:stretch>
+            <a:fillRect/>
+          </a:stretch>
+        </p:blipFill>
+        <p:spPr>
+          <a:xfrm>
+            <a:off x="9219829" y="2535845"/>
+            <a:ext cx="1542145" cy="1542145"/>
+          </a:xfrm>
+          <a:prstGeom prst="rect">
+            <a:avLst/>
+          </a:prstGeom>
+        </p:spPr>
+      </p:pic>
+      <p:sp>
+        <p:nvSpPr>
+          <p:cNvPr id="23" name="Arrow: Chevron 22">
+            <a:extLst>
+              <a:ext uri="{FF2B5EF4-FFF2-40B4-BE49-F238E27FC236}">
+                <a16:creationId xmlns:a16="http://schemas.microsoft.com/office/drawing/2014/main" id="{21A6C290-3016-47F6-A96A-336589ACAF5F}"/>
+              </a:ext>
+            </a:extLst>
+          </p:cNvPr>
+          <p:cNvSpPr/>
+          <p:nvPr/>
+        </p:nvSpPr>
+        <p:spPr bwMode="gray">
+          <a:xfrm rot="10800000">
+            <a:off x="6776436" y="4313441"/>
+            <a:ext cx="1242096" cy="443498"/>
+          </a:xfrm>
+          <a:prstGeom prst="chevron">
+            <a:avLst/>
+          </a:prstGeom>
+          <a:solidFill>
+            <a:schemeClr val="tx1"/>
+          </a:solidFill>
+          <a:ln w="6350" algn="ctr">
+            <a:noFill/>
+            <a:miter lim="800000"/>
+            <a:headEnd/>
+            <a:tailEnd/>
+          </a:ln>
+        </p:spPr>
+        <p:txBody>
+          <a:bodyPr lIns="90000" tIns="72000" rIns="90000" bIns="72000" rtlCol="0" anchor="ctr"/>
+          <a:lstStyle/>
+          <a:p>
+            <a:pPr marR="0" algn="ctr" defTabSz="914400" eaLnBrk="1" fontAlgn="base" latinLnBrk="0" hangingPunct="1">
+              <a:lnSpc>
+                <a:spcPct val="100000"/>
+              </a:lnSpc>
+              <a:spcBef>
+                <a:spcPct val="50000"/>
+              </a:spcBef>
+              <a:spcAft>
+                <a:spcPct val="0"/>
+              </a:spcAft>
+              <a:buClr>
+                <a:srgbClr val="F0AB00"/>
+              </a:buClr>
+              <a:buSzPct val="80000"/>
+              <a:tabLst/>
+            </a:pPr>
+            <a:endParaRPr kumimoji="0" lang="en-US" sz="1800" b="0" i="0" u="none" strike="noStrike" kern="0" cap="none" spc="0" normalizeH="0" baseline="0" noProof="0" dirty="0" err="1">
+              <a:ln>
+                <a:noFill/>
+              </a:ln>
+              <a:effectLst/>
+              <a:uLnTx/>
+              <a:uFillTx/>
+              <a:ea typeface="Arial Unicode MS" pitchFamily="34" charset="-128"/>
+              <a:cs typeface="Arial Unicode MS" pitchFamily="34" charset="-128"/>
+            </a:endParaRPr>
+          </a:p>
+        </p:txBody>
+      </p:sp>
+    </p:spTree>
+    <p:extLst>
+      <p:ext uri="{BB962C8B-B14F-4D97-AF65-F5344CB8AC3E}">
+        <p14:creationId xmlns:p14="http://schemas.microsoft.com/office/powerpoint/2010/main" val="4129837522"/>
+      </p:ext>
+    </p:extLst>
+  </p:cSld>
+  <p:clrMapOvr>
+    <a:masterClrMapping/>
+  </p:clrMapOvr>
+</p:sld>
+</file>
+
+<file path=ppt/slides/slide11.xml><?xml version="1.0" encoding="utf-8"?>
+<p:sld xmlns:a="http://schemas.openxmlformats.org/drawingml/2006/main" xmlns:r="http://schemas.openxmlformats.org/officeDocument/2006/relationships" xmlns:p="http://schemas.openxmlformats.org/presentationml/2006/main">
+  <p:cSld>
+    <p:spTree>
+      <p:nvGrpSpPr>
+        <p:cNvPr id="1" name=""/>
+        <p:cNvGrpSpPr/>
+        <p:nvPr/>
+      </p:nvGrpSpPr>
+      <p:grpSpPr>
+        <a:xfrm>
+          <a:off x="0" y="0"/>
+          <a:ext cx="0" cy="0"/>
+          <a:chOff x="0" y="0"/>
+          <a:chExt cx="0" cy="0"/>
+        </a:xfrm>
+      </p:grpSpPr>
+      <p:sp>
+        <p:nvSpPr>
           <p:cNvPr id="2" name="Text Placeholder 1">
             <a:extLst>
               <a:ext uri="{FF2B5EF4-FFF2-40B4-BE49-F238E27FC236}">
@@ -18131,7 +19335,7 @@
 </p:sld>
 </file>
 
-<file path=ppt/slides/slide11.xml><?xml version="1.0" encoding="utf-8"?>
+<file path=ppt/slides/slide12.xml><?xml version="1.0" encoding="utf-8"?>
 <p:sld xmlns:a="http://schemas.openxmlformats.org/drawingml/2006/main" xmlns:r="http://schemas.openxmlformats.org/officeDocument/2006/relationships" xmlns:p="http://schemas.openxmlformats.org/presentationml/2006/main">
   <p:cSld>
     <p:spTree>
@@ -19082,7 +20286,7 @@
 </p:sld>
 </file>
 
-<file path=ppt/slides/slide12.xml><?xml version="1.0" encoding="utf-8"?>
+<file path=ppt/slides/slide13.xml><?xml version="1.0" encoding="utf-8"?>
 <p:sld xmlns:a="http://schemas.openxmlformats.org/drawingml/2006/main" xmlns:r="http://schemas.openxmlformats.org/officeDocument/2006/relationships" xmlns:p="http://schemas.openxmlformats.org/presentationml/2006/main">
   <p:cSld>
     <p:spTree>
@@ -19170,7 +20374,7 @@
 </p:sld>
 </file>
 
-<file path=ppt/slides/slide13.xml><?xml version="1.0" encoding="utf-8"?>
+<file path=ppt/slides/slide14.xml><?xml version="1.0" encoding="utf-8"?>
 <p:sld xmlns:a="http://schemas.openxmlformats.org/drawingml/2006/main" xmlns:r="http://schemas.openxmlformats.org/officeDocument/2006/relationships" xmlns:p="http://schemas.openxmlformats.org/presentationml/2006/main" show="0">
   <p:cSld>
     <p:spTree>
@@ -22613,7 +23817,7 @@
 </file>
 
 <file path=ppt/slides/slide5.xml><?xml version="1.0" encoding="utf-8"?>
-<p:sld xmlns:a="http://schemas.openxmlformats.org/drawingml/2006/main" xmlns:r="http://schemas.openxmlformats.org/officeDocument/2006/relationships" xmlns:p="http://schemas.openxmlformats.org/presentationml/2006/main">
+<p:sld xmlns:a="http://schemas.openxmlformats.org/drawingml/2006/main" xmlns:r="http://schemas.openxmlformats.org/officeDocument/2006/relationships" xmlns:p="http://schemas.openxmlformats.org/presentationml/2006/main" show="0">
   <p:cSld>
     <p:spTree>
       <p:nvGrpSpPr>
@@ -24075,6 +25279,3477 @@
 </file>
 
 <file path=ppt/slides/slide6.xml><?xml version="1.0" encoding="utf-8"?>
+<p:sld xmlns:a="http://schemas.openxmlformats.org/drawingml/2006/main" xmlns:r="http://schemas.openxmlformats.org/officeDocument/2006/relationships" xmlns:p="http://schemas.openxmlformats.org/presentationml/2006/main">
+  <p:cSld>
+    <p:spTree>
+      <p:nvGrpSpPr>
+        <p:cNvPr id="1" name=""/>
+        <p:cNvGrpSpPr/>
+        <p:nvPr/>
+      </p:nvGrpSpPr>
+      <p:grpSpPr>
+        <a:xfrm>
+          <a:off x="0" y="0"/>
+          <a:ext cx="0" cy="0"/>
+          <a:chOff x="0" y="0"/>
+          <a:chExt cx="0" cy="0"/>
+        </a:xfrm>
+      </p:grpSpPr>
+      <p:sp>
+        <p:nvSpPr>
+          <p:cNvPr id="13" name="Arrow: Right 12"/>
+          <p:cNvSpPr/>
+          <p:nvPr/>
+        </p:nvSpPr>
+        <p:spPr bwMode="gray">
+          <a:xfrm>
+            <a:off x="4846051" y="2518648"/>
+            <a:ext cx="2502376" cy="2064024"/>
+          </a:xfrm>
+          <a:prstGeom prst="rightArrow">
+            <a:avLst>
+              <a:gd name="adj1" fmla="val 71809"/>
+              <a:gd name="adj2" fmla="val 50000"/>
+            </a:avLst>
+          </a:prstGeom>
+          <a:solidFill>
+            <a:schemeClr val="accent1"/>
+          </a:solidFill>
+          <a:ln w="6350" algn="ctr">
+            <a:noFill/>
+            <a:miter lim="800000"/>
+            <a:headEnd/>
+            <a:tailEnd/>
+          </a:ln>
+        </p:spPr>
+        <p:txBody>
+          <a:bodyPr lIns="90000" tIns="72000" rIns="90000" bIns="72000" rtlCol="0" anchor="ctr"/>
+          <a:lstStyle/>
+          <a:p>
+            <a:pPr marL="0" marR="0" lvl="0" indent="0" algn="ctr" defTabSz="914400" rtl="0" eaLnBrk="1" fontAlgn="base" latinLnBrk="0" hangingPunct="1">
+              <a:lnSpc>
+                <a:spcPct val="100000"/>
+              </a:lnSpc>
+              <a:spcBef>
+                <a:spcPct val="50000"/>
+              </a:spcBef>
+              <a:spcAft>
+                <a:spcPct val="0"/>
+              </a:spcAft>
+              <a:buClr>
+                <a:srgbClr val="F0AB00"/>
+              </a:buClr>
+              <a:buSzPct val="80000"/>
+              <a:buFontTx/>
+              <a:buNone/>
+              <a:tabLst/>
+              <a:defRPr/>
+            </a:pPr>
+            <a:r>
+              <a:rPr kumimoji="0" lang="en-US" sz="2400" b="1" i="0" u="none" strike="noStrike" kern="0" cap="none" spc="0" normalizeH="0" baseline="0" noProof="0" dirty="0">
+                <a:ln>
+                  <a:noFill/>
+                </a:ln>
+                <a:solidFill>
+                  <a:srgbClr val="000000"/>
+                </a:solidFill>
+                <a:effectLst/>
+                <a:uLnTx/>
+                <a:uFillTx/>
+                <a:latin typeface="Arial"/>
+                <a:ea typeface="Arial Unicode MS" pitchFamily="34" charset="-128"/>
+                <a:cs typeface="Arial Unicode MS" pitchFamily="34" charset="-128"/>
+              </a:rPr>
+              <a:t>commit</a:t>
+            </a:r>
+            <a:endParaRPr kumimoji="0" lang="en-US" sz="1800" b="1" i="0" u="none" strike="noStrike" kern="0" cap="none" spc="0" normalizeH="0" baseline="0" noProof="0" dirty="0">
+              <a:ln>
+                <a:noFill/>
+              </a:ln>
+              <a:solidFill>
+                <a:srgbClr val="000000"/>
+              </a:solidFill>
+              <a:effectLst/>
+              <a:uLnTx/>
+              <a:uFillTx/>
+              <a:latin typeface="Arial"/>
+              <a:ea typeface="Arial Unicode MS" pitchFamily="34" charset="-128"/>
+              <a:cs typeface="Arial Unicode MS" pitchFamily="34" charset="-128"/>
+            </a:endParaRPr>
+          </a:p>
+        </p:txBody>
+      </p:sp>
+      <p:sp>
+        <p:nvSpPr>
+          <p:cNvPr id="3" name="Title 2"/>
+          <p:cNvSpPr>
+            <a:spLocks noGrp="1"/>
+          </p:cNvSpPr>
+          <p:nvPr>
+            <p:ph type="title"/>
+          </p:nvPr>
+        </p:nvSpPr>
+        <p:spPr/>
+        <p:txBody>
+          <a:bodyPr/>
+          <a:lstStyle/>
+          <a:p>
+            <a:r>
+              <a:rPr lang="en-US" dirty="0"/>
+              <a:t>Committing changes</a:t>
+            </a:r>
+          </a:p>
+        </p:txBody>
+      </p:sp>
+      <p:sp>
+        <p:nvSpPr>
+          <p:cNvPr id="37" name="Text Placeholder 10"/>
+          <p:cNvSpPr>
+            <a:spLocks noGrp="1"/>
+          </p:cNvSpPr>
+          <p:nvPr>
+            <p:ph type="body" sz="quarter" idx="10"/>
+          </p:nvPr>
+        </p:nvSpPr>
+        <p:spPr>
+          <a:xfrm>
+            <a:off x="4713816" y="5112307"/>
+            <a:ext cx="2624631" cy="737692"/>
+          </a:xfrm>
+        </p:spPr>
+        <p:txBody>
+          <a:bodyPr/>
+          <a:lstStyle/>
+          <a:p>
+            <a:pPr lvl="1"/>
+            <a:r>
+              <a:rPr lang="en-US" dirty="0"/>
+              <a:t>No build automatization</a:t>
+            </a:r>
+          </a:p>
+          <a:p>
+            <a:pPr lvl="1"/>
+            <a:r>
+              <a:rPr lang="en-US" dirty="0"/>
+              <a:t>No change history</a:t>
+            </a:r>
+          </a:p>
+        </p:txBody>
+      </p:sp>
+      <p:pic>
+        <p:nvPicPr>
+          <p:cNvPr id="38" name="Picture 37"/>
+          <p:cNvPicPr>
+            <a:picLocks noChangeAspect="1"/>
+          </p:cNvPicPr>
+          <p:nvPr/>
+        </p:nvPicPr>
+        <p:blipFill>
+          <a:blip r:embed="rId3"/>
+          <a:stretch>
+            <a:fillRect/>
+          </a:stretch>
+        </p:blipFill>
+        <p:spPr>
+          <a:xfrm>
+            <a:off x="3625063" y="4964816"/>
+            <a:ext cx="1032674" cy="1032674"/>
+          </a:xfrm>
+          <a:prstGeom prst="rect">
+            <a:avLst/>
+          </a:prstGeom>
+        </p:spPr>
+      </p:pic>
+      <p:sp>
+        <p:nvSpPr>
+          <p:cNvPr id="49" name="Rectangle 48">
+            <a:extLst>
+              <a:ext uri="{FF2B5EF4-FFF2-40B4-BE49-F238E27FC236}">
+                <a16:creationId xmlns:a16="http://schemas.microsoft.com/office/drawing/2014/main" id="{17004F6F-41BB-4B98-992B-B07605364062}"/>
+              </a:ext>
+            </a:extLst>
+          </p:cNvPr>
+          <p:cNvSpPr/>
+          <p:nvPr/>
+        </p:nvSpPr>
+        <p:spPr bwMode="gray">
+          <a:xfrm>
+            <a:off x="806824" y="2753871"/>
+            <a:ext cx="3007085" cy="1828800"/>
+          </a:xfrm>
+          <a:prstGeom prst="rect">
+            <a:avLst/>
+          </a:prstGeom>
+          <a:solidFill>
+            <a:schemeClr val="tx2"/>
+          </a:solidFill>
+          <a:ln w="6350" algn="ctr">
+            <a:noFill/>
+            <a:miter lim="800000"/>
+            <a:headEnd/>
+            <a:tailEnd/>
+          </a:ln>
+        </p:spPr>
+        <p:txBody>
+          <a:bodyPr vert="vert270" lIns="90000" tIns="72000" rIns="90000" bIns="72000" rtlCol="0" anchor="t" anchorCtr="0"/>
+          <a:lstStyle/>
+          <a:p>
+            <a:pPr marL="0" marR="0" lvl="0" indent="0" algn="ctr" defTabSz="914400" rtl="0" eaLnBrk="1" fontAlgn="base" latinLnBrk="0" hangingPunct="1">
+              <a:lnSpc>
+                <a:spcPct val="100000"/>
+              </a:lnSpc>
+              <a:spcBef>
+                <a:spcPct val="50000"/>
+              </a:spcBef>
+              <a:spcAft>
+                <a:spcPct val="0"/>
+              </a:spcAft>
+              <a:buClr>
+                <a:srgbClr val="F0AB00"/>
+              </a:buClr>
+              <a:buSzPct val="80000"/>
+              <a:buFontTx/>
+              <a:buNone/>
+              <a:tabLst/>
+              <a:defRPr/>
+            </a:pPr>
+            <a:r>
+              <a:rPr kumimoji="0" lang="en-US" sz="1200" b="0" i="1" u="none" strike="noStrike" kern="0" cap="none" spc="0" normalizeH="0" baseline="0" noProof="0" dirty="0">
+                <a:ln>
+                  <a:noFill/>
+                </a:ln>
+                <a:solidFill>
+                  <a:srgbClr val="000000"/>
+                </a:solidFill>
+                <a:effectLst/>
+                <a:uLnTx/>
+                <a:uFillTx/>
+                <a:latin typeface="Arial"/>
+                <a:ea typeface="Arial Unicode MS" pitchFamily="34" charset="-128"/>
+                <a:cs typeface="Arial Unicode MS" pitchFamily="34" charset="-128"/>
+              </a:rPr>
+              <a:t>image</a:t>
+            </a:r>
+          </a:p>
+        </p:txBody>
+      </p:sp>
+      <p:sp>
+        <p:nvSpPr>
+          <p:cNvPr id="50" name="Rectangle 49">
+            <a:extLst>
+              <a:ext uri="{FF2B5EF4-FFF2-40B4-BE49-F238E27FC236}">
+                <a16:creationId xmlns:a16="http://schemas.microsoft.com/office/drawing/2014/main" id="{428D35FE-6593-4AF0-8054-9DD418E4D5D7}"/>
+              </a:ext>
+            </a:extLst>
+          </p:cNvPr>
+          <p:cNvSpPr/>
+          <p:nvPr/>
+        </p:nvSpPr>
+        <p:spPr bwMode="gray">
+          <a:xfrm>
+            <a:off x="1253640" y="4041605"/>
+            <a:ext cx="2440092" cy="402956"/>
+          </a:xfrm>
+          <a:prstGeom prst="rect">
+            <a:avLst/>
+          </a:prstGeom>
+          <a:solidFill>
+            <a:schemeClr val="accent4">
+              <a:lumMod val="50000"/>
+            </a:schemeClr>
+          </a:solidFill>
+          <a:ln w="6350" algn="ctr">
+            <a:solidFill>
+              <a:schemeClr val="tx1"/>
+            </a:solidFill>
+            <a:miter lim="800000"/>
+            <a:headEnd/>
+            <a:tailEnd/>
+          </a:ln>
+        </p:spPr>
+        <p:txBody>
+          <a:bodyPr lIns="90000" tIns="72000" rIns="90000" bIns="72000" rtlCol="0" anchor="ctr"/>
+          <a:lstStyle/>
+          <a:p>
+            <a:pPr marL="0" marR="0" lvl="0" indent="0" algn="ctr" defTabSz="914400" rtl="0" eaLnBrk="1" fontAlgn="base" latinLnBrk="0" hangingPunct="1">
+              <a:lnSpc>
+                <a:spcPct val="100000"/>
+              </a:lnSpc>
+              <a:spcBef>
+                <a:spcPct val="50000"/>
+              </a:spcBef>
+              <a:spcAft>
+                <a:spcPct val="0"/>
+              </a:spcAft>
+              <a:buClr>
+                <a:srgbClr val="F0AB00"/>
+              </a:buClr>
+              <a:buSzPct val="80000"/>
+              <a:buFontTx/>
+              <a:buNone/>
+              <a:tabLst/>
+              <a:defRPr/>
+            </a:pPr>
+            <a:r>
+              <a:rPr kumimoji="0" lang="en-US" sz="1800" b="1" i="1" u="none" strike="noStrike" kern="0" cap="none" spc="0" normalizeH="0" baseline="0" noProof="0" dirty="0">
+                <a:ln>
+                  <a:noFill/>
+                </a:ln>
+                <a:solidFill>
+                  <a:srgbClr val="FFFFFF"/>
+                </a:solidFill>
+                <a:effectLst/>
+                <a:uLnTx/>
+                <a:uFillTx/>
+                <a:latin typeface="Courier New" panose="02070309020205020404" pitchFamily="49" charset="0"/>
+                <a:ea typeface="Arial Unicode MS" pitchFamily="34" charset="-128"/>
+                <a:cs typeface="Courier New" panose="02070309020205020404" pitchFamily="49" charset="0"/>
+              </a:rPr>
+              <a:t>scratch</a:t>
+            </a:r>
+          </a:p>
+        </p:txBody>
+      </p:sp>
+      <p:sp>
+        <p:nvSpPr>
+          <p:cNvPr id="51" name="Arrow: Down 50">
+            <a:extLst>
+              <a:ext uri="{FF2B5EF4-FFF2-40B4-BE49-F238E27FC236}">
+                <a16:creationId xmlns:a16="http://schemas.microsoft.com/office/drawing/2014/main" id="{49F60C4C-14A2-4A83-BA8E-7096DFE4607F}"/>
+              </a:ext>
+            </a:extLst>
+          </p:cNvPr>
+          <p:cNvSpPr/>
+          <p:nvPr/>
+        </p:nvSpPr>
+        <p:spPr bwMode="gray">
+          <a:xfrm>
+            <a:off x="1931245" y="3294937"/>
+            <a:ext cx="1084882" cy="171856"/>
+          </a:xfrm>
+          <a:prstGeom prst="downArrow">
+            <a:avLst/>
+          </a:prstGeom>
+          <a:solidFill>
+            <a:schemeClr val="accent1"/>
+          </a:solidFill>
+          <a:ln w="6350" algn="ctr">
+            <a:noFill/>
+            <a:miter lim="800000"/>
+            <a:headEnd/>
+            <a:tailEnd/>
+          </a:ln>
+        </p:spPr>
+        <p:txBody>
+          <a:bodyPr lIns="90000" tIns="72000" rIns="90000" bIns="72000" rtlCol="0" anchor="ctr"/>
+          <a:lstStyle/>
+          <a:p>
+            <a:pPr marL="0" marR="0" lvl="0" indent="0" algn="ctr" defTabSz="914400" rtl="0" eaLnBrk="1" fontAlgn="base" latinLnBrk="0" hangingPunct="1">
+              <a:lnSpc>
+                <a:spcPct val="100000"/>
+              </a:lnSpc>
+              <a:spcBef>
+                <a:spcPct val="50000"/>
+              </a:spcBef>
+              <a:spcAft>
+                <a:spcPct val="0"/>
+              </a:spcAft>
+              <a:buClr>
+                <a:srgbClr val="F0AB00"/>
+              </a:buClr>
+              <a:buSzPct val="80000"/>
+              <a:buFontTx/>
+              <a:buNone/>
+              <a:tabLst/>
+              <a:defRPr/>
+            </a:pPr>
+            <a:endParaRPr kumimoji="0" lang="en-US" sz="1800" b="0" i="0" u="none" strike="noStrike" kern="0" cap="none" spc="0" normalizeH="0" baseline="0" noProof="0" dirty="0" err="1">
+              <a:ln>
+                <a:noFill/>
+              </a:ln>
+              <a:solidFill>
+                <a:srgbClr val="000000"/>
+              </a:solidFill>
+              <a:effectLst/>
+              <a:uLnTx/>
+              <a:uFillTx/>
+              <a:latin typeface="Arial"/>
+              <a:ea typeface="Arial Unicode MS" pitchFamily="34" charset="-128"/>
+              <a:cs typeface="Arial Unicode MS" pitchFamily="34" charset="-128"/>
+            </a:endParaRPr>
+          </a:p>
+        </p:txBody>
+      </p:sp>
+      <p:sp>
+        <p:nvSpPr>
+          <p:cNvPr id="52" name="Arrow: Down 51">
+            <a:extLst>
+              <a:ext uri="{FF2B5EF4-FFF2-40B4-BE49-F238E27FC236}">
+                <a16:creationId xmlns:a16="http://schemas.microsoft.com/office/drawing/2014/main" id="{99BA13E4-8721-41D6-829A-E0DC11E1D40C}"/>
+              </a:ext>
+            </a:extLst>
+          </p:cNvPr>
+          <p:cNvSpPr/>
+          <p:nvPr/>
+        </p:nvSpPr>
+        <p:spPr bwMode="gray">
+          <a:xfrm>
+            <a:off x="1931245" y="3869749"/>
+            <a:ext cx="1084882" cy="171856"/>
+          </a:xfrm>
+          <a:prstGeom prst="downArrow">
+            <a:avLst/>
+          </a:prstGeom>
+          <a:solidFill>
+            <a:schemeClr val="accent1"/>
+          </a:solidFill>
+          <a:ln w="6350" algn="ctr">
+            <a:noFill/>
+            <a:miter lim="800000"/>
+            <a:headEnd/>
+            <a:tailEnd/>
+          </a:ln>
+        </p:spPr>
+        <p:txBody>
+          <a:bodyPr lIns="90000" tIns="72000" rIns="90000" bIns="72000" rtlCol="0" anchor="ctr"/>
+          <a:lstStyle/>
+          <a:p>
+            <a:pPr marL="0" marR="0" lvl="0" indent="0" algn="ctr" defTabSz="914400" rtl="0" eaLnBrk="1" fontAlgn="base" latinLnBrk="0" hangingPunct="1">
+              <a:lnSpc>
+                <a:spcPct val="100000"/>
+              </a:lnSpc>
+              <a:spcBef>
+                <a:spcPct val="50000"/>
+              </a:spcBef>
+              <a:spcAft>
+                <a:spcPct val="0"/>
+              </a:spcAft>
+              <a:buClr>
+                <a:srgbClr val="F0AB00"/>
+              </a:buClr>
+              <a:buSzPct val="80000"/>
+              <a:buFontTx/>
+              <a:buNone/>
+              <a:tabLst/>
+              <a:defRPr/>
+            </a:pPr>
+            <a:endParaRPr kumimoji="0" lang="en-US" sz="1800" b="0" i="0" u="none" strike="noStrike" kern="0" cap="none" spc="0" normalizeH="0" baseline="0" noProof="0" dirty="0" err="1">
+              <a:ln>
+                <a:noFill/>
+              </a:ln>
+              <a:solidFill>
+                <a:srgbClr val="000000"/>
+              </a:solidFill>
+              <a:effectLst/>
+              <a:uLnTx/>
+              <a:uFillTx/>
+              <a:latin typeface="Arial"/>
+              <a:ea typeface="Arial Unicode MS" pitchFamily="34" charset="-128"/>
+              <a:cs typeface="Arial Unicode MS" pitchFamily="34" charset="-128"/>
+            </a:endParaRPr>
+          </a:p>
+        </p:txBody>
+      </p:sp>
+      <p:sp>
+        <p:nvSpPr>
+          <p:cNvPr id="53" name="Arrow: Down 52">
+            <a:extLst>
+              <a:ext uri="{FF2B5EF4-FFF2-40B4-BE49-F238E27FC236}">
+                <a16:creationId xmlns:a16="http://schemas.microsoft.com/office/drawing/2014/main" id="{913DB154-8C22-442F-BD1C-0A3547CF54A4}"/>
+              </a:ext>
+            </a:extLst>
+          </p:cNvPr>
+          <p:cNvSpPr/>
+          <p:nvPr/>
+        </p:nvSpPr>
+        <p:spPr bwMode="gray">
+          <a:xfrm>
+            <a:off x="1931245" y="2467077"/>
+            <a:ext cx="1084882" cy="286794"/>
+          </a:xfrm>
+          <a:prstGeom prst="downArrow">
+            <a:avLst/>
+          </a:prstGeom>
+          <a:solidFill>
+            <a:schemeClr val="accent1"/>
+          </a:solidFill>
+          <a:ln w="6350" algn="ctr">
+            <a:noFill/>
+            <a:miter lim="800000"/>
+            <a:headEnd/>
+            <a:tailEnd/>
+          </a:ln>
+        </p:spPr>
+        <p:txBody>
+          <a:bodyPr lIns="90000" tIns="72000" rIns="90000" bIns="72000" rtlCol="0" anchor="ctr"/>
+          <a:lstStyle/>
+          <a:p>
+            <a:pPr marL="0" marR="0" lvl="0" indent="0" algn="ctr" defTabSz="914400" rtl="0" eaLnBrk="1" fontAlgn="base" latinLnBrk="0" hangingPunct="1">
+              <a:lnSpc>
+                <a:spcPct val="100000"/>
+              </a:lnSpc>
+              <a:spcBef>
+                <a:spcPct val="50000"/>
+              </a:spcBef>
+              <a:spcAft>
+                <a:spcPct val="0"/>
+              </a:spcAft>
+              <a:buClr>
+                <a:srgbClr val="F0AB00"/>
+              </a:buClr>
+              <a:buSzPct val="80000"/>
+              <a:buFontTx/>
+              <a:buNone/>
+              <a:tabLst/>
+              <a:defRPr/>
+            </a:pPr>
+            <a:endParaRPr kumimoji="0" lang="en-US" sz="1800" b="0" i="0" u="none" strike="noStrike" kern="0" cap="none" spc="0" normalizeH="0" baseline="0" noProof="0" dirty="0" err="1">
+              <a:ln>
+                <a:noFill/>
+              </a:ln>
+              <a:solidFill>
+                <a:srgbClr val="000000"/>
+              </a:solidFill>
+              <a:effectLst/>
+              <a:uLnTx/>
+              <a:uFillTx/>
+              <a:latin typeface="Arial"/>
+              <a:ea typeface="Arial Unicode MS" pitchFamily="34" charset="-128"/>
+              <a:cs typeface="Arial Unicode MS" pitchFamily="34" charset="-128"/>
+            </a:endParaRPr>
+          </a:p>
+        </p:txBody>
+      </p:sp>
+      <p:sp>
+        <p:nvSpPr>
+          <p:cNvPr id="55" name="Rectangle 54">
+            <a:extLst>
+              <a:ext uri="{FF2B5EF4-FFF2-40B4-BE49-F238E27FC236}">
+                <a16:creationId xmlns:a16="http://schemas.microsoft.com/office/drawing/2014/main" id="{6F8B0FAA-ACCE-4CBD-AB25-3BAB95DE058B}"/>
+              </a:ext>
+            </a:extLst>
+          </p:cNvPr>
+          <p:cNvSpPr/>
+          <p:nvPr/>
+        </p:nvSpPr>
+        <p:spPr bwMode="gray">
+          <a:xfrm>
+            <a:off x="1253640" y="2891981"/>
+            <a:ext cx="2440092" cy="402956"/>
+          </a:xfrm>
+          <a:prstGeom prst="rect">
+            <a:avLst/>
+          </a:prstGeom>
+          <a:solidFill>
+            <a:schemeClr val="accent1">
+              <a:lumMod val="60000"/>
+              <a:lumOff val="40000"/>
+            </a:schemeClr>
+          </a:solidFill>
+          <a:ln w="6350" algn="ctr">
+            <a:solidFill>
+              <a:schemeClr val="tx1"/>
+            </a:solidFill>
+            <a:miter lim="800000"/>
+            <a:headEnd/>
+            <a:tailEnd/>
+          </a:ln>
+        </p:spPr>
+        <p:txBody>
+          <a:bodyPr lIns="90000" tIns="72000" rIns="90000" bIns="72000" rtlCol="0" anchor="ctr"/>
+          <a:lstStyle/>
+          <a:p>
+            <a:pPr marL="0" marR="0" lvl="0" indent="0" algn="ctr" defTabSz="914400" rtl="0" eaLnBrk="1" fontAlgn="base" latinLnBrk="0" hangingPunct="1">
+              <a:lnSpc>
+                <a:spcPct val="100000"/>
+              </a:lnSpc>
+              <a:spcBef>
+                <a:spcPct val="50000"/>
+              </a:spcBef>
+              <a:spcAft>
+                <a:spcPct val="0"/>
+              </a:spcAft>
+              <a:buClr>
+                <a:srgbClr val="F0AB00"/>
+              </a:buClr>
+              <a:buSzPct val="80000"/>
+              <a:buFontTx/>
+              <a:buNone/>
+              <a:tabLst/>
+              <a:defRPr/>
+            </a:pPr>
+            <a:r>
+              <a:rPr kumimoji="0" lang="en-US" sz="1800" b="0" i="0" u="none" strike="noStrike" kern="0" cap="none" spc="0" normalizeH="0" baseline="0" noProof="0" dirty="0" err="1">
+                <a:ln>
+                  <a:noFill/>
+                </a:ln>
+                <a:solidFill>
+                  <a:srgbClr val="000000"/>
+                </a:solidFill>
+                <a:effectLst/>
+                <a:uLnTx/>
+                <a:uFillTx/>
+                <a:latin typeface="Arial"/>
+                <a:ea typeface="Arial Unicode MS" pitchFamily="34" charset="-128"/>
+                <a:cs typeface="Arial Unicode MS" pitchFamily="34" charset="-128"/>
+              </a:rPr>
+              <a:t>nginx</a:t>
+            </a:r>
+            <a:endParaRPr kumimoji="0" lang="en-US" sz="1800" b="0" i="0" u="none" strike="noStrike" kern="0" cap="none" spc="0" normalizeH="0" baseline="0" noProof="0" dirty="0">
+              <a:ln>
+                <a:noFill/>
+              </a:ln>
+              <a:solidFill>
+                <a:srgbClr val="000000"/>
+              </a:solidFill>
+              <a:effectLst/>
+              <a:uLnTx/>
+              <a:uFillTx/>
+              <a:latin typeface="Arial"/>
+              <a:ea typeface="Arial Unicode MS" pitchFamily="34" charset="-128"/>
+              <a:cs typeface="Arial Unicode MS" pitchFamily="34" charset="-128"/>
+            </a:endParaRPr>
+          </a:p>
+        </p:txBody>
+      </p:sp>
+      <p:sp>
+        <p:nvSpPr>
+          <p:cNvPr id="56" name="Rectangle 55">
+            <a:extLst>
+              <a:ext uri="{FF2B5EF4-FFF2-40B4-BE49-F238E27FC236}">
+                <a16:creationId xmlns:a16="http://schemas.microsoft.com/office/drawing/2014/main" id="{5CDC77D5-0EA9-4293-8128-4C874B151913}"/>
+              </a:ext>
+            </a:extLst>
+          </p:cNvPr>
+          <p:cNvSpPr/>
+          <p:nvPr/>
+        </p:nvSpPr>
+        <p:spPr bwMode="gray">
+          <a:xfrm>
+            <a:off x="1253640" y="3466793"/>
+            <a:ext cx="2440092" cy="402956"/>
+          </a:xfrm>
+          <a:prstGeom prst="rect">
+            <a:avLst/>
+          </a:prstGeom>
+          <a:solidFill>
+            <a:schemeClr val="accent3">
+              <a:lumMod val="50000"/>
+            </a:schemeClr>
+          </a:solidFill>
+          <a:ln w="6350" algn="ctr">
+            <a:solidFill>
+              <a:schemeClr val="tx1"/>
+            </a:solidFill>
+            <a:miter lim="800000"/>
+            <a:headEnd/>
+            <a:tailEnd/>
+          </a:ln>
+        </p:spPr>
+        <p:txBody>
+          <a:bodyPr lIns="90000" tIns="72000" rIns="90000" bIns="72000" rtlCol="0" anchor="ctr"/>
+          <a:lstStyle/>
+          <a:p>
+            <a:pPr marL="0" marR="0" lvl="0" indent="0" algn="ctr" defTabSz="914400" rtl="0" eaLnBrk="1" fontAlgn="base" latinLnBrk="0" hangingPunct="1">
+              <a:lnSpc>
+                <a:spcPct val="100000"/>
+              </a:lnSpc>
+              <a:spcBef>
+                <a:spcPct val="50000"/>
+              </a:spcBef>
+              <a:spcAft>
+                <a:spcPct val="0"/>
+              </a:spcAft>
+              <a:buClr>
+                <a:srgbClr val="F0AB00"/>
+              </a:buClr>
+              <a:buSzPct val="80000"/>
+              <a:buFontTx/>
+              <a:buNone/>
+              <a:tabLst/>
+              <a:defRPr/>
+            </a:pPr>
+            <a:r>
+              <a:rPr kumimoji="0" lang="en-US" sz="1800" b="0" i="0" u="none" strike="noStrike" kern="0" cap="none" spc="0" normalizeH="0" baseline="0" noProof="0" dirty="0" err="1">
+                <a:ln>
+                  <a:noFill/>
+                </a:ln>
+                <a:solidFill>
+                  <a:srgbClr val="FFFFFF"/>
+                </a:solidFill>
+                <a:effectLst/>
+                <a:uLnTx/>
+                <a:uFillTx/>
+                <a:latin typeface="Arial"/>
+                <a:ea typeface="Arial Unicode MS" pitchFamily="34" charset="-128"/>
+                <a:cs typeface="Arial Unicode MS" pitchFamily="34" charset="-128"/>
+              </a:rPr>
+              <a:t>debian:stretch-slim</a:t>
+            </a:r>
+            <a:endParaRPr kumimoji="0" lang="en-US" sz="1800" b="0" i="0" u="none" strike="noStrike" kern="0" cap="none" spc="0" normalizeH="0" baseline="0" noProof="0" dirty="0">
+              <a:ln>
+                <a:noFill/>
+              </a:ln>
+              <a:solidFill>
+                <a:srgbClr val="FFFFFF"/>
+              </a:solidFill>
+              <a:effectLst/>
+              <a:uLnTx/>
+              <a:uFillTx/>
+              <a:latin typeface="Arial"/>
+              <a:ea typeface="Arial Unicode MS" pitchFamily="34" charset="-128"/>
+              <a:cs typeface="Arial Unicode MS" pitchFamily="34" charset="-128"/>
+            </a:endParaRPr>
+          </a:p>
+        </p:txBody>
+      </p:sp>
+      <p:sp>
+        <p:nvSpPr>
+          <p:cNvPr id="65" name="Rectangle 64">
+            <a:extLst>
+              <a:ext uri="{FF2B5EF4-FFF2-40B4-BE49-F238E27FC236}">
+                <a16:creationId xmlns:a16="http://schemas.microsoft.com/office/drawing/2014/main" id="{E8C644F6-16E9-4D20-8F2B-3F1177622582}"/>
+              </a:ext>
+            </a:extLst>
+          </p:cNvPr>
+          <p:cNvSpPr/>
+          <p:nvPr/>
+        </p:nvSpPr>
+        <p:spPr bwMode="gray">
+          <a:xfrm>
+            <a:off x="8355106" y="2178424"/>
+            <a:ext cx="3007085" cy="2404247"/>
+          </a:xfrm>
+          <a:prstGeom prst="rect">
+            <a:avLst/>
+          </a:prstGeom>
+          <a:solidFill>
+            <a:schemeClr val="tx2"/>
+          </a:solidFill>
+          <a:ln w="6350" algn="ctr">
+            <a:noFill/>
+            <a:miter lim="800000"/>
+            <a:headEnd/>
+            <a:tailEnd/>
+          </a:ln>
+        </p:spPr>
+        <p:txBody>
+          <a:bodyPr vert="vert270" lIns="90000" tIns="72000" rIns="90000" bIns="72000" rtlCol="0" anchor="t" anchorCtr="0"/>
+          <a:lstStyle/>
+          <a:p>
+            <a:pPr marL="0" marR="0" lvl="0" indent="0" algn="ctr" defTabSz="914400" rtl="0" eaLnBrk="1" fontAlgn="base" latinLnBrk="0" hangingPunct="1">
+              <a:lnSpc>
+                <a:spcPct val="100000"/>
+              </a:lnSpc>
+              <a:spcBef>
+                <a:spcPct val="50000"/>
+              </a:spcBef>
+              <a:spcAft>
+                <a:spcPct val="0"/>
+              </a:spcAft>
+              <a:buClr>
+                <a:srgbClr val="F0AB00"/>
+              </a:buClr>
+              <a:buSzPct val="80000"/>
+              <a:buFontTx/>
+              <a:buNone/>
+              <a:tabLst/>
+              <a:defRPr/>
+            </a:pPr>
+            <a:r>
+              <a:rPr kumimoji="0" lang="en-US" sz="1200" b="0" i="1" u="none" strike="noStrike" kern="0" cap="none" spc="0" normalizeH="0" baseline="0" noProof="0" dirty="0">
+                <a:ln>
+                  <a:noFill/>
+                </a:ln>
+                <a:solidFill>
+                  <a:srgbClr val="000000"/>
+                </a:solidFill>
+                <a:effectLst/>
+                <a:uLnTx/>
+                <a:uFillTx/>
+                <a:latin typeface="Arial"/>
+                <a:ea typeface="Arial Unicode MS" pitchFamily="34" charset="-128"/>
+                <a:cs typeface="Arial Unicode MS" pitchFamily="34" charset="-128"/>
+              </a:rPr>
+              <a:t>image</a:t>
+            </a:r>
+          </a:p>
+        </p:txBody>
+      </p:sp>
+      <p:sp>
+        <p:nvSpPr>
+          <p:cNvPr id="66" name="Rectangle 65">
+            <a:extLst>
+              <a:ext uri="{FF2B5EF4-FFF2-40B4-BE49-F238E27FC236}">
+                <a16:creationId xmlns:a16="http://schemas.microsoft.com/office/drawing/2014/main" id="{318A55FD-DD56-43FC-9F49-FFD402CDE595}"/>
+              </a:ext>
+            </a:extLst>
+          </p:cNvPr>
+          <p:cNvSpPr/>
+          <p:nvPr/>
+        </p:nvSpPr>
+        <p:spPr bwMode="gray">
+          <a:xfrm>
+            <a:off x="8801922" y="4041605"/>
+            <a:ext cx="2440092" cy="402956"/>
+          </a:xfrm>
+          <a:prstGeom prst="rect">
+            <a:avLst/>
+          </a:prstGeom>
+          <a:solidFill>
+            <a:schemeClr val="accent4">
+              <a:lumMod val="50000"/>
+            </a:schemeClr>
+          </a:solidFill>
+          <a:ln w="6350" algn="ctr">
+            <a:solidFill>
+              <a:schemeClr val="tx1"/>
+            </a:solidFill>
+            <a:miter lim="800000"/>
+            <a:headEnd/>
+            <a:tailEnd/>
+          </a:ln>
+        </p:spPr>
+        <p:txBody>
+          <a:bodyPr lIns="90000" tIns="72000" rIns="90000" bIns="72000" rtlCol="0" anchor="ctr"/>
+          <a:lstStyle/>
+          <a:p>
+            <a:pPr marL="0" marR="0" lvl="0" indent="0" algn="ctr" defTabSz="914400" rtl="0" eaLnBrk="1" fontAlgn="base" latinLnBrk="0" hangingPunct="1">
+              <a:lnSpc>
+                <a:spcPct val="100000"/>
+              </a:lnSpc>
+              <a:spcBef>
+                <a:spcPct val="50000"/>
+              </a:spcBef>
+              <a:spcAft>
+                <a:spcPct val="0"/>
+              </a:spcAft>
+              <a:buClr>
+                <a:srgbClr val="F0AB00"/>
+              </a:buClr>
+              <a:buSzPct val="80000"/>
+              <a:buFontTx/>
+              <a:buNone/>
+              <a:tabLst/>
+              <a:defRPr/>
+            </a:pPr>
+            <a:r>
+              <a:rPr kumimoji="0" lang="en-US" sz="1800" b="1" i="1" u="none" strike="noStrike" kern="0" cap="none" spc="0" normalizeH="0" baseline="0" noProof="0" dirty="0">
+                <a:ln>
+                  <a:noFill/>
+                </a:ln>
+                <a:solidFill>
+                  <a:srgbClr val="FFFFFF"/>
+                </a:solidFill>
+                <a:effectLst/>
+                <a:uLnTx/>
+                <a:uFillTx/>
+                <a:latin typeface="Courier New" panose="02070309020205020404" pitchFamily="49" charset="0"/>
+                <a:ea typeface="Arial Unicode MS" pitchFamily="34" charset="-128"/>
+                <a:cs typeface="Courier New" panose="02070309020205020404" pitchFamily="49" charset="0"/>
+              </a:rPr>
+              <a:t>scratch</a:t>
+            </a:r>
+          </a:p>
+        </p:txBody>
+      </p:sp>
+      <p:sp>
+        <p:nvSpPr>
+          <p:cNvPr id="67" name="Arrow: Down 66">
+            <a:extLst>
+              <a:ext uri="{FF2B5EF4-FFF2-40B4-BE49-F238E27FC236}">
+                <a16:creationId xmlns:a16="http://schemas.microsoft.com/office/drawing/2014/main" id="{639B4083-AA64-4A33-AA0C-0F8AD309FB38}"/>
+              </a:ext>
+            </a:extLst>
+          </p:cNvPr>
+          <p:cNvSpPr/>
+          <p:nvPr/>
+        </p:nvSpPr>
+        <p:spPr bwMode="gray">
+          <a:xfrm>
+            <a:off x="9479527" y="3294937"/>
+            <a:ext cx="1084882" cy="171856"/>
+          </a:xfrm>
+          <a:prstGeom prst="downArrow">
+            <a:avLst/>
+          </a:prstGeom>
+          <a:solidFill>
+            <a:schemeClr val="accent1"/>
+          </a:solidFill>
+          <a:ln w="6350" algn="ctr">
+            <a:noFill/>
+            <a:miter lim="800000"/>
+            <a:headEnd/>
+            <a:tailEnd/>
+          </a:ln>
+        </p:spPr>
+        <p:txBody>
+          <a:bodyPr lIns="90000" tIns="72000" rIns="90000" bIns="72000" rtlCol="0" anchor="ctr"/>
+          <a:lstStyle/>
+          <a:p>
+            <a:pPr marL="0" marR="0" lvl="0" indent="0" algn="ctr" defTabSz="914400" rtl="0" eaLnBrk="1" fontAlgn="base" latinLnBrk="0" hangingPunct="1">
+              <a:lnSpc>
+                <a:spcPct val="100000"/>
+              </a:lnSpc>
+              <a:spcBef>
+                <a:spcPct val="50000"/>
+              </a:spcBef>
+              <a:spcAft>
+                <a:spcPct val="0"/>
+              </a:spcAft>
+              <a:buClr>
+                <a:srgbClr val="F0AB00"/>
+              </a:buClr>
+              <a:buSzPct val="80000"/>
+              <a:buFontTx/>
+              <a:buNone/>
+              <a:tabLst/>
+              <a:defRPr/>
+            </a:pPr>
+            <a:endParaRPr kumimoji="0" lang="en-US" sz="1800" b="0" i="0" u="none" strike="noStrike" kern="0" cap="none" spc="0" normalizeH="0" baseline="0" noProof="0" dirty="0" err="1">
+              <a:ln>
+                <a:noFill/>
+              </a:ln>
+              <a:solidFill>
+                <a:srgbClr val="000000"/>
+              </a:solidFill>
+              <a:effectLst/>
+              <a:uLnTx/>
+              <a:uFillTx/>
+              <a:latin typeface="Arial"/>
+              <a:ea typeface="Arial Unicode MS" pitchFamily="34" charset="-128"/>
+              <a:cs typeface="Arial Unicode MS" pitchFamily="34" charset="-128"/>
+            </a:endParaRPr>
+          </a:p>
+        </p:txBody>
+      </p:sp>
+      <p:sp>
+        <p:nvSpPr>
+          <p:cNvPr id="68" name="Arrow: Down 67">
+            <a:extLst>
+              <a:ext uri="{FF2B5EF4-FFF2-40B4-BE49-F238E27FC236}">
+                <a16:creationId xmlns:a16="http://schemas.microsoft.com/office/drawing/2014/main" id="{747363EB-1785-4190-9DB7-9F6EC1DAEA1B}"/>
+              </a:ext>
+            </a:extLst>
+          </p:cNvPr>
+          <p:cNvSpPr/>
+          <p:nvPr/>
+        </p:nvSpPr>
+        <p:spPr bwMode="gray">
+          <a:xfrm>
+            <a:off x="9479527" y="3869749"/>
+            <a:ext cx="1084882" cy="171856"/>
+          </a:xfrm>
+          <a:prstGeom prst="downArrow">
+            <a:avLst/>
+          </a:prstGeom>
+          <a:solidFill>
+            <a:schemeClr val="accent1"/>
+          </a:solidFill>
+          <a:ln w="6350" algn="ctr">
+            <a:noFill/>
+            <a:miter lim="800000"/>
+            <a:headEnd/>
+            <a:tailEnd/>
+          </a:ln>
+        </p:spPr>
+        <p:txBody>
+          <a:bodyPr lIns="90000" tIns="72000" rIns="90000" bIns="72000" rtlCol="0" anchor="ctr"/>
+          <a:lstStyle/>
+          <a:p>
+            <a:pPr marL="0" marR="0" lvl="0" indent="0" algn="ctr" defTabSz="914400" rtl="0" eaLnBrk="1" fontAlgn="base" latinLnBrk="0" hangingPunct="1">
+              <a:lnSpc>
+                <a:spcPct val="100000"/>
+              </a:lnSpc>
+              <a:spcBef>
+                <a:spcPct val="50000"/>
+              </a:spcBef>
+              <a:spcAft>
+                <a:spcPct val="0"/>
+              </a:spcAft>
+              <a:buClr>
+                <a:srgbClr val="F0AB00"/>
+              </a:buClr>
+              <a:buSzPct val="80000"/>
+              <a:buFontTx/>
+              <a:buNone/>
+              <a:tabLst/>
+              <a:defRPr/>
+            </a:pPr>
+            <a:endParaRPr kumimoji="0" lang="en-US" sz="1800" b="0" i="0" u="none" strike="noStrike" kern="0" cap="none" spc="0" normalizeH="0" baseline="0" noProof="0" dirty="0" err="1">
+              <a:ln>
+                <a:noFill/>
+              </a:ln>
+              <a:solidFill>
+                <a:srgbClr val="000000"/>
+              </a:solidFill>
+              <a:effectLst/>
+              <a:uLnTx/>
+              <a:uFillTx/>
+              <a:latin typeface="Arial"/>
+              <a:ea typeface="Arial Unicode MS" pitchFamily="34" charset="-128"/>
+              <a:cs typeface="Arial Unicode MS" pitchFamily="34" charset="-128"/>
+            </a:endParaRPr>
+          </a:p>
+        </p:txBody>
+      </p:sp>
+      <p:sp>
+        <p:nvSpPr>
+          <p:cNvPr id="71" name="Rectangle 70">
+            <a:extLst>
+              <a:ext uri="{FF2B5EF4-FFF2-40B4-BE49-F238E27FC236}">
+                <a16:creationId xmlns:a16="http://schemas.microsoft.com/office/drawing/2014/main" id="{84881693-BE22-4ECB-8F24-5CFC2D7150FD}"/>
+              </a:ext>
+            </a:extLst>
+          </p:cNvPr>
+          <p:cNvSpPr/>
+          <p:nvPr/>
+        </p:nvSpPr>
+        <p:spPr bwMode="gray">
+          <a:xfrm>
+            <a:off x="8801922" y="2891981"/>
+            <a:ext cx="2440092" cy="402956"/>
+          </a:xfrm>
+          <a:prstGeom prst="rect">
+            <a:avLst/>
+          </a:prstGeom>
+          <a:solidFill>
+            <a:schemeClr val="accent1">
+              <a:lumMod val="60000"/>
+              <a:lumOff val="40000"/>
+            </a:schemeClr>
+          </a:solidFill>
+          <a:ln w="6350" algn="ctr">
+            <a:solidFill>
+              <a:schemeClr val="tx1"/>
+            </a:solidFill>
+            <a:miter lim="800000"/>
+            <a:headEnd/>
+            <a:tailEnd/>
+          </a:ln>
+        </p:spPr>
+        <p:txBody>
+          <a:bodyPr lIns="90000" tIns="72000" rIns="90000" bIns="72000" rtlCol="0" anchor="ctr"/>
+          <a:lstStyle/>
+          <a:p>
+            <a:pPr marL="0" marR="0" lvl="0" indent="0" algn="ctr" defTabSz="914400" rtl="0" eaLnBrk="1" fontAlgn="base" latinLnBrk="0" hangingPunct="1">
+              <a:lnSpc>
+                <a:spcPct val="100000"/>
+              </a:lnSpc>
+              <a:spcBef>
+                <a:spcPct val="50000"/>
+              </a:spcBef>
+              <a:spcAft>
+                <a:spcPct val="0"/>
+              </a:spcAft>
+              <a:buClr>
+                <a:srgbClr val="F0AB00"/>
+              </a:buClr>
+              <a:buSzPct val="80000"/>
+              <a:buFontTx/>
+              <a:buNone/>
+              <a:tabLst/>
+              <a:defRPr/>
+            </a:pPr>
+            <a:r>
+              <a:rPr kumimoji="0" lang="en-US" sz="1800" b="0" i="0" u="none" strike="noStrike" kern="0" cap="none" spc="0" normalizeH="0" baseline="0" noProof="0" dirty="0" err="1">
+                <a:ln>
+                  <a:noFill/>
+                </a:ln>
+                <a:solidFill>
+                  <a:srgbClr val="000000"/>
+                </a:solidFill>
+                <a:effectLst/>
+                <a:uLnTx/>
+                <a:uFillTx/>
+                <a:latin typeface="Arial"/>
+                <a:ea typeface="Arial Unicode MS" pitchFamily="34" charset="-128"/>
+                <a:cs typeface="Arial Unicode MS" pitchFamily="34" charset="-128"/>
+              </a:rPr>
+              <a:t>nginx</a:t>
+            </a:r>
+            <a:endParaRPr kumimoji="0" lang="en-US" sz="1800" b="0" i="0" u="none" strike="noStrike" kern="0" cap="none" spc="0" normalizeH="0" baseline="0" noProof="0" dirty="0">
+              <a:ln>
+                <a:noFill/>
+              </a:ln>
+              <a:solidFill>
+                <a:srgbClr val="000000"/>
+              </a:solidFill>
+              <a:effectLst/>
+              <a:uLnTx/>
+              <a:uFillTx/>
+              <a:latin typeface="Arial"/>
+              <a:ea typeface="Arial Unicode MS" pitchFamily="34" charset="-128"/>
+              <a:cs typeface="Arial Unicode MS" pitchFamily="34" charset="-128"/>
+            </a:endParaRPr>
+          </a:p>
+        </p:txBody>
+      </p:sp>
+      <p:sp>
+        <p:nvSpPr>
+          <p:cNvPr id="72" name="Rectangle 71">
+            <a:extLst>
+              <a:ext uri="{FF2B5EF4-FFF2-40B4-BE49-F238E27FC236}">
+                <a16:creationId xmlns:a16="http://schemas.microsoft.com/office/drawing/2014/main" id="{D0789EB0-C32A-451C-B131-C178A2D6B675}"/>
+              </a:ext>
+            </a:extLst>
+          </p:cNvPr>
+          <p:cNvSpPr/>
+          <p:nvPr/>
+        </p:nvSpPr>
+        <p:spPr bwMode="gray">
+          <a:xfrm>
+            <a:off x="8801922" y="3466793"/>
+            <a:ext cx="2440092" cy="402956"/>
+          </a:xfrm>
+          <a:prstGeom prst="rect">
+            <a:avLst/>
+          </a:prstGeom>
+          <a:solidFill>
+            <a:schemeClr val="accent3">
+              <a:lumMod val="50000"/>
+            </a:schemeClr>
+          </a:solidFill>
+          <a:ln w="6350" algn="ctr">
+            <a:solidFill>
+              <a:schemeClr val="tx1"/>
+            </a:solidFill>
+            <a:miter lim="800000"/>
+            <a:headEnd/>
+            <a:tailEnd/>
+          </a:ln>
+        </p:spPr>
+        <p:txBody>
+          <a:bodyPr lIns="90000" tIns="72000" rIns="90000" bIns="72000" rtlCol="0" anchor="ctr"/>
+          <a:lstStyle/>
+          <a:p>
+            <a:pPr marL="0" marR="0" lvl="0" indent="0" algn="ctr" defTabSz="914400" rtl="0" eaLnBrk="1" fontAlgn="base" latinLnBrk="0" hangingPunct="1">
+              <a:lnSpc>
+                <a:spcPct val="100000"/>
+              </a:lnSpc>
+              <a:spcBef>
+                <a:spcPct val="50000"/>
+              </a:spcBef>
+              <a:spcAft>
+                <a:spcPct val="0"/>
+              </a:spcAft>
+              <a:buClr>
+                <a:srgbClr val="F0AB00"/>
+              </a:buClr>
+              <a:buSzPct val="80000"/>
+              <a:buFontTx/>
+              <a:buNone/>
+              <a:tabLst/>
+              <a:defRPr/>
+            </a:pPr>
+            <a:r>
+              <a:rPr kumimoji="0" lang="en-US" sz="1800" b="0" i="0" u="none" strike="noStrike" kern="0" cap="none" spc="0" normalizeH="0" baseline="0" noProof="0" dirty="0" err="1">
+                <a:ln>
+                  <a:noFill/>
+                </a:ln>
+                <a:solidFill>
+                  <a:srgbClr val="FFFFFF"/>
+                </a:solidFill>
+                <a:effectLst/>
+                <a:uLnTx/>
+                <a:uFillTx/>
+                <a:latin typeface="Arial"/>
+                <a:ea typeface="Arial Unicode MS" pitchFamily="34" charset="-128"/>
+                <a:cs typeface="Arial Unicode MS" pitchFamily="34" charset="-128"/>
+              </a:rPr>
+              <a:t>debian:stretch-slim</a:t>
+            </a:r>
+            <a:endParaRPr kumimoji="0" lang="en-US" sz="1800" b="0" i="0" u="none" strike="noStrike" kern="0" cap="none" spc="0" normalizeH="0" baseline="0" noProof="0" dirty="0">
+              <a:ln>
+                <a:noFill/>
+              </a:ln>
+              <a:solidFill>
+                <a:srgbClr val="FFFFFF"/>
+              </a:solidFill>
+              <a:effectLst/>
+              <a:uLnTx/>
+              <a:uFillTx/>
+              <a:latin typeface="Arial"/>
+              <a:ea typeface="Arial Unicode MS" pitchFamily="34" charset="-128"/>
+              <a:cs typeface="Arial Unicode MS" pitchFamily="34" charset="-128"/>
+            </a:endParaRPr>
+          </a:p>
+        </p:txBody>
+      </p:sp>
+      <p:sp>
+        <p:nvSpPr>
+          <p:cNvPr id="74" name="Arrow: Down 73">
+            <a:extLst>
+              <a:ext uri="{FF2B5EF4-FFF2-40B4-BE49-F238E27FC236}">
+                <a16:creationId xmlns:a16="http://schemas.microsoft.com/office/drawing/2014/main" id="{D62FCB14-0287-44C9-94F3-CDC26271A718}"/>
+              </a:ext>
+            </a:extLst>
+          </p:cNvPr>
+          <p:cNvSpPr/>
+          <p:nvPr/>
+        </p:nvSpPr>
+        <p:spPr bwMode="gray">
+          <a:xfrm>
+            <a:off x="9479527" y="2725771"/>
+            <a:ext cx="1084882" cy="171856"/>
+          </a:xfrm>
+          <a:prstGeom prst="downArrow">
+            <a:avLst/>
+          </a:prstGeom>
+          <a:solidFill>
+            <a:schemeClr val="accent1"/>
+          </a:solidFill>
+          <a:ln w="6350" algn="ctr">
+            <a:noFill/>
+            <a:miter lim="800000"/>
+            <a:headEnd/>
+            <a:tailEnd/>
+          </a:ln>
+        </p:spPr>
+        <p:txBody>
+          <a:bodyPr lIns="90000" tIns="72000" rIns="90000" bIns="72000" rtlCol="0" anchor="ctr"/>
+          <a:lstStyle/>
+          <a:p>
+            <a:pPr marL="0" marR="0" lvl="0" indent="0" algn="ctr" defTabSz="914400" rtl="0" eaLnBrk="1" fontAlgn="base" latinLnBrk="0" hangingPunct="1">
+              <a:lnSpc>
+                <a:spcPct val="100000"/>
+              </a:lnSpc>
+              <a:spcBef>
+                <a:spcPct val="50000"/>
+              </a:spcBef>
+              <a:spcAft>
+                <a:spcPct val="0"/>
+              </a:spcAft>
+              <a:buClr>
+                <a:srgbClr val="F0AB00"/>
+              </a:buClr>
+              <a:buSzPct val="80000"/>
+              <a:buFontTx/>
+              <a:buNone/>
+              <a:tabLst/>
+              <a:defRPr/>
+            </a:pPr>
+            <a:endParaRPr kumimoji="0" lang="en-US" sz="1800" b="0" i="0" u="none" strike="noStrike" kern="0" cap="none" spc="0" normalizeH="0" baseline="0" noProof="0" dirty="0" err="1">
+              <a:ln>
+                <a:noFill/>
+              </a:ln>
+              <a:solidFill>
+                <a:srgbClr val="000000"/>
+              </a:solidFill>
+              <a:effectLst/>
+              <a:uLnTx/>
+              <a:uFillTx/>
+              <a:latin typeface="Arial"/>
+              <a:ea typeface="Arial Unicode MS" pitchFamily="34" charset="-128"/>
+              <a:cs typeface="Arial Unicode MS" pitchFamily="34" charset="-128"/>
+            </a:endParaRPr>
+          </a:p>
+        </p:txBody>
+      </p:sp>
+      <p:sp>
+        <p:nvSpPr>
+          <p:cNvPr id="73" name="Rectangle 72">
+            <a:extLst>
+              <a:ext uri="{FF2B5EF4-FFF2-40B4-BE49-F238E27FC236}">
+                <a16:creationId xmlns:a16="http://schemas.microsoft.com/office/drawing/2014/main" id="{BC77ED6F-5900-4CFA-9ACE-75438C98D260}"/>
+              </a:ext>
+            </a:extLst>
+          </p:cNvPr>
+          <p:cNvSpPr/>
+          <p:nvPr/>
+        </p:nvSpPr>
+        <p:spPr bwMode="gray">
+          <a:xfrm>
+            <a:off x="8801922" y="2317169"/>
+            <a:ext cx="2440092" cy="402956"/>
+          </a:xfrm>
+          <a:prstGeom prst="rect">
+            <a:avLst/>
+          </a:prstGeom>
+          <a:solidFill>
+            <a:schemeClr val="accent5">
+              <a:lumMod val="60000"/>
+              <a:lumOff val="40000"/>
+            </a:schemeClr>
+          </a:solidFill>
+          <a:ln w="6350" algn="ctr">
+            <a:solidFill>
+              <a:schemeClr val="tx1"/>
+            </a:solidFill>
+            <a:miter lim="800000"/>
+            <a:headEnd/>
+            <a:tailEnd/>
+          </a:ln>
+        </p:spPr>
+        <p:txBody>
+          <a:bodyPr lIns="90000" tIns="72000" rIns="90000" bIns="72000" rtlCol="0" anchor="ctr"/>
+          <a:lstStyle/>
+          <a:p>
+            <a:pPr marL="0" marR="0" lvl="0" indent="0" algn="ctr" defTabSz="914400" rtl="0" eaLnBrk="1" fontAlgn="base" latinLnBrk="0" hangingPunct="1">
+              <a:lnSpc>
+                <a:spcPct val="100000"/>
+              </a:lnSpc>
+              <a:spcBef>
+                <a:spcPct val="50000"/>
+              </a:spcBef>
+              <a:spcAft>
+                <a:spcPct val="0"/>
+              </a:spcAft>
+              <a:buClr>
+                <a:srgbClr val="F0AB00"/>
+              </a:buClr>
+              <a:buSzPct val="80000"/>
+              <a:buFontTx/>
+              <a:buNone/>
+              <a:tabLst/>
+              <a:defRPr/>
+            </a:pPr>
+            <a:r>
+              <a:rPr kumimoji="0" lang="en-US" sz="1800" b="0" i="0" u="none" strike="noStrike" kern="0" cap="none" spc="0" normalizeH="0" baseline="0" noProof="0" dirty="0">
+                <a:ln>
+                  <a:noFill/>
+                </a:ln>
+                <a:solidFill>
+                  <a:srgbClr val="000000"/>
+                </a:solidFill>
+                <a:effectLst/>
+                <a:uLnTx/>
+                <a:uFillTx/>
+                <a:latin typeface="Arial"/>
+                <a:ea typeface="Arial Unicode MS" pitchFamily="34" charset="-128"/>
+                <a:cs typeface="Arial Unicode MS" pitchFamily="34" charset="-128"/>
+              </a:rPr>
+              <a:t>Committed layer</a:t>
+            </a:r>
+          </a:p>
+        </p:txBody>
+      </p:sp>
+      <p:sp>
+        <p:nvSpPr>
+          <p:cNvPr id="76" name="Arrow: Down 75">
+            <a:extLst>
+              <a:ext uri="{FF2B5EF4-FFF2-40B4-BE49-F238E27FC236}">
+                <a16:creationId xmlns:a16="http://schemas.microsoft.com/office/drawing/2014/main" id="{22EF1397-7D5C-431E-A893-6A5AA26C5405}"/>
+              </a:ext>
+            </a:extLst>
+          </p:cNvPr>
+          <p:cNvSpPr/>
+          <p:nvPr/>
+        </p:nvSpPr>
+        <p:spPr bwMode="gray">
+          <a:xfrm>
+            <a:off x="9479527" y="1890835"/>
+            <a:ext cx="1084882" cy="286794"/>
+          </a:xfrm>
+          <a:prstGeom prst="downArrow">
+            <a:avLst/>
+          </a:prstGeom>
+          <a:solidFill>
+            <a:schemeClr val="accent1"/>
+          </a:solidFill>
+          <a:ln w="6350" algn="ctr">
+            <a:noFill/>
+            <a:miter lim="800000"/>
+            <a:headEnd/>
+            <a:tailEnd/>
+          </a:ln>
+        </p:spPr>
+        <p:txBody>
+          <a:bodyPr lIns="90000" tIns="72000" rIns="90000" bIns="72000" rtlCol="0" anchor="ctr"/>
+          <a:lstStyle/>
+          <a:p>
+            <a:pPr marL="0" marR="0" lvl="0" indent="0" algn="ctr" defTabSz="914400" rtl="0" eaLnBrk="1" fontAlgn="base" latinLnBrk="0" hangingPunct="1">
+              <a:lnSpc>
+                <a:spcPct val="100000"/>
+              </a:lnSpc>
+              <a:spcBef>
+                <a:spcPct val="50000"/>
+              </a:spcBef>
+              <a:spcAft>
+                <a:spcPct val="0"/>
+              </a:spcAft>
+              <a:buClr>
+                <a:srgbClr val="F0AB00"/>
+              </a:buClr>
+              <a:buSzPct val="80000"/>
+              <a:buFontTx/>
+              <a:buNone/>
+              <a:tabLst/>
+              <a:defRPr/>
+            </a:pPr>
+            <a:endParaRPr kumimoji="0" lang="en-US" sz="1800" b="0" i="0" u="none" strike="noStrike" kern="0" cap="none" spc="0" normalizeH="0" baseline="0" noProof="0" dirty="0" err="1">
+              <a:ln>
+                <a:noFill/>
+              </a:ln>
+              <a:solidFill>
+                <a:srgbClr val="000000"/>
+              </a:solidFill>
+              <a:effectLst/>
+              <a:uLnTx/>
+              <a:uFillTx/>
+              <a:latin typeface="Arial"/>
+              <a:ea typeface="Arial Unicode MS" pitchFamily="34" charset="-128"/>
+              <a:cs typeface="Arial Unicode MS" pitchFamily="34" charset="-128"/>
+            </a:endParaRPr>
+          </a:p>
+        </p:txBody>
+      </p:sp>
+      <p:sp>
+        <p:nvSpPr>
+          <p:cNvPr id="77" name="Rectangle 76">
+            <a:extLst>
+              <a:ext uri="{FF2B5EF4-FFF2-40B4-BE49-F238E27FC236}">
+                <a16:creationId xmlns:a16="http://schemas.microsoft.com/office/drawing/2014/main" id="{529A800C-BC95-48ED-BFC9-4DFFC0B77842}"/>
+              </a:ext>
+            </a:extLst>
+          </p:cNvPr>
+          <p:cNvSpPr/>
+          <p:nvPr/>
+        </p:nvSpPr>
+        <p:spPr bwMode="gray">
+          <a:xfrm>
+            <a:off x="8355106" y="1527700"/>
+            <a:ext cx="3011818" cy="363135"/>
+          </a:xfrm>
+          <a:prstGeom prst="rect">
+            <a:avLst/>
+          </a:prstGeom>
+          <a:solidFill>
+            <a:schemeClr val="accent6">
+              <a:lumMod val="75000"/>
+            </a:schemeClr>
+          </a:solidFill>
+          <a:ln w="6350" algn="ctr">
+            <a:solidFill>
+              <a:schemeClr val="tx1"/>
+            </a:solidFill>
+            <a:miter lim="800000"/>
+            <a:headEnd/>
+            <a:tailEnd/>
+          </a:ln>
+        </p:spPr>
+        <p:txBody>
+          <a:bodyPr lIns="90000" tIns="72000" rIns="90000" bIns="72000" rtlCol="0" anchor="ctr"/>
+          <a:lstStyle/>
+          <a:p>
+            <a:pPr marL="0" marR="0" lvl="0" indent="0" algn="ctr" defTabSz="914400" rtl="0" eaLnBrk="1" fontAlgn="base" latinLnBrk="0" hangingPunct="1">
+              <a:lnSpc>
+                <a:spcPct val="100000"/>
+              </a:lnSpc>
+              <a:spcBef>
+                <a:spcPct val="50000"/>
+              </a:spcBef>
+              <a:spcAft>
+                <a:spcPct val="0"/>
+              </a:spcAft>
+              <a:buClr>
+                <a:srgbClr val="F0AB00"/>
+              </a:buClr>
+              <a:buSzPct val="80000"/>
+              <a:buFontTx/>
+              <a:buNone/>
+              <a:tabLst/>
+              <a:defRPr/>
+            </a:pPr>
+            <a:r>
+              <a:rPr kumimoji="0" lang="en-US" sz="1400" b="0" i="1" u="none" strike="noStrike" kern="0" cap="none" spc="0" normalizeH="0" baseline="0" noProof="0" dirty="0">
+                <a:ln>
+                  <a:noFill/>
+                </a:ln>
+                <a:solidFill>
+                  <a:srgbClr val="FFFFFF"/>
+                </a:solidFill>
+                <a:effectLst/>
+                <a:uLnTx/>
+                <a:uFillTx/>
+                <a:latin typeface="Arial"/>
+                <a:ea typeface="Arial Unicode MS" pitchFamily="34" charset="-128"/>
+                <a:cs typeface="Arial Unicode MS" pitchFamily="34" charset="-128"/>
+              </a:rPr>
+              <a:t>new Container RW layer</a:t>
+            </a:r>
+          </a:p>
+        </p:txBody>
+      </p:sp>
+      <p:sp>
+        <p:nvSpPr>
+          <p:cNvPr id="54" name="Rectangle 53">
+            <a:extLst>
+              <a:ext uri="{FF2B5EF4-FFF2-40B4-BE49-F238E27FC236}">
+                <a16:creationId xmlns:a16="http://schemas.microsoft.com/office/drawing/2014/main" id="{908746BE-2292-4B7A-8F57-36D3962B3EF9}"/>
+              </a:ext>
+            </a:extLst>
+          </p:cNvPr>
+          <p:cNvSpPr/>
+          <p:nvPr/>
+        </p:nvSpPr>
+        <p:spPr bwMode="gray">
+          <a:xfrm>
+            <a:off x="806824" y="2103942"/>
+            <a:ext cx="3011818" cy="363135"/>
+          </a:xfrm>
+          <a:prstGeom prst="rect">
+            <a:avLst/>
+          </a:prstGeom>
+          <a:solidFill>
+            <a:schemeClr val="accent5">
+              <a:lumMod val="60000"/>
+              <a:lumOff val="40000"/>
+            </a:schemeClr>
+          </a:solidFill>
+          <a:ln w="6350" algn="ctr">
+            <a:solidFill>
+              <a:schemeClr val="tx1"/>
+            </a:solidFill>
+            <a:miter lim="800000"/>
+            <a:headEnd/>
+            <a:tailEnd/>
+          </a:ln>
+        </p:spPr>
+        <p:txBody>
+          <a:bodyPr lIns="90000" tIns="72000" rIns="90000" bIns="72000" rtlCol="0" anchor="ctr"/>
+          <a:lstStyle/>
+          <a:p>
+            <a:pPr marL="0" marR="0" lvl="0" indent="0" algn="ctr" defTabSz="914400" rtl="0" eaLnBrk="1" fontAlgn="base" latinLnBrk="0" hangingPunct="1">
+              <a:lnSpc>
+                <a:spcPct val="100000"/>
+              </a:lnSpc>
+              <a:spcBef>
+                <a:spcPct val="50000"/>
+              </a:spcBef>
+              <a:spcAft>
+                <a:spcPct val="0"/>
+              </a:spcAft>
+              <a:buClr>
+                <a:srgbClr val="F0AB00"/>
+              </a:buClr>
+              <a:buSzPct val="80000"/>
+              <a:buFontTx/>
+              <a:buNone/>
+              <a:tabLst/>
+              <a:defRPr/>
+            </a:pPr>
+            <a:r>
+              <a:rPr kumimoji="0" lang="en-US" sz="1400" b="0" i="1" u="none" strike="noStrike" kern="0" cap="none" spc="0" normalizeH="0" baseline="0" noProof="0" dirty="0">
+                <a:ln>
+                  <a:noFill/>
+                </a:ln>
+                <a:solidFill>
+                  <a:srgbClr val="000000"/>
+                </a:solidFill>
+                <a:effectLst/>
+                <a:uLnTx/>
+                <a:uFillTx/>
+                <a:latin typeface="Arial"/>
+                <a:ea typeface="Arial Unicode MS" pitchFamily="34" charset="-128"/>
+                <a:cs typeface="Arial Unicode MS" pitchFamily="34" charset="-128"/>
+              </a:rPr>
+              <a:t>Container RW layer</a:t>
+            </a:r>
+          </a:p>
+        </p:txBody>
+      </p:sp>
+      <p:cxnSp>
+        <p:nvCxnSpPr>
+          <p:cNvPr id="21" name="Straight Arrow Connector 20">
+            <a:extLst>
+              <a:ext uri="{FF2B5EF4-FFF2-40B4-BE49-F238E27FC236}">
+                <a16:creationId xmlns:a16="http://schemas.microsoft.com/office/drawing/2014/main" id="{169BAC1F-5D8C-4935-91F4-CD90A501919D}"/>
+              </a:ext>
+            </a:extLst>
+          </p:cNvPr>
+          <p:cNvCxnSpPr>
+            <a:stCxn id="54" idx="3"/>
+            <a:endCxn id="73" idx="1"/>
+          </p:cNvCxnSpPr>
+          <p:nvPr/>
+        </p:nvCxnSpPr>
+        <p:spPr>
+          <a:xfrm>
+            <a:off x="3818642" y="2285510"/>
+            <a:ext cx="4983280" cy="233137"/>
+          </a:xfrm>
+          <a:prstGeom prst="straightConnector1">
+            <a:avLst/>
+          </a:prstGeom>
+          <a:ln w="50800">
+            <a:solidFill>
+              <a:schemeClr val="tx1"/>
+            </a:solidFill>
+            <a:headEnd type="none" w="med" len="med"/>
+            <a:tailEnd type="triangle" w="lg" len="lg"/>
+          </a:ln>
+        </p:spPr>
+        <p:style>
+          <a:lnRef idx="1">
+            <a:schemeClr val="accent1"/>
+          </a:lnRef>
+          <a:fillRef idx="0">
+            <a:schemeClr val="accent1"/>
+          </a:fillRef>
+          <a:effectRef idx="0">
+            <a:schemeClr val="accent1"/>
+          </a:effectRef>
+          <a:fontRef idx="minor">
+            <a:schemeClr val="tx1"/>
+          </a:fontRef>
+        </p:style>
+      </p:cxnSp>
+      <p:sp>
+        <p:nvSpPr>
+          <p:cNvPr id="2" name="Rectangle: Rounded Corners 1">
+            <a:extLst>
+              <a:ext uri="{FF2B5EF4-FFF2-40B4-BE49-F238E27FC236}">
+                <a16:creationId xmlns:a16="http://schemas.microsoft.com/office/drawing/2014/main" id="{86F92A83-9614-4911-9CEF-77F729917087}"/>
+              </a:ext>
+            </a:extLst>
+          </p:cNvPr>
+          <p:cNvSpPr/>
+          <p:nvPr/>
+        </p:nvSpPr>
+        <p:spPr bwMode="gray">
+          <a:xfrm>
+            <a:off x="597132" y="2636258"/>
+            <a:ext cx="3544268" cy="2276987"/>
+          </a:xfrm>
+          <a:prstGeom prst="roundRect">
+            <a:avLst/>
+          </a:prstGeom>
+          <a:noFill/>
+          <a:ln w="15875" algn="ctr">
+            <a:solidFill>
+              <a:srgbClr val="C00000"/>
+            </a:solidFill>
+            <a:prstDash val="dash"/>
+            <a:miter lim="800000"/>
+            <a:headEnd/>
+            <a:tailEnd/>
+          </a:ln>
+        </p:spPr>
+        <p:txBody>
+          <a:bodyPr lIns="90000" tIns="72000" rIns="90000" bIns="72000" rtlCol="0" anchor="ctr"/>
+          <a:lstStyle/>
+          <a:p>
+            <a:pPr marL="0" marR="0" lvl="0" indent="0" algn="ctr" defTabSz="914400" rtl="0" eaLnBrk="1" fontAlgn="base" latinLnBrk="0" hangingPunct="1">
+              <a:lnSpc>
+                <a:spcPct val="100000"/>
+              </a:lnSpc>
+              <a:spcBef>
+                <a:spcPct val="50000"/>
+              </a:spcBef>
+              <a:spcAft>
+                <a:spcPct val="0"/>
+              </a:spcAft>
+              <a:buClr>
+                <a:srgbClr val="F0AB00"/>
+              </a:buClr>
+              <a:buSzPct val="80000"/>
+              <a:buFontTx/>
+              <a:buNone/>
+              <a:tabLst/>
+              <a:defRPr/>
+            </a:pPr>
+            <a:endParaRPr kumimoji="0" lang="de-DE" sz="1800" b="0" i="0" u="none" strike="noStrike" kern="0" cap="none" spc="0" normalizeH="0" baseline="0" noProof="0" dirty="0" err="1">
+              <a:ln>
+                <a:noFill/>
+              </a:ln>
+              <a:solidFill>
+                <a:srgbClr val="000000"/>
+              </a:solidFill>
+              <a:effectLst/>
+              <a:uLnTx/>
+              <a:uFillTx/>
+              <a:latin typeface="Arial"/>
+              <a:ea typeface="Arial Unicode MS" pitchFamily="34" charset="-128"/>
+              <a:cs typeface="Arial Unicode MS" pitchFamily="34" charset="-128"/>
+            </a:endParaRPr>
+          </a:p>
+        </p:txBody>
+      </p:sp>
+      <p:sp>
+        <p:nvSpPr>
+          <p:cNvPr id="26" name="Rectangle: Rounded Corners 25">
+            <a:extLst>
+              <a:ext uri="{FF2B5EF4-FFF2-40B4-BE49-F238E27FC236}">
+                <a16:creationId xmlns:a16="http://schemas.microsoft.com/office/drawing/2014/main" id="{4470F924-E951-459C-8F3D-EB94CA87BC1E}"/>
+              </a:ext>
+            </a:extLst>
+          </p:cNvPr>
+          <p:cNvSpPr/>
+          <p:nvPr/>
+        </p:nvSpPr>
+        <p:spPr bwMode="gray">
+          <a:xfrm>
+            <a:off x="8057197" y="2082468"/>
+            <a:ext cx="3544268" cy="2882348"/>
+          </a:xfrm>
+          <a:prstGeom prst="roundRect">
+            <a:avLst/>
+          </a:prstGeom>
+          <a:noFill/>
+          <a:ln w="15875" algn="ctr">
+            <a:solidFill>
+              <a:srgbClr val="C00000"/>
+            </a:solidFill>
+            <a:prstDash val="dash"/>
+            <a:miter lim="800000"/>
+            <a:headEnd/>
+            <a:tailEnd/>
+          </a:ln>
+        </p:spPr>
+        <p:txBody>
+          <a:bodyPr lIns="90000" tIns="72000" rIns="90000" bIns="72000" rtlCol="0" anchor="ctr"/>
+          <a:lstStyle/>
+          <a:p>
+            <a:pPr marL="0" marR="0" lvl="0" indent="0" algn="ctr" defTabSz="914400" rtl="0" eaLnBrk="1" fontAlgn="base" latinLnBrk="0" hangingPunct="1">
+              <a:lnSpc>
+                <a:spcPct val="100000"/>
+              </a:lnSpc>
+              <a:spcBef>
+                <a:spcPct val="50000"/>
+              </a:spcBef>
+              <a:spcAft>
+                <a:spcPct val="0"/>
+              </a:spcAft>
+              <a:buClr>
+                <a:srgbClr val="F0AB00"/>
+              </a:buClr>
+              <a:buSzPct val="80000"/>
+              <a:buFontTx/>
+              <a:buNone/>
+              <a:tabLst/>
+              <a:defRPr/>
+            </a:pPr>
+            <a:endParaRPr kumimoji="0" lang="de-DE" sz="1800" b="0" i="0" u="none" strike="noStrike" kern="0" cap="none" spc="0" normalizeH="0" baseline="0" noProof="0" dirty="0" err="1">
+              <a:ln>
+                <a:noFill/>
+              </a:ln>
+              <a:solidFill>
+                <a:srgbClr val="000000"/>
+              </a:solidFill>
+              <a:effectLst/>
+              <a:uLnTx/>
+              <a:uFillTx/>
+              <a:latin typeface="Arial"/>
+              <a:ea typeface="Arial Unicode MS" pitchFamily="34" charset="-128"/>
+              <a:cs typeface="Arial Unicode MS" pitchFamily="34" charset="-128"/>
+            </a:endParaRPr>
+          </a:p>
+        </p:txBody>
+      </p:sp>
+      <p:sp>
+        <p:nvSpPr>
+          <p:cNvPr id="4" name="TextBox 3">
+            <a:extLst>
+              <a:ext uri="{FF2B5EF4-FFF2-40B4-BE49-F238E27FC236}">
+                <a16:creationId xmlns:a16="http://schemas.microsoft.com/office/drawing/2014/main" id="{9077A48A-D4B0-41BF-8204-F15E6A354255}"/>
+              </a:ext>
+            </a:extLst>
+          </p:cNvPr>
+          <p:cNvSpPr txBox="1"/>
+          <p:nvPr/>
+        </p:nvSpPr>
+        <p:spPr>
+          <a:xfrm>
+            <a:off x="882061" y="4940032"/>
+            <a:ext cx="1917322" cy="276999"/>
+          </a:xfrm>
+          <a:prstGeom prst="rect">
+            <a:avLst/>
+          </a:prstGeom>
+          <a:noFill/>
+        </p:spPr>
+        <p:txBody>
+          <a:bodyPr wrap="square" lIns="0" tIns="0" rIns="0" bIns="0" rtlCol="0">
+            <a:spAutoFit/>
+          </a:bodyPr>
+          <a:lstStyle/>
+          <a:p>
+            <a:pPr marL="0" marR="0" lvl="0" indent="0" algn="l" defTabSz="1088776" rtl="0" eaLnBrk="1" fontAlgn="base" latinLnBrk="0" hangingPunct="1">
+              <a:lnSpc>
+                <a:spcPct val="100000"/>
+              </a:lnSpc>
+              <a:spcBef>
+                <a:spcPct val="50000"/>
+              </a:spcBef>
+              <a:spcAft>
+                <a:spcPct val="0"/>
+              </a:spcAft>
+              <a:buClr>
+                <a:srgbClr val="F0AB00"/>
+              </a:buClr>
+              <a:buSzPct val="80000"/>
+              <a:buFontTx/>
+              <a:buNone/>
+              <a:tabLst/>
+              <a:defRPr/>
+            </a:pPr>
+            <a:r>
+              <a:rPr kumimoji="0" lang="de-DE" sz="1800" b="0" i="0" u="none" strike="noStrike" kern="0" cap="none" spc="0" normalizeH="0" baseline="0" noProof="0" dirty="0">
+                <a:ln>
+                  <a:noFill/>
+                </a:ln>
+                <a:solidFill>
+                  <a:srgbClr val="C00000"/>
+                </a:solidFill>
+                <a:effectLst/>
+                <a:uLnTx/>
+                <a:uFillTx/>
+                <a:latin typeface="Arial"/>
+                <a:ea typeface="Arial Unicode MS" pitchFamily="34" charset="-128"/>
+                <a:cs typeface="Arial Unicode MS" pitchFamily="34" charset="-128"/>
+              </a:rPr>
+              <a:t>e.g. my-nginx:v1.0</a:t>
+            </a:r>
+          </a:p>
+        </p:txBody>
+      </p:sp>
+      <p:sp>
+        <p:nvSpPr>
+          <p:cNvPr id="28" name="TextBox 27">
+            <a:extLst>
+              <a:ext uri="{FF2B5EF4-FFF2-40B4-BE49-F238E27FC236}">
+                <a16:creationId xmlns:a16="http://schemas.microsoft.com/office/drawing/2014/main" id="{28B1E49C-0C2C-40FF-81BA-DB2C76C10E9E}"/>
+              </a:ext>
+            </a:extLst>
+          </p:cNvPr>
+          <p:cNvSpPr txBox="1"/>
+          <p:nvPr/>
+        </p:nvSpPr>
+        <p:spPr>
+          <a:xfrm>
+            <a:off x="8413669" y="5034700"/>
+            <a:ext cx="2150739" cy="276999"/>
+          </a:xfrm>
+          <a:prstGeom prst="rect">
+            <a:avLst/>
+          </a:prstGeom>
+          <a:noFill/>
+        </p:spPr>
+        <p:txBody>
+          <a:bodyPr wrap="square" lIns="0" tIns="0" rIns="0" bIns="0" rtlCol="0">
+            <a:spAutoFit/>
+          </a:bodyPr>
+          <a:lstStyle/>
+          <a:p>
+            <a:pPr marL="0" marR="0" lvl="0" indent="0" algn="l" defTabSz="1088776" rtl="0" eaLnBrk="1" fontAlgn="base" latinLnBrk="0" hangingPunct="1">
+              <a:lnSpc>
+                <a:spcPct val="100000"/>
+              </a:lnSpc>
+              <a:spcBef>
+                <a:spcPct val="50000"/>
+              </a:spcBef>
+              <a:spcAft>
+                <a:spcPct val="0"/>
+              </a:spcAft>
+              <a:buClr>
+                <a:srgbClr val="F0AB00"/>
+              </a:buClr>
+              <a:buSzPct val="80000"/>
+              <a:buFontTx/>
+              <a:buNone/>
+              <a:tabLst/>
+              <a:defRPr/>
+            </a:pPr>
+            <a:r>
+              <a:rPr kumimoji="0" lang="de-DE" sz="1800" b="0" i="0" u="none" strike="noStrike" kern="0" cap="none" spc="0" normalizeH="0" baseline="0" noProof="0" dirty="0">
+                <a:ln>
+                  <a:noFill/>
+                </a:ln>
+                <a:solidFill>
+                  <a:srgbClr val="C00000"/>
+                </a:solidFill>
+                <a:effectLst/>
+                <a:uLnTx/>
+                <a:uFillTx/>
+                <a:latin typeface="Arial"/>
+                <a:ea typeface="Arial Unicode MS" pitchFamily="34" charset="-128"/>
+                <a:cs typeface="Arial Unicode MS" pitchFamily="34" charset="-128"/>
+              </a:rPr>
+              <a:t>e.g. my-nginx:2.0</a:t>
+            </a:r>
+          </a:p>
+        </p:txBody>
+      </p:sp>
+      <p:sp>
+        <p:nvSpPr>
+          <p:cNvPr id="5" name="TextBox 4">
+            <a:extLst>
+              <a:ext uri="{FF2B5EF4-FFF2-40B4-BE49-F238E27FC236}">
+                <a16:creationId xmlns:a16="http://schemas.microsoft.com/office/drawing/2014/main" id="{C1C8CAC8-D981-479F-AAE8-7E235A1894D9}"/>
+              </a:ext>
+            </a:extLst>
+          </p:cNvPr>
+          <p:cNvSpPr txBox="1"/>
+          <p:nvPr/>
+        </p:nvSpPr>
+        <p:spPr>
+          <a:xfrm rot="19618200">
+            <a:off x="2850247" y="2271272"/>
+            <a:ext cx="6463934" cy="2215991"/>
+          </a:xfrm>
+          <a:prstGeom prst="rect">
+            <a:avLst/>
+          </a:prstGeom>
+          <a:solidFill>
+            <a:schemeClr val="bg1"/>
+          </a:solidFill>
+          <a:ln>
+            <a:solidFill>
+              <a:schemeClr val="tx1"/>
+            </a:solidFill>
+          </a:ln>
+        </p:spPr>
+        <p:txBody>
+          <a:bodyPr wrap="square" lIns="0" tIns="0" rIns="0" bIns="0" rtlCol="0">
+            <a:spAutoFit/>
+          </a:bodyPr>
+          <a:lstStyle/>
+          <a:p>
+            <a:pPr marL="0" marR="0" lvl="0" indent="0" algn="ctr" defTabSz="1088776" rtl="0" eaLnBrk="1" fontAlgn="base" latinLnBrk="0" hangingPunct="1">
+              <a:lnSpc>
+                <a:spcPct val="100000"/>
+              </a:lnSpc>
+              <a:spcBef>
+                <a:spcPct val="50000"/>
+              </a:spcBef>
+              <a:spcAft>
+                <a:spcPct val="0"/>
+              </a:spcAft>
+              <a:buClr>
+                <a:srgbClr val="F0AB00"/>
+              </a:buClr>
+              <a:buSzPct val="80000"/>
+              <a:buFontTx/>
+              <a:buNone/>
+              <a:tabLst/>
+              <a:defRPr/>
+            </a:pPr>
+            <a:r>
+              <a:rPr kumimoji="0" lang="de-DE" sz="7200" b="0" i="0" u="none" strike="noStrike" kern="0" cap="none" spc="0" normalizeH="0" baseline="0" noProof="0" dirty="0">
+                <a:ln>
+                  <a:noFill/>
+                </a:ln>
+                <a:solidFill>
+                  <a:srgbClr val="FF0000"/>
+                </a:solidFill>
+                <a:effectLst/>
+                <a:uLnTx/>
+                <a:uFillTx/>
+                <a:latin typeface="Arial"/>
+                <a:ea typeface="Arial Unicode MS" pitchFamily="34" charset="-128"/>
+                <a:cs typeface="Arial Unicode MS" pitchFamily="34" charset="-128"/>
+              </a:rPr>
+              <a:t>Not </a:t>
+            </a:r>
+            <a:r>
+              <a:rPr kumimoji="0" lang="de-DE" sz="7200" b="0" i="0" u="none" strike="noStrike" kern="0" cap="none" spc="0" normalizeH="0" baseline="0" noProof="0" dirty="0" err="1">
+                <a:ln>
+                  <a:noFill/>
+                </a:ln>
+                <a:solidFill>
+                  <a:srgbClr val="FF0000"/>
+                </a:solidFill>
+                <a:effectLst/>
+                <a:uLnTx/>
+                <a:uFillTx/>
+                <a:latin typeface="Arial"/>
+                <a:ea typeface="Arial Unicode MS" pitchFamily="34" charset="-128"/>
+                <a:cs typeface="Arial Unicode MS" pitchFamily="34" charset="-128"/>
+              </a:rPr>
+              <a:t>recommended</a:t>
+            </a:r>
+            <a:r>
+              <a:rPr kumimoji="0" lang="de-DE" sz="7200" b="0" i="0" u="none" strike="noStrike" kern="0" cap="none" spc="0" normalizeH="0" baseline="0" noProof="0" dirty="0">
+                <a:ln>
+                  <a:noFill/>
+                </a:ln>
+                <a:solidFill>
+                  <a:srgbClr val="FF0000"/>
+                </a:solidFill>
+                <a:effectLst/>
+                <a:uLnTx/>
+                <a:uFillTx/>
+                <a:latin typeface="Arial"/>
+                <a:ea typeface="Arial Unicode MS" pitchFamily="34" charset="-128"/>
+                <a:cs typeface="Arial Unicode MS" pitchFamily="34" charset="-128"/>
+              </a:rPr>
+              <a:t> !</a:t>
+            </a:r>
+          </a:p>
+        </p:txBody>
+      </p:sp>
+    </p:spTree>
+    <p:extLst>
+      <p:ext uri="{BB962C8B-B14F-4D97-AF65-F5344CB8AC3E}">
+        <p14:creationId xmlns:p14="http://schemas.microsoft.com/office/powerpoint/2010/main" val="1001299506"/>
+      </p:ext>
+    </p:extLst>
+  </p:cSld>
+  <p:clrMapOvr>
+    <a:masterClrMapping/>
+  </p:clrMapOvr>
+  <p:timing>
+    <p:tnLst>
+      <p:par>
+        <p:cTn id="1" dur="indefinite" restart="never" nodeType="tmRoot">
+          <p:childTnLst>
+            <p:seq concurrent="1" nextAc="seek">
+              <p:cTn id="2" dur="indefinite" nodeType="mainSeq">
+                <p:childTnLst>
+                  <p:par>
+                    <p:cTn id="3" fill="hold">
+                      <p:stCondLst>
+                        <p:cond delay="indefinite"/>
+                      </p:stCondLst>
+                      <p:childTnLst>
+                        <p:par>
+                          <p:cTn id="4" fill="hold">
+                            <p:stCondLst>
+                              <p:cond delay="0"/>
+                            </p:stCondLst>
+                            <p:childTnLst>
+                              <p:par>
+                                <p:cTn id="5" presetID="2" presetClass="entr" presetSubtype="4" fill="hold" grpId="0" nodeType="clickEffect">
+                                  <p:stCondLst>
+                                    <p:cond delay="0"/>
+                                  </p:stCondLst>
+                                  <p:childTnLst>
+                                    <p:set>
+                                      <p:cBhvr>
+                                        <p:cTn id="6" dur="1" fill="hold">
+                                          <p:stCondLst>
+                                            <p:cond delay="0"/>
+                                          </p:stCondLst>
+                                        </p:cTn>
+                                        <p:tgtEl>
+                                          <p:spTgt spid="65"/>
+                                        </p:tgtEl>
+                                        <p:attrNameLst>
+                                          <p:attrName>style.visibility</p:attrName>
+                                        </p:attrNameLst>
+                                      </p:cBhvr>
+                                      <p:to>
+                                        <p:strVal val="visible"/>
+                                      </p:to>
+                                    </p:set>
+                                    <p:anim calcmode="lin" valueType="num">
+                                      <p:cBhvr additive="base">
+                                        <p:cTn id="7" dur="500" fill="hold"/>
+                                        <p:tgtEl>
+                                          <p:spTgt spid="65"/>
+                                        </p:tgtEl>
+                                        <p:attrNameLst>
+                                          <p:attrName>ppt_x</p:attrName>
+                                        </p:attrNameLst>
+                                      </p:cBhvr>
+                                      <p:tavLst>
+                                        <p:tav tm="0">
+                                          <p:val>
+                                            <p:strVal val="#ppt_x"/>
+                                          </p:val>
+                                        </p:tav>
+                                        <p:tav tm="100000">
+                                          <p:val>
+                                            <p:strVal val="#ppt_x"/>
+                                          </p:val>
+                                        </p:tav>
+                                      </p:tavLst>
+                                    </p:anim>
+                                    <p:anim calcmode="lin" valueType="num">
+                                      <p:cBhvr additive="base">
+                                        <p:cTn id="8" dur="500" fill="hold"/>
+                                        <p:tgtEl>
+                                          <p:spTgt spid="65"/>
+                                        </p:tgtEl>
+                                        <p:attrNameLst>
+                                          <p:attrName>ppt_y</p:attrName>
+                                        </p:attrNameLst>
+                                      </p:cBhvr>
+                                      <p:tavLst>
+                                        <p:tav tm="0">
+                                          <p:val>
+                                            <p:strVal val="1+#ppt_h/2"/>
+                                          </p:val>
+                                        </p:tav>
+                                        <p:tav tm="100000">
+                                          <p:val>
+                                            <p:strVal val="#ppt_y"/>
+                                          </p:val>
+                                        </p:tav>
+                                      </p:tavLst>
+                                    </p:anim>
+                                  </p:childTnLst>
+                                </p:cTn>
+                              </p:par>
+                              <p:par>
+                                <p:cTn id="9" presetID="2" presetClass="entr" presetSubtype="4" fill="hold" grpId="0" nodeType="withEffect">
+                                  <p:stCondLst>
+                                    <p:cond delay="0"/>
+                                  </p:stCondLst>
+                                  <p:childTnLst>
+                                    <p:set>
+                                      <p:cBhvr>
+                                        <p:cTn id="10" dur="1" fill="hold">
+                                          <p:stCondLst>
+                                            <p:cond delay="0"/>
+                                          </p:stCondLst>
+                                        </p:cTn>
+                                        <p:tgtEl>
+                                          <p:spTgt spid="66"/>
+                                        </p:tgtEl>
+                                        <p:attrNameLst>
+                                          <p:attrName>style.visibility</p:attrName>
+                                        </p:attrNameLst>
+                                      </p:cBhvr>
+                                      <p:to>
+                                        <p:strVal val="visible"/>
+                                      </p:to>
+                                    </p:set>
+                                    <p:anim calcmode="lin" valueType="num">
+                                      <p:cBhvr additive="base">
+                                        <p:cTn id="11" dur="500" fill="hold"/>
+                                        <p:tgtEl>
+                                          <p:spTgt spid="66"/>
+                                        </p:tgtEl>
+                                        <p:attrNameLst>
+                                          <p:attrName>ppt_x</p:attrName>
+                                        </p:attrNameLst>
+                                      </p:cBhvr>
+                                      <p:tavLst>
+                                        <p:tav tm="0">
+                                          <p:val>
+                                            <p:strVal val="#ppt_x"/>
+                                          </p:val>
+                                        </p:tav>
+                                        <p:tav tm="100000">
+                                          <p:val>
+                                            <p:strVal val="#ppt_x"/>
+                                          </p:val>
+                                        </p:tav>
+                                      </p:tavLst>
+                                    </p:anim>
+                                    <p:anim calcmode="lin" valueType="num">
+                                      <p:cBhvr additive="base">
+                                        <p:cTn id="12" dur="500" fill="hold"/>
+                                        <p:tgtEl>
+                                          <p:spTgt spid="66"/>
+                                        </p:tgtEl>
+                                        <p:attrNameLst>
+                                          <p:attrName>ppt_y</p:attrName>
+                                        </p:attrNameLst>
+                                      </p:cBhvr>
+                                      <p:tavLst>
+                                        <p:tav tm="0">
+                                          <p:val>
+                                            <p:strVal val="1+#ppt_h/2"/>
+                                          </p:val>
+                                        </p:tav>
+                                        <p:tav tm="100000">
+                                          <p:val>
+                                            <p:strVal val="#ppt_y"/>
+                                          </p:val>
+                                        </p:tav>
+                                      </p:tavLst>
+                                    </p:anim>
+                                  </p:childTnLst>
+                                </p:cTn>
+                              </p:par>
+                              <p:par>
+                                <p:cTn id="13" presetID="2" presetClass="entr" presetSubtype="4" fill="hold" grpId="0" nodeType="withEffect">
+                                  <p:stCondLst>
+                                    <p:cond delay="0"/>
+                                  </p:stCondLst>
+                                  <p:childTnLst>
+                                    <p:set>
+                                      <p:cBhvr>
+                                        <p:cTn id="14" dur="1" fill="hold">
+                                          <p:stCondLst>
+                                            <p:cond delay="0"/>
+                                          </p:stCondLst>
+                                        </p:cTn>
+                                        <p:tgtEl>
+                                          <p:spTgt spid="67"/>
+                                        </p:tgtEl>
+                                        <p:attrNameLst>
+                                          <p:attrName>style.visibility</p:attrName>
+                                        </p:attrNameLst>
+                                      </p:cBhvr>
+                                      <p:to>
+                                        <p:strVal val="visible"/>
+                                      </p:to>
+                                    </p:set>
+                                    <p:anim calcmode="lin" valueType="num">
+                                      <p:cBhvr additive="base">
+                                        <p:cTn id="15" dur="500" fill="hold"/>
+                                        <p:tgtEl>
+                                          <p:spTgt spid="67"/>
+                                        </p:tgtEl>
+                                        <p:attrNameLst>
+                                          <p:attrName>ppt_x</p:attrName>
+                                        </p:attrNameLst>
+                                      </p:cBhvr>
+                                      <p:tavLst>
+                                        <p:tav tm="0">
+                                          <p:val>
+                                            <p:strVal val="#ppt_x"/>
+                                          </p:val>
+                                        </p:tav>
+                                        <p:tav tm="100000">
+                                          <p:val>
+                                            <p:strVal val="#ppt_x"/>
+                                          </p:val>
+                                        </p:tav>
+                                      </p:tavLst>
+                                    </p:anim>
+                                    <p:anim calcmode="lin" valueType="num">
+                                      <p:cBhvr additive="base">
+                                        <p:cTn id="16" dur="500" fill="hold"/>
+                                        <p:tgtEl>
+                                          <p:spTgt spid="67"/>
+                                        </p:tgtEl>
+                                        <p:attrNameLst>
+                                          <p:attrName>ppt_y</p:attrName>
+                                        </p:attrNameLst>
+                                      </p:cBhvr>
+                                      <p:tavLst>
+                                        <p:tav tm="0">
+                                          <p:val>
+                                            <p:strVal val="1+#ppt_h/2"/>
+                                          </p:val>
+                                        </p:tav>
+                                        <p:tav tm="100000">
+                                          <p:val>
+                                            <p:strVal val="#ppt_y"/>
+                                          </p:val>
+                                        </p:tav>
+                                      </p:tavLst>
+                                    </p:anim>
+                                  </p:childTnLst>
+                                </p:cTn>
+                              </p:par>
+                              <p:par>
+                                <p:cTn id="17" presetID="2" presetClass="entr" presetSubtype="4" fill="hold" grpId="0" nodeType="withEffect">
+                                  <p:stCondLst>
+                                    <p:cond delay="0"/>
+                                  </p:stCondLst>
+                                  <p:childTnLst>
+                                    <p:set>
+                                      <p:cBhvr>
+                                        <p:cTn id="18" dur="1" fill="hold">
+                                          <p:stCondLst>
+                                            <p:cond delay="0"/>
+                                          </p:stCondLst>
+                                        </p:cTn>
+                                        <p:tgtEl>
+                                          <p:spTgt spid="68"/>
+                                        </p:tgtEl>
+                                        <p:attrNameLst>
+                                          <p:attrName>style.visibility</p:attrName>
+                                        </p:attrNameLst>
+                                      </p:cBhvr>
+                                      <p:to>
+                                        <p:strVal val="visible"/>
+                                      </p:to>
+                                    </p:set>
+                                    <p:anim calcmode="lin" valueType="num">
+                                      <p:cBhvr additive="base">
+                                        <p:cTn id="19" dur="500" fill="hold"/>
+                                        <p:tgtEl>
+                                          <p:spTgt spid="68"/>
+                                        </p:tgtEl>
+                                        <p:attrNameLst>
+                                          <p:attrName>ppt_x</p:attrName>
+                                        </p:attrNameLst>
+                                      </p:cBhvr>
+                                      <p:tavLst>
+                                        <p:tav tm="0">
+                                          <p:val>
+                                            <p:strVal val="#ppt_x"/>
+                                          </p:val>
+                                        </p:tav>
+                                        <p:tav tm="100000">
+                                          <p:val>
+                                            <p:strVal val="#ppt_x"/>
+                                          </p:val>
+                                        </p:tav>
+                                      </p:tavLst>
+                                    </p:anim>
+                                    <p:anim calcmode="lin" valueType="num">
+                                      <p:cBhvr additive="base">
+                                        <p:cTn id="20" dur="500" fill="hold"/>
+                                        <p:tgtEl>
+                                          <p:spTgt spid="68"/>
+                                        </p:tgtEl>
+                                        <p:attrNameLst>
+                                          <p:attrName>ppt_y</p:attrName>
+                                        </p:attrNameLst>
+                                      </p:cBhvr>
+                                      <p:tavLst>
+                                        <p:tav tm="0">
+                                          <p:val>
+                                            <p:strVal val="1+#ppt_h/2"/>
+                                          </p:val>
+                                        </p:tav>
+                                        <p:tav tm="100000">
+                                          <p:val>
+                                            <p:strVal val="#ppt_y"/>
+                                          </p:val>
+                                        </p:tav>
+                                      </p:tavLst>
+                                    </p:anim>
+                                  </p:childTnLst>
+                                </p:cTn>
+                              </p:par>
+                              <p:par>
+                                <p:cTn id="21" presetID="2" presetClass="entr" presetSubtype="4" fill="hold" grpId="0" nodeType="withEffect">
+                                  <p:stCondLst>
+                                    <p:cond delay="0"/>
+                                  </p:stCondLst>
+                                  <p:childTnLst>
+                                    <p:set>
+                                      <p:cBhvr>
+                                        <p:cTn id="22" dur="1" fill="hold">
+                                          <p:stCondLst>
+                                            <p:cond delay="0"/>
+                                          </p:stCondLst>
+                                        </p:cTn>
+                                        <p:tgtEl>
+                                          <p:spTgt spid="71"/>
+                                        </p:tgtEl>
+                                        <p:attrNameLst>
+                                          <p:attrName>style.visibility</p:attrName>
+                                        </p:attrNameLst>
+                                      </p:cBhvr>
+                                      <p:to>
+                                        <p:strVal val="visible"/>
+                                      </p:to>
+                                    </p:set>
+                                    <p:anim calcmode="lin" valueType="num">
+                                      <p:cBhvr additive="base">
+                                        <p:cTn id="23" dur="500" fill="hold"/>
+                                        <p:tgtEl>
+                                          <p:spTgt spid="71"/>
+                                        </p:tgtEl>
+                                        <p:attrNameLst>
+                                          <p:attrName>ppt_x</p:attrName>
+                                        </p:attrNameLst>
+                                      </p:cBhvr>
+                                      <p:tavLst>
+                                        <p:tav tm="0">
+                                          <p:val>
+                                            <p:strVal val="#ppt_x"/>
+                                          </p:val>
+                                        </p:tav>
+                                        <p:tav tm="100000">
+                                          <p:val>
+                                            <p:strVal val="#ppt_x"/>
+                                          </p:val>
+                                        </p:tav>
+                                      </p:tavLst>
+                                    </p:anim>
+                                    <p:anim calcmode="lin" valueType="num">
+                                      <p:cBhvr additive="base">
+                                        <p:cTn id="24" dur="500" fill="hold"/>
+                                        <p:tgtEl>
+                                          <p:spTgt spid="71"/>
+                                        </p:tgtEl>
+                                        <p:attrNameLst>
+                                          <p:attrName>ppt_y</p:attrName>
+                                        </p:attrNameLst>
+                                      </p:cBhvr>
+                                      <p:tavLst>
+                                        <p:tav tm="0">
+                                          <p:val>
+                                            <p:strVal val="1+#ppt_h/2"/>
+                                          </p:val>
+                                        </p:tav>
+                                        <p:tav tm="100000">
+                                          <p:val>
+                                            <p:strVal val="#ppt_y"/>
+                                          </p:val>
+                                        </p:tav>
+                                      </p:tavLst>
+                                    </p:anim>
+                                  </p:childTnLst>
+                                </p:cTn>
+                              </p:par>
+                              <p:par>
+                                <p:cTn id="25" presetID="2" presetClass="entr" presetSubtype="4" fill="hold" grpId="0" nodeType="withEffect">
+                                  <p:stCondLst>
+                                    <p:cond delay="0"/>
+                                  </p:stCondLst>
+                                  <p:childTnLst>
+                                    <p:set>
+                                      <p:cBhvr>
+                                        <p:cTn id="26" dur="1" fill="hold">
+                                          <p:stCondLst>
+                                            <p:cond delay="0"/>
+                                          </p:stCondLst>
+                                        </p:cTn>
+                                        <p:tgtEl>
+                                          <p:spTgt spid="72"/>
+                                        </p:tgtEl>
+                                        <p:attrNameLst>
+                                          <p:attrName>style.visibility</p:attrName>
+                                        </p:attrNameLst>
+                                      </p:cBhvr>
+                                      <p:to>
+                                        <p:strVal val="visible"/>
+                                      </p:to>
+                                    </p:set>
+                                    <p:anim calcmode="lin" valueType="num">
+                                      <p:cBhvr additive="base">
+                                        <p:cTn id="27" dur="500" fill="hold"/>
+                                        <p:tgtEl>
+                                          <p:spTgt spid="72"/>
+                                        </p:tgtEl>
+                                        <p:attrNameLst>
+                                          <p:attrName>ppt_x</p:attrName>
+                                        </p:attrNameLst>
+                                      </p:cBhvr>
+                                      <p:tavLst>
+                                        <p:tav tm="0">
+                                          <p:val>
+                                            <p:strVal val="#ppt_x"/>
+                                          </p:val>
+                                        </p:tav>
+                                        <p:tav tm="100000">
+                                          <p:val>
+                                            <p:strVal val="#ppt_x"/>
+                                          </p:val>
+                                        </p:tav>
+                                      </p:tavLst>
+                                    </p:anim>
+                                    <p:anim calcmode="lin" valueType="num">
+                                      <p:cBhvr additive="base">
+                                        <p:cTn id="28" dur="500" fill="hold"/>
+                                        <p:tgtEl>
+                                          <p:spTgt spid="72"/>
+                                        </p:tgtEl>
+                                        <p:attrNameLst>
+                                          <p:attrName>ppt_y</p:attrName>
+                                        </p:attrNameLst>
+                                      </p:cBhvr>
+                                      <p:tavLst>
+                                        <p:tav tm="0">
+                                          <p:val>
+                                            <p:strVal val="1+#ppt_h/2"/>
+                                          </p:val>
+                                        </p:tav>
+                                        <p:tav tm="100000">
+                                          <p:val>
+                                            <p:strVal val="#ppt_y"/>
+                                          </p:val>
+                                        </p:tav>
+                                      </p:tavLst>
+                                    </p:anim>
+                                  </p:childTnLst>
+                                </p:cTn>
+                              </p:par>
+                              <p:par>
+                                <p:cTn id="29" presetID="2" presetClass="entr" presetSubtype="4" fill="hold" grpId="0" nodeType="withEffect">
+                                  <p:stCondLst>
+                                    <p:cond delay="0"/>
+                                  </p:stCondLst>
+                                  <p:childTnLst>
+                                    <p:set>
+                                      <p:cBhvr>
+                                        <p:cTn id="30" dur="1" fill="hold">
+                                          <p:stCondLst>
+                                            <p:cond delay="0"/>
+                                          </p:stCondLst>
+                                        </p:cTn>
+                                        <p:tgtEl>
+                                          <p:spTgt spid="74"/>
+                                        </p:tgtEl>
+                                        <p:attrNameLst>
+                                          <p:attrName>style.visibility</p:attrName>
+                                        </p:attrNameLst>
+                                      </p:cBhvr>
+                                      <p:to>
+                                        <p:strVal val="visible"/>
+                                      </p:to>
+                                    </p:set>
+                                    <p:anim calcmode="lin" valueType="num">
+                                      <p:cBhvr additive="base">
+                                        <p:cTn id="31" dur="500" fill="hold"/>
+                                        <p:tgtEl>
+                                          <p:spTgt spid="74"/>
+                                        </p:tgtEl>
+                                        <p:attrNameLst>
+                                          <p:attrName>ppt_x</p:attrName>
+                                        </p:attrNameLst>
+                                      </p:cBhvr>
+                                      <p:tavLst>
+                                        <p:tav tm="0">
+                                          <p:val>
+                                            <p:strVal val="#ppt_x"/>
+                                          </p:val>
+                                        </p:tav>
+                                        <p:tav tm="100000">
+                                          <p:val>
+                                            <p:strVal val="#ppt_x"/>
+                                          </p:val>
+                                        </p:tav>
+                                      </p:tavLst>
+                                    </p:anim>
+                                    <p:anim calcmode="lin" valueType="num">
+                                      <p:cBhvr additive="base">
+                                        <p:cTn id="32" dur="500" fill="hold"/>
+                                        <p:tgtEl>
+                                          <p:spTgt spid="74"/>
+                                        </p:tgtEl>
+                                        <p:attrNameLst>
+                                          <p:attrName>ppt_y</p:attrName>
+                                        </p:attrNameLst>
+                                      </p:cBhvr>
+                                      <p:tavLst>
+                                        <p:tav tm="0">
+                                          <p:val>
+                                            <p:strVal val="1+#ppt_h/2"/>
+                                          </p:val>
+                                        </p:tav>
+                                        <p:tav tm="100000">
+                                          <p:val>
+                                            <p:strVal val="#ppt_y"/>
+                                          </p:val>
+                                        </p:tav>
+                                      </p:tavLst>
+                                    </p:anim>
+                                  </p:childTnLst>
+                                </p:cTn>
+                              </p:par>
+                              <p:par>
+                                <p:cTn id="33" presetID="2" presetClass="entr" presetSubtype="4" fill="hold" grpId="0" nodeType="withEffect">
+                                  <p:stCondLst>
+                                    <p:cond delay="0"/>
+                                  </p:stCondLst>
+                                  <p:childTnLst>
+                                    <p:set>
+                                      <p:cBhvr>
+                                        <p:cTn id="34" dur="1" fill="hold">
+                                          <p:stCondLst>
+                                            <p:cond delay="0"/>
+                                          </p:stCondLst>
+                                        </p:cTn>
+                                        <p:tgtEl>
+                                          <p:spTgt spid="73"/>
+                                        </p:tgtEl>
+                                        <p:attrNameLst>
+                                          <p:attrName>style.visibility</p:attrName>
+                                        </p:attrNameLst>
+                                      </p:cBhvr>
+                                      <p:to>
+                                        <p:strVal val="visible"/>
+                                      </p:to>
+                                    </p:set>
+                                    <p:anim calcmode="lin" valueType="num">
+                                      <p:cBhvr additive="base">
+                                        <p:cTn id="35" dur="500" fill="hold"/>
+                                        <p:tgtEl>
+                                          <p:spTgt spid="73"/>
+                                        </p:tgtEl>
+                                        <p:attrNameLst>
+                                          <p:attrName>ppt_x</p:attrName>
+                                        </p:attrNameLst>
+                                      </p:cBhvr>
+                                      <p:tavLst>
+                                        <p:tav tm="0">
+                                          <p:val>
+                                            <p:strVal val="#ppt_x"/>
+                                          </p:val>
+                                        </p:tav>
+                                        <p:tav tm="100000">
+                                          <p:val>
+                                            <p:strVal val="#ppt_x"/>
+                                          </p:val>
+                                        </p:tav>
+                                      </p:tavLst>
+                                    </p:anim>
+                                    <p:anim calcmode="lin" valueType="num">
+                                      <p:cBhvr additive="base">
+                                        <p:cTn id="36" dur="500" fill="hold"/>
+                                        <p:tgtEl>
+                                          <p:spTgt spid="73"/>
+                                        </p:tgtEl>
+                                        <p:attrNameLst>
+                                          <p:attrName>ppt_y</p:attrName>
+                                        </p:attrNameLst>
+                                      </p:cBhvr>
+                                      <p:tavLst>
+                                        <p:tav tm="0">
+                                          <p:val>
+                                            <p:strVal val="1+#ppt_h/2"/>
+                                          </p:val>
+                                        </p:tav>
+                                        <p:tav tm="100000">
+                                          <p:val>
+                                            <p:strVal val="#ppt_y"/>
+                                          </p:val>
+                                        </p:tav>
+                                      </p:tavLst>
+                                    </p:anim>
+                                  </p:childTnLst>
+                                </p:cTn>
+                              </p:par>
+                              <p:par>
+                                <p:cTn id="37" presetID="2" presetClass="entr" presetSubtype="4" fill="hold" nodeType="withEffect">
+                                  <p:stCondLst>
+                                    <p:cond delay="0"/>
+                                  </p:stCondLst>
+                                  <p:childTnLst>
+                                    <p:set>
+                                      <p:cBhvr>
+                                        <p:cTn id="38" dur="1" fill="hold">
+                                          <p:stCondLst>
+                                            <p:cond delay="0"/>
+                                          </p:stCondLst>
+                                        </p:cTn>
+                                        <p:tgtEl>
+                                          <p:spTgt spid="21"/>
+                                        </p:tgtEl>
+                                        <p:attrNameLst>
+                                          <p:attrName>style.visibility</p:attrName>
+                                        </p:attrNameLst>
+                                      </p:cBhvr>
+                                      <p:to>
+                                        <p:strVal val="visible"/>
+                                      </p:to>
+                                    </p:set>
+                                    <p:anim calcmode="lin" valueType="num">
+                                      <p:cBhvr additive="base">
+                                        <p:cTn id="39" dur="500" fill="hold"/>
+                                        <p:tgtEl>
+                                          <p:spTgt spid="21"/>
+                                        </p:tgtEl>
+                                        <p:attrNameLst>
+                                          <p:attrName>ppt_x</p:attrName>
+                                        </p:attrNameLst>
+                                      </p:cBhvr>
+                                      <p:tavLst>
+                                        <p:tav tm="0">
+                                          <p:val>
+                                            <p:strVal val="#ppt_x"/>
+                                          </p:val>
+                                        </p:tav>
+                                        <p:tav tm="100000">
+                                          <p:val>
+                                            <p:strVal val="#ppt_x"/>
+                                          </p:val>
+                                        </p:tav>
+                                      </p:tavLst>
+                                    </p:anim>
+                                    <p:anim calcmode="lin" valueType="num">
+                                      <p:cBhvr additive="base">
+                                        <p:cTn id="40" dur="500" fill="hold"/>
+                                        <p:tgtEl>
+                                          <p:spTgt spid="21"/>
+                                        </p:tgtEl>
+                                        <p:attrNameLst>
+                                          <p:attrName>ppt_y</p:attrName>
+                                        </p:attrNameLst>
+                                      </p:cBhvr>
+                                      <p:tavLst>
+                                        <p:tav tm="0">
+                                          <p:val>
+                                            <p:strVal val="1+#ppt_h/2"/>
+                                          </p:val>
+                                        </p:tav>
+                                        <p:tav tm="100000">
+                                          <p:val>
+                                            <p:strVal val="#ppt_y"/>
+                                          </p:val>
+                                        </p:tav>
+                                      </p:tavLst>
+                                    </p:anim>
+                                  </p:childTnLst>
+                                </p:cTn>
+                              </p:par>
+                              <p:par>
+                                <p:cTn id="41" presetID="2" presetClass="entr" presetSubtype="4" fill="hold" grpId="0" nodeType="withEffect">
+                                  <p:stCondLst>
+                                    <p:cond delay="0"/>
+                                  </p:stCondLst>
+                                  <p:childTnLst>
+                                    <p:set>
+                                      <p:cBhvr>
+                                        <p:cTn id="42" dur="1" fill="hold">
+                                          <p:stCondLst>
+                                            <p:cond delay="0"/>
+                                          </p:stCondLst>
+                                        </p:cTn>
+                                        <p:tgtEl>
+                                          <p:spTgt spid="13"/>
+                                        </p:tgtEl>
+                                        <p:attrNameLst>
+                                          <p:attrName>style.visibility</p:attrName>
+                                        </p:attrNameLst>
+                                      </p:cBhvr>
+                                      <p:to>
+                                        <p:strVal val="visible"/>
+                                      </p:to>
+                                    </p:set>
+                                    <p:anim calcmode="lin" valueType="num">
+                                      <p:cBhvr additive="base">
+                                        <p:cTn id="43" dur="500" fill="hold"/>
+                                        <p:tgtEl>
+                                          <p:spTgt spid="13"/>
+                                        </p:tgtEl>
+                                        <p:attrNameLst>
+                                          <p:attrName>ppt_x</p:attrName>
+                                        </p:attrNameLst>
+                                      </p:cBhvr>
+                                      <p:tavLst>
+                                        <p:tav tm="0">
+                                          <p:val>
+                                            <p:strVal val="#ppt_x"/>
+                                          </p:val>
+                                        </p:tav>
+                                        <p:tav tm="100000">
+                                          <p:val>
+                                            <p:strVal val="#ppt_x"/>
+                                          </p:val>
+                                        </p:tav>
+                                      </p:tavLst>
+                                    </p:anim>
+                                    <p:anim calcmode="lin" valueType="num">
+                                      <p:cBhvr additive="base">
+                                        <p:cTn id="44" dur="500" fill="hold"/>
+                                        <p:tgtEl>
+                                          <p:spTgt spid="13"/>
+                                        </p:tgtEl>
+                                        <p:attrNameLst>
+                                          <p:attrName>ppt_y</p:attrName>
+                                        </p:attrNameLst>
+                                      </p:cBhvr>
+                                      <p:tavLst>
+                                        <p:tav tm="0">
+                                          <p:val>
+                                            <p:strVal val="1+#ppt_h/2"/>
+                                          </p:val>
+                                        </p:tav>
+                                        <p:tav tm="100000">
+                                          <p:val>
+                                            <p:strVal val="#ppt_y"/>
+                                          </p:val>
+                                        </p:tav>
+                                      </p:tavLst>
+                                    </p:anim>
+                                  </p:childTnLst>
+                                </p:cTn>
+                              </p:par>
+                              <p:par>
+                                <p:cTn id="45" presetID="2" presetClass="entr" presetSubtype="4" fill="hold" grpId="0" nodeType="withEffect">
+                                  <p:stCondLst>
+                                    <p:cond delay="0"/>
+                                  </p:stCondLst>
+                                  <p:childTnLst>
+                                    <p:set>
+                                      <p:cBhvr>
+                                        <p:cTn id="46" dur="1" fill="hold">
+                                          <p:stCondLst>
+                                            <p:cond delay="0"/>
+                                          </p:stCondLst>
+                                        </p:cTn>
+                                        <p:tgtEl>
+                                          <p:spTgt spid="26"/>
+                                        </p:tgtEl>
+                                        <p:attrNameLst>
+                                          <p:attrName>style.visibility</p:attrName>
+                                        </p:attrNameLst>
+                                      </p:cBhvr>
+                                      <p:to>
+                                        <p:strVal val="visible"/>
+                                      </p:to>
+                                    </p:set>
+                                    <p:anim calcmode="lin" valueType="num">
+                                      <p:cBhvr additive="base">
+                                        <p:cTn id="47" dur="500" fill="hold"/>
+                                        <p:tgtEl>
+                                          <p:spTgt spid="26"/>
+                                        </p:tgtEl>
+                                        <p:attrNameLst>
+                                          <p:attrName>ppt_x</p:attrName>
+                                        </p:attrNameLst>
+                                      </p:cBhvr>
+                                      <p:tavLst>
+                                        <p:tav tm="0">
+                                          <p:val>
+                                            <p:strVal val="#ppt_x"/>
+                                          </p:val>
+                                        </p:tav>
+                                        <p:tav tm="100000">
+                                          <p:val>
+                                            <p:strVal val="#ppt_x"/>
+                                          </p:val>
+                                        </p:tav>
+                                      </p:tavLst>
+                                    </p:anim>
+                                    <p:anim calcmode="lin" valueType="num">
+                                      <p:cBhvr additive="base">
+                                        <p:cTn id="48" dur="500" fill="hold"/>
+                                        <p:tgtEl>
+                                          <p:spTgt spid="26"/>
+                                        </p:tgtEl>
+                                        <p:attrNameLst>
+                                          <p:attrName>ppt_y</p:attrName>
+                                        </p:attrNameLst>
+                                      </p:cBhvr>
+                                      <p:tavLst>
+                                        <p:tav tm="0">
+                                          <p:val>
+                                            <p:strVal val="1+#ppt_h/2"/>
+                                          </p:val>
+                                        </p:tav>
+                                        <p:tav tm="100000">
+                                          <p:val>
+                                            <p:strVal val="#ppt_y"/>
+                                          </p:val>
+                                        </p:tav>
+                                      </p:tavLst>
+                                    </p:anim>
+                                  </p:childTnLst>
+                                </p:cTn>
+                              </p:par>
+                              <p:par>
+                                <p:cTn id="49" presetID="2" presetClass="entr" presetSubtype="4" fill="hold" grpId="0" nodeType="withEffect">
+                                  <p:stCondLst>
+                                    <p:cond delay="0"/>
+                                  </p:stCondLst>
+                                  <p:childTnLst>
+                                    <p:set>
+                                      <p:cBhvr>
+                                        <p:cTn id="50" dur="1" fill="hold">
+                                          <p:stCondLst>
+                                            <p:cond delay="0"/>
+                                          </p:stCondLst>
+                                        </p:cTn>
+                                        <p:tgtEl>
+                                          <p:spTgt spid="28"/>
+                                        </p:tgtEl>
+                                        <p:attrNameLst>
+                                          <p:attrName>style.visibility</p:attrName>
+                                        </p:attrNameLst>
+                                      </p:cBhvr>
+                                      <p:to>
+                                        <p:strVal val="visible"/>
+                                      </p:to>
+                                    </p:set>
+                                    <p:anim calcmode="lin" valueType="num">
+                                      <p:cBhvr additive="base">
+                                        <p:cTn id="51" dur="500" fill="hold"/>
+                                        <p:tgtEl>
+                                          <p:spTgt spid="28"/>
+                                        </p:tgtEl>
+                                        <p:attrNameLst>
+                                          <p:attrName>ppt_x</p:attrName>
+                                        </p:attrNameLst>
+                                      </p:cBhvr>
+                                      <p:tavLst>
+                                        <p:tav tm="0">
+                                          <p:val>
+                                            <p:strVal val="#ppt_x"/>
+                                          </p:val>
+                                        </p:tav>
+                                        <p:tav tm="100000">
+                                          <p:val>
+                                            <p:strVal val="#ppt_x"/>
+                                          </p:val>
+                                        </p:tav>
+                                      </p:tavLst>
+                                    </p:anim>
+                                    <p:anim calcmode="lin" valueType="num">
+                                      <p:cBhvr additive="base">
+                                        <p:cTn id="52" dur="500" fill="hold"/>
+                                        <p:tgtEl>
+                                          <p:spTgt spid="28"/>
+                                        </p:tgtEl>
+                                        <p:attrNameLst>
+                                          <p:attrName>ppt_y</p:attrName>
+                                        </p:attrNameLst>
+                                      </p:cBhvr>
+                                      <p:tavLst>
+                                        <p:tav tm="0">
+                                          <p:val>
+                                            <p:strVal val="1+#ppt_h/2"/>
+                                          </p:val>
+                                        </p:tav>
+                                        <p:tav tm="100000">
+                                          <p:val>
+                                            <p:strVal val="#ppt_y"/>
+                                          </p:val>
+                                        </p:tav>
+                                      </p:tavLst>
+                                    </p:anim>
+                                  </p:childTnLst>
+                                </p:cTn>
+                              </p:par>
+                            </p:childTnLst>
+                          </p:cTn>
+                        </p:par>
+                      </p:childTnLst>
+                    </p:cTn>
+                  </p:par>
+                  <p:par>
+                    <p:cTn id="53" fill="hold">
+                      <p:stCondLst>
+                        <p:cond delay="indefinite"/>
+                      </p:stCondLst>
+                      <p:childTnLst>
+                        <p:par>
+                          <p:cTn id="54" fill="hold">
+                            <p:stCondLst>
+                              <p:cond delay="0"/>
+                            </p:stCondLst>
+                            <p:childTnLst>
+                              <p:par>
+                                <p:cTn id="55" presetID="2" presetClass="entr" presetSubtype="4" fill="hold" grpId="0" nodeType="clickEffect">
+                                  <p:stCondLst>
+                                    <p:cond delay="0"/>
+                                  </p:stCondLst>
+                                  <p:childTnLst>
+                                    <p:set>
+                                      <p:cBhvr>
+                                        <p:cTn id="56" dur="1" fill="hold">
+                                          <p:stCondLst>
+                                            <p:cond delay="0"/>
+                                          </p:stCondLst>
+                                        </p:cTn>
+                                        <p:tgtEl>
+                                          <p:spTgt spid="76"/>
+                                        </p:tgtEl>
+                                        <p:attrNameLst>
+                                          <p:attrName>style.visibility</p:attrName>
+                                        </p:attrNameLst>
+                                      </p:cBhvr>
+                                      <p:to>
+                                        <p:strVal val="visible"/>
+                                      </p:to>
+                                    </p:set>
+                                    <p:anim calcmode="lin" valueType="num">
+                                      <p:cBhvr additive="base">
+                                        <p:cTn id="57" dur="500" fill="hold"/>
+                                        <p:tgtEl>
+                                          <p:spTgt spid="76"/>
+                                        </p:tgtEl>
+                                        <p:attrNameLst>
+                                          <p:attrName>ppt_x</p:attrName>
+                                        </p:attrNameLst>
+                                      </p:cBhvr>
+                                      <p:tavLst>
+                                        <p:tav tm="0">
+                                          <p:val>
+                                            <p:strVal val="#ppt_x"/>
+                                          </p:val>
+                                        </p:tav>
+                                        <p:tav tm="100000">
+                                          <p:val>
+                                            <p:strVal val="#ppt_x"/>
+                                          </p:val>
+                                        </p:tav>
+                                      </p:tavLst>
+                                    </p:anim>
+                                    <p:anim calcmode="lin" valueType="num">
+                                      <p:cBhvr additive="base">
+                                        <p:cTn id="58" dur="500" fill="hold"/>
+                                        <p:tgtEl>
+                                          <p:spTgt spid="76"/>
+                                        </p:tgtEl>
+                                        <p:attrNameLst>
+                                          <p:attrName>ppt_y</p:attrName>
+                                        </p:attrNameLst>
+                                      </p:cBhvr>
+                                      <p:tavLst>
+                                        <p:tav tm="0">
+                                          <p:val>
+                                            <p:strVal val="1+#ppt_h/2"/>
+                                          </p:val>
+                                        </p:tav>
+                                        <p:tav tm="100000">
+                                          <p:val>
+                                            <p:strVal val="#ppt_y"/>
+                                          </p:val>
+                                        </p:tav>
+                                      </p:tavLst>
+                                    </p:anim>
+                                  </p:childTnLst>
+                                </p:cTn>
+                              </p:par>
+                              <p:par>
+                                <p:cTn id="59" presetID="2" presetClass="entr" presetSubtype="4" fill="hold" grpId="0" nodeType="withEffect">
+                                  <p:stCondLst>
+                                    <p:cond delay="0"/>
+                                  </p:stCondLst>
+                                  <p:childTnLst>
+                                    <p:set>
+                                      <p:cBhvr>
+                                        <p:cTn id="60" dur="1" fill="hold">
+                                          <p:stCondLst>
+                                            <p:cond delay="0"/>
+                                          </p:stCondLst>
+                                        </p:cTn>
+                                        <p:tgtEl>
+                                          <p:spTgt spid="77"/>
+                                        </p:tgtEl>
+                                        <p:attrNameLst>
+                                          <p:attrName>style.visibility</p:attrName>
+                                        </p:attrNameLst>
+                                      </p:cBhvr>
+                                      <p:to>
+                                        <p:strVal val="visible"/>
+                                      </p:to>
+                                    </p:set>
+                                    <p:anim calcmode="lin" valueType="num">
+                                      <p:cBhvr additive="base">
+                                        <p:cTn id="61" dur="500" fill="hold"/>
+                                        <p:tgtEl>
+                                          <p:spTgt spid="77"/>
+                                        </p:tgtEl>
+                                        <p:attrNameLst>
+                                          <p:attrName>ppt_x</p:attrName>
+                                        </p:attrNameLst>
+                                      </p:cBhvr>
+                                      <p:tavLst>
+                                        <p:tav tm="0">
+                                          <p:val>
+                                            <p:strVal val="#ppt_x"/>
+                                          </p:val>
+                                        </p:tav>
+                                        <p:tav tm="100000">
+                                          <p:val>
+                                            <p:strVal val="#ppt_x"/>
+                                          </p:val>
+                                        </p:tav>
+                                      </p:tavLst>
+                                    </p:anim>
+                                    <p:anim calcmode="lin" valueType="num">
+                                      <p:cBhvr additive="base">
+                                        <p:cTn id="62" dur="500" fill="hold"/>
+                                        <p:tgtEl>
+                                          <p:spTgt spid="77"/>
+                                        </p:tgtEl>
+                                        <p:attrNameLst>
+                                          <p:attrName>ppt_y</p:attrName>
+                                        </p:attrNameLst>
+                                      </p:cBhvr>
+                                      <p:tavLst>
+                                        <p:tav tm="0">
+                                          <p:val>
+                                            <p:strVal val="1+#ppt_h/2"/>
+                                          </p:val>
+                                        </p:tav>
+                                        <p:tav tm="100000">
+                                          <p:val>
+                                            <p:strVal val="#ppt_y"/>
+                                          </p:val>
+                                        </p:tav>
+                                      </p:tavLst>
+                                    </p:anim>
+                                  </p:childTnLst>
+                                </p:cTn>
+                              </p:par>
+                            </p:childTnLst>
+                          </p:cTn>
+                        </p:par>
+                      </p:childTnLst>
+                    </p:cTn>
+                  </p:par>
+                  <p:par>
+                    <p:cTn id="63" fill="hold">
+                      <p:stCondLst>
+                        <p:cond delay="indefinite"/>
+                      </p:stCondLst>
+                      <p:childTnLst>
+                        <p:par>
+                          <p:cTn id="64" fill="hold">
+                            <p:stCondLst>
+                              <p:cond delay="0"/>
+                            </p:stCondLst>
+                            <p:childTnLst>
+                              <p:par>
+                                <p:cTn id="65" presetID="2" presetClass="entr" presetSubtype="4" fill="hold" nodeType="clickEffect">
+                                  <p:stCondLst>
+                                    <p:cond delay="0"/>
+                                  </p:stCondLst>
+                                  <p:childTnLst>
+                                    <p:set>
+                                      <p:cBhvr>
+                                        <p:cTn id="66" dur="1" fill="hold">
+                                          <p:stCondLst>
+                                            <p:cond delay="0"/>
+                                          </p:stCondLst>
+                                        </p:cTn>
+                                        <p:tgtEl>
+                                          <p:spTgt spid="38"/>
+                                        </p:tgtEl>
+                                        <p:attrNameLst>
+                                          <p:attrName>style.visibility</p:attrName>
+                                        </p:attrNameLst>
+                                      </p:cBhvr>
+                                      <p:to>
+                                        <p:strVal val="visible"/>
+                                      </p:to>
+                                    </p:set>
+                                    <p:anim calcmode="lin" valueType="num">
+                                      <p:cBhvr additive="base">
+                                        <p:cTn id="67" dur="500" fill="hold"/>
+                                        <p:tgtEl>
+                                          <p:spTgt spid="38"/>
+                                        </p:tgtEl>
+                                        <p:attrNameLst>
+                                          <p:attrName>ppt_x</p:attrName>
+                                        </p:attrNameLst>
+                                      </p:cBhvr>
+                                      <p:tavLst>
+                                        <p:tav tm="0">
+                                          <p:val>
+                                            <p:strVal val="#ppt_x"/>
+                                          </p:val>
+                                        </p:tav>
+                                        <p:tav tm="100000">
+                                          <p:val>
+                                            <p:strVal val="#ppt_x"/>
+                                          </p:val>
+                                        </p:tav>
+                                      </p:tavLst>
+                                    </p:anim>
+                                    <p:anim calcmode="lin" valueType="num">
+                                      <p:cBhvr additive="base">
+                                        <p:cTn id="68" dur="500" fill="hold"/>
+                                        <p:tgtEl>
+                                          <p:spTgt spid="38"/>
+                                        </p:tgtEl>
+                                        <p:attrNameLst>
+                                          <p:attrName>ppt_y</p:attrName>
+                                        </p:attrNameLst>
+                                      </p:cBhvr>
+                                      <p:tavLst>
+                                        <p:tav tm="0">
+                                          <p:val>
+                                            <p:strVal val="1+#ppt_h/2"/>
+                                          </p:val>
+                                        </p:tav>
+                                        <p:tav tm="100000">
+                                          <p:val>
+                                            <p:strVal val="#ppt_y"/>
+                                          </p:val>
+                                        </p:tav>
+                                      </p:tavLst>
+                                    </p:anim>
+                                  </p:childTnLst>
+                                </p:cTn>
+                              </p:par>
+                              <p:par>
+                                <p:cTn id="69" presetID="2" presetClass="entr" presetSubtype="4" fill="hold" grpId="0" nodeType="withEffect">
+                                  <p:stCondLst>
+                                    <p:cond delay="0"/>
+                                  </p:stCondLst>
+                                  <p:childTnLst>
+                                    <p:set>
+                                      <p:cBhvr>
+                                        <p:cTn id="70" dur="1" fill="hold">
+                                          <p:stCondLst>
+                                            <p:cond delay="0"/>
+                                          </p:stCondLst>
+                                        </p:cTn>
+                                        <p:tgtEl>
+                                          <p:spTgt spid="37">
+                                            <p:txEl>
+                                              <p:pRg st="0" end="0"/>
+                                            </p:txEl>
+                                          </p:spTgt>
+                                        </p:tgtEl>
+                                        <p:attrNameLst>
+                                          <p:attrName>style.visibility</p:attrName>
+                                        </p:attrNameLst>
+                                      </p:cBhvr>
+                                      <p:to>
+                                        <p:strVal val="visible"/>
+                                      </p:to>
+                                    </p:set>
+                                    <p:anim calcmode="lin" valueType="num">
+                                      <p:cBhvr additive="base">
+                                        <p:cTn id="71" dur="500" fill="hold"/>
+                                        <p:tgtEl>
+                                          <p:spTgt spid="37">
+                                            <p:txEl>
+                                              <p:pRg st="0" end="0"/>
+                                            </p:txEl>
+                                          </p:spTgt>
+                                        </p:tgtEl>
+                                        <p:attrNameLst>
+                                          <p:attrName>ppt_x</p:attrName>
+                                        </p:attrNameLst>
+                                      </p:cBhvr>
+                                      <p:tavLst>
+                                        <p:tav tm="0">
+                                          <p:val>
+                                            <p:strVal val="#ppt_x"/>
+                                          </p:val>
+                                        </p:tav>
+                                        <p:tav tm="100000">
+                                          <p:val>
+                                            <p:strVal val="#ppt_x"/>
+                                          </p:val>
+                                        </p:tav>
+                                      </p:tavLst>
+                                    </p:anim>
+                                    <p:anim calcmode="lin" valueType="num">
+                                      <p:cBhvr additive="base">
+                                        <p:cTn id="72" dur="500" fill="hold"/>
+                                        <p:tgtEl>
+                                          <p:spTgt spid="37">
+                                            <p:txEl>
+                                              <p:pRg st="0" end="0"/>
+                                            </p:txEl>
+                                          </p:spTgt>
+                                        </p:tgtEl>
+                                        <p:attrNameLst>
+                                          <p:attrName>ppt_y</p:attrName>
+                                        </p:attrNameLst>
+                                      </p:cBhvr>
+                                      <p:tavLst>
+                                        <p:tav tm="0">
+                                          <p:val>
+                                            <p:strVal val="1+#ppt_h/2"/>
+                                          </p:val>
+                                        </p:tav>
+                                        <p:tav tm="100000">
+                                          <p:val>
+                                            <p:strVal val="#ppt_y"/>
+                                          </p:val>
+                                        </p:tav>
+                                      </p:tavLst>
+                                    </p:anim>
+                                  </p:childTnLst>
+                                </p:cTn>
+                              </p:par>
+                              <p:par>
+                                <p:cTn id="73" presetID="2" presetClass="entr" presetSubtype="4" fill="hold" grpId="0" nodeType="withEffect">
+                                  <p:stCondLst>
+                                    <p:cond delay="0"/>
+                                  </p:stCondLst>
+                                  <p:childTnLst>
+                                    <p:set>
+                                      <p:cBhvr>
+                                        <p:cTn id="74" dur="1" fill="hold">
+                                          <p:stCondLst>
+                                            <p:cond delay="0"/>
+                                          </p:stCondLst>
+                                        </p:cTn>
+                                        <p:tgtEl>
+                                          <p:spTgt spid="37">
+                                            <p:txEl>
+                                              <p:pRg st="1" end="1"/>
+                                            </p:txEl>
+                                          </p:spTgt>
+                                        </p:tgtEl>
+                                        <p:attrNameLst>
+                                          <p:attrName>style.visibility</p:attrName>
+                                        </p:attrNameLst>
+                                      </p:cBhvr>
+                                      <p:to>
+                                        <p:strVal val="visible"/>
+                                      </p:to>
+                                    </p:set>
+                                    <p:anim calcmode="lin" valueType="num">
+                                      <p:cBhvr additive="base">
+                                        <p:cTn id="75" dur="500" fill="hold"/>
+                                        <p:tgtEl>
+                                          <p:spTgt spid="37">
+                                            <p:txEl>
+                                              <p:pRg st="1" end="1"/>
+                                            </p:txEl>
+                                          </p:spTgt>
+                                        </p:tgtEl>
+                                        <p:attrNameLst>
+                                          <p:attrName>ppt_x</p:attrName>
+                                        </p:attrNameLst>
+                                      </p:cBhvr>
+                                      <p:tavLst>
+                                        <p:tav tm="0">
+                                          <p:val>
+                                            <p:strVal val="#ppt_x"/>
+                                          </p:val>
+                                        </p:tav>
+                                        <p:tav tm="100000">
+                                          <p:val>
+                                            <p:strVal val="#ppt_x"/>
+                                          </p:val>
+                                        </p:tav>
+                                      </p:tavLst>
+                                    </p:anim>
+                                    <p:anim calcmode="lin" valueType="num">
+                                      <p:cBhvr additive="base">
+                                        <p:cTn id="76" dur="500" fill="hold"/>
+                                        <p:tgtEl>
+                                          <p:spTgt spid="37">
+                                            <p:txEl>
+                                              <p:pRg st="1" end="1"/>
+                                            </p:txEl>
+                                          </p:spTgt>
+                                        </p:tgtEl>
+                                        <p:attrNameLst>
+                                          <p:attrName>ppt_y</p:attrName>
+                                        </p:attrNameLst>
+                                      </p:cBhvr>
+                                      <p:tavLst>
+                                        <p:tav tm="0">
+                                          <p:val>
+                                            <p:strVal val="1+#ppt_h/2"/>
+                                          </p:val>
+                                        </p:tav>
+                                        <p:tav tm="100000">
+                                          <p:val>
+                                            <p:strVal val="#ppt_y"/>
+                                          </p:val>
+                                        </p:tav>
+                                      </p:tavLst>
+                                    </p:anim>
+                                  </p:childTnLst>
+                                </p:cTn>
+                              </p:par>
+                            </p:childTnLst>
+                          </p:cTn>
+                        </p:par>
+                      </p:childTnLst>
+                    </p:cTn>
+                  </p:par>
+                  <p:par>
+                    <p:cTn id="77" fill="hold">
+                      <p:stCondLst>
+                        <p:cond delay="indefinite"/>
+                      </p:stCondLst>
+                      <p:childTnLst>
+                        <p:par>
+                          <p:cTn id="78" fill="hold">
+                            <p:stCondLst>
+                              <p:cond delay="0"/>
+                            </p:stCondLst>
+                            <p:childTnLst>
+                              <p:par>
+                                <p:cTn id="79" presetID="2" presetClass="entr" presetSubtype="4" fill="hold" grpId="0" nodeType="clickEffect">
+                                  <p:stCondLst>
+                                    <p:cond delay="0"/>
+                                  </p:stCondLst>
+                                  <p:childTnLst>
+                                    <p:set>
+                                      <p:cBhvr>
+                                        <p:cTn id="80" dur="1" fill="hold">
+                                          <p:stCondLst>
+                                            <p:cond delay="0"/>
+                                          </p:stCondLst>
+                                        </p:cTn>
+                                        <p:tgtEl>
+                                          <p:spTgt spid="5"/>
+                                        </p:tgtEl>
+                                        <p:attrNameLst>
+                                          <p:attrName>style.visibility</p:attrName>
+                                        </p:attrNameLst>
+                                      </p:cBhvr>
+                                      <p:to>
+                                        <p:strVal val="visible"/>
+                                      </p:to>
+                                    </p:set>
+                                    <p:anim calcmode="lin" valueType="num">
+                                      <p:cBhvr additive="base">
+                                        <p:cTn id="81" dur="500" fill="hold"/>
+                                        <p:tgtEl>
+                                          <p:spTgt spid="5"/>
+                                        </p:tgtEl>
+                                        <p:attrNameLst>
+                                          <p:attrName>ppt_x</p:attrName>
+                                        </p:attrNameLst>
+                                      </p:cBhvr>
+                                      <p:tavLst>
+                                        <p:tav tm="0">
+                                          <p:val>
+                                            <p:strVal val="#ppt_x"/>
+                                          </p:val>
+                                        </p:tav>
+                                        <p:tav tm="100000">
+                                          <p:val>
+                                            <p:strVal val="#ppt_x"/>
+                                          </p:val>
+                                        </p:tav>
+                                      </p:tavLst>
+                                    </p:anim>
+                                    <p:anim calcmode="lin" valueType="num">
+                                      <p:cBhvr additive="base">
+                                        <p:cTn id="82" dur="500" fill="hold"/>
+                                        <p:tgtEl>
+                                          <p:spTgt spid="5"/>
+                                        </p:tgtEl>
+                                        <p:attrNameLst>
+                                          <p:attrName>ppt_y</p:attrName>
+                                        </p:attrNameLst>
+                                      </p:cBhvr>
+                                      <p:tavLst>
+                                        <p:tav tm="0">
+                                          <p:val>
+                                            <p:strVal val="1+#ppt_h/2"/>
+                                          </p:val>
+                                        </p:tav>
+                                        <p:tav tm="100000">
+                                          <p:val>
+                                            <p:strVal val="#ppt_y"/>
+                                          </p:val>
+                                        </p:tav>
+                                      </p:tavLst>
+                                    </p:anim>
+                                  </p:childTnLst>
+                                </p:cTn>
+                              </p:par>
+                            </p:childTnLst>
+                          </p:cTn>
+                        </p:par>
+                      </p:childTnLst>
+                    </p:cTn>
+                  </p:par>
+                </p:childTnLst>
+              </p:cTn>
+              <p:prevCondLst>
+                <p:cond evt="onPrev" delay="0">
+                  <p:tgtEl>
+                    <p:sldTgt/>
+                  </p:tgtEl>
+                </p:cond>
+              </p:prevCondLst>
+              <p:nextCondLst>
+                <p:cond evt="onNext" delay="0">
+                  <p:tgtEl>
+                    <p:sldTgt/>
+                  </p:tgtEl>
+                </p:cond>
+              </p:nextCondLst>
+            </p:seq>
+          </p:childTnLst>
+        </p:cTn>
+      </p:par>
+    </p:tnLst>
+    <p:bldLst>
+      <p:bldP spid="13" grpId="0" animBg="1"/>
+      <p:bldP spid="37" grpId="0" build="p"/>
+      <p:bldP spid="65" grpId="0" animBg="1"/>
+      <p:bldP spid="66" grpId="0" animBg="1"/>
+      <p:bldP spid="67" grpId="0" animBg="1"/>
+      <p:bldP spid="68" grpId="0" animBg="1"/>
+      <p:bldP spid="71" grpId="0" animBg="1"/>
+      <p:bldP spid="72" grpId="0" animBg="1"/>
+      <p:bldP spid="74" grpId="0" animBg="1"/>
+      <p:bldP spid="73" grpId="0" animBg="1"/>
+      <p:bldP spid="76" grpId="0" animBg="1"/>
+      <p:bldP spid="77" grpId="0" animBg="1"/>
+      <p:bldP spid="26" grpId="0" animBg="1"/>
+      <p:bldP spid="28" grpId="0"/>
+      <p:bldP spid="5" grpId="0" animBg="1"/>
+    </p:bldLst>
+  </p:timing>
+</p:sld>
+</file>
+
+<file path=ppt/slides/slide7.xml><?xml version="1.0" encoding="utf-8"?>
 <p:sld xmlns:a="http://schemas.openxmlformats.org/drawingml/2006/main" xmlns:r="http://schemas.openxmlformats.org/officeDocument/2006/relationships" xmlns:p="http://schemas.openxmlformats.org/presentationml/2006/main">
   <p:cSld>
     <p:spTree>
@@ -25158,7 +29833,7 @@
 </p:sld>
 </file>
 
-<file path=ppt/slides/slide7.xml><?xml version="1.0" encoding="utf-8"?>
+<file path=ppt/slides/slide8.xml><?xml version="1.0" encoding="utf-8"?>
 <p:sld xmlns:a="http://schemas.openxmlformats.org/drawingml/2006/main" xmlns:r="http://schemas.openxmlformats.org/officeDocument/2006/relationships" xmlns:p="http://schemas.openxmlformats.org/presentationml/2006/main">
   <p:cSld>
     <p:spTree>
@@ -25246,7 +29921,7 @@
 </p:sld>
 </file>
 
-<file path=ppt/slides/slide8.xml><?xml version="1.0" encoding="utf-8"?>
+<file path=ppt/slides/slide9.xml><?xml version="1.0" encoding="utf-8"?>
 <p:sld xmlns:a="http://schemas.openxmlformats.org/drawingml/2006/main" xmlns:r="http://schemas.openxmlformats.org/officeDocument/2006/relationships" xmlns:p="http://schemas.openxmlformats.org/presentationml/2006/main">
   <p:cSld>
     <p:spTree>
@@ -26748,786 +31423,6 @@
     <p:extLst>
       <p:ext uri="{BB962C8B-B14F-4D97-AF65-F5344CB8AC3E}">
         <p14:creationId xmlns:p14="http://schemas.microsoft.com/office/powerpoint/2010/main" val="1435938657"/>
-      </p:ext>
-    </p:extLst>
-  </p:cSld>
-  <p:clrMapOvr>
-    <a:masterClrMapping/>
-  </p:clrMapOvr>
-</p:sld>
-</file>
-
-<file path=ppt/slides/slide9.xml><?xml version="1.0" encoding="utf-8"?>
-<p:sld xmlns:a="http://schemas.openxmlformats.org/drawingml/2006/main" xmlns:r="http://schemas.openxmlformats.org/officeDocument/2006/relationships" xmlns:p="http://schemas.openxmlformats.org/presentationml/2006/main">
-  <p:cSld>
-    <p:spTree>
-      <p:nvGrpSpPr>
-        <p:cNvPr id="1" name=""/>
-        <p:cNvGrpSpPr/>
-        <p:nvPr/>
-      </p:nvGrpSpPr>
-      <p:grpSpPr>
-        <a:xfrm>
-          <a:off x="0" y="0"/>
-          <a:ext cx="0" cy="0"/>
-          <a:chOff x="0" y="0"/>
-          <a:chExt cx="0" cy="0"/>
-        </a:xfrm>
-      </p:grpSpPr>
-      <p:sp>
-        <p:nvSpPr>
-          <p:cNvPr id="3" name="Title 2"/>
-          <p:cNvSpPr>
-            <a:spLocks noGrp="1"/>
-          </p:cNvSpPr>
-          <p:nvPr>
-            <p:ph type="title"/>
-          </p:nvPr>
-        </p:nvSpPr>
-        <p:spPr/>
-        <p:txBody>
-          <a:bodyPr/>
-          <a:lstStyle/>
-          <a:p>
-            <a:r>
-              <a:rPr lang="en-US" dirty="0"/>
-              <a:t>Docker login credentials</a:t>
-            </a:r>
-          </a:p>
-        </p:txBody>
-      </p:sp>
-      <p:sp>
-        <p:nvSpPr>
-          <p:cNvPr id="4" name="Flowchart: Magnetic Disk 3"/>
-          <p:cNvSpPr/>
-          <p:nvPr/>
-        </p:nvSpPr>
-        <p:spPr bwMode="gray">
-          <a:xfrm>
-            <a:off x="772758" y="1927317"/>
-            <a:ext cx="2661557" cy="1665515"/>
-          </a:xfrm>
-          <a:prstGeom prst="flowChartMagneticDisk">
-            <a:avLst/>
-          </a:prstGeom>
-          <a:solidFill>
-            <a:schemeClr val="accent1"/>
-          </a:solidFill>
-          <a:ln w="6350" algn="ctr">
-            <a:solidFill>
-              <a:schemeClr val="accent1">
-                <a:lumMod val="20000"/>
-                <a:lumOff val="80000"/>
-              </a:schemeClr>
-            </a:solidFill>
-            <a:miter lim="800000"/>
-            <a:headEnd/>
-            <a:tailEnd/>
-          </a:ln>
-        </p:spPr>
-        <p:txBody>
-          <a:bodyPr lIns="90000" tIns="72000" rIns="90000" bIns="72000" rtlCol="0" anchor="ctr"/>
-          <a:lstStyle/>
-          <a:p>
-            <a:pPr marR="0" algn="ctr" defTabSz="914400" eaLnBrk="1" fontAlgn="base" latinLnBrk="0" hangingPunct="1">
-              <a:lnSpc>
-                <a:spcPct val="100000"/>
-              </a:lnSpc>
-              <a:spcBef>
-                <a:spcPct val="50000"/>
-              </a:spcBef>
-              <a:spcAft>
-                <a:spcPct val="0"/>
-              </a:spcAft>
-              <a:buClr>
-                <a:srgbClr val="F0AB00"/>
-              </a:buClr>
-              <a:buSzPct val="80000"/>
-              <a:tabLst/>
-            </a:pPr>
-            <a:r>
-              <a:rPr kumimoji="0" lang="en-US" sz="2000" b="1" i="0" u="none" strike="noStrike" kern="0" cap="none" spc="0" normalizeH="0" baseline="0" noProof="0" dirty="0">
-                <a:ln>
-                  <a:noFill/>
-                </a:ln>
-                <a:effectLst/>
-                <a:uLnTx/>
-                <a:uFillTx/>
-                <a:ea typeface="Arial Unicode MS" pitchFamily="34" charset="-128"/>
-                <a:cs typeface="Arial Unicode MS" pitchFamily="34" charset="-128"/>
-              </a:rPr>
-              <a:t>Private Registry</a:t>
-            </a:r>
-          </a:p>
-        </p:txBody>
-      </p:sp>
-      <p:cxnSp>
-        <p:nvCxnSpPr>
-          <p:cNvPr id="16" name="Straight Arrow Connector 15"/>
-          <p:cNvCxnSpPr>
-            <a:cxnSpLocks/>
-            <a:endCxn id="36" idx="1"/>
-          </p:cNvCxnSpPr>
-          <p:nvPr/>
-        </p:nvCxnSpPr>
-        <p:spPr>
-          <a:xfrm>
-            <a:off x="3434315" y="2760076"/>
-            <a:ext cx="1903746" cy="22339"/>
-          </a:xfrm>
-          <a:prstGeom prst="straightConnector1">
-            <a:avLst/>
-          </a:prstGeom>
-          <a:ln w="57150">
-            <a:solidFill>
-              <a:schemeClr val="accent1"/>
-            </a:solidFill>
-            <a:headEnd type="triangle" w="med" len="med"/>
-            <a:tailEnd type="triangle" w="med" len="med"/>
-          </a:ln>
-        </p:spPr>
-        <p:style>
-          <a:lnRef idx="1">
-            <a:schemeClr val="accent1"/>
-          </a:lnRef>
-          <a:fillRef idx="0">
-            <a:schemeClr val="accent1"/>
-          </a:fillRef>
-          <a:effectRef idx="0">
-            <a:schemeClr val="accent1"/>
-          </a:effectRef>
-          <a:fontRef idx="minor">
-            <a:schemeClr val="tx1"/>
-          </a:fontRef>
-        </p:style>
-      </p:cxnSp>
-      <p:sp>
-        <p:nvSpPr>
-          <p:cNvPr id="34" name="Rectangle: Rounded Corners 33"/>
-          <p:cNvSpPr/>
-          <p:nvPr/>
-        </p:nvSpPr>
-        <p:spPr bwMode="gray">
-          <a:xfrm>
-            <a:off x="8244097" y="3889271"/>
-            <a:ext cx="3448304" cy="1261311"/>
-          </a:xfrm>
-          <a:prstGeom prst="roundRect">
-            <a:avLst/>
-          </a:prstGeom>
-          <a:solidFill>
-            <a:schemeClr val="bg2"/>
-          </a:solidFill>
-          <a:ln w="28575">
-            <a:prstDash val="sysDash"/>
-            <a:headEnd/>
-            <a:tailEnd/>
-          </a:ln>
-        </p:spPr>
-        <p:style>
-          <a:lnRef idx="2">
-            <a:schemeClr val="accent2"/>
-          </a:lnRef>
-          <a:fillRef idx="1">
-            <a:schemeClr val="lt1"/>
-          </a:fillRef>
-          <a:effectRef idx="0">
-            <a:schemeClr val="accent2"/>
-          </a:effectRef>
-          <a:fontRef idx="minor">
-            <a:schemeClr val="dk1"/>
-          </a:fontRef>
-        </p:style>
-        <p:txBody>
-          <a:bodyPr lIns="90000" tIns="72000" rIns="90000" bIns="72000" rtlCol="0" anchor="ctr"/>
-          <a:lstStyle/>
-          <a:p>
-            <a:pPr marR="0" defTabSz="914400" eaLnBrk="1" fontAlgn="base" latinLnBrk="0" hangingPunct="1">
-              <a:lnSpc>
-                <a:spcPct val="100000"/>
-              </a:lnSpc>
-              <a:spcBef>
-                <a:spcPct val="50000"/>
-              </a:spcBef>
-              <a:spcAft>
-                <a:spcPct val="0"/>
-              </a:spcAft>
-              <a:buClr>
-                <a:srgbClr val="F0AB00"/>
-              </a:buClr>
-              <a:buSzPct val="80000"/>
-              <a:tabLst/>
-            </a:pPr>
-            <a:r>
-              <a:rPr lang="en-US" sz="1800" kern="0" dirty="0">
-                <a:ea typeface="Arial Unicode MS" pitchFamily="34" charset="-128"/>
-                <a:cs typeface="Arial Unicode MS" pitchFamily="34" charset="-128"/>
-              </a:rPr>
-              <a:t>docker login &lt;registry </a:t>
-            </a:r>
-            <a:r>
-              <a:rPr lang="en-US" sz="1800" kern="0" dirty="0" err="1">
-                <a:ea typeface="Arial Unicode MS" pitchFamily="34" charset="-128"/>
-                <a:cs typeface="Arial Unicode MS" pitchFamily="34" charset="-128"/>
-              </a:rPr>
-              <a:t>url</a:t>
-            </a:r>
-            <a:r>
-              <a:rPr lang="en-US" sz="1800" kern="0" dirty="0">
-                <a:ea typeface="Arial Unicode MS" pitchFamily="34" charset="-128"/>
-                <a:cs typeface="Arial Unicode MS" pitchFamily="34" charset="-128"/>
-              </a:rPr>
-              <a:t>&gt; </a:t>
-            </a:r>
-          </a:p>
-          <a:p>
-            <a:pPr marR="0" defTabSz="914400" eaLnBrk="1" fontAlgn="base" latinLnBrk="0" hangingPunct="1">
-              <a:lnSpc>
-                <a:spcPct val="100000"/>
-              </a:lnSpc>
-              <a:spcBef>
-                <a:spcPts val="600"/>
-              </a:spcBef>
-              <a:spcAft>
-                <a:spcPct val="0"/>
-              </a:spcAft>
-              <a:buClr>
-                <a:srgbClr val="F0AB00"/>
-              </a:buClr>
-              <a:buSzPct val="80000"/>
-              <a:tabLst/>
-            </a:pPr>
-            <a:r>
-              <a:rPr lang="en-US" sz="1800" kern="0" dirty="0">
-                <a:ea typeface="Arial Unicode MS" pitchFamily="34" charset="-128"/>
-                <a:cs typeface="Arial Unicode MS" pitchFamily="34" charset="-128"/>
-              </a:rPr>
-              <a:t>-u &lt;username&gt;</a:t>
-            </a:r>
-          </a:p>
-          <a:p>
-            <a:pPr marR="0" defTabSz="914400" eaLnBrk="1" fontAlgn="base" latinLnBrk="0" hangingPunct="1">
-              <a:lnSpc>
-                <a:spcPct val="100000"/>
-              </a:lnSpc>
-              <a:spcBef>
-                <a:spcPts val="600"/>
-              </a:spcBef>
-              <a:spcAft>
-                <a:spcPct val="0"/>
-              </a:spcAft>
-              <a:buClr>
-                <a:srgbClr val="F0AB00"/>
-              </a:buClr>
-              <a:buSzPct val="80000"/>
-              <a:tabLst/>
-            </a:pPr>
-            <a:r>
-              <a:rPr lang="en-US" sz="1800" kern="0" dirty="0">
-                <a:ea typeface="Arial Unicode MS" pitchFamily="34" charset="-128"/>
-                <a:cs typeface="Arial Unicode MS" pitchFamily="34" charset="-128"/>
-              </a:rPr>
-              <a:t>-p &lt;password&gt;</a:t>
-            </a:r>
-            <a:endParaRPr kumimoji="0" lang="en-US" sz="1800" b="0" i="0" u="none" strike="noStrike" kern="0" cap="none" spc="0" normalizeH="0" baseline="0" noProof="0" dirty="0" err="1">
-              <a:ln>
-                <a:noFill/>
-              </a:ln>
-              <a:effectLst/>
-              <a:uLnTx/>
-              <a:uFillTx/>
-              <a:ea typeface="Arial Unicode MS" pitchFamily="34" charset="-128"/>
-              <a:cs typeface="Arial Unicode MS" pitchFamily="34" charset="-128"/>
-            </a:endParaRPr>
-          </a:p>
-        </p:txBody>
-      </p:sp>
-      <p:pic>
-        <p:nvPicPr>
-          <p:cNvPr id="29" name="Picture 28"/>
-          <p:cNvPicPr>
-            <a:picLocks noChangeAspect="1"/>
-          </p:cNvPicPr>
-          <p:nvPr/>
-        </p:nvPicPr>
-        <p:blipFill>
-          <a:blip r:embed="rId3"/>
-          <a:stretch>
-            <a:fillRect/>
-          </a:stretch>
-        </p:blipFill>
-        <p:spPr>
-          <a:xfrm rot="4927815" flipH="1">
-            <a:off x="10396613" y="4160567"/>
-            <a:ext cx="1378156" cy="1378156"/>
-          </a:xfrm>
-          <a:prstGeom prst="rect">
-            <a:avLst/>
-          </a:prstGeom>
-        </p:spPr>
-      </p:pic>
-      <p:sp>
-        <p:nvSpPr>
-          <p:cNvPr id="36" name="Rectangle 35"/>
-          <p:cNvSpPr/>
-          <p:nvPr/>
-        </p:nvSpPr>
-        <p:spPr bwMode="gray">
-          <a:xfrm>
-            <a:off x="5338061" y="2135830"/>
-            <a:ext cx="2414107" cy="1293169"/>
-          </a:xfrm>
-          <a:prstGeom prst="rect">
-            <a:avLst/>
-          </a:prstGeom>
-          <a:solidFill>
-            <a:schemeClr val="accent3">
-              <a:lumMod val="50000"/>
-            </a:schemeClr>
-          </a:solidFill>
-          <a:ln w="6350" algn="ctr">
-            <a:solidFill>
-              <a:schemeClr val="tx1"/>
-            </a:solidFill>
-            <a:miter lim="800000"/>
-            <a:headEnd/>
-            <a:tailEnd/>
-          </a:ln>
-        </p:spPr>
-        <p:txBody>
-          <a:bodyPr vert="horz" lIns="90000" tIns="72000" rIns="90000" bIns="72000" rtlCol="0" anchor="ctr"/>
-          <a:lstStyle/>
-          <a:p>
-            <a:pPr algn="ctr" defTabSz="914400" fontAlgn="base">
-              <a:spcBef>
-                <a:spcPct val="50000"/>
-              </a:spcBef>
-              <a:spcAft>
-                <a:spcPct val="0"/>
-              </a:spcAft>
-              <a:buClr>
-                <a:srgbClr val="F0AB00"/>
-              </a:buClr>
-              <a:buSzPct val="80000"/>
-            </a:pPr>
-            <a:r>
-              <a:rPr lang="en-US" sz="1600" kern="0">
-                <a:solidFill>
-                  <a:schemeClr val="bg1"/>
-                </a:solidFill>
-                <a:latin typeface="Arial"/>
-                <a:ea typeface="Arial Unicode MS" pitchFamily="34" charset="-128"/>
-              </a:rPr>
-              <a:t>dockerd</a:t>
-            </a:r>
-            <a:endParaRPr lang="en-US" sz="1600" kern="0" dirty="0">
-              <a:solidFill>
-                <a:schemeClr val="bg1"/>
-              </a:solidFill>
-              <a:latin typeface="Arial"/>
-              <a:ea typeface="Arial Unicode MS" pitchFamily="34" charset="-128"/>
-            </a:endParaRPr>
-          </a:p>
-        </p:txBody>
-      </p:sp>
-      <p:pic>
-        <p:nvPicPr>
-          <p:cNvPr id="11" name="Picture 10">
-            <a:extLst>
-              <a:ext uri="{FF2B5EF4-FFF2-40B4-BE49-F238E27FC236}">
-                <a16:creationId xmlns:a16="http://schemas.microsoft.com/office/drawing/2014/main" id="{8687B53D-D62B-41B5-9DDD-8963C6188C03}"/>
-              </a:ext>
-            </a:extLst>
-          </p:cNvPr>
-          <p:cNvPicPr>
-            <a:picLocks noChangeAspect="1"/>
-          </p:cNvPicPr>
-          <p:nvPr/>
-        </p:nvPicPr>
-        <p:blipFill>
-          <a:blip r:embed="rId4"/>
-          <a:stretch>
-            <a:fillRect/>
-          </a:stretch>
-        </p:blipFill>
-        <p:spPr>
-          <a:xfrm>
-            <a:off x="3136565" y="2705828"/>
-            <a:ext cx="1774008" cy="1774008"/>
-          </a:xfrm>
-          <a:prstGeom prst="rect">
-            <a:avLst/>
-          </a:prstGeom>
-        </p:spPr>
-      </p:pic>
-      <p:sp>
-        <p:nvSpPr>
-          <p:cNvPr id="2" name="Rectangle 1">
-            <a:extLst>
-              <a:ext uri="{FF2B5EF4-FFF2-40B4-BE49-F238E27FC236}">
-                <a16:creationId xmlns:a16="http://schemas.microsoft.com/office/drawing/2014/main" id="{25F2868B-D6D2-4C76-B481-6486923ADA06}"/>
-              </a:ext>
-            </a:extLst>
-          </p:cNvPr>
-          <p:cNvSpPr/>
-          <p:nvPr/>
-        </p:nvSpPr>
-        <p:spPr bwMode="gray">
-          <a:xfrm>
-            <a:off x="907136" y="4406148"/>
-            <a:ext cx="2392799" cy="886995"/>
-          </a:xfrm>
-          <a:prstGeom prst="rect">
-            <a:avLst/>
-          </a:prstGeom>
-          <a:solidFill>
-            <a:schemeClr val="accent1"/>
-          </a:solidFill>
-          <a:ln w="6350" algn="ctr">
-            <a:solidFill>
-              <a:schemeClr val="accent1">
-                <a:lumMod val="20000"/>
-                <a:lumOff val="80000"/>
-              </a:schemeClr>
-            </a:solidFill>
-            <a:miter lim="800000"/>
-            <a:headEnd/>
-            <a:tailEnd/>
-          </a:ln>
-        </p:spPr>
-        <p:txBody>
-          <a:bodyPr lIns="90000" tIns="72000" rIns="90000" bIns="72000" rtlCol="0" anchor="ctr"/>
-          <a:lstStyle/>
-          <a:p>
-            <a:pPr marR="0" algn="ctr" defTabSz="914400" eaLnBrk="1" fontAlgn="base" latinLnBrk="0" hangingPunct="1">
-              <a:lnSpc>
-                <a:spcPct val="100000"/>
-              </a:lnSpc>
-              <a:spcBef>
-                <a:spcPct val="50000"/>
-              </a:spcBef>
-              <a:spcAft>
-                <a:spcPct val="0"/>
-              </a:spcAft>
-              <a:buClr>
-                <a:srgbClr val="F0AB00"/>
-              </a:buClr>
-              <a:buSzPct val="80000"/>
-              <a:tabLst/>
-            </a:pPr>
-            <a:r>
-              <a:rPr kumimoji="0" lang="en-US" sz="1800" b="0" i="0" u="none" strike="noStrike" kern="0" cap="none" spc="0" normalizeH="0" baseline="0" noProof="0" dirty="0">
-                <a:ln>
-                  <a:noFill/>
-                </a:ln>
-                <a:effectLst/>
-                <a:uLnTx/>
-                <a:uFillTx/>
-                <a:ea typeface="Arial Unicode MS" pitchFamily="34" charset="-128"/>
-                <a:cs typeface="Arial Unicode MS" pitchFamily="34" charset="-128"/>
-              </a:rPr>
-              <a:t>User Management</a:t>
-            </a:r>
-          </a:p>
-        </p:txBody>
-      </p:sp>
-      <p:cxnSp>
-        <p:nvCxnSpPr>
-          <p:cNvPr id="6" name="Connector: Elbow 5">
-            <a:extLst>
-              <a:ext uri="{FF2B5EF4-FFF2-40B4-BE49-F238E27FC236}">
-                <a16:creationId xmlns:a16="http://schemas.microsoft.com/office/drawing/2014/main" id="{288D0C73-804E-414D-BC04-D6E95E9221F5}"/>
-              </a:ext>
-            </a:extLst>
-          </p:cNvPr>
-          <p:cNvCxnSpPr>
-            <a:stCxn id="2" idx="3"/>
-            <a:endCxn id="11" idx="2"/>
-          </p:cNvCxnSpPr>
-          <p:nvPr/>
-        </p:nvCxnSpPr>
-        <p:spPr>
-          <a:xfrm flipV="1">
-            <a:off x="3299935" y="4479836"/>
-            <a:ext cx="723634" cy="369810"/>
-          </a:xfrm>
-          <a:prstGeom prst="bentConnector2">
-            <a:avLst/>
-          </a:prstGeom>
-          <a:ln w="57150">
-            <a:solidFill>
-              <a:schemeClr val="accent1"/>
-            </a:solidFill>
-            <a:headEnd type="none" w="med" len="med"/>
-            <a:tailEnd type="triangle" w="med" len="med"/>
-          </a:ln>
-        </p:spPr>
-        <p:style>
-          <a:lnRef idx="1">
-            <a:schemeClr val="accent1"/>
-          </a:lnRef>
-          <a:fillRef idx="0">
-            <a:schemeClr val="accent1"/>
-          </a:fillRef>
-          <a:effectRef idx="0">
-            <a:schemeClr val="accent1"/>
-          </a:effectRef>
-          <a:fontRef idx="minor">
-            <a:schemeClr val="tx1"/>
-          </a:fontRef>
-        </p:style>
-      </p:cxnSp>
-      <p:pic>
-        <p:nvPicPr>
-          <p:cNvPr id="10" name="Graphic 9" descr="Document">
-            <a:extLst>
-              <a:ext uri="{FF2B5EF4-FFF2-40B4-BE49-F238E27FC236}">
-                <a16:creationId xmlns:a16="http://schemas.microsoft.com/office/drawing/2014/main" id="{6186E8BD-E751-4DAD-9E48-80FF3D8B0E39}"/>
-              </a:ext>
-            </a:extLst>
-          </p:cNvPr>
-          <p:cNvPicPr>
-            <a:picLocks noChangeAspect="1"/>
-          </p:cNvPicPr>
-          <p:nvPr/>
-        </p:nvPicPr>
-        <p:blipFill>
-          <a:blip r:embed="rId5">
-            <a:extLst>
-              <a:ext uri="{96DAC541-7B7A-43D3-8B79-37D633B846F1}">
-                <asvg:svgBlip xmlns:asvg="http://schemas.microsoft.com/office/drawing/2016/SVG/main" r:embed="rId6"/>
-              </a:ext>
-            </a:extLst>
-          </a:blip>
-          <a:stretch>
-            <a:fillRect/>
-          </a:stretch>
-        </p:blipFill>
-        <p:spPr>
-          <a:xfrm>
-            <a:off x="5666796" y="4077990"/>
-            <a:ext cx="914400" cy="914400"/>
-          </a:xfrm>
-          <a:prstGeom prst="rect">
-            <a:avLst/>
-          </a:prstGeom>
-        </p:spPr>
-      </p:pic>
-      <p:sp>
-        <p:nvSpPr>
-          <p:cNvPr id="12" name="TextBox 11">
-            <a:extLst>
-              <a:ext uri="{FF2B5EF4-FFF2-40B4-BE49-F238E27FC236}">
-                <a16:creationId xmlns:a16="http://schemas.microsoft.com/office/drawing/2014/main" id="{CDAF12C8-7ECC-46AC-A508-C52FC8A5C963}"/>
-              </a:ext>
-            </a:extLst>
-          </p:cNvPr>
-          <p:cNvSpPr txBox="1"/>
-          <p:nvPr/>
-        </p:nvSpPr>
-        <p:spPr>
-          <a:xfrm>
-            <a:off x="5471556" y="4992390"/>
-            <a:ext cx="1304880" cy="276999"/>
-          </a:xfrm>
-          <a:prstGeom prst="rect">
-            <a:avLst/>
-          </a:prstGeom>
-          <a:noFill/>
-        </p:spPr>
-        <p:txBody>
-          <a:bodyPr wrap="square" lIns="0" tIns="0" rIns="0" bIns="0" rtlCol="0">
-            <a:spAutoFit/>
-          </a:bodyPr>
-          <a:lstStyle/>
-          <a:p>
-            <a:pPr algn="ctr" fontAlgn="base">
-              <a:spcBef>
-                <a:spcPct val="50000"/>
-              </a:spcBef>
-              <a:spcAft>
-                <a:spcPct val="0"/>
-              </a:spcAft>
-              <a:buClr>
-                <a:srgbClr val="F0AB00"/>
-              </a:buClr>
-              <a:buSzPct val="80000"/>
-            </a:pPr>
-            <a:r>
-              <a:rPr lang="en-US" sz="1800" kern="0" dirty="0" err="1">
-                <a:solidFill>
-                  <a:schemeClr val="accent6">
-                    <a:lumMod val="50000"/>
-                  </a:schemeClr>
-                </a:solidFill>
-                <a:ea typeface="Arial Unicode MS" pitchFamily="34" charset="-128"/>
-                <a:cs typeface="Arial Unicode MS" pitchFamily="34" charset="-128"/>
-              </a:rPr>
-              <a:t>config.json</a:t>
-            </a:r>
-            <a:endParaRPr lang="en-US" sz="1800" kern="0" dirty="0">
-              <a:solidFill>
-                <a:schemeClr val="accent6">
-                  <a:lumMod val="50000"/>
-                </a:schemeClr>
-              </a:solidFill>
-              <a:ea typeface="Arial Unicode MS" pitchFamily="34" charset="-128"/>
-              <a:cs typeface="Arial Unicode MS" pitchFamily="34" charset="-128"/>
-            </a:endParaRPr>
-          </a:p>
-        </p:txBody>
-      </p:sp>
-      <p:cxnSp>
-        <p:nvCxnSpPr>
-          <p:cNvPr id="19" name="Straight Arrow Connector 18">
-            <a:extLst>
-              <a:ext uri="{FF2B5EF4-FFF2-40B4-BE49-F238E27FC236}">
-                <a16:creationId xmlns:a16="http://schemas.microsoft.com/office/drawing/2014/main" id="{13F24729-9B15-43FE-A91E-794CF2F681AE}"/>
-              </a:ext>
-            </a:extLst>
-          </p:cNvPr>
-          <p:cNvCxnSpPr>
-            <a:cxnSpLocks/>
-            <a:stCxn id="10" idx="0"/>
-          </p:cNvCxnSpPr>
-          <p:nvPr/>
-        </p:nvCxnSpPr>
-        <p:spPr>
-          <a:xfrm flipV="1">
-            <a:off x="6123996" y="3429000"/>
-            <a:ext cx="0" cy="648990"/>
-          </a:xfrm>
-          <a:prstGeom prst="straightConnector1">
-            <a:avLst/>
-          </a:prstGeom>
-          <a:ln w="57150">
-            <a:solidFill>
-              <a:schemeClr val="accent6">
-                <a:lumMod val="50000"/>
-              </a:schemeClr>
-            </a:solidFill>
-            <a:headEnd type="none" w="med" len="med"/>
-            <a:tailEnd type="triangle" w="med" len="med"/>
-          </a:ln>
-        </p:spPr>
-        <p:style>
-          <a:lnRef idx="1">
-            <a:schemeClr val="accent1"/>
-          </a:lnRef>
-          <a:fillRef idx="0">
-            <a:schemeClr val="accent1"/>
-          </a:fillRef>
-          <a:effectRef idx="0">
-            <a:schemeClr val="accent1"/>
-          </a:effectRef>
-          <a:fontRef idx="minor">
-            <a:schemeClr val="tx1"/>
-          </a:fontRef>
-        </p:style>
-      </p:cxnSp>
-      <p:pic>
-        <p:nvPicPr>
-          <p:cNvPr id="22" name="Graphic 21" descr="Laptop">
-            <a:extLst>
-              <a:ext uri="{FF2B5EF4-FFF2-40B4-BE49-F238E27FC236}">
-                <a16:creationId xmlns:a16="http://schemas.microsoft.com/office/drawing/2014/main" id="{4706E33B-D950-4CFE-AED0-70E8D0ADABC7}"/>
-              </a:ext>
-            </a:extLst>
-          </p:cNvPr>
-          <p:cNvPicPr>
-            <a:picLocks noChangeAspect="1"/>
-          </p:cNvPicPr>
-          <p:nvPr/>
-        </p:nvPicPr>
-        <p:blipFill>
-          <a:blip r:embed="rId7">
-            <a:extLst>
-              <a:ext uri="{96DAC541-7B7A-43D3-8B79-37D633B846F1}">
-                <asvg:svgBlip xmlns:asvg="http://schemas.microsoft.com/office/drawing/2016/SVG/main" r:embed="rId8"/>
-              </a:ext>
-            </a:extLst>
-          </a:blip>
-          <a:stretch>
-            <a:fillRect/>
-          </a:stretch>
-        </p:blipFill>
-        <p:spPr>
-          <a:xfrm>
-            <a:off x="9219829" y="2535845"/>
-            <a:ext cx="1542145" cy="1542145"/>
-          </a:xfrm>
-          <a:prstGeom prst="rect">
-            <a:avLst/>
-          </a:prstGeom>
-        </p:spPr>
-      </p:pic>
-      <p:sp>
-        <p:nvSpPr>
-          <p:cNvPr id="23" name="Arrow: Chevron 22">
-            <a:extLst>
-              <a:ext uri="{FF2B5EF4-FFF2-40B4-BE49-F238E27FC236}">
-                <a16:creationId xmlns:a16="http://schemas.microsoft.com/office/drawing/2014/main" id="{21A6C290-3016-47F6-A96A-336589ACAF5F}"/>
-              </a:ext>
-            </a:extLst>
-          </p:cNvPr>
-          <p:cNvSpPr/>
-          <p:nvPr/>
-        </p:nvSpPr>
-        <p:spPr bwMode="gray">
-          <a:xfrm rot="10800000">
-            <a:off x="6776436" y="4313441"/>
-            <a:ext cx="1242096" cy="443498"/>
-          </a:xfrm>
-          <a:prstGeom prst="chevron">
-            <a:avLst/>
-          </a:prstGeom>
-          <a:solidFill>
-            <a:schemeClr val="tx1"/>
-          </a:solidFill>
-          <a:ln w="6350" algn="ctr">
-            <a:noFill/>
-            <a:miter lim="800000"/>
-            <a:headEnd/>
-            <a:tailEnd/>
-          </a:ln>
-        </p:spPr>
-        <p:txBody>
-          <a:bodyPr lIns="90000" tIns="72000" rIns="90000" bIns="72000" rtlCol="0" anchor="ctr"/>
-          <a:lstStyle/>
-          <a:p>
-            <a:pPr marR="0" algn="ctr" defTabSz="914400" eaLnBrk="1" fontAlgn="base" latinLnBrk="0" hangingPunct="1">
-              <a:lnSpc>
-                <a:spcPct val="100000"/>
-              </a:lnSpc>
-              <a:spcBef>
-                <a:spcPct val="50000"/>
-              </a:spcBef>
-              <a:spcAft>
-                <a:spcPct val="0"/>
-              </a:spcAft>
-              <a:buClr>
-                <a:srgbClr val="F0AB00"/>
-              </a:buClr>
-              <a:buSzPct val="80000"/>
-              <a:tabLst/>
-            </a:pPr>
-            <a:endParaRPr kumimoji="0" lang="en-US" sz="1800" b="0" i="0" u="none" strike="noStrike" kern="0" cap="none" spc="0" normalizeH="0" baseline="0" noProof="0" dirty="0" err="1">
-              <a:ln>
-                <a:noFill/>
-              </a:ln>
-              <a:effectLst/>
-              <a:uLnTx/>
-              <a:uFillTx/>
-              <a:ea typeface="Arial Unicode MS" pitchFamily="34" charset="-128"/>
-              <a:cs typeface="Arial Unicode MS" pitchFamily="34" charset="-128"/>
-            </a:endParaRPr>
-          </a:p>
-        </p:txBody>
-      </p:sp>
-    </p:spTree>
-    <p:extLst>
-      <p:ext uri="{BB962C8B-B14F-4D97-AF65-F5344CB8AC3E}">
-        <p14:creationId xmlns:p14="http://schemas.microsoft.com/office/powerpoint/2010/main" val="4129837522"/>
       </p:ext>
     </p:extLst>
   </p:cSld>

--- a/docker/03_Images.pptx
+++ b/docker/03_Images.pptx
@@ -20431,10 +20431,10 @@
         </p:nvGrpSpPr>
         <p:grpSpPr>
           <a:xfrm>
-            <a:off x="4841966" y="1615987"/>
-            <a:ext cx="5947954" cy="3896539"/>
-            <a:chOff x="4693920" y="1694364"/>
-            <a:chExt cx="5947954" cy="3896539"/>
+            <a:off x="4841966" y="1615988"/>
+            <a:ext cx="5947954" cy="3365446"/>
+            <a:chOff x="4693920" y="1694365"/>
+            <a:chExt cx="5947954" cy="3365446"/>
           </a:xfrm>
         </p:grpSpPr>
         <p:sp>
@@ -20451,8 +20451,8 @@
           </p:nvSpPr>
           <p:spPr bwMode="gray">
             <a:xfrm>
-              <a:off x="4693920" y="1694364"/>
-              <a:ext cx="5947954" cy="3896539"/>
+              <a:off x="4693920" y="1694365"/>
+              <a:ext cx="5947954" cy="3365446"/>
             </a:xfrm>
             <a:prstGeom prst="rect">
               <a:avLst/>
@@ -20538,7 +20538,7 @@
           <p:spPr bwMode="gray">
             <a:xfrm>
               <a:off x="4920343" y="2718929"/>
-              <a:ext cx="5495108" cy="2645551"/>
+              <a:ext cx="5495108" cy="2095221"/>
             </a:xfrm>
             <a:prstGeom prst="rect">
               <a:avLst/>
@@ -20618,108 +20618,6 @@
           </p:nvSpPr>
           <p:spPr bwMode="gray">
             <a:xfrm>
-              <a:off x="5329646" y="4730608"/>
-              <a:ext cx="4972594" cy="496389"/>
-            </a:xfrm>
-            <a:prstGeom prst="rect">
-              <a:avLst/>
-            </a:prstGeom>
-            <a:solidFill>
-              <a:schemeClr val="accent2">
-                <a:lumMod val="75000"/>
-              </a:schemeClr>
-            </a:solidFill>
-            <a:ln w="6350" algn="ctr">
-              <a:solidFill>
-                <a:schemeClr val="tx1"/>
-              </a:solidFill>
-              <a:miter lim="800000"/>
-              <a:headEnd/>
-              <a:tailEnd/>
-            </a:ln>
-          </p:spPr>
-          <p:txBody>
-            <a:bodyPr lIns="90000" tIns="72000" rIns="90000" bIns="72000" rtlCol="0" anchor="ctr"/>
-            <a:lstStyle/>
-            <a:p>
-              <a:pPr marR="0" algn="ctr" defTabSz="914400" eaLnBrk="1" fontAlgn="base" latinLnBrk="0" hangingPunct="1">
-                <a:lnSpc>
-                  <a:spcPct val="100000"/>
-                </a:lnSpc>
-                <a:spcBef>
-                  <a:spcPct val="50000"/>
-                </a:spcBef>
-                <a:spcAft>
-                  <a:spcPct val="0"/>
-                </a:spcAft>
-                <a:buClr>
-                  <a:srgbClr val="F0AB00"/>
-                </a:buClr>
-                <a:buSzPct val="80000"/>
-                <a:tabLst/>
-              </a:pPr>
-              <a:r>
-                <a:rPr kumimoji="0" lang="en-US" sz="1800" b="0" i="0" u="none" strike="noStrike" kern="0" cap="none" spc="0" normalizeH="0" baseline="0" dirty="0">
-                  <a:ln>
-                    <a:noFill/>
-                  </a:ln>
-                  <a:solidFill>
-                    <a:schemeClr val="bg1"/>
-                  </a:solidFill>
-                  <a:effectLst/>
-                  <a:uLnTx/>
-                  <a:uFillTx/>
-                  <a:ea typeface="Arial Unicode MS" pitchFamily="34" charset="-128"/>
-                  <a:cs typeface="Arial Unicode MS" pitchFamily="34" charset="-128"/>
-                </a:rPr>
-                <a:t>Base Image</a:t>
-              </a:r>
-              <a:r>
-                <a:rPr kumimoji="0" lang="en-US" sz="1800" b="0" i="0" u="none" strike="noStrike" kern="0" cap="none" spc="0" normalizeH="0" dirty="0">
-                  <a:ln>
-                    <a:noFill/>
-                  </a:ln>
-                  <a:solidFill>
-                    <a:schemeClr val="bg1"/>
-                  </a:solidFill>
-                  <a:effectLst/>
-                  <a:uLnTx/>
-                  <a:uFillTx/>
-                  <a:ea typeface="Arial Unicode MS" pitchFamily="34" charset="-128"/>
-                  <a:cs typeface="Arial Unicode MS" pitchFamily="34" charset="-128"/>
-                </a:rPr>
-                <a:t> (e.g. Debian)</a:t>
-              </a:r>
-              <a:endParaRPr kumimoji="0" lang="en-US" sz="1800" b="0" i="0" u="none" strike="noStrike" kern="0" cap="none" spc="0" normalizeH="0" baseline="0" dirty="0">
-                <a:ln>
-                  <a:noFill/>
-                </a:ln>
-                <a:solidFill>
-                  <a:schemeClr val="bg1"/>
-                </a:solidFill>
-                <a:effectLst/>
-                <a:uLnTx/>
-                <a:uFillTx/>
-                <a:ea typeface="Arial Unicode MS" pitchFamily="34" charset="-128"/>
-                <a:cs typeface="Arial Unicode MS" pitchFamily="34" charset="-128"/>
-              </a:endParaRPr>
-            </a:p>
-          </p:txBody>
-        </p:sp>
-        <p:sp>
-          <p:nvSpPr>
-            <p:cNvPr id="18" name="Rectangle 17">
-              <a:extLst>
-                <a:ext uri="{FF2B5EF4-FFF2-40B4-BE49-F238E27FC236}">
-                  <a16:creationId xmlns:a16="http://schemas.microsoft.com/office/drawing/2014/main" id="{9A253E9F-4801-4888-96F6-7478CB4FA707}"/>
-                </a:ext>
-              </a:extLst>
-            </p:cNvPr>
-            <p:cNvSpPr/>
-            <p:nvPr/>
-          </p:nvSpPr>
-          <p:spPr bwMode="gray">
-            <a:xfrm>
               <a:off x="5329646" y="4103591"/>
               <a:ext cx="4972594" cy="496389"/>
             </a:xfrm>
@@ -20744,10 +20642,7 @@
             <a:bodyPr lIns="90000" tIns="72000" rIns="90000" bIns="72000" rtlCol="0" anchor="ctr"/>
             <a:lstStyle/>
             <a:p>
-              <a:pPr marR="0" algn="ctr" defTabSz="914400" eaLnBrk="1" fontAlgn="base" latinLnBrk="0" hangingPunct="1">
-                <a:lnSpc>
-                  <a:spcPct val="100000"/>
-                </a:lnSpc>
+              <a:pPr algn="ctr" defTabSz="914400" fontAlgn="base">
                 <a:spcBef>
                   <a:spcPct val="50000"/>
                 </a:spcBef>
@@ -20758,37 +20653,35 @@
                   <a:srgbClr val="F0AB00"/>
                 </a:buClr>
                 <a:buSzPct val="80000"/>
-                <a:tabLst/>
               </a:pPr>
               <a:r>
-                <a:rPr kumimoji="0" lang="en-US" sz="1800" b="0" i="0" u="none" strike="noStrike" kern="0" cap="none" spc="0" normalizeH="0" baseline="0" dirty="0" err="1">
-                  <a:ln>
-                    <a:noFill/>
-                  </a:ln>
+                <a:rPr lang="en-US" sz="1800" kern="0" dirty="0">
                   <a:solidFill>
                     <a:schemeClr val="bg1"/>
                   </a:solidFill>
-                  <a:effectLst/>
-                  <a:uLnTx/>
-                  <a:uFillTx/>
+                  <a:ea typeface="Arial Unicode MS" pitchFamily="34" charset="-128"/>
+                </a:rPr>
+                <a:t>Base Image (e.g. </a:t>
+              </a:r>
+              <a:r>
+                <a:rPr lang="en-US" sz="1800" kern="0" dirty="0" err="1">
+                  <a:solidFill>
+                    <a:schemeClr val="bg1"/>
+                  </a:solidFill>
                   <a:ea typeface="Arial Unicode MS" pitchFamily="34" charset="-128"/>
                   <a:cs typeface="Arial Unicode MS" pitchFamily="34" charset="-128"/>
                 </a:rPr>
                 <a:t>Busybox</a:t>
               </a:r>
-              <a:endParaRPr kumimoji="0" lang="en-US" sz="1800" b="0" i="0" u="none" strike="noStrike" kern="0" cap="none" spc="0" normalizeH="0" baseline="0" dirty="0">
-                <a:ln>
-                  <a:noFill/>
-                </a:ln>
-                <a:solidFill>
-                  <a:schemeClr val="bg1"/>
-                </a:solidFill>
-                <a:effectLst/>
-                <a:uLnTx/>
-                <a:uFillTx/>
-                <a:ea typeface="Arial Unicode MS" pitchFamily="34" charset="-128"/>
-                <a:cs typeface="Arial Unicode MS" pitchFamily="34" charset="-128"/>
-              </a:endParaRPr>
+              <a:r>
+                <a:rPr lang="en-US" sz="1800" kern="0" dirty="0">
+                  <a:solidFill>
+                    <a:schemeClr val="bg1"/>
+                  </a:solidFill>
+                  <a:ea typeface="Arial Unicode MS" pitchFamily="34" charset="-128"/>
+                </a:rPr>
+                <a:t>)</a:t>
+              </a:r>
             </a:p>
           </p:txBody>
         </p:sp>
